--- a/doc/架构图.pptx
+++ b/doc/架构图.pptx
@@ -6,6 +6,7 @@
   </p:sldMasterIdLst>
   <p:sldIdLst>
     <p:sldId id="256" r:id="rId2"/>
+    <p:sldId id="257" r:id="rId3"/>
   </p:sldIdLst>
   <p:sldSz cx="9144000" cy="6858000" type="screen4x3"/>
   <p:notesSz cx="6858000" cy="9144000"/>
@@ -288,7 +289,8 @@
           <a:p>
             <a:fld id="{9CCB53D5-3F0A-4974-9E71-2401F19FA0D5}" type="datetimeFigureOut">
               <a:rPr lang="zh-CN" altLang="en-US" smtClean="0"/>
-              <a:t>2019/1/10</a:t>
+              <a:pPr/>
+              <a:t>2019/1/15</a:t>
             </a:fld>
             <a:endParaRPr lang="zh-CN" altLang="en-US"/>
           </a:p>
@@ -330,6 +332,7 @@
           <a:p>
             <a:fld id="{9453F925-E850-46F6-9C83-0884CCC17503}" type="slidenum">
               <a:rPr lang="zh-CN" altLang="en-US" smtClean="0"/>
+              <a:pPr/>
               <a:t>‹#›</a:t>
             </a:fld>
             <a:endParaRPr lang="zh-CN" altLang="en-US"/>
@@ -453,7 +456,8 @@
           <a:p>
             <a:fld id="{9CCB53D5-3F0A-4974-9E71-2401F19FA0D5}" type="datetimeFigureOut">
               <a:rPr lang="zh-CN" altLang="en-US" smtClean="0"/>
-              <a:t>2019/1/10</a:t>
+              <a:pPr/>
+              <a:t>2019/1/15</a:t>
             </a:fld>
             <a:endParaRPr lang="zh-CN" altLang="en-US"/>
           </a:p>
@@ -495,6 +499,7 @@
           <a:p>
             <a:fld id="{9453F925-E850-46F6-9C83-0884CCC17503}" type="slidenum">
               <a:rPr lang="zh-CN" altLang="en-US" smtClean="0"/>
+              <a:pPr/>
               <a:t>‹#›</a:t>
             </a:fld>
             <a:endParaRPr lang="zh-CN" altLang="en-US"/>
@@ -628,7 +633,8 @@
           <a:p>
             <a:fld id="{9CCB53D5-3F0A-4974-9E71-2401F19FA0D5}" type="datetimeFigureOut">
               <a:rPr lang="zh-CN" altLang="en-US" smtClean="0"/>
-              <a:t>2019/1/10</a:t>
+              <a:pPr/>
+              <a:t>2019/1/15</a:t>
             </a:fld>
             <a:endParaRPr lang="zh-CN" altLang="en-US"/>
           </a:p>
@@ -670,6 +676,7 @@
           <a:p>
             <a:fld id="{9453F925-E850-46F6-9C83-0884CCC17503}" type="slidenum">
               <a:rPr lang="zh-CN" altLang="en-US" smtClean="0"/>
+              <a:pPr/>
               <a:t>‹#›</a:t>
             </a:fld>
             <a:endParaRPr lang="zh-CN" altLang="en-US"/>
@@ -793,7 +800,8 @@
           <a:p>
             <a:fld id="{9CCB53D5-3F0A-4974-9E71-2401F19FA0D5}" type="datetimeFigureOut">
               <a:rPr lang="zh-CN" altLang="en-US" smtClean="0"/>
-              <a:t>2019/1/10</a:t>
+              <a:pPr/>
+              <a:t>2019/1/15</a:t>
             </a:fld>
             <a:endParaRPr lang="zh-CN" altLang="en-US"/>
           </a:p>
@@ -835,6 +843,7 @@
           <a:p>
             <a:fld id="{9453F925-E850-46F6-9C83-0884CCC17503}" type="slidenum">
               <a:rPr lang="zh-CN" altLang="en-US" smtClean="0"/>
+              <a:pPr/>
               <a:t>‹#›</a:t>
             </a:fld>
             <a:endParaRPr lang="zh-CN" altLang="en-US"/>
@@ -1034,7 +1043,8 @@
           <a:p>
             <a:fld id="{9CCB53D5-3F0A-4974-9E71-2401F19FA0D5}" type="datetimeFigureOut">
               <a:rPr lang="zh-CN" altLang="en-US" smtClean="0"/>
-              <a:t>2019/1/10</a:t>
+              <a:pPr/>
+              <a:t>2019/1/15</a:t>
             </a:fld>
             <a:endParaRPr lang="zh-CN" altLang="en-US"/>
           </a:p>
@@ -1076,6 +1086,7 @@
           <a:p>
             <a:fld id="{9453F925-E850-46F6-9C83-0884CCC17503}" type="slidenum">
               <a:rPr lang="zh-CN" altLang="en-US" smtClean="0"/>
+              <a:pPr/>
               <a:t>‹#›</a:t>
             </a:fld>
             <a:endParaRPr lang="zh-CN" altLang="en-US"/>
@@ -1317,7 +1328,8 @@
           <a:p>
             <a:fld id="{9CCB53D5-3F0A-4974-9E71-2401F19FA0D5}" type="datetimeFigureOut">
               <a:rPr lang="zh-CN" altLang="en-US" smtClean="0"/>
-              <a:t>2019/1/10</a:t>
+              <a:pPr/>
+              <a:t>2019/1/15</a:t>
             </a:fld>
             <a:endParaRPr lang="zh-CN" altLang="en-US"/>
           </a:p>
@@ -1359,6 +1371,7 @@
           <a:p>
             <a:fld id="{9453F925-E850-46F6-9C83-0884CCC17503}" type="slidenum">
               <a:rPr lang="zh-CN" altLang="en-US" smtClean="0"/>
+              <a:pPr/>
               <a:t>‹#›</a:t>
             </a:fld>
             <a:endParaRPr lang="zh-CN" altLang="en-US"/>
@@ -1734,7 +1747,8 @@
           <a:p>
             <a:fld id="{9CCB53D5-3F0A-4974-9E71-2401F19FA0D5}" type="datetimeFigureOut">
               <a:rPr lang="zh-CN" altLang="en-US" smtClean="0"/>
-              <a:t>2019/1/10</a:t>
+              <a:pPr/>
+              <a:t>2019/1/15</a:t>
             </a:fld>
             <a:endParaRPr lang="zh-CN" altLang="en-US"/>
           </a:p>
@@ -1776,6 +1790,7 @@
           <a:p>
             <a:fld id="{9453F925-E850-46F6-9C83-0884CCC17503}" type="slidenum">
               <a:rPr lang="zh-CN" altLang="en-US" smtClean="0"/>
+              <a:pPr/>
               <a:t>‹#›</a:t>
             </a:fld>
             <a:endParaRPr lang="zh-CN" altLang="en-US"/>
@@ -1847,7 +1862,8 @@
           <a:p>
             <a:fld id="{9CCB53D5-3F0A-4974-9E71-2401F19FA0D5}" type="datetimeFigureOut">
               <a:rPr lang="zh-CN" altLang="en-US" smtClean="0"/>
-              <a:t>2019/1/10</a:t>
+              <a:pPr/>
+              <a:t>2019/1/15</a:t>
             </a:fld>
             <a:endParaRPr lang="zh-CN" altLang="en-US"/>
           </a:p>
@@ -1889,6 +1905,7 @@
           <a:p>
             <a:fld id="{9453F925-E850-46F6-9C83-0884CCC17503}" type="slidenum">
               <a:rPr lang="zh-CN" altLang="en-US" smtClean="0"/>
+              <a:pPr/>
               <a:t>‹#›</a:t>
             </a:fld>
             <a:endParaRPr lang="zh-CN" altLang="en-US"/>
@@ -1937,7 +1954,8 @@
           <a:p>
             <a:fld id="{9CCB53D5-3F0A-4974-9E71-2401F19FA0D5}" type="datetimeFigureOut">
               <a:rPr lang="zh-CN" altLang="en-US" smtClean="0"/>
-              <a:t>2019/1/10</a:t>
+              <a:pPr/>
+              <a:t>2019/1/15</a:t>
             </a:fld>
             <a:endParaRPr lang="zh-CN" altLang="en-US"/>
           </a:p>
@@ -1979,6 +1997,7 @@
           <a:p>
             <a:fld id="{9453F925-E850-46F6-9C83-0884CCC17503}" type="slidenum">
               <a:rPr lang="zh-CN" altLang="en-US" smtClean="0"/>
+              <a:pPr/>
               <a:t>‹#›</a:t>
             </a:fld>
             <a:endParaRPr lang="zh-CN" altLang="en-US"/>
@@ -2209,7 +2228,8 @@
           <a:p>
             <a:fld id="{9CCB53D5-3F0A-4974-9E71-2401F19FA0D5}" type="datetimeFigureOut">
               <a:rPr lang="zh-CN" altLang="en-US" smtClean="0"/>
-              <a:t>2019/1/10</a:t>
+              <a:pPr/>
+              <a:t>2019/1/15</a:t>
             </a:fld>
             <a:endParaRPr lang="zh-CN" altLang="en-US"/>
           </a:p>
@@ -2251,6 +2271,7 @@
           <a:p>
             <a:fld id="{9453F925-E850-46F6-9C83-0884CCC17503}" type="slidenum">
               <a:rPr lang="zh-CN" altLang="en-US" smtClean="0"/>
+              <a:pPr/>
               <a:t>‹#›</a:t>
             </a:fld>
             <a:endParaRPr lang="zh-CN" altLang="en-US"/>
@@ -2457,7 +2478,8 @@
           <a:p>
             <a:fld id="{9CCB53D5-3F0A-4974-9E71-2401F19FA0D5}" type="datetimeFigureOut">
               <a:rPr lang="zh-CN" altLang="en-US" smtClean="0"/>
-              <a:t>2019/1/10</a:t>
+              <a:pPr/>
+              <a:t>2019/1/15</a:t>
             </a:fld>
             <a:endParaRPr lang="zh-CN" altLang="en-US"/>
           </a:p>
@@ -2499,6 +2521,7 @@
           <a:p>
             <a:fld id="{9453F925-E850-46F6-9C83-0884CCC17503}" type="slidenum">
               <a:rPr lang="zh-CN" altLang="en-US" smtClean="0"/>
+              <a:pPr/>
               <a:t>‹#›</a:t>
             </a:fld>
             <a:endParaRPr lang="zh-CN" altLang="en-US"/>
@@ -2665,7 +2688,8 @@
           <a:p>
             <a:fld id="{9CCB53D5-3F0A-4974-9E71-2401F19FA0D5}" type="datetimeFigureOut">
               <a:rPr lang="zh-CN" altLang="en-US" smtClean="0"/>
-              <a:t>2019/1/10</a:t>
+              <a:pPr/>
+              <a:t>2019/1/15</a:t>
             </a:fld>
             <a:endParaRPr lang="zh-CN" altLang="en-US"/>
           </a:p>
@@ -2743,6 +2767,7 @@
           <a:p>
             <a:fld id="{9453F925-E850-46F6-9C83-0884CCC17503}" type="slidenum">
               <a:rPr lang="zh-CN" altLang="en-US" smtClean="0"/>
+              <a:pPr/>
               <a:t>‹#›</a:t>
             </a:fld>
             <a:endParaRPr lang="zh-CN" altLang="en-US"/>
@@ -4109,6 +4134,2195 @@
             <a:avLst/>
           </a:prstGeom>
           <a:ln>
+            <a:tailEnd type="arrow"/>
+          </a:ln>
+        </p:spPr>
+        <p:style>
+          <a:lnRef idx="1">
+            <a:schemeClr val="accent1"/>
+          </a:lnRef>
+          <a:fillRef idx="0">
+            <a:schemeClr val="accent1"/>
+          </a:fillRef>
+          <a:effectRef idx="0">
+            <a:schemeClr val="accent1"/>
+          </a:effectRef>
+          <a:fontRef idx="minor">
+            <a:schemeClr val="tx1"/>
+          </a:fontRef>
+        </p:style>
+      </p:cxnSp>
+    </p:spTree>
+  </p:cSld>
+  <p:clrMapOvr>
+    <a:masterClrMapping/>
+  </p:clrMapOvr>
+</p:sld>
+</file>
+
+<file path=ppt/slides/slide2.xml><?xml version="1.0" encoding="utf-8"?>
+<p:sld xmlns:a="http://schemas.openxmlformats.org/drawingml/2006/main" xmlns:r="http://schemas.openxmlformats.org/officeDocument/2006/relationships" xmlns:p="http://schemas.openxmlformats.org/presentationml/2006/main">
+  <p:cSld>
+    <p:spTree>
+      <p:nvGrpSpPr>
+        <p:cNvPr id="1" name=""/>
+        <p:cNvGrpSpPr/>
+        <p:nvPr/>
+      </p:nvGrpSpPr>
+      <p:grpSpPr>
+        <a:xfrm>
+          <a:off x="0" y="0"/>
+          <a:ext cx="0" cy="0"/>
+          <a:chOff x="0" y="0"/>
+          <a:chExt cx="0" cy="0"/>
+        </a:xfrm>
+      </p:grpSpPr>
+      <p:sp>
+        <p:nvSpPr>
+          <p:cNvPr id="35" name="矩形 34"/>
+          <p:cNvSpPr/>
+          <p:nvPr/>
+        </p:nvSpPr>
+        <p:spPr>
+          <a:xfrm>
+            <a:off x="1835696" y="3501008"/>
+            <a:ext cx="1224136" cy="2088232"/>
+          </a:xfrm>
+          <a:prstGeom prst="rect">
+            <a:avLst/>
+          </a:prstGeom>
+          <a:ln>
+            <a:noFill/>
+          </a:ln>
+        </p:spPr>
+        <p:style>
+          <a:lnRef idx="2">
+            <a:schemeClr val="accent1">
+              <a:shade val="50000"/>
+            </a:schemeClr>
+          </a:lnRef>
+          <a:fillRef idx="1">
+            <a:schemeClr val="accent1"/>
+          </a:fillRef>
+          <a:effectRef idx="0">
+            <a:schemeClr val="accent1"/>
+          </a:effectRef>
+          <a:fontRef idx="minor">
+            <a:schemeClr val="lt1"/>
+          </a:fontRef>
+        </p:style>
+        <p:txBody>
+          <a:bodyPr rtlCol="0" anchor="t"/>
+          <a:lstStyle/>
+          <a:p>
+            <a:pPr algn="ctr"/>
+            <a:r>
+              <a:rPr lang="zh-CN" altLang="en-US" sz="1200" dirty="0" smtClean="0"/>
+              <a:t>注</a:t>
+            </a:r>
+            <a:r>
+              <a:rPr lang="zh-CN" altLang="en-US" sz="1200" dirty="0" smtClean="0"/>
+              <a:t>册中</a:t>
+            </a:r>
+            <a:r>
+              <a:rPr lang="zh-CN" altLang="en-US" sz="1200" dirty="0" smtClean="0"/>
+              <a:t>心集群</a:t>
+            </a:r>
+            <a:endParaRPr lang="zh-CN" altLang="en-US" sz="1200" dirty="0"/>
+          </a:p>
+        </p:txBody>
+      </p:sp>
+      <p:sp>
+        <p:nvSpPr>
+          <p:cNvPr id="9" name="矩形 8"/>
+          <p:cNvSpPr/>
+          <p:nvPr/>
+        </p:nvSpPr>
+        <p:spPr>
+          <a:xfrm>
+            <a:off x="6084168" y="4365104"/>
+            <a:ext cx="1224136" cy="504056"/>
+          </a:xfrm>
+          <a:prstGeom prst="rect">
+            <a:avLst/>
+          </a:prstGeom>
+          <a:ln>
+            <a:noFill/>
+          </a:ln>
+        </p:spPr>
+        <p:style>
+          <a:lnRef idx="2">
+            <a:schemeClr val="accent1">
+              <a:shade val="50000"/>
+            </a:schemeClr>
+          </a:lnRef>
+          <a:fillRef idx="1">
+            <a:schemeClr val="accent1"/>
+          </a:fillRef>
+          <a:effectRef idx="0">
+            <a:schemeClr val="accent1"/>
+          </a:effectRef>
+          <a:fontRef idx="minor">
+            <a:schemeClr val="lt1"/>
+          </a:fontRef>
+        </p:style>
+        <p:txBody>
+          <a:bodyPr rtlCol="0" anchor="ctr"/>
+          <a:lstStyle/>
+          <a:p>
+            <a:pPr algn="ctr"/>
+            <a:r>
+              <a:rPr lang="zh-CN" altLang="en-US" sz="1200" dirty="0" smtClean="0"/>
+              <a:t>聚合监控信息</a:t>
+            </a:r>
+            <a:endParaRPr lang="en-US" altLang="zh-CN" sz="1200" dirty="0" smtClean="0"/>
+          </a:p>
+          <a:p>
+            <a:pPr algn="ctr"/>
+            <a:r>
+              <a:rPr lang="en-US" altLang="zh-CN" sz="1200" dirty="0" err="1" smtClean="0"/>
+              <a:t>hystrix</a:t>
+            </a:r>
+            <a:r>
+              <a:rPr lang="en-US" altLang="zh-CN" sz="1200" dirty="0" smtClean="0"/>
+              <a:t>-turbine</a:t>
+            </a:r>
+            <a:endParaRPr lang="zh-CN" altLang="en-US" sz="1200" dirty="0"/>
+          </a:p>
+        </p:txBody>
+      </p:sp>
+      <p:sp>
+        <p:nvSpPr>
+          <p:cNvPr id="10" name="矩形 9"/>
+          <p:cNvSpPr/>
+          <p:nvPr/>
+        </p:nvSpPr>
+        <p:spPr>
+          <a:xfrm>
+            <a:off x="7596336" y="4365104"/>
+            <a:ext cx="1296144" cy="504056"/>
+          </a:xfrm>
+          <a:prstGeom prst="rect">
+            <a:avLst/>
+          </a:prstGeom>
+          <a:ln>
+            <a:noFill/>
+          </a:ln>
+        </p:spPr>
+        <p:style>
+          <a:lnRef idx="2">
+            <a:schemeClr val="accent1">
+              <a:shade val="50000"/>
+            </a:schemeClr>
+          </a:lnRef>
+          <a:fillRef idx="1">
+            <a:schemeClr val="accent1"/>
+          </a:fillRef>
+          <a:effectRef idx="0">
+            <a:schemeClr val="accent1"/>
+          </a:effectRef>
+          <a:fontRef idx="minor">
+            <a:schemeClr val="lt1"/>
+          </a:fontRef>
+        </p:style>
+        <p:txBody>
+          <a:bodyPr rtlCol="0" anchor="ctr"/>
+          <a:lstStyle/>
+          <a:p>
+            <a:pPr algn="ctr"/>
+            <a:r>
+              <a:rPr lang="zh-CN" altLang="en-US" sz="1200" dirty="0" smtClean="0"/>
+              <a:t>监控信息展示</a:t>
+            </a:r>
+            <a:endParaRPr lang="en-US" altLang="zh-CN" sz="1200" dirty="0" smtClean="0"/>
+          </a:p>
+          <a:p>
+            <a:pPr algn="ctr"/>
+            <a:r>
+              <a:rPr lang="en-US" altLang="zh-CN" sz="1200" dirty="0" err="1" smtClean="0"/>
+              <a:t>hystrix</a:t>
+            </a:r>
+            <a:r>
+              <a:rPr lang="en-US" altLang="zh-CN" sz="1200" dirty="0" smtClean="0"/>
+              <a:t>-dashboard</a:t>
+            </a:r>
+            <a:endParaRPr lang="zh-CN" altLang="en-US" sz="1200" dirty="0"/>
+          </a:p>
+        </p:txBody>
+      </p:sp>
+      <p:cxnSp>
+        <p:nvCxnSpPr>
+          <p:cNvPr id="30" name="直接箭头连接符 29"/>
+          <p:cNvCxnSpPr>
+            <a:stCxn id="10" idx="1"/>
+            <a:endCxn id="9" idx="3"/>
+          </p:cNvCxnSpPr>
+          <p:nvPr/>
+        </p:nvCxnSpPr>
+        <p:spPr>
+          <a:xfrm flipH="1">
+            <a:off x="7308304" y="4617132"/>
+            <a:ext cx="288032" cy="0"/>
+          </a:xfrm>
+          <a:prstGeom prst="straightConnector1">
+            <a:avLst/>
+          </a:prstGeom>
+          <a:ln>
+            <a:solidFill>
+              <a:srgbClr val="FF0000"/>
+            </a:solidFill>
+            <a:tailEnd type="arrow"/>
+          </a:ln>
+        </p:spPr>
+        <p:style>
+          <a:lnRef idx="1">
+            <a:schemeClr val="accent1"/>
+          </a:lnRef>
+          <a:fillRef idx="0">
+            <a:schemeClr val="accent1"/>
+          </a:fillRef>
+          <a:effectRef idx="0">
+            <a:schemeClr val="accent1"/>
+          </a:effectRef>
+          <a:fontRef idx="minor">
+            <a:schemeClr val="tx1"/>
+          </a:fontRef>
+        </p:style>
+      </p:cxnSp>
+      <p:sp>
+        <p:nvSpPr>
+          <p:cNvPr id="31" name="矩形 30"/>
+          <p:cNvSpPr/>
+          <p:nvPr/>
+        </p:nvSpPr>
+        <p:spPr>
+          <a:xfrm>
+            <a:off x="1979712" y="3789040"/>
+            <a:ext cx="936104" cy="504056"/>
+          </a:xfrm>
+          <a:prstGeom prst="rect">
+            <a:avLst/>
+          </a:prstGeom>
+          <a:solidFill>
+            <a:schemeClr val="tx2">
+              <a:lumMod val="20000"/>
+              <a:lumOff val="80000"/>
+            </a:schemeClr>
+          </a:solidFill>
+          <a:ln>
+            <a:noFill/>
+          </a:ln>
+        </p:spPr>
+        <p:style>
+          <a:lnRef idx="2">
+            <a:schemeClr val="accent1">
+              <a:shade val="50000"/>
+            </a:schemeClr>
+          </a:lnRef>
+          <a:fillRef idx="1">
+            <a:schemeClr val="accent1"/>
+          </a:fillRef>
+          <a:effectRef idx="0">
+            <a:schemeClr val="accent1"/>
+          </a:effectRef>
+          <a:fontRef idx="minor">
+            <a:schemeClr val="lt1"/>
+          </a:fontRef>
+        </p:style>
+        <p:txBody>
+          <a:bodyPr rtlCol="0" anchor="ctr"/>
+          <a:lstStyle/>
+          <a:p>
+            <a:pPr algn="ctr"/>
+            <a:r>
+              <a:rPr lang="en-US" altLang="zh-CN" sz="1200" dirty="0" smtClean="0">
+                <a:solidFill>
+                  <a:schemeClr val="tx1"/>
+                </a:solidFill>
+              </a:rPr>
+              <a:t>Eureka Server</a:t>
+            </a:r>
+            <a:endParaRPr lang="zh-CN" altLang="en-US" sz="1200" dirty="0">
+              <a:solidFill>
+                <a:schemeClr val="tx1"/>
+              </a:solidFill>
+            </a:endParaRPr>
+          </a:p>
+        </p:txBody>
+      </p:sp>
+      <p:sp>
+        <p:nvSpPr>
+          <p:cNvPr id="28" name="矩形 27"/>
+          <p:cNvSpPr/>
+          <p:nvPr/>
+        </p:nvSpPr>
+        <p:spPr>
+          <a:xfrm>
+            <a:off x="1979712" y="4365104"/>
+            <a:ext cx="936104" cy="504056"/>
+          </a:xfrm>
+          <a:prstGeom prst="rect">
+            <a:avLst/>
+          </a:prstGeom>
+          <a:solidFill>
+            <a:schemeClr val="tx2">
+              <a:lumMod val="20000"/>
+              <a:lumOff val="80000"/>
+            </a:schemeClr>
+          </a:solidFill>
+          <a:ln>
+            <a:noFill/>
+          </a:ln>
+        </p:spPr>
+        <p:style>
+          <a:lnRef idx="2">
+            <a:schemeClr val="accent1">
+              <a:shade val="50000"/>
+            </a:schemeClr>
+          </a:lnRef>
+          <a:fillRef idx="1">
+            <a:schemeClr val="accent1"/>
+          </a:fillRef>
+          <a:effectRef idx="0">
+            <a:schemeClr val="accent1"/>
+          </a:effectRef>
+          <a:fontRef idx="minor">
+            <a:schemeClr val="lt1"/>
+          </a:fontRef>
+        </p:style>
+        <p:txBody>
+          <a:bodyPr rtlCol="0" anchor="ctr"/>
+          <a:lstStyle/>
+          <a:p>
+            <a:pPr algn="ctr"/>
+            <a:r>
+              <a:rPr lang="en-US" altLang="zh-CN" sz="1200" dirty="0" smtClean="0">
+                <a:solidFill>
+                  <a:schemeClr val="tx1"/>
+                </a:solidFill>
+              </a:rPr>
+              <a:t>Eureka Server</a:t>
+            </a:r>
+            <a:endParaRPr lang="zh-CN" altLang="en-US" sz="1200" dirty="0">
+              <a:solidFill>
+                <a:schemeClr val="tx1"/>
+              </a:solidFill>
+            </a:endParaRPr>
+          </a:p>
+        </p:txBody>
+      </p:sp>
+      <p:sp>
+        <p:nvSpPr>
+          <p:cNvPr id="29" name="矩形 28"/>
+          <p:cNvSpPr/>
+          <p:nvPr/>
+        </p:nvSpPr>
+        <p:spPr>
+          <a:xfrm>
+            <a:off x="1979712" y="4941168"/>
+            <a:ext cx="936104" cy="504056"/>
+          </a:xfrm>
+          <a:prstGeom prst="rect">
+            <a:avLst/>
+          </a:prstGeom>
+          <a:solidFill>
+            <a:schemeClr val="tx2">
+              <a:lumMod val="20000"/>
+              <a:lumOff val="80000"/>
+            </a:schemeClr>
+          </a:solidFill>
+          <a:ln>
+            <a:noFill/>
+          </a:ln>
+        </p:spPr>
+        <p:style>
+          <a:lnRef idx="2">
+            <a:schemeClr val="accent1">
+              <a:shade val="50000"/>
+            </a:schemeClr>
+          </a:lnRef>
+          <a:fillRef idx="1">
+            <a:schemeClr val="accent1"/>
+          </a:fillRef>
+          <a:effectRef idx="0">
+            <a:schemeClr val="accent1"/>
+          </a:effectRef>
+          <a:fontRef idx="minor">
+            <a:schemeClr val="lt1"/>
+          </a:fontRef>
+        </p:style>
+        <p:txBody>
+          <a:bodyPr rtlCol="0" anchor="ctr"/>
+          <a:lstStyle/>
+          <a:p>
+            <a:pPr algn="ctr"/>
+            <a:r>
+              <a:rPr lang="en-US" altLang="zh-CN" sz="1200" dirty="0" smtClean="0">
+                <a:solidFill>
+                  <a:schemeClr val="tx1"/>
+                </a:solidFill>
+              </a:rPr>
+              <a:t>Eureka Server</a:t>
+            </a:r>
+            <a:endParaRPr lang="zh-CN" altLang="en-US" sz="1200" dirty="0">
+              <a:solidFill>
+                <a:schemeClr val="tx1"/>
+              </a:solidFill>
+            </a:endParaRPr>
+          </a:p>
+        </p:txBody>
+      </p:sp>
+      <p:sp>
+        <p:nvSpPr>
+          <p:cNvPr id="36" name="矩形 35"/>
+          <p:cNvSpPr/>
+          <p:nvPr/>
+        </p:nvSpPr>
+        <p:spPr>
+          <a:xfrm>
+            <a:off x="179512" y="3501008"/>
+            <a:ext cx="1224136" cy="2088232"/>
+          </a:xfrm>
+          <a:prstGeom prst="rect">
+            <a:avLst/>
+          </a:prstGeom>
+          <a:ln>
+            <a:noFill/>
+          </a:ln>
+        </p:spPr>
+        <p:style>
+          <a:lnRef idx="2">
+            <a:schemeClr val="accent1">
+              <a:shade val="50000"/>
+            </a:schemeClr>
+          </a:lnRef>
+          <a:fillRef idx="1">
+            <a:schemeClr val="accent1"/>
+          </a:fillRef>
+          <a:effectRef idx="0">
+            <a:schemeClr val="accent1"/>
+          </a:effectRef>
+          <a:fontRef idx="minor">
+            <a:schemeClr val="lt1"/>
+          </a:fontRef>
+        </p:style>
+        <p:txBody>
+          <a:bodyPr rtlCol="0" anchor="t"/>
+          <a:lstStyle/>
+          <a:p>
+            <a:pPr algn="ctr"/>
+            <a:r>
+              <a:rPr lang="zh-CN" altLang="en-US" sz="1200" dirty="0" smtClean="0"/>
+              <a:t>服务提供者</a:t>
+            </a:r>
+            <a:endParaRPr lang="zh-CN" altLang="en-US" sz="1200" dirty="0"/>
+          </a:p>
+        </p:txBody>
+      </p:sp>
+      <p:sp>
+        <p:nvSpPr>
+          <p:cNvPr id="38" name="矩形 37"/>
+          <p:cNvSpPr/>
+          <p:nvPr/>
+        </p:nvSpPr>
+        <p:spPr>
+          <a:xfrm>
+            <a:off x="323528" y="3789040"/>
+            <a:ext cx="936104" cy="504056"/>
+          </a:xfrm>
+          <a:prstGeom prst="rect">
+            <a:avLst/>
+          </a:prstGeom>
+          <a:solidFill>
+            <a:schemeClr val="tx2">
+              <a:lumMod val="20000"/>
+              <a:lumOff val="80000"/>
+            </a:schemeClr>
+          </a:solidFill>
+          <a:ln>
+            <a:noFill/>
+          </a:ln>
+        </p:spPr>
+        <p:style>
+          <a:lnRef idx="2">
+            <a:schemeClr val="accent1">
+              <a:shade val="50000"/>
+            </a:schemeClr>
+          </a:lnRef>
+          <a:fillRef idx="1">
+            <a:schemeClr val="accent1"/>
+          </a:fillRef>
+          <a:effectRef idx="0">
+            <a:schemeClr val="accent1"/>
+          </a:effectRef>
+          <a:fontRef idx="minor">
+            <a:schemeClr val="lt1"/>
+          </a:fontRef>
+        </p:style>
+        <p:txBody>
+          <a:bodyPr rtlCol="0" anchor="ctr"/>
+          <a:lstStyle/>
+          <a:p>
+            <a:pPr algn="ctr"/>
+            <a:r>
+              <a:rPr lang="en-US" altLang="zh-CN" sz="1200" dirty="0" smtClean="0">
+                <a:solidFill>
+                  <a:schemeClr val="tx1"/>
+                </a:solidFill>
+              </a:rPr>
+              <a:t>Service Provider</a:t>
+            </a:r>
+            <a:endParaRPr lang="zh-CN" altLang="en-US" sz="1200" dirty="0">
+              <a:solidFill>
+                <a:schemeClr val="tx1"/>
+              </a:solidFill>
+            </a:endParaRPr>
+          </a:p>
+        </p:txBody>
+      </p:sp>
+      <p:sp>
+        <p:nvSpPr>
+          <p:cNvPr id="39" name="矩形 38"/>
+          <p:cNvSpPr/>
+          <p:nvPr/>
+        </p:nvSpPr>
+        <p:spPr>
+          <a:xfrm>
+            <a:off x="323528" y="4365104"/>
+            <a:ext cx="936104" cy="504056"/>
+          </a:xfrm>
+          <a:prstGeom prst="rect">
+            <a:avLst/>
+          </a:prstGeom>
+          <a:solidFill>
+            <a:schemeClr val="tx2">
+              <a:lumMod val="20000"/>
+              <a:lumOff val="80000"/>
+            </a:schemeClr>
+          </a:solidFill>
+          <a:ln>
+            <a:noFill/>
+          </a:ln>
+        </p:spPr>
+        <p:style>
+          <a:lnRef idx="2">
+            <a:schemeClr val="accent1">
+              <a:shade val="50000"/>
+            </a:schemeClr>
+          </a:lnRef>
+          <a:fillRef idx="1">
+            <a:schemeClr val="accent1"/>
+          </a:fillRef>
+          <a:effectRef idx="0">
+            <a:schemeClr val="accent1"/>
+          </a:effectRef>
+          <a:fontRef idx="minor">
+            <a:schemeClr val="lt1"/>
+          </a:fontRef>
+        </p:style>
+        <p:txBody>
+          <a:bodyPr rtlCol="0" anchor="ctr"/>
+          <a:lstStyle/>
+          <a:p>
+            <a:pPr algn="ctr"/>
+            <a:r>
+              <a:rPr lang="en-US" altLang="zh-CN" sz="1200" dirty="0" smtClean="0">
+                <a:solidFill>
+                  <a:schemeClr val="tx1"/>
+                </a:solidFill>
+              </a:rPr>
+              <a:t>Service Provider</a:t>
+            </a:r>
+            <a:endParaRPr lang="zh-CN" altLang="en-US" sz="1200" dirty="0">
+              <a:solidFill>
+                <a:schemeClr val="tx1"/>
+              </a:solidFill>
+            </a:endParaRPr>
+          </a:p>
+        </p:txBody>
+      </p:sp>
+      <p:sp>
+        <p:nvSpPr>
+          <p:cNvPr id="40" name="矩形 39"/>
+          <p:cNvSpPr/>
+          <p:nvPr/>
+        </p:nvSpPr>
+        <p:spPr>
+          <a:xfrm>
+            <a:off x="323528" y="4941168"/>
+            <a:ext cx="936104" cy="504056"/>
+          </a:xfrm>
+          <a:prstGeom prst="rect">
+            <a:avLst/>
+          </a:prstGeom>
+          <a:solidFill>
+            <a:schemeClr val="tx2">
+              <a:lumMod val="20000"/>
+              <a:lumOff val="80000"/>
+            </a:schemeClr>
+          </a:solidFill>
+          <a:ln>
+            <a:noFill/>
+          </a:ln>
+        </p:spPr>
+        <p:style>
+          <a:lnRef idx="2">
+            <a:schemeClr val="accent1">
+              <a:shade val="50000"/>
+            </a:schemeClr>
+          </a:lnRef>
+          <a:fillRef idx="1">
+            <a:schemeClr val="accent1"/>
+          </a:fillRef>
+          <a:effectRef idx="0">
+            <a:schemeClr val="accent1"/>
+          </a:effectRef>
+          <a:fontRef idx="minor">
+            <a:schemeClr val="lt1"/>
+          </a:fontRef>
+        </p:style>
+        <p:txBody>
+          <a:bodyPr rtlCol="0" anchor="ctr"/>
+          <a:lstStyle/>
+          <a:p>
+            <a:pPr algn="ctr"/>
+            <a:r>
+              <a:rPr lang="en-US" altLang="zh-CN" sz="1200" dirty="0" smtClean="0">
+                <a:solidFill>
+                  <a:schemeClr val="tx1"/>
+                </a:solidFill>
+              </a:rPr>
+              <a:t>Service Provider</a:t>
+            </a:r>
+            <a:endParaRPr lang="zh-CN" altLang="en-US" sz="1200" dirty="0">
+              <a:solidFill>
+                <a:schemeClr val="tx1"/>
+              </a:solidFill>
+            </a:endParaRPr>
+          </a:p>
+        </p:txBody>
+      </p:sp>
+      <p:sp>
+        <p:nvSpPr>
+          <p:cNvPr id="41" name="矩形 40"/>
+          <p:cNvSpPr/>
+          <p:nvPr/>
+        </p:nvSpPr>
+        <p:spPr>
+          <a:xfrm>
+            <a:off x="4572000" y="3501008"/>
+            <a:ext cx="1224136" cy="2088232"/>
+          </a:xfrm>
+          <a:prstGeom prst="rect">
+            <a:avLst/>
+          </a:prstGeom>
+          <a:ln>
+            <a:noFill/>
+          </a:ln>
+        </p:spPr>
+        <p:style>
+          <a:lnRef idx="2">
+            <a:schemeClr val="accent1">
+              <a:shade val="50000"/>
+            </a:schemeClr>
+          </a:lnRef>
+          <a:fillRef idx="1">
+            <a:schemeClr val="accent1"/>
+          </a:fillRef>
+          <a:effectRef idx="0">
+            <a:schemeClr val="accent1"/>
+          </a:effectRef>
+          <a:fontRef idx="minor">
+            <a:schemeClr val="lt1"/>
+          </a:fontRef>
+        </p:style>
+        <p:txBody>
+          <a:bodyPr rtlCol="0" anchor="t"/>
+          <a:lstStyle/>
+          <a:p>
+            <a:pPr algn="ctr"/>
+            <a:r>
+              <a:rPr lang="zh-CN" altLang="en-US" sz="1200" dirty="0" smtClean="0"/>
+              <a:t>服务消费者</a:t>
+            </a:r>
+            <a:endParaRPr lang="zh-CN" altLang="en-US" sz="1200" dirty="0"/>
+          </a:p>
+        </p:txBody>
+      </p:sp>
+      <p:sp>
+        <p:nvSpPr>
+          <p:cNvPr id="42" name="矩形 41"/>
+          <p:cNvSpPr/>
+          <p:nvPr/>
+        </p:nvSpPr>
+        <p:spPr>
+          <a:xfrm>
+            <a:off x="4716016" y="3789040"/>
+            <a:ext cx="936104" cy="504056"/>
+          </a:xfrm>
+          <a:prstGeom prst="rect">
+            <a:avLst/>
+          </a:prstGeom>
+          <a:solidFill>
+            <a:schemeClr val="tx2">
+              <a:lumMod val="20000"/>
+              <a:lumOff val="80000"/>
+            </a:schemeClr>
+          </a:solidFill>
+          <a:ln>
+            <a:noFill/>
+          </a:ln>
+        </p:spPr>
+        <p:style>
+          <a:lnRef idx="2">
+            <a:schemeClr val="accent1">
+              <a:shade val="50000"/>
+            </a:schemeClr>
+          </a:lnRef>
+          <a:fillRef idx="1">
+            <a:schemeClr val="accent1"/>
+          </a:fillRef>
+          <a:effectRef idx="0">
+            <a:schemeClr val="accent1"/>
+          </a:effectRef>
+          <a:fontRef idx="minor">
+            <a:schemeClr val="lt1"/>
+          </a:fontRef>
+        </p:style>
+        <p:txBody>
+          <a:bodyPr rtlCol="0" anchor="ctr"/>
+          <a:lstStyle/>
+          <a:p>
+            <a:pPr algn="ctr"/>
+            <a:r>
+              <a:rPr lang="en-US" altLang="zh-CN" sz="1200" dirty="0" smtClean="0">
+                <a:solidFill>
+                  <a:schemeClr val="tx1"/>
+                </a:solidFill>
+              </a:rPr>
+              <a:t>Service Consumer</a:t>
+            </a:r>
+            <a:endParaRPr lang="zh-CN" altLang="en-US" sz="1200" dirty="0">
+              <a:solidFill>
+                <a:schemeClr val="tx1"/>
+              </a:solidFill>
+            </a:endParaRPr>
+          </a:p>
+        </p:txBody>
+      </p:sp>
+      <p:sp>
+        <p:nvSpPr>
+          <p:cNvPr id="43" name="矩形 42"/>
+          <p:cNvSpPr/>
+          <p:nvPr/>
+        </p:nvSpPr>
+        <p:spPr>
+          <a:xfrm>
+            <a:off x="4716016" y="4365104"/>
+            <a:ext cx="936104" cy="504056"/>
+          </a:xfrm>
+          <a:prstGeom prst="rect">
+            <a:avLst/>
+          </a:prstGeom>
+          <a:solidFill>
+            <a:schemeClr val="tx2">
+              <a:lumMod val="20000"/>
+              <a:lumOff val="80000"/>
+            </a:schemeClr>
+          </a:solidFill>
+          <a:ln>
+            <a:noFill/>
+          </a:ln>
+        </p:spPr>
+        <p:style>
+          <a:lnRef idx="2">
+            <a:schemeClr val="accent1">
+              <a:shade val="50000"/>
+            </a:schemeClr>
+          </a:lnRef>
+          <a:fillRef idx="1">
+            <a:schemeClr val="accent1"/>
+          </a:fillRef>
+          <a:effectRef idx="0">
+            <a:schemeClr val="accent1"/>
+          </a:effectRef>
+          <a:fontRef idx="minor">
+            <a:schemeClr val="lt1"/>
+          </a:fontRef>
+        </p:style>
+        <p:txBody>
+          <a:bodyPr rtlCol="0" anchor="ctr"/>
+          <a:lstStyle/>
+          <a:p>
+            <a:pPr algn="ctr"/>
+            <a:r>
+              <a:rPr lang="en-US" altLang="zh-CN" sz="1200" dirty="0" smtClean="0">
+                <a:solidFill>
+                  <a:schemeClr val="tx1"/>
+                </a:solidFill>
+              </a:rPr>
+              <a:t>Service Consumer</a:t>
+            </a:r>
+            <a:endParaRPr lang="zh-CN" altLang="en-US" sz="1200" dirty="0">
+              <a:solidFill>
+                <a:schemeClr val="tx1"/>
+              </a:solidFill>
+            </a:endParaRPr>
+          </a:p>
+        </p:txBody>
+      </p:sp>
+      <p:sp>
+        <p:nvSpPr>
+          <p:cNvPr id="47" name="矩形 46"/>
+          <p:cNvSpPr/>
+          <p:nvPr/>
+        </p:nvSpPr>
+        <p:spPr>
+          <a:xfrm>
+            <a:off x="4716016" y="4941168"/>
+            <a:ext cx="936104" cy="504056"/>
+          </a:xfrm>
+          <a:prstGeom prst="rect">
+            <a:avLst/>
+          </a:prstGeom>
+          <a:solidFill>
+            <a:schemeClr val="tx2">
+              <a:lumMod val="20000"/>
+              <a:lumOff val="80000"/>
+            </a:schemeClr>
+          </a:solidFill>
+          <a:ln>
+            <a:noFill/>
+          </a:ln>
+        </p:spPr>
+        <p:style>
+          <a:lnRef idx="2">
+            <a:schemeClr val="accent1">
+              <a:shade val="50000"/>
+            </a:schemeClr>
+          </a:lnRef>
+          <a:fillRef idx="1">
+            <a:schemeClr val="accent1"/>
+          </a:fillRef>
+          <a:effectRef idx="0">
+            <a:schemeClr val="accent1"/>
+          </a:effectRef>
+          <a:fontRef idx="minor">
+            <a:schemeClr val="lt1"/>
+          </a:fontRef>
+        </p:style>
+        <p:txBody>
+          <a:bodyPr rtlCol="0" anchor="ctr"/>
+          <a:lstStyle/>
+          <a:p>
+            <a:pPr algn="ctr"/>
+            <a:r>
+              <a:rPr lang="en-US" altLang="zh-CN" sz="1200" dirty="0" smtClean="0">
+                <a:solidFill>
+                  <a:schemeClr val="tx1"/>
+                </a:solidFill>
+              </a:rPr>
+              <a:t>Service Consumer</a:t>
+            </a:r>
+            <a:endParaRPr lang="zh-CN" altLang="en-US" sz="1200" dirty="0">
+              <a:solidFill>
+                <a:schemeClr val="tx1"/>
+              </a:solidFill>
+            </a:endParaRPr>
+          </a:p>
+        </p:txBody>
+      </p:sp>
+      <p:cxnSp>
+        <p:nvCxnSpPr>
+          <p:cNvPr id="57" name="直接箭头连接符 56"/>
+          <p:cNvCxnSpPr>
+            <a:stCxn id="9" idx="1"/>
+            <a:endCxn id="42" idx="3"/>
+          </p:cNvCxnSpPr>
+          <p:nvPr/>
+        </p:nvCxnSpPr>
+        <p:spPr>
+          <a:xfrm flipH="1" flipV="1">
+            <a:off x="5652120" y="4041068"/>
+            <a:ext cx="432048" cy="576064"/>
+          </a:xfrm>
+          <a:prstGeom prst="straightConnector1">
+            <a:avLst/>
+          </a:prstGeom>
+          <a:ln>
+            <a:solidFill>
+              <a:srgbClr val="FF0000"/>
+            </a:solidFill>
+            <a:headEnd type="none" w="med" len="med"/>
+            <a:tailEnd type="arrow" w="med" len="med"/>
+          </a:ln>
+        </p:spPr>
+        <p:style>
+          <a:lnRef idx="1">
+            <a:schemeClr val="accent1"/>
+          </a:lnRef>
+          <a:fillRef idx="0">
+            <a:schemeClr val="accent1"/>
+          </a:fillRef>
+          <a:effectRef idx="0">
+            <a:schemeClr val="accent1"/>
+          </a:effectRef>
+          <a:fontRef idx="minor">
+            <a:schemeClr val="tx1"/>
+          </a:fontRef>
+        </p:style>
+      </p:cxnSp>
+      <p:cxnSp>
+        <p:nvCxnSpPr>
+          <p:cNvPr id="67" name="直接箭头连接符 66"/>
+          <p:cNvCxnSpPr>
+            <a:stCxn id="9" idx="1"/>
+            <a:endCxn id="47" idx="3"/>
+          </p:cNvCxnSpPr>
+          <p:nvPr/>
+        </p:nvCxnSpPr>
+        <p:spPr>
+          <a:xfrm flipH="1">
+            <a:off x="5652120" y="4617132"/>
+            <a:ext cx="432048" cy="576064"/>
+          </a:xfrm>
+          <a:prstGeom prst="straightConnector1">
+            <a:avLst/>
+          </a:prstGeom>
+          <a:ln>
+            <a:solidFill>
+              <a:srgbClr val="FF0000"/>
+            </a:solidFill>
+            <a:tailEnd type="arrow"/>
+          </a:ln>
+        </p:spPr>
+        <p:style>
+          <a:lnRef idx="1">
+            <a:schemeClr val="accent1"/>
+          </a:lnRef>
+          <a:fillRef idx="0">
+            <a:schemeClr val="accent1"/>
+          </a:fillRef>
+          <a:effectRef idx="0">
+            <a:schemeClr val="accent1"/>
+          </a:effectRef>
+          <a:fontRef idx="minor">
+            <a:schemeClr val="tx1"/>
+          </a:fontRef>
+        </p:style>
+      </p:cxnSp>
+      <p:cxnSp>
+        <p:nvCxnSpPr>
+          <p:cNvPr id="69" name="直接箭头连接符 68"/>
+          <p:cNvCxnSpPr>
+            <a:stCxn id="9" idx="1"/>
+            <a:endCxn id="43" idx="3"/>
+          </p:cNvCxnSpPr>
+          <p:nvPr/>
+        </p:nvCxnSpPr>
+        <p:spPr>
+          <a:xfrm flipH="1">
+            <a:off x="5652120" y="4617132"/>
+            <a:ext cx="432048" cy="0"/>
+          </a:xfrm>
+          <a:prstGeom prst="straightConnector1">
+            <a:avLst/>
+          </a:prstGeom>
+          <a:ln>
+            <a:solidFill>
+              <a:srgbClr val="FF0000"/>
+            </a:solidFill>
+            <a:tailEnd type="arrow"/>
+          </a:ln>
+        </p:spPr>
+        <p:style>
+          <a:lnRef idx="1">
+            <a:schemeClr val="accent1"/>
+          </a:lnRef>
+          <a:fillRef idx="0">
+            <a:schemeClr val="accent1"/>
+          </a:fillRef>
+          <a:effectRef idx="0">
+            <a:schemeClr val="accent1"/>
+          </a:effectRef>
+          <a:fontRef idx="minor">
+            <a:schemeClr val="tx1"/>
+          </a:fontRef>
+        </p:style>
+      </p:cxnSp>
+      <p:cxnSp>
+        <p:nvCxnSpPr>
+          <p:cNvPr id="71" name="直接箭头连接符 70"/>
+          <p:cNvCxnSpPr>
+            <a:stCxn id="38" idx="3"/>
+            <a:endCxn id="35" idx="1"/>
+          </p:cNvCxnSpPr>
+          <p:nvPr/>
+        </p:nvCxnSpPr>
+        <p:spPr>
+          <a:xfrm>
+            <a:off x="1259632" y="4041068"/>
+            <a:ext cx="576064" cy="504056"/>
+          </a:xfrm>
+          <a:prstGeom prst="straightConnector1">
+            <a:avLst/>
+          </a:prstGeom>
+          <a:ln>
+            <a:solidFill>
+              <a:srgbClr val="FF0000"/>
+            </a:solidFill>
+            <a:tailEnd type="arrow"/>
+          </a:ln>
+        </p:spPr>
+        <p:style>
+          <a:lnRef idx="1">
+            <a:schemeClr val="accent1"/>
+          </a:lnRef>
+          <a:fillRef idx="0">
+            <a:schemeClr val="accent1"/>
+          </a:fillRef>
+          <a:effectRef idx="0">
+            <a:schemeClr val="accent1"/>
+          </a:effectRef>
+          <a:fontRef idx="minor">
+            <a:schemeClr val="tx1"/>
+          </a:fontRef>
+        </p:style>
+      </p:cxnSp>
+      <p:cxnSp>
+        <p:nvCxnSpPr>
+          <p:cNvPr id="73" name="直接箭头连接符 72"/>
+          <p:cNvCxnSpPr>
+            <a:stCxn id="39" idx="3"/>
+            <a:endCxn id="35" idx="1"/>
+          </p:cNvCxnSpPr>
+          <p:nvPr/>
+        </p:nvCxnSpPr>
+        <p:spPr>
+          <a:xfrm flipV="1">
+            <a:off x="1259632" y="4545124"/>
+            <a:ext cx="576064" cy="72008"/>
+          </a:xfrm>
+          <a:prstGeom prst="straightConnector1">
+            <a:avLst/>
+          </a:prstGeom>
+          <a:ln>
+            <a:solidFill>
+              <a:srgbClr val="FF0000"/>
+            </a:solidFill>
+            <a:tailEnd type="arrow"/>
+          </a:ln>
+        </p:spPr>
+        <p:style>
+          <a:lnRef idx="1">
+            <a:schemeClr val="accent1"/>
+          </a:lnRef>
+          <a:fillRef idx="0">
+            <a:schemeClr val="accent1"/>
+          </a:fillRef>
+          <a:effectRef idx="0">
+            <a:schemeClr val="accent1"/>
+          </a:effectRef>
+          <a:fontRef idx="minor">
+            <a:schemeClr val="tx1"/>
+          </a:fontRef>
+        </p:style>
+      </p:cxnSp>
+      <p:cxnSp>
+        <p:nvCxnSpPr>
+          <p:cNvPr id="75" name="直接箭头连接符 74"/>
+          <p:cNvCxnSpPr>
+            <a:stCxn id="40" idx="3"/>
+            <a:endCxn id="35" idx="1"/>
+          </p:cNvCxnSpPr>
+          <p:nvPr/>
+        </p:nvCxnSpPr>
+        <p:spPr>
+          <a:xfrm flipV="1">
+            <a:off x="1259632" y="4545124"/>
+            <a:ext cx="576064" cy="648072"/>
+          </a:xfrm>
+          <a:prstGeom prst="straightConnector1">
+            <a:avLst/>
+          </a:prstGeom>
+          <a:ln>
+            <a:solidFill>
+              <a:srgbClr val="FF0000"/>
+            </a:solidFill>
+            <a:tailEnd type="arrow"/>
+          </a:ln>
+        </p:spPr>
+        <p:style>
+          <a:lnRef idx="1">
+            <a:schemeClr val="accent1"/>
+          </a:lnRef>
+          <a:fillRef idx="0">
+            <a:schemeClr val="accent1"/>
+          </a:fillRef>
+          <a:effectRef idx="0">
+            <a:schemeClr val="accent1"/>
+          </a:effectRef>
+          <a:fontRef idx="minor">
+            <a:schemeClr val="tx1"/>
+          </a:fontRef>
+        </p:style>
+      </p:cxnSp>
+      <p:sp>
+        <p:nvSpPr>
+          <p:cNvPr id="79" name="矩形 78"/>
+          <p:cNvSpPr/>
+          <p:nvPr/>
+        </p:nvSpPr>
+        <p:spPr>
+          <a:xfrm>
+            <a:off x="1259632" y="2132856"/>
+            <a:ext cx="2376264" cy="936104"/>
+          </a:xfrm>
+          <a:prstGeom prst="rect">
+            <a:avLst/>
+          </a:prstGeom>
+          <a:ln>
+            <a:noFill/>
+          </a:ln>
+        </p:spPr>
+        <p:style>
+          <a:lnRef idx="2">
+            <a:schemeClr val="accent1">
+              <a:shade val="50000"/>
+            </a:schemeClr>
+          </a:lnRef>
+          <a:fillRef idx="1">
+            <a:schemeClr val="accent1"/>
+          </a:fillRef>
+          <a:effectRef idx="0">
+            <a:schemeClr val="accent1"/>
+          </a:effectRef>
+          <a:fontRef idx="minor">
+            <a:schemeClr val="lt1"/>
+          </a:fontRef>
+        </p:style>
+        <p:txBody>
+          <a:bodyPr rtlCol="0" anchor="t"/>
+          <a:lstStyle/>
+          <a:p>
+            <a:pPr algn="ctr"/>
+            <a:r>
+              <a:rPr lang="zh-CN" altLang="en-US" sz="1200" dirty="0" smtClean="0"/>
+              <a:t>配置中</a:t>
+            </a:r>
+            <a:r>
+              <a:rPr lang="zh-CN" altLang="en-US" sz="1200" dirty="0" smtClean="0"/>
+              <a:t>心集群</a:t>
+            </a:r>
+            <a:endParaRPr lang="zh-CN" altLang="en-US" sz="1200" dirty="0"/>
+          </a:p>
+        </p:txBody>
+      </p:sp>
+      <p:sp>
+        <p:nvSpPr>
+          <p:cNvPr id="80" name="矩形 79"/>
+          <p:cNvSpPr/>
+          <p:nvPr/>
+        </p:nvSpPr>
+        <p:spPr>
+          <a:xfrm>
+            <a:off x="1403648" y="2420888"/>
+            <a:ext cx="648072" cy="504056"/>
+          </a:xfrm>
+          <a:prstGeom prst="rect">
+            <a:avLst/>
+          </a:prstGeom>
+          <a:solidFill>
+            <a:schemeClr val="tx2">
+              <a:lumMod val="20000"/>
+              <a:lumOff val="80000"/>
+            </a:schemeClr>
+          </a:solidFill>
+          <a:ln>
+            <a:noFill/>
+          </a:ln>
+        </p:spPr>
+        <p:style>
+          <a:lnRef idx="2">
+            <a:schemeClr val="accent1">
+              <a:shade val="50000"/>
+            </a:schemeClr>
+          </a:lnRef>
+          <a:fillRef idx="1">
+            <a:schemeClr val="accent1"/>
+          </a:fillRef>
+          <a:effectRef idx="0">
+            <a:schemeClr val="accent1"/>
+          </a:effectRef>
+          <a:fontRef idx="minor">
+            <a:schemeClr val="lt1"/>
+          </a:fontRef>
+        </p:style>
+        <p:txBody>
+          <a:bodyPr rtlCol="0" anchor="ctr"/>
+          <a:lstStyle/>
+          <a:p>
+            <a:pPr algn="ctr"/>
+            <a:r>
+              <a:rPr lang="en-US" altLang="zh-CN" sz="1200" dirty="0" err="1" smtClean="0">
+                <a:solidFill>
+                  <a:schemeClr val="tx1"/>
+                </a:solidFill>
+              </a:rPr>
+              <a:t>Config</a:t>
+            </a:r>
+            <a:r>
+              <a:rPr lang="en-US" altLang="zh-CN" sz="1200" dirty="0" smtClean="0">
+                <a:solidFill>
+                  <a:schemeClr val="tx1"/>
+                </a:solidFill>
+              </a:rPr>
+              <a:t> Center</a:t>
+            </a:r>
+            <a:endParaRPr lang="zh-CN" altLang="en-US" sz="1200" dirty="0">
+              <a:solidFill>
+                <a:schemeClr val="tx1"/>
+              </a:solidFill>
+            </a:endParaRPr>
+          </a:p>
+        </p:txBody>
+      </p:sp>
+      <p:sp>
+        <p:nvSpPr>
+          <p:cNvPr id="81" name="矩形 80"/>
+          <p:cNvSpPr/>
+          <p:nvPr/>
+        </p:nvSpPr>
+        <p:spPr>
+          <a:xfrm>
+            <a:off x="2123728" y="2420888"/>
+            <a:ext cx="648072" cy="504056"/>
+          </a:xfrm>
+          <a:prstGeom prst="rect">
+            <a:avLst/>
+          </a:prstGeom>
+          <a:solidFill>
+            <a:schemeClr val="tx2">
+              <a:lumMod val="20000"/>
+              <a:lumOff val="80000"/>
+            </a:schemeClr>
+          </a:solidFill>
+          <a:ln>
+            <a:noFill/>
+          </a:ln>
+        </p:spPr>
+        <p:style>
+          <a:lnRef idx="2">
+            <a:schemeClr val="accent1">
+              <a:shade val="50000"/>
+            </a:schemeClr>
+          </a:lnRef>
+          <a:fillRef idx="1">
+            <a:schemeClr val="accent1"/>
+          </a:fillRef>
+          <a:effectRef idx="0">
+            <a:schemeClr val="accent1"/>
+          </a:effectRef>
+          <a:fontRef idx="minor">
+            <a:schemeClr val="lt1"/>
+          </a:fontRef>
+        </p:style>
+        <p:txBody>
+          <a:bodyPr rtlCol="0" anchor="ctr"/>
+          <a:lstStyle/>
+          <a:p>
+            <a:pPr algn="ctr"/>
+            <a:r>
+              <a:rPr lang="en-US" altLang="zh-CN" sz="1200" dirty="0" err="1" smtClean="0">
+                <a:solidFill>
+                  <a:schemeClr val="tx1"/>
+                </a:solidFill>
+              </a:rPr>
+              <a:t>Config</a:t>
+            </a:r>
+            <a:r>
+              <a:rPr lang="en-US" altLang="zh-CN" sz="1200" dirty="0" smtClean="0">
+                <a:solidFill>
+                  <a:schemeClr val="tx1"/>
+                </a:solidFill>
+              </a:rPr>
+              <a:t> Center</a:t>
+            </a:r>
+            <a:endParaRPr lang="zh-CN" altLang="en-US" sz="1200" dirty="0">
+              <a:solidFill>
+                <a:schemeClr val="tx1"/>
+              </a:solidFill>
+            </a:endParaRPr>
+          </a:p>
+        </p:txBody>
+      </p:sp>
+      <p:sp>
+        <p:nvSpPr>
+          <p:cNvPr id="82" name="矩形 81"/>
+          <p:cNvSpPr/>
+          <p:nvPr/>
+        </p:nvSpPr>
+        <p:spPr>
+          <a:xfrm>
+            <a:off x="2843808" y="2420888"/>
+            <a:ext cx="648072" cy="504056"/>
+          </a:xfrm>
+          <a:prstGeom prst="rect">
+            <a:avLst/>
+          </a:prstGeom>
+          <a:solidFill>
+            <a:schemeClr val="tx2">
+              <a:lumMod val="20000"/>
+              <a:lumOff val="80000"/>
+            </a:schemeClr>
+          </a:solidFill>
+          <a:ln>
+            <a:noFill/>
+          </a:ln>
+        </p:spPr>
+        <p:style>
+          <a:lnRef idx="2">
+            <a:schemeClr val="accent1">
+              <a:shade val="50000"/>
+            </a:schemeClr>
+          </a:lnRef>
+          <a:fillRef idx="1">
+            <a:schemeClr val="accent1"/>
+          </a:fillRef>
+          <a:effectRef idx="0">
+            <a:schemeClr val="accent1"/>
+          </a:effectRef>
+          <a:fontRef idx="minor">
+            <a:schemeClr val="lt1"/>
+          </a:fontRef>
+        </p:style>
+        <p:txBody>
+          <a:bodyPr rtlCol="0" anchor="ctr"/>
+          <a:lstStyle/>
+          <a:p>
+            <a:pPr algn="ctr"/>
+            <a:r>
+              <a:rPr lang="en-US" altLang="zh-CN" sz="1200" dirty="0" err="1" smtClean="0">
+                <a:solidFill>
+                  <a:schemeClr val="tx1"/>
+                </a:solidFill>
+              </a:rPr>
+              <a:t>Config</a:t>
+            </a:r>
+            <a:r>
+              <a:rPr lang="en-US" altLang="zh-CN" sz="1200" dirty="0" smtClean="0">
+                <a:solidFill>
+                  <a:schemeClr val="tx1"/>
+                </a:solidFill>
+              </a:rPr>
+              <a:t> Center</a:t>
+            </a:r>
+            <a:endParaRPr lang="zh-CN" altLang="en-US" sz="1200" dirty="0">
+              <a:solidFill>
+                <a:schemeClr val="tx1"/>
+              </a:solidFill>
+            </a:endParaRPr>
+          </a:p>
+        </p:txBody>
+      </p:sp>
+      <p:cxnSp>
+        <p:nvCxnSpPr>
+          <p:cNvPr id="84" name="直接箭头连接符 83"/>
+          <p:cNvCxnSpPr>
+            <a:stCxn id="80" idx="2"/>
+            <a:endCxn id="35" idx="0"/>
+          </p:cNvCxnSpPr>
+          <p:nvPr/>
+        </p:nvCxnSpPr>
+        <p:spPr>
+          <a:xfrm>
+            <a:off x="1727684" y="2924944"/>
+            <a:ext cx="720080" cy="576064"/>
+          </a:xfrm>
+          <a:prstGeom prst="straightConnector1">
+            <a:avLst/>
+          </a:prstGeom>
+          <a:ln>
+            <a:solidFill>
+              <a:srgbClr val="FF0000"/>
+            </a:solidFill>
+            <a:tailEnd type="arrow"/>
+          </a:ln>
+        </p:spPr>
+        <p:style>
+          <a:lnRef idx="1">
+            <a:schemeClr val="accent1"/>
+          </a:lnRef>
+          <a:fillRef idx="0">
+            <a:schemeClr val="accent1"/>
+          </a:fillRef>
+          <a:effectRef idx="0">
+            <a:schemeClr val="accent1"/>
+          </a:effectRef>
+          <a:fontRef idx="minor">
+            <a:schemeClr val="tx1"/>
+          </a:fontRef>
+        </p:style>
+      </p:cxnSp>
+      <p:cxnSp>
+        <p:nvCxnSpPr>
+          <p:cNvPr id="86" name="直接箭头连接符 85"/>
+          <p:cNvCxnSpPr>
+            <a:stCxn id="81" idx="2"/>
+            <a:endCxn id="35" idx="0"/>
+          </p:cNvCxnSpPr>
+          <p:nvPr/>
+        </p:nvCxnSpPr>
+        <p:spPr>
+          <a:xfrm>
+            <a:off x="2447764" y="2924944"/>
+            <a:ext cx="0" cy="576064"/>
+          </a:xfrm>
+          <a:prstGeom prst="straightConnector1">
+            <a:avLst/>
+          </a:prstGeom>
+          <a:ln>
+            <a:solidFill>
+              <a:srgbClr val="FF0000"/>
+            </a:solidFill>
+            <a:tailEnd type="arrow"/>
+          </a:ln>
+        </p:spPr>
+        <p:style>
+          <a:lnRef idx="1">
+            <a:schemeClr val="accent1"/>
+          </a:lnRef>
+          <a:fillRef idx="0">
+            <a:schemeClr val="accent1"/>
+          </a:fillRef>
+          <a:effectRef idx="0">
+            <a:schemeClr val="accent1"/>
+          </a:effectRef>
+          <a:fontRef idx="minor">
+            <a:schemeClr val="tx1"/>
+          </a:fontRef>
+        </p:style>
+      </p:cxnSp>
+      <p:cxnSp>
+        <p:nvCxnSpPr>
+          <p:cNvPr id="88" name="直接箭头连接符 87"/>
+          <p:cNvCxnSpPr>
+            <a:stCxn id="82" idx="2"/>
+            <a:endCxn id="35" idx="0"/>
+          </p:cNvCxnSpPr>
+          <p:nvPr/>
+        </p:nvCxnSpPr>
+        <p:spPr>
+          <a:xfrm flipH="1">
+            <a:off x="2447764" y="2924944"/>
+            <a:ext cx="720080" cy="576064"/>
+          </a:xfrm>
+          <a:prstGeom prst="straightConnector1">
+            <a:avLst/>
+          </a:prstGeom>
+          <a:ln>
+            <a:solidFill>
+              <a:srgbClr val="FF0000"/>
+            </a:solidFill>
+            <a:tailEnd type="arrow"/>
+          </a:ln>
+        </p:spPr>
+        <p:style>
+          <a:lnRef idx="1">
+            <a:schemeClr val="accent1"/>
+          </a:lnRef>
+          <a:fillRef idx="0">
+            <a:schemeClr val="accent1"/>
+          </a:fillRef>
+          <a:effectRef idx="0">
+            <a:schemeClr val="accent1"/>
+          </a:effectRef>
+          <a:fontRef idx="minor">
+            <a:schemeClr val="tx1"/>
+          </a:fontRef>
+        </p:style>
+      </p:cxnSp>
+      <p:cxnSp>
+        <p:nvCxnSpPr>
+          <p:cNvPr id="90" name="直接箭头连接符 89"/>
+          <p:cNvCxnSpPr>
+            <a:stCxn id="41" idx="1"/>
+            <a:endCxn id="35" idx="3"/>
+          </p:cNvCxnSpPr>
+          <p:nvPr/>
+        </p:nvCxnSpPr>
+        <p:spPr>
+          <a:xfrm flipH="1">
+            <a:off x="3059832" y="4545124"/>
+            <a:ext cx="1512168" cy="0"/>
+          </a:xfrm>
+          <a:prstGeom prst="straightConnector1">
+            <a:avLst/>
+          </a:prstGeom>
+          <a:ln>
+            <a:solidFill>
+              <a:srgbClr val="FF0000"/>
+            </a:solidFill>
+            <a:tailEnd type="arrow"/>
+          </a:ln>
+        </p:spPr>
+        <p:style>
+          <a:lnRef idx="1">
+            <a:schemeClr val="accent1"/>
+          </a:lnRef>
+          <a:fillRef idx="0">
+            <a:schemeClr val="accent1"/>
+          </a:fillRef>
+          <a:effectRef idx="0">
+            <a:schemeClr val="accent1"/>
+          </a:effectRef>
+          <a:fontRef idx="minor">
+            <a:schemeClr val="tx1"/>
+          </a:fontRef>
+        </p:style>
+      </p:cxnSp>
+      <p:sp>
+        <p:nvSpPr>
+          <p:cNvPr id="32" name="TextBox 31"/>
+          <p:cNvSpPr txBox="1"/>
+          <p:nvPr/>
+        </p:nvSpPr>
+        <p:spPr>
+          <a:xfrm>
+            <a:off x="3635896" y="5414332"/>
+            <a:ext cx="720080" cy="400110"/>
+          </a:xfrm>
+          <a:prstGeom prst="rect">
+            <a:avLst/>
+          </a:prstGeom>
+          <a:noFill/>
+        </p:spPr>
+        <p:txBody>
+          <a:bodyPr wrap="square" rtlCol="0">
+            <a:spAutoFit/>
+          </a:bodyPr>
+          <a:lstStyle/>
+          <a:p>
+            <a:pPr algn="ctr"/>
+            <a:r>
+              <a:rPr lang="zh-CN" altLang="en-US" sz="1000" dirty="0" smtClean="0"/>
+              <a:t>负载均衡</a:t>
+            </a:r>
+            <a:endParaRPr lang="en-US" altLang="zh-CN" sz="1000" dirty="0" smtClean="0"/>
+          </a:p>
+          <a:p>
+            <a:pPr algn="ctr"/>
+            <a:r>
+              <a:rPr lang="en-US" altLang="zh-CN" sz="1000" dirty="0" smtClean="0"/>
+              <a:t>Feign</a:t>
+            </a:r>
+            <a:endParaRPr lang="zh-CN" altLang="en-US" sz="1000" dirty="0"/>
+          </a:p>
+        </p:txBody>
+      </p:sp>
+      <p:sp>
+        <p:nvSpPr>
+          <p:cNvPr id="33" name="TextBox 32"/>
+          <p:cNvSpPr txBox="1"/>
+          <p:nvPr/>
+        </p:nvSpPr>
+        <p:spPr>
+          <a:xfrm>
+            <a:off x="3745612" y="5806310"/>
+            <a:ext cx="576064" cy="400110"/>
+          </a:xfrm>
+          <a:prstGeom prst="rect">
+            <a:avLst/>
+          </a:prstGeom>
+          <a:noFill/>
+        </p:spPr>
+        <p:txBody>
+          <a:bodyPr wrap="square" rtlCol="0">
+            <a:spAutoFit/>
+          </a:bodyPr>
+          <a:lstStyle/>
+          <a:p>
+            <a:pPr algn="ctr"/>
+            <a:r>
+              <a:rPr lang="zh-CN" altLang="en-US" sz="1000" dirty="0" smtClean="0"/>
+              <a:t>断路器</a:t>
+            </a:r>
+            <a:endParaRPr lang="en-US" altLang="zh-CN" sz="1000" dirty="0" smtClean="0"/>
+          </a:p>
+          <a:p>
+            <a:pPr algn="ctr"/>
+            <a:r>
+              <a:rPr lang="en-US" altLang="zh-CN" sz="1000" dirty="0" err="1" smtClean="0"/>
+              <a:t>Hystrix</a:t>
+            </a:r>
+            <a:endParaRPr lang="zh-CN" altLang="en-US" sz="1000" dirty="0"/>
+          </a:p>
+        </p:txBody>
+      </p:sp>
+      <p:cxnSp>
+        <p:nvCxnSpPr>
+          <p:cNvPr id="37" name="肘形连接符 36"/>
+          <p:cNvCxnSpPr>
+            <a:stCxn id="41" idx="2"/>
+            <a:endCxn id="36" idx="2"/>
+          </p:cNvCxnSpPr>
+          <p:nvPr/>
+        </p:nvCxnSpPr>
+        <p:spPr>
+          <a:xfrm rot="5400000">
+            <a:off x="2987824" y="3392996"/>
+            <a:ext cx="12700" cy="4392488"/>
+          </a:xfrm>
+          <a:prstGeom prst="bentConnector3">
+            <a:avLst>
+              <a:gd name="adj1" fmla="val 1800000"/>
+            </a:avLst>
+          </a:prstGeom>
+          <a:ln>
+            <a:solidFill>
+              <a:srgbClr val="FF0000"/>
+            </a:solidFill>
+            <a:tailEnd type="arrow"/>
+          </a:ln>
+        </p:spPr>
+        <p:style>
+          <a:lnRef idx="1">
+            <a:schemeClr val="accent1"/>
+          </a:lnRef>
+          <a:fillRef idx="0">
+            <a:schemeClr val="accent1"/>
+          </a:fillRef>
+          <a:effectRef idx="0">
+            <a:schemeClr val="accent1"/>
+          </a:effectRef>
+          <a:fontRef idx="minor">
+            <a:schemeClr val="tx1"/>
+          </a:fontRef>
+        </p:style>
+      </p:cxnSp>
+      <p:sp>
+        <p:nvSpPr>
+          <p:cNvPr id="55" name="流程图: 磁盘 54"/>
+          <p:cNvSpPr/>
+          <p:nvPr/>
+        </p:nvSpPr>
+        <p:spPr>
+          <a:xfrm>
+            <a:off x="2123728" y="1052736"/>
+            <a:ext cx="648072" cy="792088"/>
+          </a:xfrm>
+          <a:prstGeom prst="flowChartMagneticDisk">
+            <a:avLst/>
+          </a:prstGeom>
+          <a:ln w="3175"/>
+        </p:spPr>
+        <p:style>
+          <a:lnRef idx="2">
+            <a:schemeClr val="accent1">
+              <a:shade val="50000"/>
+            </a:schemeClr>
+          </a:lnRef>
+          <a:fillRef idx="1">
+            <a:schemeClr val="accent1"/>
+          </a:fillRef>
+          <a:effectRef idx="0">
+            <a:schemeClr val="accent1"/>
+          </a:effectRef>
+          <a:fontRef idx="minor">
+            <a:schemeClr val="lt1"/>
+          </a:fontRef>
+        </p:style>
+        <p:txBody>
+          <a:bodyPr rtlCol="0" anchor="ctr"/>
+          <a:lstStyle/>
+          <a:p>
+            <a:pPr algn="ctr"/>
+            <a:r>
+              <a:rPr lang="en-US" altLang="zh-CN" sz="1100" dirty="0" err="1" smtClean="0"/>
+              <a:t>Git</a:t>
+            </a:r>
+            <a:r>
+              <a:rPr lang="zh-CN" altLang="en-US" sz="1100" dirty="0" smtClean="0"/>
+              <a:t>仓库</a:t>
+            </a:r>
+            <a:endParaRPr lang="zh-CN" altLang="en-US" sz="1100" dirty="0"/>
+          </a:p>
+        </p:txBody>
+      </p:sp>
+      <p:cxnSp>
+        <p:nvCxnSpPr>
+          <p:cNvPr id="58" name="直接箭头连接符 57"/>
+          <p:cNvCxnSpPr>
+            <a:stCxn id="79" idx="0"/>
+            <a:endCxn id="55" idx="3"/>
+          </p:cNvCxnSpPr>
+          <p:nvPr/>
+        </p:nvCxnSpPr>
+        <p:spPr>
+          <a:xfrm flipV="1">
+            <a:off x="2447764" y="1844824"/>
+            <a:ext cx="0" cy="288032"/>
+          </a:xfrm>
+          <a:prstGeom prst="straightConnector1">
+            <a:avLst/>
+          </a:prstGeom>
+          <a:ln>
+            <a:solidFill>
+              <a:srgbClr val="FF0000"/>
+            </a:solidFill>
+            <a:tailEnd type="arrow"/>
+          </a:ln>
+        </p:spPr>
+        <p:style>
+          <a:lnRef idx="1">
+            <a:schemeClr val="accent1"/>
+          </a:lnRef>
+          <a:fillRef idx="0">
+            <a:schemeClr val="accent1"/>
+          </a:fillRef>
+          <a:effectRef idx="0">
+            <a:schemeClr val="accent1"/>
+          </a:effectRef>
+          <a:fontRef idx="minor">
+            <a:schemeClr val="tx1"/>
+          </a:fontRef>
+        </p:style>
+      </p:cxnSp>
+      <p:sp>
+        <p:nvSpPr>
+          <p:cNvPr id="64" name="矩形 63"/>
+          <p:cNvSpPr/>
+          <p:nvPr/>
+        </p:nvSpPr>
+        <p:spPr>
+          <a:xfrm>
+            <a:off x="4572000" y="692696"/>
+            <a:ext cx="1224136" cy="504056"/>
+          </a:xfrm>
+          <a:prstGeom prst="rect">
+            <a:avLst/>
+          </a:prstGeom>
+          <a:ln>
+            <a:noFill/>
+          </a:ln>
+        </p:spPr>
+        <p:style>
+          <a:lnRef idx="2">
+            <a:schemeClr val="accent1">
+              <a:shade val="50000"/>
+            </a:schemeClr>
+          </a:lnRef>
+          <a:fillRef idx="1">
+            <a:schemeClr val="accent1"/>
+          </a:fillRef>
+          <a:effectRef idx="0">
+            <a:schemeClr val="accent1"/>
+          </a:effectRef>
+          <a:fontRef idx="minor">
+            <a:schemeClr val="lt1"/>
+          </a:fontRef>
+        </p:style>
+        <p:txBody>
+          <a:bodyPr rtlCol="0" anchor="ctr"/>
+          <a:lstStyle/>
+          <a:p>
+            <a:pPr algn="ctr"/>
+            <a:r>
+              <a:rPr lang="zh-CN" altLang="en-US" sz="1200" dirty="0" smtClean="0"/>
+              <a:t>客户端</a:t>
+            </a:r>
+            <a:endParaRPr lang="zh-CN" altLang="en-US" sz="1200" dirty="0"/>
+          </a:p>
+        </p:txBody>
+      </p:sp>
+      <p:sp>
+        <p:nvSpPr>
+          <p:cNvPr id="65" name="矩形 64"/>
+          <p:cNvSpPr/>
+          <p:nvPr/>
+        </p:nvSpPr>
+        <p:spPr>
+          <a:xfrm>
+            <a:off x="4572000" y="1484784"/>
+            <a:ext cx="1224136" cy="504056"/>
+          </a:xfrm>
+          <a:prstGeom prst="rect">
+            <a:avLst/>
+          </a:prstGeom>
+          <a:ln>
+            <a:noFill/>
+          </a:ln>
+        </p:spPr>
+        <p:style>
+          <a:lnRef idx="2">
+            <a:schemeClr val="accent1">
+              <a:shade val="50000"/>
+            </a:schemeClr>
+          </a:lnRef>
+          <a:fillRef idx="1">
+            <a:schemeClr val="accent1"/>
+          </a:fillRef>
+          <a:effectRef idx="0">
+            <a:schemeClr val="accent1"/>
+          </a:effectRef>
+          <a:fontRef idx="minor">
+            <a:schemeClr val="lt1"/>
+          </a:fontRef>
+        </p:style>
+        <p:txBody>
+          <a:bodyPr rtlCol="0" anchor="ctr"/>
+          <a:lstStyle/>
+          <a:p>
+            <a:pPr algn="ctr"/>
+            <a:r>
+              <a:rPr lang="zh-CN" altLang="en-US" sz="1200" dirty="0" smtClean="0"/>
+              <a:t>负载均衡</a:t>
+            </a:r>
+            <a:endParaRPr lang="en-US" altLang="zh-CN" sz="1200" dirty="0" smtClean="0"/>
+          </a:p>
+          <a:p>
+            <a:pPr algn="ctr"/>
+            <a:r>
+              <a:rPr lang="en-US" altLang="zh-CN" sz="1200" dirty="0" err="1" smtClean="0"/>
+              <a:t>Nginx</a:t>
+            </a:r>
+            <a:endParaRPr lang="zh-CN" altLang="en-US" sz="1200" dirty="0"/>
+          </a:p>
+        </p:txBody>
+      </p:sp>
+      <p:cxnSp>
+        <p:nvCxnSpPr>
+          <p:cNvPr id="68" name="直接箭头连接符 67"/>
+          <p:cNvCxnSpPr>
+            <a:stCxn id="64" idx="2"/>
+            <a:endCxn id="65" idx="0"/>
+          </p:cNvCxnSpPr>
+          <p:nvPr/>
+        </p:nvCxnSpPr>
+        <p:spPr>
+          <a:xfrm>
+            <a:off x="5184068" y="1196752"/>
+            <a:ext cx="0" cy="288032"/>
+          </a:xfrm>
+          <a:prstGeom prst="straightConnector1">
+            <a:avLst/>
+          </a:prstGeom>
+          <a:ln w="9525">
+            <a:solidFill>
+              <a:srgbClr val="FF0000"/>
+            </a:solidFill>
+            <a:tailEnd type="arrow"/>
+          </a:ln>
+        </p:spPr>
+        <p:style>
+          <a:lnRef idx="1">
+            <a:schemeClr val="accent1"/>
+          </a:lnRef>
+          <a:fillRef idx="0">
+            <a:schemeClr val="accent1"/>
+          </a:fillRef>
+          <a:effectRef idx="0">
+            <a:schemeClr val="accent1"/>
+          </a:effectRef>
+          <a:fontRef idx="minor">
+            <a:schemeClr val="tx1"/>
+          </a:fontRef>
+        </p:style>
+      </p:cxnSp>
+      <p:sp>
+        <p:nvSpPr>
+          <p:cNvPr id="77" name="矩形 76"/>
+          <p:cNvSpPr/>
+          <p:nvPr/>
+        </p:nvSpPr>
+        <p:spPr>
+          <a:xfrm>
+            <a:off x="4211960" y="2276872"/>
+            <a:ext cx="1944216" cy="936104"/>
+          </a:xfrm>
+          <a:prstGeom prst="rect">
+            <a:avLst/>
+          </a:prstGeom>
+          <a:ln>
+            <a:noFill/>
+          </a:ln>
+        </p:spPr>
+        <p:style>
+          <a:lnRef idx="2">
+            <a:schemeClr val="accent1">
+              <a:shade val="50000"/>
+            </a:schemeClr>
+          </a:lnRef>
+          <a:fillRef idx="1">
+            <a:schemeClr val="accent1"/>
+          </a:fillRef>
+          <a:effectRef idx="0">
+            <a:schemeClr val="accent1"/>
+          </a:effectRef>
+          <a:fontRef idx="minor">
+            <a:schemeClr val="lt1"/>
+          </a:fontRef>
+        </p:style>
+        <p:txBody>
+          <a:bodyPr rtlCol="0" anchor="t"/>
+          <a:lstStyle/>
+          <a:p>
+            <a:pPr algn="ctr"/>
+            <a:r>
+              <a:rPr lang="zh-CN" altLang="en-US" sz="1200" smtClean="0"/>
+              <a:t>服务网</a:t>
+            </a:r>
+            <a:r>
+              <a:rPr lang="zh-CN" altLang="en-US" sz="1200" dirty="0" smtClean="0"/>
+              <a:t>关集群</a:t>
+            </a:r>
+            <a:endParaRPr lang="zh-CN" altLang="en-US" sz="1200" dirty="0"/>
+          </a:p>
+        </p:txBody>
+      </p:sp>
+      <p:sp>
+        <p:nvSpPr>
+          <p:cNvPr id="78" name="矩形 77"/>
+          <p:cNvSpPr/>
+          <p:nvPr/>
+        </p:nvSpPr>
+        <p:spPr>
+          <a:xfrm>
+            <a:off x="4355976" y="2564904"/>
+            <a:ext cx="504056" cy="504056"/>
+          </a:xfrm>
+          <a:prstGeom prst="rect">
+            <a:avLst/>
+          </a:prstGeom>
+          <a:solidFill>
+            <a:schemeClr val="tx2">
+              <a:lumMod val="20000"/>
+              <a:lumOff val="80000"/>
+            </a:schemeClr>
+          </a:solidFill>
+          <a:ln>
+            <a:noFill/>
+          </a:ln>
+        </p:spPr>
+        <p:style>
+          <a:lnRef idx="2">
+            <a:schemeClr val="accent1">
+              <a:shade val="50000"/>
+            </a:schemeClr>
+          </a:lnRef>
+          <a:fillRef idx="1">
+            <a:schemeClr val="accent1"/>
+          </a:fillRef>
+          <a:effectRef idx="0">
+            <a:schemeClr val="accent1"/>
+          </a:effectRef>
+          <a:fontRef idx="minor">
+            <a:schemeClr val="lt1"/>
+          </a:fontRef>
+        </p:style>
+        <p:txBody>
+          <a:bodyPr rtlCol="0" anchor="ctr"/>
+          <a:lstStyle/>
+          <a:p>
+            <a:pPr algn="ctr"/>
+            <a:r>
+              <a:rPr lang="en-US" altLang="zh-CN" sz="1200" dirty="0" err="1" smtClean="0">
+                <a:solidFill>
+                  <a:schemeClr val="tx1"/>
+                </a:solidFill>
+              </a:rPr>
+              <a:t>GateWay</a:t>
+            </a:r>
+            <a:endParaRPr lang="zh-CN" altLang="en-US" sz="1200" dirty="0">
+              <a:solidFill>
+                <a:schemeClr val="tx1"/>
+              </a:solidFill>
+            </a:endParaRPr>
+          </a:p>
+        </p:txBody>
+      </p:sp>
+      <p:sp>
+        <p:nvSpPr>
+          <p:cNvPr id="83" name="矩形 82"/>
+          <p:cNvSpPr/>
+          <p:nvPr/>
+        </p:nvSpPr>
+        <p:spPr>
+          <a:xfrm>
+            <a:off x="4932040" y="2564904"/>
+            <a:ext cx="504056" cy="504056"/>
+          </a:xfrm>
+          <a:prstGeom prst="rect">
+            <a:avLst/>
+          </a:prstGeom>
+          <a:solidFill>
+            <a:schemeClr val="tx2">
+              <a:lumMod val="20000"/>
+              <a:lumOff val="80000"/>
+            </a:schemeClr>
+          </a:solidFill>
+          <a:ln>
+            <a:noFill/>
+          </a:ln>
+        </p:spPr>
+        <p:style>
+          <a:lnRef idx="2">
+            <a:schemeClr val="accent1">
+              <a:shade val="50000"/>
+            </a:schemeClr>
+          </a:lnRef>
+          <a:fillRef idx="1">
+            <a:schemeClr val="accent1"/>
+          </a:fillRef>
+          <a:effectRef idx="0">
+            <a:schemeClr val="accent1"/>
+          </a:effectRef>
+          <a:fontRef idx="minor">
+            <a:schemeClr val="lt1"/>
+          </a:fontRef>
+        </p:style>
+        <p:txBody>
+          <a:bodyPr rtlCol="0" anchor="ctr"/>
+          <a:lstStyle/>
+          <a:p>
+            <a:pPr algn="ctr"/>
+            <a:r>
+              <a:rPr lang="en-US" altLang="zh-CN" sz="1200" dirty="0" err="1" smtClean="0">
+                <a:solidFill>
+                  <a:schemeClr val="tx1"/>
+                </a:solidFill>
+              </a:rPr>
+              <a:t>GateWay</a:t>
+            </a:r>
+            <a:endParaRPr lang="zh-CN" altLang="en-US" sz="1200" dirty="0">
+              <a:solidFill>
+                <a:schemeClr val="tx1"/>
+              </a:solidFill>
+            </a:endParaRPr>
+          </a:p>
+        </p:txBody>
+      </p:sp>
+      <p:sp>
+        <p:nvSpPr>
+          <p:cNvPr id="85" name="矩形 84"/>
+          <p:cNvSpPr/>
+          <p:nvPr/>
+        </p:nvSpPr>
+        <p:spPr>
+          <a:xfrm>
+            <a:off x="5508104" y="2564904"/>
+            <a:ext cx="504056" cy="504056"/>
+          </a:xfrm>
+          <a:prstGeom prst="rect">
+            <a:avLst/>
+          </a:prstGeom>
+          <a:solidFill>
+            <a:schemeClr val="tx2">
+              <a:lumMod val="20000"/>
+              <a:lumOff val="80000"/>
+            </a:schemeClr>
+          </a:solidFill>
+          <a:ln>
+            <a:noFill/>
+          </a:ln>
+        </p:spPr>
+        <p:style>
+          <a:lnRef idx="2">
+            <a:schemeClr val="accent1">
+              <a:shade val="50000"/>
+            </a:schemeClr>
+          </a:lnRef>
+          <a:fillRef idx="1">
+            <a:schemeClr val="accent1"/>
+          </a:fillRef>
+          <a:effectRef idx="0">
+            <a:schemeClr val="accent1"/>
+          </a:effectRef>
+          <a:fontRef idx="minor">
+            <a:schemeClr val="lt1"/>
+          </a:fontRef>
+        </p:style>
+        <p:txBody>
+          <a:bodyPr rtlCol="0" anchor="ctr"/>
+          <a:lstStyle/>
+          <a:p>
+            <a:pPr algn="ctr"/>
+            <a:r>
+              <a:rPr lang="en-US" altLang="zh-CN" sz="1200" dirty="0" err="1" smtClean="0">
+                <a:solidFill>
+                  <a:schemeClr val="tx1"/>
+                </a:solidFill>
+              </a:rPr>
+              <a:t>GateWay</a:t>
+            </a:r>
+            <a:endParaRPr lang="zh-CN" altLang="en-US" sz="1200" dirty="0">
+              <a:solidFill>
+                <a:schemeClr val="tx1"/>
+              </a:solidFill>
+            </a:endParaRPr>
+          </a:p>
+        </p:txBody>
+      </p:sp>
+      <p:cxnSp>
+        <p:nvCxnSpPr>
+          <p:cNvPr id="89" name="直接箭头连接符 88"/>
+          <p:cNvCxnSpPr>
+            <a:stCxn id="65" idx="2"/>
+            <a:endCxn id="77" idx="0"/>
+          </p:cNvCxnSpPr>
+          <p:nvPr/>
+        </p:nvCxnSpPr>
+        <p:spPr>
+          <a:xfrm>
+            <a:off x="5184068" y="1988840"/>
+            <a:ext cx="0" cy="288032"/>
+          </a:xfrm>
+          <a:prstGeom prst="straightConnector1">
+            <a:avLst/>
+          </a:prstGeom>
+          <a:ln w="9525">
+            <a:solidFill>
+              <a:srgbClr val="FF0000"/>
+            </a:solidFill>
+            <a:tailEnd type="arrow"/>
+          </a:ln>
+        </p:spPr>
+        <p:style>
+          <a:lnRef idx="1">
+            <a:schemeClr val="accent1"/>
+          </a:lnRef>
+          <a:fillRef idx="0">
+            <a:schemeClr val="accent1"/>
+          </a:fillRef>
+          <a:effectRef idx="0">
+            <a:schemeClr val="accent1"/>
+          </a:effectRef>
+          <a:fontRef idx="minor">
+            <a:schemeClr val="tx1"/>
+          </a:fontRef>
+        </p:style>
+      </p:cxnSp>
+      <p:cxnSp>
+        <p:nvCxnSpPr>
+          <p:cNvPr id="92" name="直接箭头连接符 91"/>
+          <p:cNvCxnSpPr>
+            <a:stCxn id="77" idx="2"/>
+            <a:endCxn id="41" idx="0"/>
+          </p:cNvCxnSpPr>
+          <p:nvPr/>
+        </p:nvCxnSpPr>
+        <p:spPr>
+          <a:xfrm>
+            <a:off x="5184068" y="3212976"/>
+            <a:ext cx="0" cy="288032"/>
+          </a:xfrm>
+          <a:prstGeom prst="straightConnector1">
+            <a:avLst/>
+          </a:prstGeom>
+          <a:ln w="9525">
+            <a:solidFill>
+              <a:srgbClr val="FF0000"/>
+            </a:solidFill>
             <a:tailEnd type="arrow"/>
           </a:ln>
         </p:spPr>

--- a/doc/架构图.pptx
+++ b/doc/架构图.pptx
@@ -4191,6 +4191,9 @@
           <a:prstGeom prst="rect">
             <a:avLst/>
           </a:prstGeom>
+          <a:solidFill>
+            <a:srgbClr val="00B0F0"/>
+          </a:solidFill>
           <a:ln>
             <a:noFill/>
           </a:ln>
@@ -5281,6 +5284,11 @@
           <a:prstGeom prst="rect">
             <a:avLst/>
           </a:prstGeom>
+          <a:solidFill>
+            <a:schemeClr val="accent5">
+              <a:lumMod val="75000"/>
+            </a:schemeClr>
+          </a:solidFill>
           <a:ln>
             <a:noFill/>
           </a:ln>
@@ -6043,6 +6051,12 @@
           <a:prstGeom prst="rect">
             <a:avLst/>
           </a:prstGeom>
+          <a:solidFill>
+            <a:schemeClr val="accent2">
+              <a:lumMod val="60000"/>
+              <a:lumOff val="40000"/>
+            </a:schemeClr>
+          </a:solidFill>
           <a:ln>
             <a:noFill/>
           </a:ln>
@@ -6069,12 +6083,8 @@
           <a:p>
             <a:pPr algn="ctr"/>
             <a:r>
-              <a:rPr lang="zh-CN" altLang="en-US" sz="1200" smtClean="0"/>
-              <a:t>服务网</a:t>
-            </a:r>
-            <a:r>
               <a:rPr lang="zh-CN" altLang="en-US" sz="1200" dirty="0" smtClean="0"/>
-              <a:t>关集群</a:t>
+              <a:t>服务网关集群</a:t>
             </a:r>
             <a:endParaRPr lang="zh-CN" altLang="en-US" sz="1200" dirty="0"/>
           </a:p>

--- a/doc/架构图.pptx
+++ b/doc/架构图.pptx
@@ -290,7 +290,7 @@
             <a:fld id="{9CCB53D5-3F0A-4974-9E71-2401F19FA0D5}" type="datetimeFigureOut">
               <a:rPr lang="zh-CN" altLang="en-US" smtClean="0"/>
               <a:pPr/>
-              <a:t>2019/1/15</a:t>
+              <a:t>2019/1/16</a:t>
             </a:fld>
             <a:endParaRPr lang="zh-CN" altLang="en-US"/>
           </a:p>
@@ -457,7 +457,7 @@
             <a:fld id="{9CCB53D5-3F0A-4974-9E71-2401F19FA0D5}" type="datetimeFigureOut">
               <a:rPr lang="zh-CN" altLang="en-US" smtClean="0"/>
               <a:pPr/>
-              <a:t>2019/1/15</a:t>
+              <a:t>2019/1/16</a:t>
             </a:fld>
             <a:endParaRPr lang="zh-CN" altLang="en-US"/>
           </a:p>
@@ -634,7 +634,7 @@
             <a:fld id="{9CCB53D5-3F0A-4974-9E71-2401F19FA0D5}" type="datetimeFigureOut">
               <a:rPr lang="zh-CN" altLang="en-US" smtClean="0"/>
               <a:pPr/>
-              <a:t>2019/1/15</a:t>
+              <a:t>2019/1/16</a:t>
             </a:fld>
             <a:endParaRPr lang="zh-CN" altLang="en-US"/>
           </a:p>
@@ -801,7 +801,7 @@
             <a:fld id="{9CCB53D5-3F0A-4974-9E71-2401F19FA0D5}" type="datetimeFigureOut">
               <a:rPr lang="zh-CN" altLang="en-US" smtClean="0"/>
               <a:pPr/>
-              <a:t>2019/1/15</a:t>
+              <a:t>2019/1/16</a:t>
             </a:fld>
             <a:endParaRPr lang="zh-CN" altLang="en-US"/>
           </a:p>
@@ -1044,7 +1044,7 @@
             <a:fld id="{9CCB53D5-3F0A-4974-9E71-2401F19FA0D5}" type="datetimeFigureOut">
               <a:rPr lang="zh-CN" altLang="en-US" smtClean="0"/>
               <a:pPr/>
-              <a:t>2019/1/15</a:t>
+              <a:t>2019/1/16</a:t>
             </a:fld>
             <a:endParaRPr lang="zh-CN" altLang="en-US"/>
           </a:p>
@@ -1329,7 +1329,7 @@
             <a:fld id="{9CCB53D5-3F0A-4974-9E71-2401F19FA0D5}" type="datetimeFigureOut">
               <a:rPr lang="zh-CN" altLang="en-US" smtClean="0"/>
               <a:pPr/>
-              <a:t>2019/1/15</a:t>
+              <a:t>2019/1/16</a:t>
             </a:fld>
             <a:endParaRPr lang="zh-CN" altLang="en-US"/>
           </a:p>
@@ -1748,7 +1748,7 @@
             <a:fld id="{9CCB53D5-3F0A-4974-9E71-2401F19FA0D5}" type="datetimeFigureOut">
               <a:rPr lang="zh-CN" altLang="en-US" smtClean="0"/>
               <a:pPr/>
-              <a:t>2019/1/15</a:t>
+              <a:t>2019/1/16</a:t>
             </a:fld>
             <a:endParaRPr lang="zh-CN" altLang="en-US"/>
           </a:p>
@@ -1863,7 +1863,7 @@
             <a:fld id="{9CCB53D5-3F0A-4974-9E71-2401F19FA0D5}" type="datetimeFigureOut">
               <a:rPr lang="zh-CN" altLang="en-US" smtClean="0"/>
               <a:pPr/>
-              <a:t>2019/1/15</a:t>
+              <a:t>2019/1/16</a:t>
             </a:fld>
             <a:endParaRPr lang="zh-CN" altLang="en-US"/>
           </a:p>
@@ -1955,7 +1955,7 @@
             <a:fld id="{9CCB53D5-3F0A-4974-9E71-2401F19FA0D5}" type="datetimeFigureOut">
               <a:rPr lang="zh-CN" altLang="en-US" smtClean="0"/>
               <a:pPr/>
-              <a:t>2019/1/15</a:t>
+              <a:t>2019/1/16</a:t>
             </a:fld>
             <a:endParaRPr lang="zh-CN" altLang="en-US"/>
           </a:p>
@@ -2229,7 +2229,7 @@
             <a:fld id="{9CCB53D5-3F0A-4974-9E71-2401F19FA0D5}" type="datetimeFigureOut">
               <a:rPr lang="zh-CN" altLang="en-US" smtClean="0"/>
               <a:pPr/>
-              <a:t>2019/1/15</a:t>
+              <a:t>2019/1/16</a:t>
             </a:fld>
             <a:endParaRPr lang="zh-CN" altLang="en-US"/>
           </a:p>
@@ -2479,7 +2479,7 @@
             <a:fld id="{9CCB53D5-3F0A-4974-9E71-2401F19FA0D5}" type="datetimeFigureOut">
               <a:rPr lang="zh-CN" altLang="en-US" smtClean="0"/>
               <a:pPr/>
-              <a:t>2019/1/15</a:t>
+              <a:t>2019/1/16</a:t>
             </a:fld>
             <a:endParaRPr lang="zh-CN" altLang="en-US"/>
           </a:p>
@@ -2689,7 +2689,7 @@
             <a:fld id="{9CCB53D5-3F0A-4974-9E71-2401F19FA0D5}" type="datetimeFigureOut">
               <a:rPr lang="zh-CN" altLang="en-US" smtClean="0"/>
               <a:pPr/>
-              <a:t>2019/1/15</a:t>
+              <a:t>2019/1/16</a:t>
             </a:fld>
             <a:endParaRPr lang="zh-CN" altLang="en-US"/>
           </a:p>
@@ -3068,7 +3068,7 @@
         </p:nvSpPr>
         <p:spPr>
           <a:xfrm>
-            <a:off x="323528" y="1052736"/>
+            <a:off x="323528" y="548680"/>
             <a:ext cx="936104" cy="504056"/>
           </a:xfrm>
           <a:prstGeom prst="rect">
@@ -3115,7 +3115,7 @@
         </p:nvSpPr>
         <p:spPr>
           <a:xfrm>
-            <a:off x="1835696" y="332656"/>
+            <a:off x="1619672" y="116632"/>
             <a:ext cx="936104" cy="504056"/>
           </a:xfrm>
           <a:prstGeom prst="rect">
@@ -3162,7 +3162,7 @@
         </p:nvSpPr>
         <p:spPr>
           <a:xfrm>
-            <a:off x="1835696" y="1772816"/>
+            <a:off x="1619672" y="908720"/>
             <a:ext cx="936104" cy="504056"/>
           </a:xfrm>
           <a:prstGeom prst="rect">
@@ -3209,7 +3209,7 @@
         </p:nvSpPr>
         <p:spPr>
           <a:xfrm>
-            <a:off x="3347864" y="332656"/>
+            <a:off x="3131840" y="116632"/>
             <a:ext cx="936104" cy="504056"/>
           </a:xfrm>
           <a:prstGeom prst="rect">
@@ -3256,7 +3256,7 @@
         </p:nvSpPr>
         <p:spPr>
           <a:xfrm>
-            <a:off x="3347864" y="1772816"/>
+            <a:off x="3131840" y="908720"/>
             <a:ext cx="936104" cy="504056"/>
           </a:xfrm>
           <a:prstGeom prst="rect">
@@ -3303,7 +3303,7 @@
         </p:nvSpPr>
         <p:spPr>
           <a:xfrm>
-            <a:off x="4788024" y="980728"/>
+            <a:off x="4427984" y="476672"/>
             <a:ext cx="936104" cy="504056"/>
           </a:xfrm>
           <a:prstGeom prst="rect">
@@ -3354,7 +3354,7 @@
         </p:nvSpPr>
         <p:spPr>
           <a:xfrm>
-            <a:off x="6228184" y="980728"/>
+            <a:off x="5652120" y="476672"/>
             <a:ext cx="936104" cy="504056"/>
           </a:xfrm>
           <a:prstGeom prst="rect">
@@ -3408,8 +3408,8 @@
         </p:nvCxnSpPr>
         <p:spPr>
           <a:xfrm flipH="1">
-            <a:off x="2771800" y="584684"/>
-            <a:ext cx="576064" cy="1440160"/>
+            <a:off x="2555776" y="368660"/>
+            <a:ext cx="576064" cy="792088"/>
           </a:xfrm>
           <a:prstGeom prst="straightConnector1">
             <a:avLst/>
@@ -3447,7 +3447,7 @@
         </p:nvCxnSpPr>
         <p:spPr>
           <a:xfrm flipH="1">
-            <a:off x="2771800" y="584684"/>
+            <a:off x="2555776" y="368660"/>
             <a:ext cx="576064" cy="0"/>
           </a:xfrm>
           <a:prstGeom prst="straightConnector1">
@@ -3486,8 +3486,8 @@
         </p:nvCxnSpPr>
         <p:spPr>
           <a:xfrm flipH="1" flipV="1">
-            <a:off x="2771800" y="584684"/>
-            <a:ext cx="576064" cy="1440160"/>
+            <a:off x="2555776" y="368660"/>
+            <a:ext cx="576064" cy="792088"/>
           </a:xfrm>
           <a:prstGeom prst="straightConnector1">
             <a:avLst/>
@@ -3525,7 +3525,7 @@
         </p:nvCxnSpPr>
         <p:spPr>
           <a:xfrm flipH="1">
-            <a:off x="2771800" y="2024844"/>
+            <a:off x="2555776" y="1160748"/>
             <a:ext cx="576064" cy="0"/>
           </a:xfrm>
           <a:prstGeom prst="straightConnector1">
@@ -3564,8 +3564,8 @@
         </p:nvCxnSpPr>
         <p:spPr>
           <a:xfrm flipH="1" flipV="1">
-            <a:off x="4283968" y="584684"/>
-            <a:ext cx="504056" cy="648072"/>
+            <a:off x="4067944" y="368660"/>
+            <a:ext cx="360040" cy="360040"/>
           </a:xfrm>
           <a:prstGeom prst="straightConnector1">
             <a:avLst/>
@@ -3600,8 +3600,8 @@
         </p:nvCxnSpPr>
         <p:spPr>
           <a:xfrm flipH="1">
-            <a:off x="4283968" y="1232756"/>
-            <a:ext cx="504056" cy="792088"/>
+            <a:off x="4067944" y="728700"/>
+            <a:ext cx="360040" cy="432048"/>
           </a:xfrm>
           <a:prstGeom prst="straightConnector1">
             <a:avLst/>
@@ -3636,8 +3636,8 @@
         </p:nvCxnSpPr>
         <p:spPr>
           <a:xfrm flipH="1">
-            <a:off x="1259632" y="584684"/>
-            <a:ext cx="576064" cy="720080"/>
+            <a:off x="1259632" y="368660"/>
+            <a:ext cx="360040" cy="432048"/>
           </a:xfrm>
           <a:prstGeom prst="straightConnector1">
             <a:avLst/>
@@ -3672,8 +3672,8 @@
         </p:nvCxnSpPr>
         <p:spPr>
           <a:xfrm flipH="1" flipV="1">
-            <a:off x="1259632" y="1304764"/>
-            <a:ext cx="576064" cy="720080"/>
+            <a:off x="1259632" y="800708"/>
+            <a:ext cx="360040" cy="360040"/>
           </a:xfrm>
           <a:prstGeom prst="straightConnector1">
             <a:avLst/>
@@ -3708,8 +3708,8 @@
         </p:nvCxnSpPr>
         <p:spPr>
           <a:xfrm flipH="1">
-            <a:off x="5724128" y="1232756"/>
-            <a:ext cx="504056" cy="0"/>
+            <a:off x="5364088" y="728700"/>
+            <a:ext cx="288032" cy="0"/>
           </a:xfrm>
           <a:prstGeom prst="straightConnector1">
             <a:avLst/>
@@ -3741,7 +3741,7 @@
         </p:nvSpPr>
         <p:spPr>
           <a:xfrm>
-            <a:off x="251520" y="4509120"/>
+            <a:off x="323528" y="2204864"/>
             <a:ext cx="936104" cy="504056"/>
           </a:xfrm>
           <a:prstGeom prst="rect">
@@ -3788,7 +3788,7 @@
         </p:nvSpPr>
         <p:spPr>
           <a:xfrm>
-            <a:off x="1763688" y="3789040"/>
+            <a:off x="1619672" y="1844824"/>
             <a:ext cx="936104" cy="504056"/>
           </a:xfrm>
           <a:prstGeom prst="rect">
@@ -3835,7 +3835,7 @@
         </p:nvSpPr>
         <p:spPr>
           <a:xfrm>
-            <a:off x="1763688" y="5229200"/>
+            <a:off x="1619672" y="2636912"/>
             <a:ext cx="936104" cy="504056"/>
           </a:xfrm>
           <a:prstGeom prst="rect">
@@ -3882,7 +3882,7 @@
         </p:nvSpPr>
         <p:spPr>
           <a:xfrm>
-            <a:off x="3203848" y="4509120"/>
+            <a:off x="2987824" y="2204864"/>
             <a:ext cx="936104" cy="504056"/>
           </a:xfrm>
           <a:prstGeom prst="rect">
@@ -3929,7 +3929,7 @@
         </p:nvSpPr>
         <p:spPr>
           <a:xfrm>
-            <a:off x="4716016" y="4509120"/>
+            <a:off x="4283968" y="2204864"/>
             <a:ext cx="936104" cy="504056"/>
           </a:xfrm>
           <a:prstGeom prst="rect">
@@ -3983,8 +3983,8 @@
         </p:nvCxnSpPr>
         <p:spPr>
           <a:xfrm flipH="1">
-            <a:off x="1187624" y="4041068"/>
-            <a:ext cx="576064" cy="720080"/>
+            <a:off x="1259632" y="2096852"/>
+            <a:ext cx="360040" cy="360040"/>
           </a:xfrm>
           <a:prstGeom prst="straightConnector1">
             <a:avLst/>
@@ -4019,8 +4019,8 @@
         </p:nvCxnSpPr>
         <p:spPr>
           <a:xfrm flipH="1" flipV="1">
-            <a:off x="1187624" y="4761148"/>
-            <a:ext cx="576064" cy="720080"/>
+            <a:off x="1259632" y="2456892"/>
+            <a:ext cx="360040" cy="432048"/>
           </a:xfrm>
           <a:prstGeom prst="straightConnector1">
             <a:avLst/>
@@ -4055,8 +4055,8 @@
         </p:nvCxnSpPr>
         <p:spPr>
           <a:xfrm flipH="1">
-            <a:off x="4139952" y="4761148"/>
-            <a:ext cx="576064" cy="0"/>
+            <a:off x="3923928" y="2456892"/>
+            <a:ext cx="360040" cy="0"/>
           </a:xfrm>
           <a:prstGeom prst="straightConnector1">
             <a:avLst/>
@@ -4091,8 +4091,8 @@
         </p:nvCxnSpPr>
         <p:spPr>
           <a:xfrm flipH="1" flipV="1">
-            <a:off x="2699792" y="4041068"/>
-            <a:ext cx="504056" cy="720080"/>
+            <a:off x="2555776" y="2096852"/>
+            <a:ext cx="432048" cy="360040"/>
           </a:xfrm>
           <a:prstGeom prst="straightConnector1">
             <a:avLst/>
@@ -4127,8 +4127,8 @@
         </p:nvCxnSpPr>
         <p:spPr>
           <a:xfrm flipH="1">
-            <a:off x="2699792" y="4761148"/>
-            <a:ext cx="504056" cy="720080"/>
+            <a:off x="2555776" y="2456892"/>
+            <a:ext cx="432048" cy="432048"/>
           </a:xfrm>
           <a:prstGeom prst="straightConnector1">
             <a:avLst/>
@@ -4152,6 +4152,440 @@
           </a:fontRef>
         </p:style>
       </p:cxnSp>
+      <p:sp>
+        <p:nvSpPr>
+          <p:cNvPr id="28" name="矩形 27"/>
+          <p:cNvSpPr/>
+          <p:nvPr/>
+        </p:nvSpPr>
+        <p:spPr>
+          <a:xfrm>
+            <a:off x="323528" y="3933056"/>
+            <a:ext cx="936104" cy="504056"/>
+          </a:xfrm>
+          <a:prstGeom prst="rect">
+            <a:avLst/>
+          </a:prstGeom>
+          <a:ln>
+            <a:noFill/>
+          </a:ln>
+        </p:spPr>
+        <p:style>
+          <a:lnRef idx="2">
+            <a:schemeClr val="accent1">
+              <a:shade val="50000"/>
+            </a:schemeClr>
+          </a:lnRef>
+          <a:fillRef idx="1">
+            <a:schemeClr val="accent1"/>
+          </a:fillRef>
+          <a:effectRef idx="0">
+            <a:schemeClr val="accent1"/>
+          </a:effectRef>
+          <a:fontRef idx="minor">
+            <a:schemeClr val="lt1"/>
+          </a:fontRef>
+        </p:style>
+        <p:txBody>
+          <a:bodyPr rtlCol="0" anchor="ctr"/>
+          <a:lstStyle/>
+          <a:p>
+            <a:pPr algn="ctr"/>
+            <a:r>
+              <a:rPr lang="en-US" altLang="zh-CN" sz="1200" dirty="0" smtClean="0"/>
+              <a:t>Eureka Server</a:t>
+            </a:r>
+            <a:endParaRPr lang="zh-CN" altLang="en-US" sz="1200" dirty="0"/>
+          </a:p>
+        </p:txBody>
+      </p:sp>
+      <p:sp>
+        <p:nvSpPr>
+          <p:cNvPr id="29" name="矩形 28"/>
+          <p:cNvSpPr/>
+          <p:nvPr/>
+        </p:nvSpPr>
+        <p:spPr>
+          <a:xfrm>
+            <a:off x="1619672" y="3933056"/>
+            <a:ext cx="936104" cy="504056"/>
+          </a:xfrm>
+          <a:prstGeom prst="rect">
+            <a:avLst/>
+          </a:prstGeom>
+          <a:ln>
+            <a:noFill/>
+          </a:ln>
+        </p:spPr>
+        <p:style>
+          <a:lnRef idx="2">
+            <a:schemeClr val="accent1">
+              <a:shade val="50000"/>
+            </a:schemeClr>
+          </a:lnRef>
+          <a:fillRef idx="1">
+            <a:schemeClr val="accent1"/>
+          </a:fillRef>
+          <a:effectRef idx="0">
+            <a:schemeClr val="accent1"/>
+          </a:effectRef>
+          <a:fontRef idx="minor">
+            <a:schemeClr val="lt1"/>
+          </a:fontRef>
+        </p:style>
+        <p:txBody>
+          <a:bodyPr rtlCol="0" anchor="ctr"/>
+          <a:lstStyle/>
+          <a:p>
+            <a:pPr algn="ctr"/>
+            <a:r>
+              <a:rPr lang="en-US" altLang="zh-CN" sz="1200" dirty="0" smtClean="0"/>
+              <a:t>Service Provider1</a:t>
+            </a:r>
+            <a:endParaRPr lang="zh-CN" altLang="en-US" sz="1200" dirty="0"/>
+          </a:p>
+        </p:txBody>
+      </p:sp>
+      <p:sp>
+        <p:nvSpPr>
+          <p:cNvPr id="36" name="矩形 35"/>
+          <p:cNvSpPr/>
+          <p:nvPr/>
+        </p:nvSpPr>
+        <p:spPr>
+          <a:xfrm>
+            <a:off x="2915816" y="3933056"/>
+            <a:ext cx="936104" cy="504056"/>
+          </a:xfrm>
+          <a:prstGeom prst="rect">
+            <a:avLst/>
+          </a:prstGeom>
+          <a:ln>
+            <a:noFill/>
+          </a:ln>
+        </p:spPr>
+        <p:style>
+          <a:lnRef idx="2">
+            <a:schemeClr val="accent1">
+              <a:shade val="50000"/>
+            </a:schemeClr>
+          </a:lnRef>
+          <a:fillRef idx="1">
+            <a:schemeClr val="accent1"/>
+          </a:fillRef>
+          <a:effectRef idx="0">
+            <a:schemeClr val="accent1"/>
+          </a:effectRef>
+          <a:fontRef idx="minor">
+            <a:schemeClr val="lt1"/>
+          </a:fontRef>
+        </p:style>
+        <p:txBody>
+          <a:bodyPr rtlCol="0" anchor="ctr"/>
+          <a:lstStyle/>
+          <a:p>
+            <a:pPr algn="ctr"/>
+            <a:r>
+              <a:rPr lang="en-US" altLang="zh-CN" sz="1200" dirty="0" smtClean="0"/>
+              <a:t>Service Consumer1</a:t>
+            </a:r>
+            <a:endParaRPr lang="zh-CN" altLang="en-US" sz="1200" dirty="0"/>
+          </a:p>
+        </p:txBody>
+      </p:sp>
+      <p:sp>
+        <p:nvSpPr>
+          <p:cNvPr id="38" name="矩形 37"/>
+          <p:cNvSpPr/>
+          <p:nvPr/>
+        </p:nvSpPr>
+        <p:spPr>
+          <a:xfrm>
+            <a:off x="4211960" y="3933056"/>
+            <a:ext cx="936104" cy="504056"/>
+          </a:xfrm>
+          <a:prstGeom prst="rect">
+            <a:avLst/>
+          </a:prstGeom>
+          <a:ln>
+            <a:noFill/>
+          </a:ln>
+        </p:spPr>
+        <p:style>
+          <a:lnRef idx="2">
+            <a:schemeClr val="accent1">
+              <a:shade val="50000"/>
+            </a:schemeClr>
+          </a:lnRef>
+          <a:fillRef idx="1">
+            <a:schemeClr val="accent1"/>
+          </a:fillRef>
+          <a:effectRef idx="0">
+            <a:schemeClr val="accent1"/>
+          </a:effectRef>
+          <a:fontRef idx="minor">
+            <a:schemeClr val="lt1"/>
+          </a:fontRef>
+        </p:style>
+        <p:txBody>
+          <a:bodyPr rtlCol="0" anchor="ctr"/>
+          <a:lstStyle/>
+          <a:p>
+            <a:pPr algn="ctr"/>
+            <a:r>
+              <a:rPr lang="en-US" altLang="zh-CN" sz="1200" dirty="0" err="1" smtClean="0"/>
+              <a:t>Zuul</a:t>
+            </a:r>
+            <a:endParaRPr lang="zh-CN" altLang="en-US" sz="1200" dirty="0"/>
+          </a:p>
+        </p:txBody>
+      </p:sp>
+      <p:cxnSp>
+        <p:nvCxnSpPr>
+          <p:cNvPr id="39" name="直接箭头连接符 38"/>
+          <p:cNvCxnSpPr>
+            <a:stCxn id="29" idx="1"/>
+            <a:endCxn id="28" idx="3"/>
+          </p:cNvCxnSpPr>
+          <p:nvPr/>
+        </p:nvCxnSpPr>
+        <p:spPr>
+          <a:xfrm flipH="1">
+            <a:off x="1259632" y="4185084"/>
+            <a:ext cx="360040" cy="0"/>
+          </a:xfrm>
+          <a:prstGeom prst="straightConnector1">
+            <a:avLst/>
+          </a:prstGeom>
+          <a:ln>
+            <a:tailEnd type="arrow"/>
+          </a:ln>
+        </p:spPr>
+        <p:style>
+          <a:lnRef idx="1">
+            <a:schemeClr val="accent1"/>
+          </a:lnRef>
+          <a:fillRef idx="0">
+            <a:schemeClr val="accent1"/>
+          </a:fillRef>
+          <a:effectRef idx="0">
+            <a:schemeClr val="accent1"/>
+          </a:effectRef>
+          <a:fontRef idx="minor">
+            <a:schemeClr val="tx1"/>
+          </a:fontRef>
+        </p:style>
+      </p:cxnSp>
+      <p:cxnSp>
+        <p:nvCxnSpPr>
+          <p:cNvPr id="41" name="直接箭头连接符 40"/>
+          <p:cNvCxnSpPr>
+            <a:stCxn id="38" idx="1"/>
+            <a:endCxn id="36" idx="3"/>
+          </p:cNvCxnSpPr>
+          <p:nvPr/>
+        </p:nvCxnSpPr>
+        <p:spPr>
+          <a:xfrm flipH="1">
+            <a:off x="3851920" y="4185084"/>
+            <a:ext cx="360040" cy="0"/>
+          </a:xfrm>
+          <a:prstGeom prst="straightConnector1">
+            <a:avLst/>
+          </a:prstGeom>
+          <a:ln>
+            <a:tailEnd type="arrow"/>
+          </a:ln>
+        </p:spPr>
+        <p:style>
+          <a:lnRef idx="1">
+            <a:schemeClr val="accent1"/>
+          </a:lnRef>
+          <a:fillRef idx="0">
+            <a:schemeClr val="accent1"/>
+          </a:fillRef>
+          <a:effectRef idx="0">
+            <a:schemeClr val="accent1"/>
+          </a:effectRef>
+          <a:fontRef idx="minor">
+            <a:schemeClr val="tx1"/>
+          </a:fontRef>
+        </p:style>
+      </p:cxnSp>
+      <p:cxnSp>
+        <p:nvCxnSpPr>
+          <p:cNvPr id="42" name="直接箭头连接符 41"/>
+          <p:cNvCxnSpPr>
+            <a:stCxn id="36" idx="1"/>
+            <a:endCxn id="29" idx="3"/>
+          </p:cNvCxnSpPr>
+          <p:nvPr/>
+        </p:nvCxnSpPr>
+        <p:spPr>
+          <a:xfrm flipH="1">
+            <a:off x="2555776" y="4185084"/>
+            <a:ext cx="360040" cy="0"/>
+          </a:xfrm>
+          <a:prstGeom prst="straightConnector1">
+            <a:avLst/>
+          </a:prstGeom>
+          <a:ln>
+            <a:tailEnd type="arrow"/>
+          </a:ln>
+        </p:spPr>
+        <p:style>
+          <a:lnRef idx="1">
+            <a:schemeClr val="accent1"/>
+          </a:lnRef>
+          <a:fillRef idx="0">
+            <a:schemeClr val="accent1"/>
+          </a:fillRef>
+          <a:effectRef idx="0">
+            <a:schemeClr val="accent1"/>
+          </a:effectRef>
+          <a:fontRef idx="minor">
+            <a:schemeClr val="tx1"/>
+          </a:fontRef>
+        </p:style>
+      </p:cxnSp>
+      <p:cxnSp>
+        <p:nvCxnSpPr>
+          <p:cNvPr id="49" name="肘形连接符 48"/>
+          <p:cNvCxnSpPr>
+            <a:stCxn id="36" idx="2"/>
+            <a:endCxn id="29" idx="2"/>
+          </p:cNvCxnSpPr>
+          <p:nvPr/>
+        </p:nvCxnSpPr>
+        <p:spPr>
+          <a:xfrm rot="5400000">
+            <a:off x="2735796" y="3789040"/>
+            <a:ext cx="12700" cy="1296144"/>
+          </a:xfrm>
+          <a:prstGeom prst="bentConnector3">
+            <a:avLst>
+              <a:gd name="adj1" fmla="val 1800000"/>
+            </a:avLst>
+          </a:prstGeom>
+          <a:ln>
+            <a:tailEnd type="arrow"/>
+          </a:ln>
+        </p:spPr>
+        <p:style>
+          <a:lnRef idx="1">
+            <a:schemeClr val="accent1"/>
+          </a:lnRef>
+          <a:fillRef idx="0">
+            <a:schemeClr val="accent1"/>
+          </a:fillRef>
+          <a:effectRef idx="0">
+            <a:schemeClr val="accent1"/>
+          </a:effectRef>
+          <a:fontRef idx="minor">
+            <a:schemeClr val="tx1"/>
+          </a:fontRef>
+        </p:style>
+      </p:cxnSp>
+      <p:sp>
+        <p:nvSpPr>
+          <p:cNvPr id="51" name="TextBox 50"/>
+          <p:cNvSpPr txBox="1"/>
+          <p:nvPr/>
+        </p:nvSpPr>
+        <p:spPr>
+          <a:xfrm>
+            <a:off x="2816822" y="4455584"/>
+            <a:ext cx="603050" cy="246221"/>
+          </a:xfrm>
+          <a:prstGeom prst="rect">
+            <a:avLst/>
+          </a:prstGeom>
+          <a:noFill/>
+        </p:spPr>
+        <p:txBody>
+          <a:bodyPr wrap="none" rtlCol="0">
+            <a:spAutoFit/>
+          </a:bodyPr>
+          <a:lstStyle/>
+          <a:p>
+            <a:pPr algn="ctr"/>
+            <a:r>
+              <a:rPr lang="en-US" altLang="zh-CN" sz="1000" dirty="0" smtClean="0"/>
+              <a:t>Fallback</a:t>
+            </a:r>
+            <a:endParaRPr lang="zh-CN" altLang="en-US" sz="1000" dirty="0"/>
+          </a:p>
+        </p:txBody>
+      </p:sp>
+      <p:cxnSp>
+        <p:nvCxnSpPr>
+          <p:cNvPr id="53" name="肘形连接符 52"/>
+          <p:cNvCxnSpPr>
+            <a:stCxn id="38" idx="2"/>
+            <a:endCxn id="36" idx="2"/>
+          </p:cNvCxnSpPr>
+          <p:nvPr/>
+        </p:nvCxnSpPr>
+        <p:spPr>
+          <a:xfrm rot="5400000">
+            <a:off x="4031940" y="3789040"/>
+            <a:ext cx="12700" cy="1296144"/>
+          </a:xfrm>
+          <a:prstGeom prst="bentConnector3">
+            <a:avLst>
+              <a:gd name="adj1" fmla="val 1800000"/>
+            </a:avLst>
+          </a:prstGeom>
+          <a:ln>
+            <a:tailEnd type="arrow"/>
+          </a:ln>
+        </p:spPr>
+        <p:style>
+          <a:lnRef idx="1">
+            <a:schemeClr val="accent1"/>
+          </a:lnRef>
+          <a:fillRef idx="0">
+            <a:schemeClr val="accent1"/>
+          </a:fillRef>
+          <a:effectRef idx="0">
+            <a:schemeClr val="accent1"/>
+          </a:effectRef>
+          <a:fontRef idx="minor">
+            <a:schemeClr val="tx1"/>
+          </a:fontRef>
+        </p:style>
+      </p:cxnSp>
+      <p:sp>
+        <p:nvSpPr>
+          <p:cNvPr id="55" name="TextBox 54"/>
+          <p:cNvSpPr txBox="1"/>
+          <p:nvPr/>
+        </p:nvSpPr>
+        <p:spPr>
+          <a:xfrm>
+            <a:off x="4114124" y="4464820"/>
+            <a:ext cx="603050" cy="246221"/>
+          </a:xfrm>
+          <a:prstGeom prst="rect">
+            <a:avLst/>
+          </a:prstGeom>
+          <a:noFill/>
+        </p:spPr>
+        <p:txBody>
+          <a:bodyPr wrap="none" rtlCol="0">
+            <a:spAutoFit/>
+          </a:bodyPr>
+          <a:lstStyle/>
+          <a:p>
+            <a:pPr algn="ctr"/>
+            <a:r>
+              <a:rPr lang="en-US" altLang="zh-CN" sz="1000" dirty="0" smtClean="0"/>
+              <a:t>Fallback</a:t>
+            </a:r>
+            <a:endParaRPr lang="zh-CN" altLang="en-US" sz="1000" dirty="0"/>
+          </a:p>
+        </p:txBody>
+      </p:sp>
     </p:spTree>
   </p:cSld>
   <p:clrMapOvr>
@@ -4221,15 +4655,7 @@
             <a:pPr algn="ctr"/>
             <a:r>
               <a:rPr lang="zh-CN" altLang="en-US" sz="1200" dirty="0" smtClean="0"/>
-              <a:t>注</a:t>
-            </a:r>
-            <a:r>
-              <a:rPr lang="zh-CN" altLang="en-US" sz="1200" dirty="0" smtClean="0"/>
-              <a:t>册中</a:t>
-            </a:r>
-            <a:r>
-              <a:rPr lang="zh-CN" altLang="en-US" sz="1200" dirty="0" smtClean="0"/>
-              <a:t>心集群</a:t>
+              <a:t>注册中心集群</a:t>
             </a:r>
             <a:endParaRPr lang="zh-CN" altLang="en-US" sz="1200" dirty="0"/>
           </a:p>
@@ -5316,11 +5742,7 @@
             <a:pPr algn="ctr"/>
             <a:r>
               <a:rPr lang="zh-CN" altLang="en-US" sz="1200" dirty="0" smtClean="0"/>
-              <a:t>配置中</a:t>
-            </a:r>
-            <a:r>
-              <a:rPr lang="zh-CN" altLang="en-US" sz="1200" dirty="0" smtClean="0"/>
-              <a:t>心集群</a:t>
+              <a:t>配置中心集群</a:t>
             </a:r>
             <a:endParaRPr lang="zh-CN" altLang="en-US" sz="1200" dirty="0"/>
           </a:p>

--- a/doc/架构图.pptx
+++ b/doc/架构图.pptx
@@ -4160,7 +4160,7 @@
         </p:nvSpPr>
         <p:spPr>
           <a:xfrm>
-            <a:off x="323528" y="3933056"/>
+            <a:off x="1907704" y="3861048"/>
             <a:ext cx="936104" cy="504056"/>
           </a:xfrm>
           <a:prstGeom prst="rect">
@@ -4207,7 +4207,7 @@
         </p:nvSpPr>
         <p:spPr>
           <a:xfrm>
-            <a:off x="1619672" y="3933056"/>
+            <a:off x="611560" y="4941168"/>
             <a:ext cx="936104" cy="504056"/>
           </a:xfrm>
           <a:prstGeom prst="rect">
@@ -4254,7 +4254,7 @@
         </p:nvSpPr>
         <p:spPr>
           <a:xfrm>
-            <a:off x="2915816" y="3933056"/>
+            <a:off x="1907704" y="4941168"/>
             <a:ext cx="936104" cy="504056"/>
           </a:xfrm>
           <a:prstGeom prst="rect">
@@ -4301,7 +4301,7 @@
         </p:nvSpPr>
         <p:spPr>
           <a:xfrm>
-            <a:off x="4211960" y="3933056"/>
+            <a:off x="3203848" y="4941168"/>
             <a:ext cx="936104" cy="504056"/>
           </a:xfrm>
           <a:prstGeom prst="rect">
@@ -4344,20 +4344,23 @@
         <p:nvCxnSpPr>
           <p:cNvPr id="39" name="直接箭头连接符 38"/>
           <p:cNvCxnSpPr>
-            <a:stCxn id="29" idx="1"/>
-            <a:endCxn id="28" idx="3"/>
+            <a:stCxn id="29" idx="0"/>
+            <a:endCxn id="28" idx="2"/>
           </p:cNvCxnSpPr>
           <p:nvPr/>
         </p:nvCxnSpPr>
         <p:spPr>
-          <a:xfrm flipH="1">
-            <a:off x="1259632" y="4185084"/>
-            <a:ext cx="360040" cy="0"/>
+          <a:xfrm flipV="1">
+            <a:off x="1079612" y="4365104"/>
+            <a:ext cx="1296144" cy="576064"/>
           </a:xfrm>
           <a:prstGeom prst="straightConnector1">
             <a:avLst/>
           </a:prstGeom>
           <a:ln>
+            <a:solidFill>
+              <a:srgbClr val="FF0000"/>
+            </a:solidFill>
             <a:tailEnd type="arrow"/>
           </a:ln>
         </p:spPr>
@@ -4387,7 +4390,7 @@
         </p:nvCxnSpPr>
         <p:spPr>
           <a:xfrm flipH="1">
-            <a:off x="3851920" y="4185084"/>
+            <a:off x="2843808" y="5193196"/>
             <a:ext cx="360040" cy="0"/>
           </a:xfrm>
           <a:prstGeom prst="straightConnector1">
@@ -4423,7 +4426,7 @@
         </p:nvCxnSpPr>
         <p:spPr>
           <a:xfrm flipH="1">
-            <a:off x="2555776" y="4185084"/>
+            <a:off x="1547664" y="5193196"/>
             <a:ext cx="360040" cy="0"/>
           </a:xfrm>
           <a:prstGeom prst="straightConnector1">
@@ -4459,7 +4462,7 @@
         </p:nvCxnSpPr>
         <p:spPr>
           <a:xfrm rot="5400000">
-            <a:off x="2735796" y="3789040"/>
+            <a:off x="1727684" y="4797152"/>
             <a:ext cx="12700" cy="1296144"/>
           </a:xfrm>
           <a:prstGeom prst="bentConnector3">
@@ -4468,6 +4471,9 @@
             </a:avLst>
           </a:prstGeom>
           <a:ln>
+            <a:solidFill>
+              <a:srgbClr val="92D050"/>
+            </a:solidFill>
             <a:tailEnd type="arrow"/>
           </a:ln>
         </p:spPr>
@@ -4494,7 +4500,7 @@
         </p:nvSpPr>
         <p:spPr>
           <a:xfrm>
-            <a:off x="2816822" y="4455584"/>
+            <a:off x="1808710" y="5463696"/>
             <a:ext cx="603050" cy="246221"/>
           </a:xfrm>
           <a:prstGeom prst="rect">
@@ -4528,7 +4534,7 @@
         </p:nvCxnSpPr>
         <p:spPr>
           <a:xfrm rot="5400000">
-            <a:off x="4031940" y="3789040"/>
+            <a:off x="3023828" y="4797152"/>
             <a:ext cx="12700" cy="1296144"/>
           </a:xfrm>
           <a:prstGeom prst="bentConnector3">
@@ -4537,6 +4543,9 @@
             </a:avLst>
           </a:prstGeom>
           <a:ln>
+            <a:solidFill>
+              <a:srgbClr val="FFC000"/>
+            </a:solidFill>
             <a:tailEnd type="arrow"/>
           </a:ln>
         </p:spPr>
@@ -4563,7 +4572,7 @@
         </p:nvSpPr>
         <p:spPr>
           <a:xfrm>
-            <a:off x="4114124" y="4464820"/>
+            <a:off x="3106012" y="5472932"/>
             <a:ext cx="603050" cy="246221"/>
           </a:xfrm>
           <a:prstGeom prst="rect">
@@ -4581,6 +4590,201 @@
             <a:r>
               <a:rPr lang="en-US" altLang="zh-CN" sz="1000" dirty="0" smtClean="0"/>
               <a:t>Fallback</a:t>
+            </a:r>
+            <a:endParaRPr lang="zh-CN" altLang="en-US" sz="1000" dirty="0"/>
+          </a:p>
+        </p:txBody>
+      </p:sp>
+      <p:cxnSp>
+        <p:nvCxnSpPr>
+          <p:cNvPr id="60" name="直接箭头连接符 59"/>
+          <p:cNvCxnSpPr>
+            <a:stCxn id="36" idx="0"/>
+            <a:endCxn id="28" idx="2"/>
+          </p:cNvCxnSpPr>
+          <p:nvPr/>
+        </p:nvCxnSpPr>
+        <p:spPr>
+          <a:xfrm flipV="1">
+            <a:off x="2375756" y="4365104"/>
+            <a:ext cx="0" cy="576064"/>
+          </a:xfrm>
+          <a:prstGeom prst="straightConnector1">
+            <a:avLst/>
+          </a:prstGeom>
+          <a:ln>
+            <a:solidFill>
+              <a:srgbClr val="FF0000"/>
+            </a:solidFill>
+            <a:tailEnd type="arrow"/>
+          </a:ln>
+        </p:spPr>
+        <p:style>
+          <a:lnRef idx="1">
+            <a:schemeClr val="accent1"/>
+          </a:lnRef>
+          <a:fillRef idx="0">
+            <a:schemeClr val="accent1"/>
+          </a:fillRef>
+          <a:effectRef idx="0">
+            <a:schemeClr val="accent1"/>
+          </a:effectRef>
+          <a:fontRef idx="minor">
+            <a:schemeClr val="tx1"/>
+          </a:fontRef>
+        </p:style>
+      </p:cxnSp>
+      <p:cxnSp>
+        <p:nvCxnSpPr>
+          <p:cNvPr id="62" name="直接箭头连接符 61"/>
+          <p:cNvCxnSpPr>
+            <a:stCxn id="38" idx="0"/>
+            <a:endCxn id="28" idx="2"/>
+          </p:cNvCxnSpPr>
+          <p:nvPr/>
+        </p:nvCxnSpPr>
+        <p:spPr>
+          <a:xfrm flipH="1" flipV="1">
+            <a:off x="2375756" y="4365104"/>
+            <a:ext cx="1296144" cy="576064"/>
+          </a:xfrm>
+          <a:prstGeom prst="straightConnector1">
+            <a:avLst/>
+          </a:prstGeom>
+          <a:ln>
+            <a:solidFill>
+              <a:srgbClr val="FF0000"/>
+            </a:solidFill>
+            <a:tailEnd type="arrow"/>
+          </a:ln>
+        </p:spPr>
+        <p:style>
+          <a:lnRef idx="1">
+            <a:schemeClr val="accent1"/>
+          </a:lnRef>
+          <a:fillRef idx="0">
+            <a:schemeClr val="accent1"/>
+          </a:fillRef>
+          <a:effectRef idx="0">
+            <a:schemeClr val="accent1"/>
+          </a:effectRef>
+          <a:fontRef idx="minor">
+            <a:schemeClr val="tx1"/>
+          </a:fontRef>
+        </p:style>
+      </p:cxnSp>
+      <p:sp>
+        <p:nvSpPr>
+          <p:cNvPr id="66" name="矩形 65"/>
+          <p:cNvSpPr/>
+          <p:nvPr/>
+        </p:nvSpPr>
+        <p:spPr>
+          <a:xfrm>
+            <a:off x="4572000" y="4941168"/>
+            <a:ext cx="936104" cy="504056"/>
+          </a:xfrm>
+          <a:prstGeom prst="rect">
+            <a:avLst/>
+          </a:prstGeom>
+          <a:solidFill>
+            <a:srgbClr val="00B050"/>
+          </a:solidFill>
+          <a:ln>
+            <a:noFill/>
+          </a:ln>
+        </p:spPr>
+        <p:style>
+          <a:lnRef idx="2">
+            <a:schemeClr val="accent1">
+              <a:shade val="50000"/>
+            </a:schemeClr>
+          </a:lnRef>
+          <a:fillRef idx="1">
+            <a:schemeClr val="accent1"/>
+          </a:fillRef>
+          <a:effectRef idx="0">
+            <a:schemeClr val="accent1"/>
+          </a:effectRef>
+          <a:fontRef idx="minor">
+            <a:schemeClr val="lt1"/>
+          </a:fontRef>
+        </p:style>
+        <p:txBody>
+          <a:bodyPr rtlCol="0" anchor="ctr"/>
+          <a:lstStyle/>
+          <a:p>
+            <a:pPr algn="ctr"/>
+            <a:r>
+              <a:rPr lang="zh-CN" altLang="en-US" sz="1200" dirty="0" smtClean="0"/>
+              <a:t>客户端</a:t>
+            </a:r>
+            <a:endParaRPr lang="zh-CN" altLang="en-US" sz="1200" dirty="0"/>
+          </a:p>
+        </p:txBody>
+      </p:sp>
+      <p:cxnSp>
+        <p:nvCxnSpPr>
+          <p:cNvPr id="68" name="直接箭头连接符 67"/>
+          <p:cNvCxnSpPr>
+            <a:stCxn id="66" idx="1"/>
+            <a:endCxn id="38" idx="3"/>
+          </p:cNvCxnSpPr>
+          <p:nvPr/>
+        </p:nvCxnSpPr>
+        <p:spPr>
+          <a:xfrm flipH="1">
+            <a:off x="4139952" y="5193196"/>
+            <a:ext cx="432048" cy="0"/>
+          </a:xfrm>
+          <a:prstGeom prst="straightConnector1">
+            <a:avLst/>
+          </a:prstGeom>
+          <a:ln>
+            <a:tailEnd type="arrow"/>
+          </a:ln>
+        </p:spPr>
+        <p:style>
+          <a:lnRef idx="1">
+            <a:schemeClr val="accent1"/>
+          </a:lnRef>
+          <a:fillRef idx="0">
+            <a:schemeClr val="accent1"/>
+          </a:fillRef>
+          <a:effectRef idx="0">
+            <a:schemeClr val="accent1"/>
+          </a:effectRef>
+          <a:fontRef idx="minor">
+            <a:schemeClr val="tx1"/>
+          </a:fontRef>
+        </p:style>
+      </p:cxnSp>
+      <p:sp>
+        <p:nvSpPr>
+          <p:cNvPr id="72" name="TextBox 71"/>
+          <p:cNvSpPr txBox="1"/>
+          <p:nvPr/>
+        </p:nvSpPr>
+        <p:spPr>
+          <a:xfrm>
+            <a:off x="2035128" y="4425996"/>
+            <a:ext cx="697627" cy="246221"/>
+          </a:xfrm>
+          <a:prstGeom prst="rect">
+            <a:avLst/>
+          </a:prstGeom>
+          <a:noFill/>
+        </p:spPr>
+        <p:txBody>
+          <a:bodyPr wrap="none" rtlCol="0">
+            <a:spAutoFit/>
+          </a:bodyPr>
+          <a:lstStyle/>
+          <a:p>
+            <a:pPr algn="ctr"/>
+            <a:r>
+              <a:rPr lang="zh-CN" altLang="en-US" sz="1000" dirty="0" smtClean="0"/>
+              <a:t>服务注册</a:t>
             </a:r>
             <a:endParaRPr lang="zh-CN" altLang="en-US" sz="1000" dirty="0"/>
           </a:p>

--- a/doc/架构图.pptx
+++ b/doc/架构图.pptx
@@ -7,6 +7,7 @@
   <p:sldIdLst>
     <p:sldId id="256" r:id="rId2"/>
     <p:sldId id="257" r:id="rId3"/>
+    <p:sldId id="258" r:id="rId4"/>
   </p:sldIdLst>
   <p:sldSz cx="9144000" cy="6858000" type="screen4x3"/>
   <p:notesSz cx="6858000" cy="9144000"/>
@@ -290,7 +291,7 @@
             <a:fld id="{9CCB53D5-3F0A-4974-9E71-2401F19FA0D5}" type="datetimeFigureOut">
               <a:rPr lang="zh-CN" altLang="en-US" smtClean="0"/>
               <a:pPr/>
-              <a:t>2019/1/16</a:t>
+              <a:t>2019/1/18</a:t>
             </a:fld>
             <a:endParaRPr lang="zh-CN" altLang="en-US"/>
           </a:p>
@@ -457,7 +458,7 @@
             <a:fld id="{9CCB53D5-3F0A-4974-9E71-2401F19FA0D5}" type="datetimeFigureOut">
               <a:rPr lang="zh-CN" altLang="en-US" smtClean="0"/>
               <a:pPr/>
-              <a:t>2019/1/16</a:t>
+              <a:t>2019/1/18</a:t>
             </a:fld>
             <a:endParaRPr lang="zh-CN" altLang="en-US"/>
           </a:p>
@@ -634,7 +635,7 @@
             <a:fld id="{9CCB53D5-3F0A-4974-9E71-2401F19FA0D5}" type="datetimeFigureOut">
               <a:rPr lang="zh-CN" altLang="en-US" smtClean="0"/>
               <a:pPr/>
-              <a:t>2019/1/16</a:t>
+              <a:t>2019/1/18</a:t>
             </a:fld>
             <a:endParaRPr lang="zh-CN" altLang="en-US"/>
           </a:p>
@@ -801,7 +802,7 @@
             <a:fld id="{9CCB53D5-3F0A-4974-9E71-2401F19FA0D5}" type="datetimeFigureOut">
               <a:rPr lang="zh-CN" altLang="en-US" smtClean="0"/>
               <a:pPr/>
-              <a:t>2019/1/16</a:t>
+              <a:t>2019/1/18</a:t>
             </a:fld>
             <a:endParaRPr lang="zh-CN" altLang="en-US"/>
           </a:p>
@@ -1044,7 +1045,7 @@
             <a:fld id="{9CCB53D5-3F0A-4974-9E71-2401F19FA0D5}" type="datetimeFigureOut">
               <a:rPr lang="zh-CN" altLang="en-US" smtClean="0"/>
               <a:pPr/>
-              <a:t>2019/1/16</a:t>
+              <a:t>2019/1/18</a:t>
             </a:fld>
             <a:endParaRPr lang="zh-CN" altLang="en-US"/>
           </a:p>
@@ -1329,7 +1330,7 @@
             <a:fld id="{9CCB53D5-3F0A-4974-9E71-2401F19FA0D5}" type="datetimeFigureOut">
               <a:rPr lang="zh-CN" altLang="en-US" smtClean="0"/>
               <a:pPr/>
-              <a:t>2019/1/16</a:t>
+              <a:t>2019/1/18</a:t>
             </a:fld>
             <a:endParaRPr lang="zh-CN" altLang="en-US"/>
           </a:p>
@@ -1748,7 +1749,7 @@
             <a:fld id="{9CCB53D5-3F0A-4974-9E71-2401F19FA0D5}" type="datetimeFigureOut">
               <a:rPr lang="zh-CN" altLang="en-US" smtClean="0"/>
               <a:pPr/>
-              <a:t>2019/1/16</a:t>
+              <a:t>2019/1/18</a:t>
             </a:fld>
             <a:endParaRPr lang="zh-CN" altLang="en-US"/>
           </a:p>
@@ -1863,7 +1864,7 @@
             <a:fld id="{9CCB53D5-3F0A-4974-9E71-2401F19FA0D5}" type="datetimeFigureOut">
               <a:rPr lang="zh-CN" altLang="en-US" smtClean="0"/>
               <a:pPr/>
-              <a:t>2019/1/16</a:t>
+              <a:t>2019/1/18</a:t>
             </a:fld>
             <a:endParaRPr lang="zh-CN" altLang="en-US"/>
           </a:p>
@@ -1955,7 +1956,7 @@
             <a:fld id="{9CCB53D5-3F0A-4974-9E71-2401F19FA0D5}" type="datetimeFigureOut">
               <a:rPr lang="zh-CN" altLang="en-US" smtClean="0"/>
               <a:pPr/>
-              <a:t>2019/1/16</a:t>
+              <a:t>2019/1/18</a:t>
             </a:fld>
             <a:endParaRPr lang="zh-CN" altLang="en-US"/>
           </a:p>
@@ -2229,7 +2230,7 @@
             <a:fld id="{9CCB53D5-3F0A-4974-9E71-2401F19FA0D5}" type="datetimeFigureOut">
               <a:rPr lang="zh-CN" altLang="en-US" smtClean="0"/>
               <a:pPr/>
-              <a:t>2019/1/16</a:t>
+              <a:t>2019/1/18</a:t>
             </a:fld>
             <a:endParaRPr lang="zh-CN" altLang="en-US"/>
           </a:p>
@@ -2479,7 +2480,7 @@
             <a:fld id="{9CCB53D5-3F0A-4974-9E71-2401F19FA0D5}" type="datetimeFigureOut">
               <a:rPr lang="zh-CN" altLang="en-US" smtClean="0"/>
               <a:pPr/>
-              <a:t>2019/1/16</a:t>
+              <a:t>2019/1/18</a:t>
             </a:fld>
             <a:endParaRPr lang="zh-CN" altLang="en-US"/>
           </a:p>
@@ -2689,7 +2690,7 @@
             <a:fld id="{9CCB53D5-3F0A-4974-9E71-2401F19FA0D5}" type="datetimeFigureOut">
               <a:rPr lang="zh-CN" altLang="en-US" smtClean="0"/>
               <a:pPr/>
-              <a:t>2019/1/16</a:t>
+              <a:t>2019/1/18</a:t>
             </a:fld>
             <a:endParaRPr lang="zh-CN" altLang="en-US"/>
           </a:p>
@@ -6977,6 +6978,125 @@
           </a:fontRef>
         </p:style>
       </p:cxnSp>
+    </p:spTree>
+  </p:cSld>
+  <p:clrMapOvr>
+    <a:masterClrMapping/>
+  </p:clrMapOvr>
+</p:sld>
+</file>
+
+<file path=ppt/slides/slide3.xml><?xml version="1.0" encoding="utf-8"?>
+<p:sld xmlns:a="http://schemas.openxmlformats.org/drawingml/2006/main" xmlns:r="http://schemas.openxmlformats.org/officeDocument/2006/relationships" xmlns:p="http://schemas.openxmlformats.org/presentationml/2006/main">
+  <p:cSld>
+    <p:spTree>
+      <p:nvGrpSpPr>
+        <p:cNvPr id="1" name=""/>
+        <p:cNvGrpSpPr/>
+        <p:nvPr/>
+      </p:nvGrpSpPr>
+      <p:grpSpPr>
+        <a:xfrm>
+          <a:off x="0" y="0"/>
+          <a:ext cx="0" cy="0"/>
+          <a:chOff x="0" y="0"/>
+          <a:chExt cx="0" cy="0"/>
+        </a:xfrm>
+      </p:grpSpPr>
+      <p:pic>
+        <p:nvPicPr>
+          <p:cNvPr id="1026" name="Picture 2"/>
+          <p:cNvPicPr>
+            <a:picLocks noChangeAspect="1" noChangeArrowheads="1"/>
+          </p:cNvPicPr>
+          <p:nvPr/>
+        </p:nvPicPr>
+        <p:blipFill>
+          <a:blip r:embed="rId2" cstate="print"/>
+          <a:srcRect/>
+          <a:stretch>
+            <a:fillRect/>
+          </a:stretch>
+        </p:blipFill>
+        <p:spPr bwMode="auto">
+          <a:xfrm>
+            <a:off x="179512" y="188640"/>
+            <a:ext cx="4491011" cy="5015624"/>
+          </a:xfrm>
+          <a:prstGeom prst="rect">
+            <a:avLst/>
+          </a:prstGeom>
+          <a:noFill/>
+          <a:ln w="9525">
+            <a:noFill/>
+            <a:miter lim="800000"/>
+            <a:headEnd/>
+            <a:tailEnd/>
+          </a:ln>
+        </p:spPr>
+      </p:pic>
+      <p:sp>
+        <p:nvSpPr>
+          <p:cNvPr id="5" name="TextBox 4"/>
+          <p:cNvSpPr txBox="1"/>
+          <p:nvPr/>
+        </p:nvSpPr>
+        <p:spPr>
+          <a:xfrm>
+            <a:off x="4932040" y="548680"/>
+            <a:ext cx="4032448" cy="1107996"/>
+          </a:xfrm>
+          <a:prstGeom prst="rect">
+            <a:avLst/>
+          </a:prstGeom>
+          <a:noFill/>
+        </p:spPr>
+        <p:txBody>
+          <a:bodyPr wrap="square" rtlCol="0">
+            <a:spAutoFit/>
+          </a:bodyPr>
+          <a:lstStyle/>
+          <a:p>
+            <a:r>
+              <a:rPr lang="zh-CN" altLang="en-US" sz="1100" dirty="0" smtClean="0"/>
+              <a:t>客户端向 </a:t>
+            </a:r>
+            <a:r>
+              <a:rPr lang="en-US" altLang="zh-CN" sz="1100" dirty="0" smtClean="0"/>
+              <a:t>Spring Cloud Gateway </a:t>
+            </a:r>
+            <a:r>
+              <a:rPr lang="zh-CN" altLang="en-US" sz="1100" dirty="0" smtClean="0"/>
+              <a:t>发出请求，如果请求与网关程序定义的路由匹配，则将其发送到网关 </a:t>
+            </a:r>
+            <a:r>
+              <a:rPr lang="en-US" altLang="zh-CN" sz="1100" dirty="0" smtClean="0"/>
+              <a:t>Web </a:t>
+            </a:r>
+            <a:r>
+              <a:rPr lang="zh-CN" altLang="en-US" sz="1100" dirty="0" smtClean="0"/>
+              <a:t>处理程序，此处理程序运行特定的请求过滤器链。过滤器之间用虚线分开的原因是过滤器可能会在发送代理请求之前或之后执行逻辑。所有 </a:t>
+            </a:r>
+            <a:r>
+              <a:rPr lang="en-US" altLang="zh-CN" sz="1100" dirty="0" smtClean="0"/>
+              <a:t>"pre" </a:t>
+            </a:r>
+            <a:r>
+              <a:rPr lang="zh-CN" altLang="en-US" sz="1100" dirty="0" smtClean="0"/>
+              <a:t>过滤器逻辑先执行，然后执行代理请求，代理请求完成后，执行 </a:t>
+            </a:r>
+            <a:r>
+              <a:rPr lang="en-US" altLang="zh-CN" sz="1100" dirty="0" smtClean="0"/>
+              <a:t>"post" </a:t>
+            </a:r>
+            <a:r>
+              <a:rPr lang="zh-CN" altLang="en-US" sz="1100" dirty="0" smtClean="0"/>
+              <a:t>过滤器逻辑。</a:t>
+            </a:r>
+            <a:endParaRPr lang="zh-CN" altLang="en-US" sz="1100" dirty="0"/>
+          </a:p>
+        </p:txBody>
+      </p:sp>
     </p:spTree>
   </p:cSld>
   <p:clrMapOvr>

--- a/doc/架构图.pptx
+++ b/doc/架构图.pptx
@@ -291,7 +291,7 @@
             <a:fld id="{9CCB53D5-3F0A-4974-9E71-2401F19FA0D5}" type="datetimeFigureOut">
               <a:rPr lang="zh-CN" altLang="en-US" smtClean="0"/>
               <a:pPr/>
-              <a:t>2019/1/18</a:t>
+              <a:t>2019/1/19</a:t>
             </a:fld>
             <a:endParaRPr lang="zh-CN" altLang="en-US"/>
           </a:p>
@@ -458,7 +458,7 @@
             <a:fld id="{9CCB53D5-3F0A-4974-9E71-2401F19FA0D5}" type="datetimeFigureOut">
               <a:rPr lang="zh-CN" altLang="en-US" smtClean="0"/>
               <a:pPr/>
-              <a:t>2019/1/18</a:t>
+              <a:t>2019/1/19</a:t>
             </a:fld>
             <a:endParaRPr lang="zh-CN" altLang="en-US"/>
           </a:p>
@@ -635,7 +635,7 @@
             <a:fld id="{9CCB53D5-3F0A-4974-9E71-2401F19FA0D5}" type="datetimeFigureOut">
               <a:rPr lang="zh-CN" altLang="en-US" smtClean="0"/>
               <a:pPr/>
-              <a:t>2019/1/18</a:t>
+              <a:t>2019/1/19</a:t>
             </a:fld>
             <a:endParaRPr lang="zh-CN" altLang="en-US"/>
           </a:p>
@@ -802,7 +802,7 @@
             <a:fld id="{9CCB53D5-3F0A-4974-9E71-2401F19FA0D5}" type="datetimeFigureOut">
               <a:rPr lang="zh-CN" altLang="en-US" smtClean="0"/>
               <a:pPr/>
-              <a:t>2019/1/18</a:t>
+              <a:t>2019/1/19</a:t>
             </a:fld>
             <a:endParaRPr lang="zh-CN" altLang="en-US"/>
           </a:p>
@@ -1045,7 +1045,7 @@
             <a:fld id="{9CCB53D5-3F0A-4974-9E71-2401F19FA0D5}" type="datetimeFigureOut">
               <a:rPr lang="zh-CN" altLang="en-US" smtClean="0"/>
               <a:pPr/>
-              <a:t>2019/1/18</a:t>
+              <a:t>2019/1/19</a:t>
             </a:fld>
             <a:endParaRPr lang="zh-CN" altLang="en-US"/>
           </a:p>
@@ -1330,7 +1330,7 @@
             <a:fld id="{9CCB53D5-3F0A-4974-9E71-2401F19FA0D5}" type="datetimeFigureOut">
               <a:rPr lang="zh-CN" altLang="en-US" smtClean="0"/>
               <a:pPr/>
-              <a:t>2019/1/18</a:t>
+              <a:t>2019/1/19</a:t>
             </a:fld>
             <a:endParaRPr lang="zh-CN" altLang="en-US"/>
           </a:p>
@@ -1749,7 +1749,7 @@
             <a:fld id="{9CCB53D5-3F0A-4974-9E71-2401F19FA0D5}" type="datetimeFigureOut">
               <a:rPr lang="zh-CN" altLang="en-US" smtClean="0"/>
               <a:pPr/>
-              <a:t>2019/1/18</a:t>
+              <a:t>2019/1/19</a:t>
             </a:fld>
             <a:endParaRPr lang="zh-CN" altLang="en-US"/>
           </a:p>
@@ -1864,7 +1864,7 @@
             <a:fld id="{9CCB53D5-3F0A-4974-9E71-2401F19FA0D5}" type="datetimeFigureOut">
               <a:rPr lang="zh-CN" altLang="en-US" smtClean="0"/>
               <a:pPr/>
-              <a:t>2019/1/18</a:t>
+              <a:t>2019/1/19</a:t>
             </a:fld>
             <a:endParaRPr lang="zh-CN" altLang="en-US"/>
           </a:p>
@@ -1956,7 +1956,7 @@
             <a:fld id="{9CCB53D5-3F0A-4974-9E71-2401F19FA0D5}" type="datetimeFigureOut">
               <a:rPr lang="zh-CN" altLang="en-US" smtClean="0"/>
               <a:pPr/>
-              <a:t>2019/1/18</a:t>
+              <a:t>2019/1/19</a:t>
             </a:fld>
             <a:endParaRPr lang="zh-CN" altLang="en-US"/>
           </a:p>
@@ -2230,7 +2230,7 @@
             <a:fld id="{9CCB53D5-3F0A-4974-9E71-2401F19FA0D5}" type="datetimeFigureOut">
               <a:rPr lang="zh-CN" altLang="en-US" smtClean="0"/>
               <a:pPr/>
-              <a:t>2019/1/18</a:t>
+              <a:t>2019/1/19</a:t>
             </a:fld>
             <a:endParaRPr lang="zh-CN" altLang="en-US"/>
           </a:p>
@@ -2480,7 +2480,7 @@
             <a:fld id="{9CCB53D5-3F0A-4974-9E71-2401F19FA0D5}" type="datetimeFigureOut">
               <a:rPr lang="zh-CN" altLang="en-US" smtClean="0"/>
               <a:pPr/>
-              <a:t>2019/1/18</a:t>
+              <a:t>2019/1/19</a:t>
             </a:fld>
             <a:endParaRPr lang="zh-CN" altLang="en-US"/>
           </a:p>
@@ -2690,7 +2690,7 @@
             <a:fld id="{9CCB53D5-3F0A-4974-9E71-2401F19FA0D5}" type="datetimeFigureOut">
               <a:rPr lang="zh-CN" altLang="en-US" smtClean="0"/>
               <a:pPr/>
-              <a:t>2019/1/18</a:t>
+              <a:t>2019/1/19</a:t>
             </a:fld>
             <a:endParaRPr lang="zh-CN" altLang="en-US"/>
           </a:p>
@@ -6324,8 +6324,8 @@
         </p:nvSpPr>
         <p:spPr>
           <a:xfrm>
-            <a:off x="3635896" y="5414332"/>
-            <a:ext cx="720080" cy="400110"/>
+            <a:off x="1907704" y="5594107"/>
+            <a:ext cx="3310488" cy="246221"/>
           </a:xfrm>
           <a:prstGeom prst="rect">
             <a:avLst/>
@@ -6338,59 +6338,35 @@
           </a:bodyPr>
           <a:lstStyle/>
           <a:p>
-            <a:pPr algn="ctr"/>
-            <a:r>
-              <a:rPr lang="zh-CN" altLang="en-US" sz="1000" dirty="0" smtClean="0"/>
-              <a:t>负载均衡</a:t>
-            </a:r>
-            <a:endParaRPr lang="en-US" altLang="zh-CN" sz="1000" dirty="0" smtClean="0"/>
-          </a:p>
-          <a:p>
-            <a:pPr algn="ctr"/>
             <a:r>
               <a:rPr lang="en-US" altLang="zh-CN" sz="1000" dirty="0" smtClean="0"/>
               <a:t>Feign</a:t>
             </a:r>
-            <a:endParaRPr lang="zh-CN" altLang="en-US" sz="1000" dirty="0"/>
-          </a:p>
-        </p:txBody>
-      </p:sp>
-      <p:sp>
-        <p:nvSpPr>
-          <p:cNvPr id="33" name="TextBox 32"/>
-          <p:cNvSpPr txBox="1"/>
-          <p:nvPr/>
-        </p:nvSpPr>
-        <p:spPr>
-          <a:xfrm>
-            <a:off x="3745612" y="5806310"/>
-            <a:ext cx="576064" cy="400110"/>
-          </a:xfrm>
-          <a:prstGeom prst="rect">
-            <a:avLst/>
-          </a:prstGeom>
-          <a:noFill/>
-        </p:spPr>
-        <p:txBody>
-          <a:bodyPr wrap="square" rtlCol="0">
-            <a:spAutoFit/>
-          </a:bodyPr>
-          <a:lstStyle/>
-          <a:p>
-            <a:pPr algn="ctr"/>
             <a:r>
               <a:rPr lang="zh-CN" altLang="en-US" sz="1000" dirty="0" smtClean="0"/>
-              <a:t>断路器</a:t>
-            </a:r>
-            <a:endParaRPr lang="en-US" altLang="zh-CN" sz="1000" dirty="0" smtClean="0"/>
-          </a:p>
-          <a:p>
-            <a:pPr algn="ctr"/>
+              <a:t>声明式服务调用、</a:t>
+            </a:r>
+            <a:r>
+              <a:rPr lang="en-US" altLang="zh-CN" sz="1000" dirty="0" err="1" smtClean="0"/>
+              <a:t>Ribbin</a:t>
+            </a:r>
+            <a:r>
+              <a:rPr lang="zh-CN" altLang="en-US" sz="1000" dirty="0" smtClean="0"/>
+              <a:t>负载均衡、</a:t>
+            </a:r>
             <a:r>
               <a:rPr lang="en-US" altLang="zh-CN" sz="1000" dirty="0" err="1" smtClean="0"/>
               <a:t>Hystrix</a:t>
             </a:r>
-            <a:endParaRPr lang="zh-CN" altLang="en-US" sz="1000" dirty="0"/>
+            <a:r>
+              <a:rPr lang="zh-CN" altLang="en-US" sz="1000" dirty="0" smtClean="0"/>
+              <a:t>断路</a:t>
+            </a:r>
+            <a:r>
+              <a:rPr lang="zh-CN" altLang="en-US" sz="1000" dirty="0" smtClean="0"/>
+              <a:t>器</a:t>
+            </a:r>
+            <a:endParaRPr lang="en-US" altLang="zh-CN" sz="1000" dirty="0" smtClean="0"/>
           </a:p>
         </p:txBody>
       </p:sp>
@@ -6531,7 +6507,7 @@
         </p:nvSpPr>
         <p:spPr>
           <a:xfrm>
-            <a:off x="4572000" y="692696"/>
+            <a:off x="4572000" y="548680"/>
             <a:ext cx="1224136" cy="504056"/>
           </a:xfrm>
           <a:prstGeom prst="rect">
@@ -6578,7 +6554,7 @@
         </p:nvSpPr>
         <p:spPr>
           <a:xfrm>
-            <a:off x="4572000" y="1484784"/>
+            <a:off x="4572000" y="1340768"/>
             <a:ext cx="1224136" cy="504056"/>
           </a:xfrm>
           <a:prstGeom prst="rect">
@@ -6636,7 +6612,7 @@
         </p:nvCxnSpPr>
         <p:spPr>
           <a:xfrm>
-            <a:off x="5184068" y="1196752"/>
+            <a:off x="5184068" y="1052736"/>
             <a:ext cx="0" cy="288032"/>
           </a:xfrm>
           <a:prstGeom prst="straightConnector1">
@@ -6672,7 +6648,7 @@
         </p:nvSpPr>
         <p:spPr>
           <a:xfrm>
-            <a:off x="4211960" y="2276872"/>
+            <a:off x="4211960" y="2132856"/>
             <a:ext cx="1944216" cy="936104"/>
           </a:xfrm>
           <a:prstGeom prst="rect">
@@ -6725,7 +6701,7 @@
         </p:nvSpPr>
         <p:spPr>
           <a:xfrm>
-            <a:off x="4355976" y="2564904"/>
+            <a:off x="4355976" y="2420888"/>
             <a:ext cx="504056" cy="504056"/>
           </a:xfrm>
           <a:prstGeom prst="rect">
@@ -6786,7 +6762,7 @@
         </p:nvSpPr>
         <p:spPr>
           <a:xfrm>
-            <a:off x="4932040" y="2564904"/>
+            <a:off x="4932040" y="2420888"/>
             <a:ext cx="504056" cy="504056"/>
           </a:xfrm>
           <a:prstGeom prst="rect">
@@ -6847,7 +6823,7 @@
         </p:nvSpPr>
         <p:spPr>
           <a:xfrm>
-            <a:off x="5508104" y="2564904"/>
+            <a:off x="5508104" y="2420888"/>
             <a:ext cx="504056" cy="504056"/>
           </a:xfrm>
           <a:prstGeom prst="rect">
@@ -6911,7 +6887,7 @@
         </p:nvCxnSpPr>
         <p:spPr>
           <a:xfrm>
-            <a:off x="5184068" y="1988840"/>
+            <a:off x="5184068" y="1844824"/>
             <a:ext cx="0" cy="288032"/>
           </a:xfrm>
           <a:prstGeom prst="straightConnector1">
@@ -6950,8 +6926,8 @@
         </p:nvCxnSpPr>
         <p:spPr>
           <a:xfrm>
-            <a:off x="5184068" y="3212976"/>
-            <a:ext cx="0" cy="288032"/>
+            <a:off x="5184068" y="3068960"/>
+            <a:ext cx="0" cy="432048"/>
           </a:xfrm>
           <a:prstGeom prst="straightConnector1">
             <a:avLst/>
@@ -6978,6 +6954,52 @@
           </a:fontRef>
         </p:style>
       </p:cxnSp>
+      <p:sp>
+        <p:nvSpPr>
+          <p:cNvPr id="50" name="TextBox 49"/>
+          <p:cNvSpPr txBox="1"/>
+          <p:nvPr/>
+        </p:nvSpPr>
+        <p:spPr>
+          <a:xfrm>
+            <a:off x="4211960" y="3068960"/>
+            <a:ext cx="1944216" cy="246221"/>
+          </a:xfrm>
+          <a:prstGeom prst="rect">
+            <a:avLst/>
+          </a:prstGeom>
+          <a:noFill/>
+        </p:spPr>
+        <p:txBody>
+          <a:bodyPr wrap="square" rtlCol="0">
+            <a:spAutoFit/>
+          </a:bodyPr>
+          <a:lstStyle/>
+          <a:p>
+            <a:r>
+              <a:rPr lang="en-US" altLang="zh-CN" sz="1000" dirty="0" err="1" smtClean="0"/>
+              <a:t>Ribbin</a:t>
+            </a:r>
+            <a:r>
+              <a:rPr lang="zh-CN" altLang="en-US" sz="1000" dirty="0" smtClean="0"/>
+              <a:t>负载均衡、</a:t>
+            </a:r>
+            <a:r>
+              <a:rPr lang="en-US" altLang="zh-CN" sz="1000" dirty="0" err="1" smtClean="0"/>
+              <a:t>Hystrix</a:t>
+            </a:r>
+            <a:r>
+              <a:rPr lang="zh-CN" altLang="en-US" sz="1000" dirty="0" smtClean="0"/>
+              <a:t>断路</a:t>
+            </a:r>
+            <a:r>
+              <a:rPr lang="zh-CN" altLang="en-US" sz="1000" dirty="0" smtClean="0"/>
+              <a:t>器</a:t>
+            </a:r>
+            <a:endParaRPr lang="en-US" altLang="zh-CN" sz="1000" dirty="0" smtClean="0"/>
+          </a:p>
+        </p:txBody>
+      </p:sp>
     </p:spTree>
   </p:cSld>
   <p:clrMapOvr>

--- a/doc/架构图.pptx
+++ b/doc/架构图.pptx
@@ -8,6 +8,7 @@
     <p:sldId id="256" r:id="rId2"/>
     <p:sldId id="257" r:id="rId3"/>
     <p:sldId id="258" r:id="rId4"/>
+    <p:sldId id="259" r:id="rId5"/>
   </p:sldIdLst>
   <p:sldSz cx="9144000" cy="6858000" type="screen4x3"/>
   <p:notesSz cx="6858000" cy="9144000"/>
@@ -291,7 +292,7 @@
             <a:fld id="{9CCB53D5-3F0A-4974-9E71-2401F19FA0D5}" type="datetimeFigureOut">
               <a:rPr lang="zh-CN" altLang="en-US" smtClean="0"/>
               <a:pPr/>
-              <a:t>2019/1/19</a:t>
+              <a:t>2019/1/22</a:t>
             </a:fld>
             <a:endParaRPr lang="zh-CN" altLang="en-US"/>
           </a:p>
@@ -458,7 +459,7 @@
             <a:fld id="{9CCB53D5-3F0A-4974-9E71-2401F19FA0D5}" type="datetimeFigureOut">
               <a:rPr lang="zh-CN" altLang="en-US" smtClean="0"/>
               <a:pPr/>
-              <a:t>2019/1/19</a:t>
+              <a:t>2019/1/22</a:t>
             </a:fld>
             <a:endParaRPr lang="zh-CN" altLang="en-US"/>
           </a:p>
@@ -635,7 +636,7 @@
             <a:fld id="{9CCB53D5-3F0A-4974-9E71-2401F19FA0D5}" type="datetimeFigureOut">
               <a:rPr lang="zh-CN" altLang="en-US" smtClean="0"/>
               <a:pPr/>
-              <a:t>2019/1/19</a:t>
+              <a:t>2019/1/22</a:t>
             </a:fld>
             <a:endParaRPr lang="zh-CN" altLang="en-US"/>
           </a:p>
@@ -802,7 +803,7 @@
             <a:fld id="{9CCB53D5-3F0A-4974-9E71-2401F19FA0D5}" type="datetimeFigureOut">
               <a:rPr lang="zh-CN" altLang="en-US" smtClean="0"/>
               <a:pPr/>
-              <a:t>2019/1/19</a:t>
+              <a:t>2019/1/22</a:t>
             </a:fld>
             <a:endParaRPr lang="zh-CN" altLang="en-US"/>
           </a:p>
@@ -1045,7 +1046,7 @@
             <a:fld id="{9CCB53D5-3F0A-4974-9E71-2401F19FA0D5}" type="datetimeFigureOut">
               <a:rPr lang="zh-CN" altLang="en-US" smtClean="0"/>
               <a:pPr/>
-              <a:t>2019/1/19</a:t>
+              <a:t>2019/1/22</a:t>
             </a:fld>
             <a:endParaRPr lang="zh-CN" altLang="en-US"/>
           </a:p>
@@ -1330,7 +1331,7 @@
             <a:fld id="{9CCB53D5-3F0A-4974-9E71-2401F19FA0D5}" type="datetimeFigureOut">
               <a:rPr lang="zh-CN" altLang="en-US" smtClean="0"/>
               <a:pPr/>
-              <a:t>2019/1/19</a:t>
+              <a:t>2019/1/22</a:t>
             </a:fld>
             <a:endParaRPr lang="zh-CN" altLang="en-US"/>
           </a:p>
@@ -1749,7 +1750,7 @@
             <a:fld id="{9CCB53D5-3F0A-4974-9E71-2401F19FA0D5}" type="datetimeFigureOut">
               <a:rPr lang="zh-CN" altLang="en-US" smtClean="0"/>
               <a:pPr/>
-              <a:t>2019/1/19</a:t>
+              <a:t>2019/1/22</a:t>
             </a:fld>
             <a:endParaRPr lang="zh-CN" altLang="en-US"/>
           </a:p>
@@ -1864,7 +1865,7 @@
             <a:fld id="{9CCB53D5-3F0A-4974-9E71-2401F19FA0D5}" type="datetimeFigureOut">
               <a:rPr lang="zh-CN" altLang="en-US" smtClean="0"/>
               <a:pPr/>
-              <a:t>2019/1/19</a:t>
+              <a:t>2019/1/22</a:t>
             </a:fld>
             <a:endParaRPr lang="zh-CN" altLang="en-US"/>
           </a:p>
@@ -1956,7 +1957,7 @@
             <a:fld id="{9CCB53D5-3F0A-4974-9E71-2401F19FA0D5}" type="datetimeFigureOut">
               <a:rPr lang="zh-CN" altLang="en-US" smtClean="0"/>
               <a:pPr/>
-              <a:t>2019/1/19</a:t>
+              <a:t>2019/1/22</a:t>
             </a:fld>
             <a:endParaRPr lang="zh-CN" altLang="en-US"/>
           </a:p>
@@ -2230,7 +2231,7 @@
             <a:fld id="{9CCB53D5-3F0A-4974-9E71-2401F19FA0D5}" type="datetimeFigureOut">
               <a:rPr lang="zh-CN" altLang="en-US" smtClean="0"/>
               <a:pPr/>
-              <a:t>2019/1/19</a:t>
+              <a:t>2019/1/22</a:t>
             </a:fld>
             <a:endParaRPr lang="zh-CN" altLang="en-US"/>
           </a:p>
@@ -2480,7 +2481,7 @@
             <a:fld id="{9CCB53D5-3F0A-4974-9E71-2401F19FA0D5}" type="datetimeFigureOut">
               <a:rPr lang="zh-CN" altLang="en-US" smtClean="0"/>
               <a:pPr/>
-              <a:t>2019/1/19</a:t>
+              <a:t>2019/1/22</a:t>
             </a:fld>
             <a:endParaRPr lang="zh-CN" altLang="en-US"/>
           </a:p>
@@ -2690,7 +2691,7 @@
             <a:fld id="{9CCB53D5-3F0A-4974-9E71-2401F19FA0D5}" type="datetimeFigureOut">
               <a:rPr lang="zh-CN" altLang="en-US" smtClean="0"/>
               <a:pPr/>
-              <a:t>2019/1/19</a:t>
+              <a:t>2019/1/22</a:t>
             </a:fld>
             <a:endParaRPr lang="zh-CN" altLang="en-US"/>
           </a:p>
@@ -6360,11 +6361,7 @@
             </a:r>
             <a:r>
               <a:rPr lang="zh-CN" altLang="en-US" sz="1000" dirty="0" smtClean="0"/>
-              <a:t>断路</a:t>
-            </a:r>
-            <a:r>
-              <a:rPr lang="zh-CN" altLang="en-US" sz="1000" dirty="0" smtClean="0"/>
-              <a:t>器</a:t>
+              <a:t>断路器</a:t>
             </a:r>
             <a:endParaRPr lang="en-US" altLang="zh-CN" sz="1000" dirty="0" smtClean="0"/>
           </a:p>
@@ -6990,11 +6987,7 @@
             </a:r>
             <a:r>
               <a:rPr lang="zh-CN" altLang="en-US" sz="1000" dirty="0" smtClean="0"/>
-              <a:t>断路</a:t>
-            </a:r>
-            <a:r>
-              <a:rPr lang="zh-CN" altLang="en-US" sz="1000" dirty="0" smtClean="0"/>
-              <a:t>器</a:t>
+              <a:t>断路器</a:t>
             </a:r>
             <a:endParaRPr lang="en-US" altLang="zh-CN" sz="1000" dirty="0" smtClean="0"/>
           </a:p>
@@ -7116,6 +7109,1357 @@
               <a:t>过滤器逻辑。</a:t>
             </a:r>
             <a:endParaRPr lang="zh-CN" altLang="en-US" sz="1100" dirty="0"/>
+          </a:p>
+        </p:txBody>
+      </p:sp>
+    </p:spTree>
+  </p:cSld>
+  <p:clrMapOvr>
+    <a:masterClrMapping/>
+  </p:clrMapOvr>
+</p:sld>
+</file>
+
+<file path=ppt/slides/slide4.xml><?xml version="1.0" encoding="utf-8"?>
+<p:sld xmlns:a="http://schemas.openxmlformats.org/drawingml/2006/main" xmlns:r="http://schemas.openxmlformats.org/officeDocument/2006/relationships" xmlns:p="http://schemas.openxmlformats.org/presentationml/2006/main">
+  <p:cSld>
+    <p:spTree>
+      <p:nvGrpSpPr>
+        <p:cNvPr id="1" name=""/>
+        <p:cNvGrpSpPr/>
+        <p:nvPr/>
+      </p:nvGrpSpPr>
+      <p:grpSpPr>
+        <a:xfrm>
+          <a:off x="0" y="0"/>
+          <a:ext cx="0" cy="0"/>
+          <a:chOff x="0" y="0"/>
+          <a:chExt cx="0" cy="0"/>
+        </a:xfrm>
+      </p:grpSpPr>
+      <p:sp>
+        <p:nvSpPr>
+          <p:cNvPr id="35" name="矩形 34"/>
+          <p:cNvSpPr/>
+          <p:nvPr/>
+        </p:nvSpPr>
+        <p:spPr>
+          <a:xfrm>
+            <a:off x="6444208" y="836712"/>
+            <a:ext cx="936104" cy="3168352"/>
+          </a:xfrm>
+          <a:prstGeom prst="rect">
+            <a:avLst/>
+          </a:prstGeom>
+          <a:solidFill>
+            <a:schemeClr val="accent3">
+              <a:lumMod val="50000"/>
+            </a:schemeClr>
+          </a:solidFill>
+          <a:ln>
+            <a:noFill/>
+          </a:ln>
+        </p:spPr>
+        <p:style>
+          <a:lnRef idx="2">
+            <a:schemeClr val="accent1">
+              <a:shade val="50000"/>
+            </a:schemeClr>
+          </a:lnRef>
+          <a:fillRef idx="1">
+            <a:schemeClr val="accent1"/>
+          </a:fillRef>
+          <a:effectRef idx="0">
+            <a:schemeClr val="accent1"/>
+          </a:effectRef>
+          <a:fontRef idx="minor">
+            <a:schemeClr val="lt1"/>
+          </a:fontRef>
+        </p:style>
+        <p:txBody>
+          <a:bodyPr rtlCol="0" anchor="ctr"/>
+          <a:lstStyle/>
+          <a:p>
+            <a:pPr algn="ctr"/>
+            <a:r>
+              <a:rPr lang="en-US" altLang="zh-CN" sz="1200" dirty="0" err="1" smtClean="0">
+                <a:solidFill>
+                  <a:schemeClr val="bg1"/>
+                </a:solidFill>
+              </a:rPr>
+              <a:t>RabbitMQ</a:t>
+            </a:r>
+            <a:endParaRPr lang="zh-CN" altLang="en-US" sz="1200" dirty="0">
+              <a:solidFill>
+                <a:schemeClr val="bg1"/>
+              </a:solidFill>
+            </a:endParaRPr>
+          </a:p>
+        </p:txBody>
+      </p:sp>
+      <p:sp>
+        <p:nvSpPr>
+          <p:cNvPr id="38" name="矩形 37"/>
+          <p:cNvSpPr/>
+          <p:nvPr/>
+        </p:nvSpPr>
+        <p:spPr>
+          <a:xfrm>
+            <a:off x="4499992" y="836712"/>
+            <a:ext cx="936104" cy="504056"/>
+          </a:xfrm>
+          <a:prstGeom prst="rect">
+            <a:avLst/>
+          </a:prstGeom>
+          <a:solidFill>
+            <a:schemeClr val="tx2">
+              <a:lumMod val="60000"/>
+              <a:lumOff val="40000"/>
+            </a:schemeClr>
+          </a:solidFill>
+          <a:ln>
+            <a:noFill/>
+          </a:ln>
+        </p:spPr>
+        <p:style>
+          <a:lnRef idx="2">
+            <a:schemeClr val="accent1">
+              <a:shade val="50000"/>
+            </a:schemeClr>
+          </a:lnRef>
+          <a:fillRef idx="1">
+            <a:schemeClr val="accent1"/>
+          </a:fillRef>
+          <a:effectRef idx="0">
+            <a:schemeClr val="accent1"/>
+          </a:effectRef>
+          <a:fontRef idx="minor">
+            <a:schemeClr val="lt1"/>
+          </a:fontRef>
+        </p:style>
+        <p:txBody>
+          <a:bodyPr rtlCol="0" anchor="ctr"/>
+          <a:lstStyle/>
+          <a:p>
+            <a:pPr algn="ctr"/>
+            <a:r>
+              <a:rPr lang="en-US" altLang="zh-CN" sz="1200" dirty="0" smtClean="0">
+                <a:solidFill>
+                  <a:schemeClr val="bg1"/>
+                </a:solidFill>
+              </a:rPr>
+              <a:t>Servic</a:t>
+            </a:r>
+            <a:r>
+              <a:rPr lang="en-US" altLang="zh-CN" sz="1200" dirty="0" smtClean="0">
+                <a:solidFill>
+                  <a:schemeClr val="bg1"/>
+                </a:solidFill>
+              </a:rPr>
+              <a:t>e1</a:t>
+            </a:r>
+            <a:endParaRPr lang="zh-CN" altLang="en-US" sz="1200" dirty="0">
+              <a:solidFill>
+                <a:schemeClr val="bg1"/>
+              </a:solidFill>
+            </a:endParaRPr>
+          </a:p>
+        </p:txBody>
+      </p:sp>
+      <p:sp>
+        <p:nvSpPr>
+          <p:cNvPr id="39" name="矩形 38"/>
+          <p:cNvSpPr/>
+          <p:nvPr/>
+        </p:nvSpPr>
+        <p:spPr>
+          <a:xfrm>
+            <a:off x="4499992" y="1412776"/>
+            <a:ext cx="936104" cy="504056"/>
+          </a:xfrm>
+          <a:prstGeom prst="rect">
+            <a:avLst/>
+          </a:prstGeom>
+          <a:solidFill>
+            <a:schemeClr val="tx2">
+              <a:lumMod val="60000"/>
+              <a:lumOff val="40000"/>
+            </a:schemeClr>
+          </a:solidFill>
+          <a:ln>
+            <a:noFill/>
+          </a:ln>
+        </p:spPr>
+        <p:style>
+          <a:lnRef idx="2">
+            <a:schemeClr val="accent1">
+              <a:shade val="50000"/>
+            </a:schemeClr>
+          </a:lnRef>
+          <a:fillRef idx="1">
+            <a:schemeClr val="accent1"/>
+          </a:fillRef>
+          <a:effectRef idx="0">
+            <a:schemeClr val="accent1"/>
+          </a:effectRef>
+          <a:fontRef idx="minor">
+            <a:schemeClr val="lt1"/>
+          </a:fontRef>
+        </p:style>
+        <p:txBody>
+          <a:bodyPr rtlCol="0" anchor="ctr"/>
+          <a:lstStyle/>
+          <a:p>
+            <a:pPr algn="ctr"/>
+            <a:r>
+              <a:rPr lang="en-US" altLang="zh-CN" sz="1200" dirty="0" smtClean="0">
+                <a:solidFill>
+                  <a:schemeClr val="bg1"/>
+                </a:solidFill>
+              </a:rPr>
+              <a:t>Service2</a:t>
+            </a:r>
+            <a:endParaRPr lang="zh-CN" altLang="en-US" sz="1200" dirty="0">
+              <a:solidFill>
+                <a:schemeClr val="bg1"/>
+              </a:solidFill>
+            </a:endParaRPr>
+          </a:p>
+        </p:txBody>
+      </p:sp>
+      <p:sp>
+        <p:nvSpPr>
+          <p:cNvPr id="40" name="矩形 39"/>
+          <p:cNvSpPr/>
+          <p:nvPr/>
+        </p:nvSpPr>
+        <p:spPr>
+          <a:xfrm>
+            <a:off x="4499992" y="2924944"/>
+            <a:ext cx="936104" cy="504056"/>
+          </a:xfrm>
+          <a:prstGeom prst="rect">
+            <a:avLst/>
+          </a:prstGeom>
+          <a:solidFill>
+            <a:schemeClr val="tx2">
+              <a:lumMod val="60000"/>
+              <a:lumOff val="40000"/>
+            </a:schemeClr>
+          </a:solidFill>
+          <a:ln>
+            <a:noFill/>
+          </a:ln>
+        </p:spPr>
+        <p:style>
+          <a:lnRef idx="2">
+            <a:schemeClr val="accent1">
+              <a:shade val="50000"/>
+            </a:schemeClr>
+          </a:lnRef>
+          <a:fillRef idx="1">
+            <a:schemeClr val="accent1"/>
+          </a:fillRef>
+          <a:effectRef idx="0">
+            <a:schemeClr val="accent1"/>
+          </a:effectRef>
+          <a:fontRef idx="minor">
+            <a:schemeClr val="lt1"/>
+          </a:fontRef>
+        </p:style>
+        <p:txBody>
+          <a:bodyPr rtlCol="0" anchor="ctr"/>
+          <a:lstStyle/>
+          <a:p>
+            <a:pPr algn="ctr"/>
+            <a:r>
+              <a:rPr lang="en-US" altLang="zh-CN" sz="1200" dirty="0" smtClean="0">
+                <a:solidFill>
+                  <a:schemeClr val="bg1"/>
+                </a:solidFill>
+              </a:rPr>
+              <a:t>Service3</a:t>
+            </a:r>
+            <a:endParaRPr lang="zh-CN" altLang="en-US" sz="1200" dirty="0">
+              <a:solidFill>
+                <a:schemeClr val="bg1"/>
+              </a:solidFill>
+            </a:endParaRPr>
+          </a:p>
+        </p:txBody>
+      </p:sp>
+      <p:sp>
+        <p:nvSpPr>
+          <p:cNvPr id="79" name="矩形 78"/>
+          <p:cNvSpPr/>
+          <p:nvPr/>
+        </p:nvSpPr>
+        <p:spPr>
+          <a:xfrm>
+            <a:off x="1835696" y="2132856"/>
+            <a:ext cx="1368152" cy="576064"/>
+          </a:xfrm>
+          <a:prstGeom prst="rect">
+            <a:avLst/>
+          </a:prstGeom>
+          <a:solidFill>
+            <a:schemeClr val="accent5">
+              <a:lumMod val="75000"/>
+            </a:schemeClr>
+          </a:solidFill>
+          <a:ln>
+            <a:noFill/>
+          </a:ln>
+        </p:spPr>
+        <p:style>
+          <a:lnRef idx="2">
+            <a:schemeClr val="accent1">
+              <a:shade val="50000"/>
+            </a:schemeClr>
+          </a:lnRef>
+          <a:fillRef idx="1">
+            <a:schemeClr val="accent1"/>
+          </a:fillRef>
+          <a:effectRef idx="0">
+            <a:schemeClr val="accent1"/>
+          </a:effectRef>
+          <a:fontRef idx="minor">
+            <a:schemeClr val="lt1"/>
+          </a:fontRef>
+        </p:style>
+        <p:txBody>
+          <a:bodyPr rtlCol="0" anchor="ctr"/>
+          <a:lstStyle/>
+          <a:p>
+            <a:pPr algn="ctr"/>
+            <a:r>
+              <a:rPr lang="en-US" altLang="zh-CN" sz="1200" dirty="0" err="1" smtClean="0"/>
+              <a:t>Config</a:t>
+            </a:r>
+            <a:r>
+              <a:rPr lang="en-US" altLang="zh-CN" sz="1200" dirty="0" smtClean="0"/>
+              <a:t> Server</a:t>
+            </a:r>
+            <a:endParaRPr lang="zh-CN" altLang="en-US" sz="1200" dirty="0"/>
+          </a:p>
+        </p:txBody>
+      </p:sp>
+      <p:sp>
+        <p:nvSpPr>
+          <p:cNvPr id="55" name="流程图: 磁盘 54"/>
+          <p:cNvSpPr/>
+          <p:nvPr/>
+        </p:nvSpPr>
+        <p:spPr>
+          <a:xfrm>
+            <a:off x="323528" y="2060848"/>
+            <a:ext cx="648072" cy="720080"/>
+          </a:xfrm>
+          <a:prstGeom prst="flowChartMagneticDisk">
+            <a:avLst/>
+          </a:prstGeom>
+          <a:ln w="3175"/>
+        </p:spPr>
+        <p:style>
+          <a:lnRef idx="2">
+            <a:schemeClr val="accent1">
+              <a:shade val="50000"/>
+            </a:schemeClr>
+          </a:lnRef>
+          <a:fillRef idx="1">
+            <a:schemeClr val="accent1"/>
+          </a:fillRef>
+          <a:effectRef idx="0">
+            <a:schemeClr val="accent1"/>
+          </a:effectRef>
+          <a:fontRef idx="minor">
+            <a:schemeClr val="lt1"/>
+          </a:fontRef>
+        </p:style>
+        <p:txBody>
+          <a:bodyPr rtlCol="0" anchor="ctr"/>
+          <a:lstStyle/>
+          <a:p>
+            <a:pPr algn="ctr"/>
+            <a:r>
+              <a:rPr lang="en-US" altLang="zh-CN" sz="1100" dirty="0" err="1" smtClean="0"/>
+              <a:t>Git</a:t>
+            </a:r>
+            <a:r>
+              <a:rPr lang="zh-CN" altLang="en-US" sz="1100" dirty="0" smtClean="0"/>
+              <a:t>仓库</a:t>
+            </a:r>
+            <a:endParaRPr lang="zh-CN" altLang="en-US" sz="1100" dirty="0"/>
+          </a:p>
+        </p:txBody>
+      </p:sp>
+      <p:cxnSp>
+        <p:nvCxnSpPr>
+          <p:cNvPr id="58" name="直接箭头连接符 57"/>
+          <p:cNvCxnSpPr>
+            <a:stCxn id="79" idx="1"/>
+            <a:endCxn id="55" idx="4"/>
+          </p:cNvCxnSpPr>
+          <p:nvPr/>
+        </p:nvCxnSpPr>
+        <p:spPr>
+          <a:xfrm flipH="1">
+            <a:off x="971600" y="2420888"/>
+            <a:ext cx="864096" cy="0"/>
+          </a:xfrm>
+          <a:prstGeom prst="straightConnector1">
+            <a:avLst/>
+          </a:prstGeom>
+          <a:ln w="19050">
+            <a:solidFill>
+              <a:srgbClr val="FF0000"/>
+            </a:solidFill>
+            <a:prstDash val="solid"/>
+            <a:tailEnd type="arrow"/>
+          </a:ln>
+        </p:spPr>
+        <p:style>
+          <a:lnRef idx="1">
+            <a:schemeClr val="accent1"/>
+          </a:lnRef>
+          <a:fillRef idx="0">
+            <a:schemeClr val="accent1"/>
+          </a:fillRef>
+          <a:effectRef idx="0">
+            <a:schemeClr val="accent1"/>
+          </a:effectRef>
+          <a:fontRef idx="minor">
+            <a:schemeClr val="tx1"/>
+          </a:fontRef>
+        </p:style>
+      </p:cxnSp>
+      <p:sp>
+        <p:nvSpPr>
+          <p:cNvPr id="77" name="矩形 76"/>
+          <p:cNvSpPr/>
+          <p:nvPr/>
+        </p:nvSpPr>
+        <p:spPr>
+          <a:xfrm>
+            <a:off x="1835696" y="3501008"/>
+            <a:ext cx="1368152" cy="504056"/>
+          </a:xfrm>
+          <a:prstGeom prst="rect">
+            <a:avLst/>
+          </a:prstGeom>
+          <a:solidFill>
+            <a:schemeClr val="accent6">
+              <a:lumMod val="50000"/>
+            </a:schemeClr>
+          </a:solidFill>
+          <a:ln>
+            <a:noFill/>
+          </a:ln>
+        </p:spPr>
+        <p:style>
+          <a:lnRef idx="2">
+            <a:schemeClr val="accent1">
+              <a:shade val="50000"/>
+            </a:schemeClr>
+          </a:lnRef>
+          <a:fillRef idx="1">
+            <a:schemeClr val="accent1"/>
+          </a:fillRef>
+          <a:effectRef idx="0">
+            <a:schemeClr val="accent1"/>
+          </a:effectRef>
+          <a:fontRef idx="minor">
+            <a:schemeClr val="lt1"/>
+          </a:fontRef>
+        </p:style>
+        <p:txBody>
+          <a:bodyPr rtlCol="0" anchor="ctr"/>
+          <a:lstStyle/>
+          <a:p>
+            <a:pPr algn="ctr"/>
+            <a:r>
+              <a:rPr lang="en-US" altLang="zh-CN" sz="1200" dirty="0" err="1" smtClean="0"/>
+              <a:t>Webhook</a:t>
+            </a:r>
+            <a:endParaRPr lang="zh-CN" altLang="en-US" sz="1200" dirty="0"/>
+          </a:p>
+        </p:txBody>
+      </p:sp>
+      <p:cxnSp>
+        <p:nvCxnSpPr>
+          <p:cNvPr id="70" name="直接箭头连接符 69"/>
+          <p:cNvCxnSpPr>
+            <a:stCxn id="77" idx="0"/>
+            <a:endCxn id="79" idx="2"/>
+          </p:cNvCxnSpPr>
+          <p:nvPr/>
+        </p:nvCxnSpPr>
+        <p:spPr>
+          <a:xfrm flipV="1">
+            <a:off x="2519772" y="2708920"/>
+            <a:ext cx="0" cy="792088"/>
+          </a:xfrm>
+          <a:prstGeom prst="straightConnector1">
+            <a:avLst/>
+          </a:prstGeom>
+          <a:ln>
+            <a:tailEnd type="arrow"/>
+          </a:ln>
+        </p:spPr>
+        <p:style>
+          <a:lnRef idx="1">
+            <a:schemeClr val="accent1"/>
+          </a:lnRef>
+          <a:fillRef idx="0">
+            <a:schemeClr val="accent1"/>
+          </a:fillRef>
+          <a:effectRef idx="0">
+            <a:schemeClr val="accent1"/>
+          </a:effectRef>
+          <a:fontRef idx="minor">
+            <a:schemeClr val="tx1"/>
+          </a:fontRef>
+        </p:style>
+      </p:cxnSp>
+      <p:sp>
+        <p:nvSpPr>
+          <p:cNvPr id="76" name="矩形 75"/>
+          <p:cNvSpPr/>
+          <p:nvPr/>
+        </p:nvSpPr>
+        <p:spPr>
+          <a:xfrm>
+            <a:off x="4499992" y="3501008"/>
+            <a:ext cx="936104" cy="504056"/>
+          </a:xfrm>
+          <a:prstGeom prst="rect">
+            <a:avLst/>
+          </a:prstGeom>
+          <a:solidFill>
+            <a:schemeClr val="tx2">
+              <a:lumMod val="60000"/>
+              <a:lumOff val="40000"/>
+            </a:schemeClr>
+          </a:solidFill>
+          <a:ln>
+            <a:noFill/>
+          </a:ln>
+        </p:spPr>
+        <p:style>
+          <a:lnRef idx="2">
+            <a:schemeClr val="accent1">
+              <a:shade val="50000"/>
+            </a:schemeClr>
+          </a:lnRef>
+          <a:fillRef idx="1">
+            <a:schemeClr val="accent1"/>
+          </a:fillRef>
+          <a:effectRef idx="0">
+            <a:schemeClr val="accent1"/>
+          </a:effectRef>
+          <a:fontRef idx="minor">
+            <a:schemeClr val="lt1"/>
+          </a:fontRef>
+        </p:style>
+        <p:txBody>
+          <a:bodyPr rtlCol="0" anchor="ctr"/>
+          <a:lstStyle/>
+          <a:p>
+            <a:pPr algn="ctr"/>
+            <a:r>
+              <a:rPr lang="en-US" altLang="zh-CN" sz="1200" dirty="0" smtClean="0">
+                <a:solidFill>
+                  <a:schemeClr val="bg1"/>
+                </a:solidFill>
+              </a:rPr>
+              <a:t>Service4</a:t>
+            </a:r>
+            <a:endParaRPr lang="zh-CN" altLang="en-US" sz="1200" dirty="0">
+              <a:solidFill>
+                <a:schemeClr val="bg1"/>
+              </a:solidFill>
+            </a:endParaRPr>
+          </a:p>
+        </p:txBody>
+      </p:sp>
+      <p:sp>
+        <p:nvSpPr>
+          <p:cNvPr id="87" name="TextBox 86"/>
+          <p:cNvSpPr txBox="1"/>
+          <p:nvPr/>
+        </p:nvSpPr>
+        <p:spPr>
+          <a:xfrm>
+            <a:off x="1907704" y="3068960"/>
+            <a:ext cx="1750800" cy="246221"/>
+          </a:xfrm>
+          <a:prstGeom prst="rect">
+            <a:avLst/>
+          </a:prstGeom>
+          <a:noFill/>
+        </p:spPr>
+        <p:txBody>
+          <a:bodyPr wrap="none" rtlCol="0">
+            <a:spAutoFit/>
+          </a:bodyPr>
+          <a:lstStyle/>
+          <a:p>
+            <a:r>
+              <a:rPr lang="en-US" altLang="zh-CN" sz="1000" dirty="0" smtClean="0"/>
+              <a:t>2. POST </a:t>
+            </a:r>
+            <a:r>
+              <a:rPr lang="en-US" altLang="zh-CN" sz="1000" dirty="0" smtClean="0"/>
+              <a:t>/actuator/bus-refresh</a:t>
+            </a:r>
+            <a:endParaRPr lang="zh-CN" altLang="en-US" sz="1000" dirty="0"/>
+          </a:p>
+        </p:txBody>
+      </p:sp>
+      <p:cxnSp>
+        <p:nvCxnSpPr>
+          <p:cNvPr id="93" name="直接箭头连接符 92"/>
+          <p:cNvCxnSpPr>
+            <a:stCxn id="79" idx="3"/>
+            <a:endCxn id="35" idx="1"/>
+          </p:cNvCxnSpPr>
+          <p:nvPr/>
+        </p:nvCxnSpPr>
+        <p:spPr>
+          <a:xfrm>
+            <a:off x="3203848" y="2420888"/>
+            <a:ext cx="3240360" cy="0"/>
+          </a:xfrm>
+          <a:prstGeom prst="straightConnector1">
+            <a:avLst/>
+          </a:prstGeom>
+          <a:ln w="19050">
+            <a:solidFill>
+              <a:srgbClr val="FF0000"/>
+            </a:solidFill>
+            <a:prstDash val="solid"/>
+            <a:tailEnd type="arrow"/>
+          </a:ln>
+        </p:spPr>
+        <p:style>
+          <a:lnRef idx="1">
+            <a:schemeClr val="accent1"/>
+          </a:lnRef>
+          <a:fillRef idx="0">
+            <a:schemeClr val="accent1"/>
+          </a:fillRef>
+          <a:effectRef idx="0">
+            <a:schemeClr val="accent1"/>
+          </a:effectRef>
+          <a:fontRef idx="minor">
+            <a:schemeClr val="tx1"/>
+          </a:fontRef>
+        </p:style>
+      </p:cxnSp>
+      <p:sp>
+        <p:nvSpPr>
+          <p:cNvPr id="94" name="TextBox 93"/>
+          <p:cNvSpPr txBox="1"/>
+          <p:nvPr/>
+        </p:nvSpPr>
+        <p:spPr>
+          <a:xfrm>
+            <a:off x="4539823" y="2204864"/>
+            <a:ext cx="824265" cy="246221"/>
+          </a:xfrm>
+          <a:prstGeom prst="rect">
+            <a:avLst/>
+          </a:prstGeom>
+          <a:noFill/>
+        </p:spPr>
+        <p:txBody>
+          <a:bodyPr wrap="none" rtlCol="0">
+            <a:spAutoFit/>
+          </a:bodyPr>
+          <a:lstStyle/>
+          <a:p>
+            <a:r>
+              <a:rPr lang="en-US" altLang="zh-CN" sz="1000" dirty="0" smtClean="0"/>
+              <a:t>3. </a:t>
+            </a:r>
+            <a:r>
+              <a:rPr lang="zh-CN" altLang="en-US" sz="1000" dirty="0" smtClean="0"/>
+              <a:t>发送消息</a:t>
+            </a:r>
+            <a:endParaRPr lang="zh-CN" altLang="en-US" sz="1000" dirty="0"/>
+          </a:p>
+        </p:txBody>
+      </p:sp>
+      <p:cxnSp>
+        <p:nvCxnSpPr>
+          <p:cNvPr id="100" name="直接箭头连接符 99"/>
+          <p:cNvCxnSpPr/>
+          <p:nvPr/>
+        </p:nvCxnSpPr>
+        <p:spPr>
+          <a:xfrm flipH="1">
+            <a:off x="5508104" y="1124744"/>
+            <a:ext cx="792088" cy="0"/>
+          </a:xfrm>
+          <a:prstGeom prst="straightConnector1">
+            <a:avLst/>
+          </a:prstGeom>
+          <a:ln w="19050">
+            <a:solidFill>
+              <a:srgbClr val="00B0F0"/>
+            </a:solidFill>
+            <a:tailEnd type="arrow"/>
+          </a:ln>
+        </p:spPr>
+        <p:style>
+          <a:lnRef idx="1">
+            <a:schemeClr val="accent1"/>
+          </a:lnRef>
+          <a:fillRef idx="0">
+            <a:schemeClr val="accent1"/>
+          </a:fillRef>
+          <a:effectRef idx="0">
+            <a:schemeClr val="accent1"/>
+          </a:effectRef>
+          <a:fontRef idx="minor">
+            <a:schemeClr val="tx1"/>
+          </a:fontRef>
+        </p:style>
+      </p:cxnSp>
+      <p:cxnSp>
+        <p:nvCxnSpPr>
+          <p:cNvPr id="101" name="直接箭头连接符 100"/>
+          <p:cNvCxnSpPr/>
+          <p:nvPr/>
+        </p:nvCxnSpPr>
+        <p:spPr>
+          <a:xfrm flipH="1">
+            <a:off x="5508104" y="1628800"/>
+            <a:ext cx="792088" cy="0"/>
+          </a:xfrm>
+          <a:prstGeom prst="straightConnector1">
+            <a:avLst/>
+          </a:prstGeom>
+          <a:ln w="19050">
+            <a:solidFill>
+              <a:srgbClr val="00B0F0"/>
+            </a:solidFill>
+            <a:tailEnd type="arrow"/>
+          </a:ln>
+        </p:spPr>
+        <p:style>
+          <a:lnRef idx="1">
+            <a:schemeClr val="accent1"/>
+          </a:lnRef>
+          <a:fillRef idx="0">
+            <a:schemeClr val="accent1"/>
+          </a:fillRef>
+          <a:effectRef idx="0">
+            <a:schemeClr val="accent1"/>
+          </a:effectRef>
+          <a:fontRef idx="minor">
+            <a:schemeClr val="tx1"/>
+          </a:fontRef>
+        </p:style>
+      </p:cxnSp>
+      <p:cxnSp>
+        <p:nvCxnSpPr>
+          <p:cNvPr id="102" name="直接箭头连接符 101"/>
+          <p:cNvCxnSpPr/>
+          <p:nvPr/>
+        </p:nvCxnSpPr>
+        <p:spPr>
+          <a:xfrm flipH="1">
+            <a:off x="5508104" y="3140968"/>
+            <a:ext cx="792088" cy="0"/>
+          </a:xfrm>
+          <a:prstGeom prst="straightConnector1">
+            <a:avLst/>
+          </a:prstGeom>
+          <a:ln w="19050">
+            <a:solidFill>
+              <a:srgbClr val="00B0F0"/>
+            </a:solidFill>
+            <a:tailEnd type="arrow"/>
+          </a:ln>
+        </p:spPr>
+        <p:style>
+          <a:lnRef idx="1">
+            <a:schemeClr val="accent1"/>
+          </a:lnRef>
+          <a:fillRef idx="0">
+            <a:schemeClr val="accent1"/>
+          </a:fillRef>
+          <a:effectRef idx="0">
+            <a:schemeClr val="accent1"/>
+          </a:effectRef>
+          <a:fontRef idx="minor">
+            <a:schemeClr val="tx1"/>
+          </a:fontRef>
+        </p:style>
+      </p:cxnSp>
+      <p:cxnSp>
+        <p:nvCxnSpPr>
+          <p:cNvPr id="103" name="直接箭头连接符 102"/>
+          <p:cNvCxnSpPr/>
+          <p:nvPr/>
+        </p:nvCxnSpPr>
+        <p:spPr>
+          <a:xfrm flipH="1">
+            <a:off x="5508104" y="3717032"/>
+            <a:ext cx="792088" cy="0"/>
+          </a:xfrm>
+          <a:prstGeom prst="straightConnector1">
+            <a:avLst/>
+          </a:prstGeom>
+          <a:ln w="19050">
+            <a:solidFill>
+              <a:srgbClr val="00B0F0"/>
+            </a:solidFill>
+            <a:tailEnd type="arrow"/>
+          </a:ln>
+        </p:spPr>
+        <p:style>
+          <a:lnRef idx="1">
+            <a:schemeClr val="accent1"/>
+          </a:lnRef>
+          <a:fillRef idx="0">
+            <a:schemeClr val="accent1"/>
+          </a:fillRef>
+          <a:effectRef idx="0">
+            <a:schemeClr val="accent1"/>
+          </a:effectRef>
+          <a:fontRef idx="minor">
+            <a:schemeClr val="tx1"/>
+          </a:fontRef>
+        </p:style>
+      </p:cxnSp>
+      <p:sp>
+        <p:nvSpPr>
+          <p:cNvPr id="105" name="TextBox 104"/>
+          <p:cNvSpPr txBox="1"/>
+          <p:nvPr/>
+        </p:nvSpPr>
+        <p:spPr>
+          <a:xfrm>
+            <a:off x="5594115" y="915467"/>
+            <a:ext cx="824265" cy="246221"/>
+          </a:xfrm>
+          <a:prstGeom prst="rect">
+            <a:avLst/>
+          </a:prstGeom>
+          <a:noFill/>
+        </p:spPr>
+        <p:txBody>
+          <a:bodyPr wrap="none" rtlCol="0">
+            <a:spAutoFit/>
+          </a:bodyPr>
+          <a:lstStyle/>
+          <a:p>
+            <a:r>
+              <a:rPr lang="en-US" altLang="zh-CN" sz="1000" dirty="0" smtClean="0"/>
+              <a:t>4. </a:t>
+            </a:r>
+            <a:r>
+              <a:rPr lang="zh-CN" altLang="en-US" sz="1000" dirty="0" smtClean="0"/>
+              <a:t>接收消息</a:t>
+            </a:r>
+            <a:endParaRPr lang="zh-CN" altLang="en-US" sz="1000" dirty="0"/>
+          </a:p>
+        </p:txBody>
+      </p:sp>
+      <p:sp>
+        <p:nvSpPr>
+          <p:cNvPr id="106" name="TextBox 105"/>
+          <p:cNvSpPr txBox="1"/>
+          <p:nvPr/>
+        </p:nvSpPr>
+        <p:spPr>
+          <a:xfrm>
+            <a:off x="5594115" y="1410287"/>
+            <a:ext cx="824265" cy="246221"/>
+          </a:xfrm>
+          <a:prstGeom prst="rect">
+            <a:avLst/>
+          </a:prstGeom>
+          <a:noFill/>
+        </p:spPr>
+        <p:txBody>
+          <a:bodyPr wrap="none" rtlCol="0">
+            <a:spAutoFit/>
+          </a:bodyPr>
+          <a:lstStyle/>
+          <a:p>
+            <a:r>
+              <a:rPr lang="en-US" altLang="zh-CN" sz="1000" dirty="0" smtClean="0"/>
+              <a:t>4. </a:t>
+            </a:r>
+            <a:r>
+              <a:rPr lang="zh-CN" altLang="en-US" sz="1000" dirty="0" smtClean="0"/>
+              <a:t>接收消息</a:t>
+            </a:r>
+            <a:endParaRPr lang="zh-CN" altLang="en-US" sz="1000" dirty="0"/>
+          </a:p>
+        </p:txBody>
+      </p:sp>
+      <p:sp>
+        <p:nvSpPr>
+          <p:cNvPr id="107" name="TextBox 106"/>
+          <p:cNvSpPr txBox="1"/>
+          <p:nvPr/>
+        </p:nvSpPr>
+        <p:spPr>
+          <a:xfrm>
+            <a:off x="5589646" y="2931691"/>
+            <a:ext cx="824265" cy="246221"/>
+          </a:xfrm>
+          <a:prstGeom prst="rect">
+            <a:avLst/>
+          </a:prstGeom>
+          <a:noFill/>
+        </p:spPr>
+        <p:txBody>
+          <a:bodyPr wrap="none" rtlCol="0">
+            <a:spAutoFit/>
+          </a:bodyPr>
+          <a:lstStyle/>
+          <a:p>
+            <a:r>
+              <a:rPr lang="en-US" altLang="zh-CN" sz="1000" dirty="0" smtClean="0"/>
+              <a:t>4. </a:t>
+            </a:r>
+            <a:r>
+              <a:rPr lang="zh-CN" altLang="en-US" sz="1000" dirty="0" smtClean="0"/>
+              <a:t>接收消息</a:t>
+            </a:r>
+            <a:endParaRPr lang="zh-CN" altLang="en-US" sz="1000" dirty="0"/>
+          </a:p>
+        </p:txBody>
+      </p:sp>
+      <p:sp>
+        <p:nvSpPr>
+          <p:cNvPr id="108" name="TextBox 107"/>
+          <p:cNvSpPr txBox="1"/>
+          <p:nvPr/>
+        </p:nvSpPr>
+        <p:spPr>
+          <a:xfrm>
+            <a:off x="5589646" y="3489283"/>
+            <a:ext cx="824265" cy="246221"/>
+          </a:xfrm>
+          <a:prstGeom prst="rect">
+            <a:avLst/>
+          </a:prstGeom>
+          <a:noFill/>
+        </p:spPr>
+        <p:txBody>
+          <a:bodyPr wrap="none" rtlCol="0">
+            <a:spAutoFit/>
+          </a:bodyPr>
+          <a:lstStyle/>
+          <a:p>
+            <a:r>
+              <a:rPr lang="en-US" altLang="zh-CN" sz="1000" dirty="0" smtClean="0"/>
+              <a:t>4. </a:t>
+            </a:r>
+            <a:r>
+              <a:rPr lang="zh-CN" altLang="en-US" sz="1000" dirty="0" smtClean="0"/>
+              <a:t>接收消息</a:t>
+            </a:r>
+            <a:endParaRPr lang="zh-CN" altLang="en-US" sz="1000" dirty="0"/>
+          </a:p>
+        </p:txBody>
+      </p:sp>
+      <p:cxnSp>
+        <p:nvCxnSpPr>
+          <p:cNvPr id="110" name="肘形连接符 109"/>
+          <p:cNvCxnSpPr>
+            <a:stCxn id="79" idx="3"/>
+            <a:endCxn id="38" idx="1"/>
+          </p:cNvCxnSpPr>
+          <p:nvPr/>
+        </p:nvCxnSpPr>
+        <p:spPr>
+          <a:xfrm flipV="1">
+            <a:off x="3203848" y="1088740"/>
+            <a:ext cx="1296144" cy="1332148"/>
+          </a:xfrm>
+          <a:prstGeom prst="bentConnector3">
+            <a:avLst>
+              <a:gd name="adj1" fmla="val 50000"/>
+            </a:avLst>
+          </a:prstGeom>
+          <a:ln w="19050">
+            <a:solidFill>
+              <a:srgbClr val="FFC000"/>
+            </a:solidFill>
+            <a:tailEnd type="arrow"/>
+          </a:ln>
+        </p:spPr>
+        <p:style>
+          <a:lnRef idx="1">
+            <a:schemeClr val="accent1"/>
+          </a:lnRef>
+          <a:fillRef idx="0">
+            <a:schemeClr val="accent1"/>
+          </a:fillRef>
+          <a:effectRef idx="0">
+            <a:schemeClr val="accent1"/>
+          </a:effectRef>
+          <a:fontRef idx="minor">
+            <a:schemeClr val="tx1"/>
+          </a:fontRef>
+        </p:style>
+      </p:cxnSp>
+      <p:cxnSp>
+        <p:nvCxnSpPr>
+          <p:cNvPr id="112" name="肘形连接符 111"/>
+          <p:cNvCxnSpPr>
+            <a:stCxn id="79" idx="3"/>
+            <a:endCxn id="39" idx="1"/>
+          </p:cNvCxnSpPr>
+          <p:nvPr/>
+        </p:nvCxnSpPr>
+        <p:spPr>
+          <a:xfrm flipV="1">
+            <a:off x="3203848" y="1664804"/>
+            <a:ext cx="1296144" cy="756084"/>
+          </a:xfrm>
+          <a:prstGeom prst="bentConnector3">
+            <a:avLst>
+              <a:gd name="adj1" fmla="val 50000"/>
+            </a:avLst>
+          </a:prstGeom>
+          <a:ln w="19050">
+            <a:solidFill>
+              <a:srgbClr val="FFC000"/>
+            </a:solidFill>
+            <a:tailEnd type="arrow"/>
+          </a:ln>
+        </p:spPr>
+        <p:style>
+          <a:lnRef idx="1">
+            <a:schemeClr val="accent1"/>
+          </a:lnRef>
+          <a:fillRef idx="0">
+            <a:schemeClr val="accent1"/>
+          </a:fillRef>
+          <a:effectRef idx="0">
+            <a:schemeClr val="accent1"/>
+          </a:effectRef>
+          <a:fontRef idx="minor">
+            <a:schemeClr val="tx1"/>
+          </a:fontRef>
+        </p:style>
+      </p:cxnSp>
+      <p:cxnSp>
+        <p:nvCxnSpPr>
+          <p:cNvPr id="114" name="肘形连接符 113"/>
+          <p:cNvCxnSpPr>
+            <a:stCxn id="79" idx="3"/>
+            <a:endCxn id="40" idx="1"/>
+          </p:cNvCxnSpPr>
+          <p:nvPr/>
+        </p:nvCxnSpPr>
+        <p:spPr>
+          <a:xfrm>
+            <a:off x="3203848" y="2420888"/>
+            <a:ext cx="1296144" cy="756084"/>
+          </a:xfrm>
+          <a:prstGeom prst="bentConnector3">
+            <a:avLst>
+              <a:gd name="adj1" fmla="val 50000"/>
+            </a:avLst>
+          </a:prstGeom>
+          <a:ln w="19050">
+            <a:solidFill>
+              <a:srgbClr val="FFC000"/>
+            </a:solidFill>
+            <a:tailEnd type="arrow"/>
+          </a:ln>
+        </p:spPr>
+        <p:style>
+          <a:lnRef idx="1">
+            <a:schemeClr val="accent1"/>
+          </a:lnRef>
+          <a:fillRef idx="0">
+            <a:schemeClr val="accent1"/>
+          </a:fillRef>
+          <a:effectRef idx="0">
+            <a:schemeClr val="accent1"/>
+          </a:effectRef>
+          <a:fontRef idx="minor">
+            <a:schemeClr val="tx1"/>
+          </a:fontRef>
+        </p:style>
+      </p:cxnSp>
+      <p:cxnSp>
+        <p:nvCxnSpPr>
+          <p:cNvPr id="116" name="肘形连接符 115"/>
+          <p:cNvCxnSpPr>
+            <a:stCxn id="79" idx="3"/>
+            <a:endCxn id="76" idx="1"/>
+          </p:cNvCxnSpPr>
+          <p:nvPr/>
+        </p:nvCxnSpPr>
+        <p:spPr>
+          <a:xfrm>
+            <a:off x="3203848" y="2420888"/>
+            <a:ext cx="1296144" cy="1332148"/>
+          </a:xfrm>
+          <a:prstGeom prst="bentConnector3">
+            <a:avLst>
+              <a:gd name="adj1" fmla="val 50000"/>
+            </a:avLst>
+          </a:prstGeom>
+          <a:ln w="19050">
+            <a:solidFill>
+              <a:srgbClr val="FFC000"/>
+            </a:solidFill>
+            <a:tailEnd type="arrow"/>
+          </a:ln>
+        </p:spPr>
+        <p:style>
+          <a:lnRef idx="1">
+            <a:schemeClr val="accent1"/>
+          </a:lnRef>
+          <a:fillRef idx="0">
+            <a:schemeClr val="accent1"/>
+          </a:fillRef>
+          <a:effectRef idx="0">
+            <a:schemeClr val="accent1"/>
+          </a:effectRef>
+          <a:fontRef idx="minor">
+            <a:schemeClr val="tx1"/>
+          </a:fontRef>
+        </p:style>
+      </p:cxnSp>
+      <p:sp>
+        <p:nvSpPr>
+          <p:cNvPr id="117" name="TextBox 116"/>
+          <p:cNvSpPr txBox="1"/>
+          <p:nvPr/>
+        </p:nvSpPr>
+        <p:spPr>
+          <a:xfrm>
+            <a:off x="3419872" y="1259524"/>
+            <a:ext cx="1080745" cy="246221"/>
+          </a:xfrm>
+          <a:prstGeom prst="rect">
+            <a:avLst/>
+          </a:prstGeom>
+          <a:noFill/>
+        </p:spPr>
+        <p:txBody>
+          <a:bodyPr wrap="none" rtlCol="0">
+            <a:spAutoFit/>
+          </a:bodyPr>
+          <a:lstStyle/>
+          <a:p>
+            <a:r>
+              <a:rPr lang="en-US" altLang="zh-CN" sz="1000" dirty="0" smtClean="0"/>
+              <a:t>5. </a:t>
+            </a:r>
+            <a:r>
+              <a:rPr lang="zh-CN" altLang="en-US" sz="1000" dirty="0" smtClean="0"/>
+              <a:t>获取最新配置</a:t>
+            </a:r>
+            <a:endParaRPr lang="zh-CN" altLang="en-US" sz="1000" dirty="0"/>
+          </a:p>
+        </p:txBody>
+      </p:sp>
+      <p:sp>
+        <p:nvSpPr>
+          <p:cNvPr id="118" name="TextBox 117"/>
+          <p:cNvSpPr txBox="1"/>
+          <p:nvPr/>
+        </p:nvSpPr>
+        <p:spPr>
+          <a:xfrm>
+            <a:off x="3427228" y="3340400"/>
+            <a:ext cx="1080745" cy="246221"/>
+          </a:xfrm>
+          <a:prstGeom prst="rect">
+            <a:avLst/>
+          </a:prstGeom>
+          <a:noFill/>
+        </p:spPr>
+        <p:txBody>
+          <a:bodyPr wrap="none" rtlCol="0">
+            <a:spAutoFit/>
+          </a:bodyPr>
+          <a:lstStyle/>
+          <a:p>
+            <a:r>
+              <a:rPr lang="en-US" altLang="zh-CN" sz="1000" dirty="0" smtClean="0"/>
+              <a:t>5. </a:t>
+            </a:r>
+            <a:r>
+              <a:rPr lang="zh-CN" altLang="en-US" sz="1000" dirty="0" smtClean="0"/>
+              <a:t>获取最新配置</a:t>
+            </a:r>
+            <a:endParaRPr lang="zh-CN" altLang="en-US" sz="1000" dirty="0"/>
+          </a:p>
+        </p:txBody>
+      </p:sp>
+      <p:sp>
+        <p:nvSpPr>
+          <p:cNvPr id="142" name="矩形 141"/>
+          <p:cNvSpPr/>
+          <p:nvPr/>
+        </p:nvSpPr>
+        <p:spPr>
+          <a:xfrm>
+            <a:off x="179512" y="1196752"/>
+            <a:ext cx="936104" cy="432048"/>
+          </a:xfrm>
+          <a:prstGeom prst="rect">
+            <a:avLst/>
+          </a:prstGeom>
+          <a:solidFill>
+            <a:schemeClr val="tx2">
+              <a:lumMod val="60000"/>
+              <a:lumOff val="40000"/>
+            </a:schemeClr>
+          </a:solidFill>
+          <a:ln>
+            <a:noFill/>
+          </a:ln>
+        </p:spPr>
+        <p:style>
+          <a:lnRef idx="2">
+            <a:schemeClr val="accent1">
+              <a:shade val="50000"/>
+            </a:schemeClr>
+          </a:lnRef>
+          <a:fillRef idx="1">
+            <a:schemeClr val="accent1"/>
+          </a:fillRef>
+          <a:effectRef idx="0">
+            <a:schemeClr val="accent1"/>
+          </a:effectRef>
+          <a:fontRef idx="minor">
+            <a:schemeClr val="lt1"/>
+          </a:fontRef>
+        </p:style>
+        <p:txBody>
+          <a:bodyPr rtlCol="0" anchor="ctr"/>
+          <a:lstStyle/>
+          <a:p>
+            <a:pPr algn="ctr"/>
+            <a:r>
+              <a:rPr lang="zh-CN" altLang="en-US" sz="1200" dirty="0" smtClean="0">
+                <a:solidFill>
+                  <a:schemeClr val="bg1"/>
+                </a:solidFill>
+              </a:rPr>
+              <a:t>最新配置</a:t>
+            </a:r>
+            <a:endParaRPr lang="zh-CN" altLang="en-US" sz="1200" dirty="0">
+              <a:solidFill>
+                <a:schemeClr val="bg1"/>
+              </a:solidFill>
+            </a:endParaRPr>
+          </a:p>
+        </p:txBody>
+      </p:sp>
+      <p:cxnSp>
+        <p:nvCxnSpPr>
+          <p:cNvPr id="144" name="直接箭头连接符 143"/>
+          <p:cNvCxnSpPr>
+            <a:stCxn id="142" idx="2"/>
+            <a:endCxn id="55" idx="1"/>
+          </p:cNvCxnSpPr>
+          <p:nvPr/>
+        </p:nvCxnSpPr>
+        <p:spPr>
+          <a:xfrm>
+            <a:off x="647564" y="1628800"/>
+            <a:ext cx="0" cy="432048"/>
+          </a:xfrm>
+          <a:prstGeom prst="straightConnector1">
+            <a:avLst/>
+          </a:prstGeom>
+          <a:ln>
+            <a:tailEnd type="arrow"/>
+          </a:ln>
+        </p:spPr>
+        <p:style>
+          <a:lnRef idx="1">
+            <a:schemeClr val="accent1"/>
+          </a:lnRef>
+          <a:fillRef idx="0">
+            <a:schemeClr val="accent1"/>
+          </a:fillRef>
+          <a:effectRef idx="0">
+            <a:schemeClr val="accent1"/>
+          </a:effectRef>
+          <a:fontRef idx="minor">
+            <a:schemeClr val="tx1"/>
+          </a:fontRef>
+        </p:style>
+      </p:cxnSp>
+      <p:sp>
+        <p:nvSpPr>
+          <p:cNvPr id="148" name="TextBox 147"/>
+          <p:cNvSpPr txBox="1"/>
+          <p:nvPr/>
+        </p:nvSpPr>
+        <p:spPr>
+          <a:xfrm>
+            <a:off x="578469" y="1714911"/>
+            <a:ext cx="562975" cy="246221"/>
+          </a:xfrm>
+          <a:prstGeom prst="rect">
+            <a:avLst/>
+          </a:prstGeom>
+          <a:noFill/>
+        </p:spPr>
+        <p:txBody>
+          <a:bodyPr wrap="none" rtlCol="0">
+            <a:spAutoFit/>
+          </a:bodyPr>
+          <a:lstStyle/>
+          <a:p>
+            <a:r>
+              <a:rPr lang="en-US" altLang="zh-CN" sz="1000" dirty="0" smtClean="0"/>
+              <a:t>1. push</a:t>
+            </a:r>
+            <a:endParaRPr lang="zh-CN" altLang="en-US" sz="1000" dirty="0"/>
+          </a:p>
+        </p:txBody>
+      </p:sp>
+      <p:sp>
+        <p:nvSpPr>
+          <p:cNvPr id="149" name="TextBox 148"/>
+          <p:cNvSpPr txBox="1"/>
+          <p:nvPr/>
+        </p:nvSpPr>
+        <p:spPr>
+          <a:xfrm>
+            <a:off x="1115616" y="2223336"/>
+            <a:ext cx="720080" cy="400110"/>
+          </a:xfrm>
+          <a:prstGeom prst="rect">
+            <a:avLst/>
+          </a:prstGeom>
+          <a:noFill/>
+        </p:spPr>
+        <p:txBody>
+          <a:bodyPr wrap="square" rtlCol="0">
+            <a:spAutoFit/>
+          </a:bodyPr>
+          <a:lstStyle/>
+          <a:p>
+            <a:r>
+              <a:rPr lang="en-US" altLang="zh-CN" sz="1000" dirty="0" smtClean="0"/>
+              <a:t>3. </a:t>
+            </a:r>
+            <a:r>
+              <a:rPr lang="zh-CN" altLang="en-US" sz="1000" dirty="0" smtClean="0"/>
+              <a:t>获取最新配置</a:t>
+            </a:r>
+            <a:endParaRPr lang="zh-CN" altLang="en-US" sz="1000" dirty="0"/>
           </a:p>
         </p:txBody>
       </p:sp>

--- a/doc/架构图.pptx
+++ b/doc/架构图.pptx
@@ -9,6 +9,8 @@
     <p:sldId id="257" r:id="rId3"/>
     <p:sldId id="258" r:id="rId4"/>
     <p:sldId id="259" r:id="rId5"/>
+    <p:sldId id="260" r:id="rId6"/>
+    <p:sldId id="261" r:id="rId7"/>
   </p:sldIdLst>
   <p:sldSz cx="9144000" cy="6858000" type="screen4x3"/>
   <p:notesSz cx="6858000" cy="9144000"/>
@@ -292,7 +294,7 @@
             <a:fld id="{9CCB53D5-3F0A-4974-9E71-2401F19FA0D5}" type="datetimeFigureOut">
               <a:rPr lang="zh-CN" altLang="en-US" smtClean="0"/>
               <a:pPr/>
-              <a:t>2019/1/22</a:t>
+              <a:t>2019/1/23</a:t>
             </a:fld>
             <a:endParaRPr lang="zh-CN" altLang="en-US"/>
           </a:p>
@@ -459,7 +461,7 @@
             <a:fld id="{9CCB53D5-3F0A-4974-9E71-2401F19FA0D5}" type="datetimeFigureOut">
               <a:rPr lang="zh-CN" altLang="en-US" smtClean="0"/>
               <a:pPr/>
-              <a:t>2019/1/22</a:t>
+              <a:t>2019/1/23</a:t>
             </a:fld>
             <a:endParaRPr lang="zh-CN" altLang="en-US"/>
           </a:p>
@@ -636,7 +638,7 @@
             <a:fld id="{9CCB53D5-3F0A-4974-9E71-2401F19FA0D5}" type="datetimeFigureOut">
               <a:rPr lang="zh-CN" altLang="en-US" smtClean="0"/>
               <a:pPr/>
-              <a:t>2019/1/22</a:t>
+              <a:t>2019/1/23</a:t>
             </a:fld>
             <a:endParaRPr lang="zh-CN" altLang="en-US"/>
           </a:p>
@@ -803,7 +805,7 @@
             <a:fld id="{9CCB53D5-3F0A-4974-9E71-2401F19FA0D5}" type="datetimeFigureOut">
               <a:rPr lang="zh-CN" altLang="en-US" smtClean="0"/>
               <a:pPr/>
-              <a:t>2019/1/22</a:t>
+              <a:t>2019/1/23</a:t>
             </a:fld>
             <a:endParaRPr lang="zh-CN" altLang="en-US"/>
           </a:p>
@@ -1046,7 +1048,7 @@
             <a:fld id="{9CCB53D5-3F0A-4974-9E71-2401F19FA0D5}" type="datetimeFigureOut">
               <a:rPr lang="zh-CN" altLang="en-US" smtClean="0"/>
               <a:pPr/>
-              <a:t>2019/1/22</a:t>
+              <a:t>2019/1/23</a:t>
             </a:fld>
             <a:endParaRPr lang="zh-CN" altLang="en-US"/>
           </a:p>
@@ -1331,7 +1333,7 @@
             <a:fld id="{9CCB53D5-3F0A-4974-9E71-2401F19FA0D5}" type="datetimeFigureOut">
               <a:rPr lang="zh-CN" altLang="en-US" smtClean="0"/>
               <a:pPr/>
-              <a:t>2019/1/22</a:t>
+              <a:t>2019/1/23</a:t>
             </a:fld>
             <a:endParaRPr lang="zh-CN" altLang="en-US"/>
           </a:p>
@@ -1750,7 +1752,7 @@
             <a:fld id="{9CCB53D5-3F0A-4974-9E71-2401F19FA0D5}" type="datetimeFigureOut">
               <a:rPr lang="zh-CN" altLang="en-US" smtClean="0"/>
               <a:pPr/>
-              <a:t>2019/1/22</a:t>
+              <a:t>2019/1/23</a:t>
             </a:fld>
             <a:endParaRPr lang="zh-CN" altLang="en-US"/>
           </a:p>
@@ -1865,7 +1867,7 @@
             <a:fld id="{9CCB53D5-3F0A-4974-9E71-2401F19FA0D5}" type="datetimeFigureOut">
               <a:rPr lang="zh-CN" altLang="en-US" smtClean="0"/>
               <a:pPr/>
-              <a:t>2019/1/22</a:t>
+              <a:t>2019/1/23</a:t>
             </a:fld>
             <a:endParaRPr lang="zh-CN" altLang="en-US"/>
           </a:p>
@@ -1957,7 +1959,7 @@
             <a:fld id="{9CCB53D5-3F0A-4974-9E71-2401F19FA0D5}" type="datetimeFigureOut">
               <a:rPr lang="zh-CN" altLang="en-US" smtClean="0"/>
               <a:pPr/>
-              <a:t>2019/1/22</a:t>
+              <a:t>2019/1/23</a:t>
             </a:fld>
             <a:endParaRPr lang="zh-CN" altLang="en-US"/>
           </a:p>
@@ -2231,7 +2233,7 @@
             <a:fld id="{9CCB53D5-3F0A-4974-9E71-2401F19FA0D5}" type="datetimeFigureOut">
               <a:rPr lang="zh-CN" altLang="en-US" smtClean="0"/>
               <a:pPr/>
-              <a:t>2019/1/22</a:t>
+              <a:t>2019/1/23</a:t>
             </a:fld>
             <a:endParaRPr lang="zh-CN" altLang="en-US"/>
           </a:p>
@@ -2481,7 +2483,7 @@
             <a:fld id="{9CCB53D5-3F0A-4974-9E71-2401F19FA0D5}" type="datetimeFigureOut">
               <a:rPr lang="zh-CN" altLang="en-US" smtClean="0"/>
               <a:pPr/>
-              <a:t>2019/1/22</a:t>
+              <a:t>2019/1/23</a:t>
             </a:fld>
             <a:endParaRPr lang="zh-CN" altLang="en-US"/>
           </a:p>
@@ -2691,7 +2693,7 @@
             <a:fld id="{9CCB53D5-3F0A-4974-9E71-2401F19FA0D5}" type="datetimeFigureOut">
               <a:rPr lang="zh-CN" altLang="en-US" smtClean="0"/>
               <a:pPr/>
-              <a:t>2019/1/22</a:t>
+              <a:t>2019/1/23</a:t>
             </a:fld>
             <a:endParaRPr lang="zh-CN" altLang="en-US"/>
           </a:p>
@@ -7248,15 +7250,7 @@
                   <a:schemeClr val="bg1"/>
                 </a:solidFill>
               </a:rPr>
-              <a:t>Servic</a:t>
-            </a:r>
-            <a:r>
-              <a:rPr lang="en-US" altLang="zh-CN" sz="1200" dirty="0" smtClean="0">
-                <a:solidFill>
-                  <a:schemeClr val="bg1"/>
-                </a:solidFill>
-              </a:rPr>
-              <a:t>e1</a:t>
+              <a:t>Service1</a:t>
             </a:r>
             <a:endParaRPr lang="zh-CN" altLang="en-US" sz="1200" dirty="0">
               <a:solidFill>
@@ -7706,11 +7700,7 @@
           <a:p>
             <a:r>
               <a:rPr lang="en-US" altLang="zh-CN" sz="1000" dirty="0" smtClean="0"/>
-              <a:t>2. POST </a:t>
-            </a:r>
-            <a:r>
-              <a:rPr lang="en-US" altLang="zh-CN" sz="1000" dirty="0" smtClean="0"/>
-              <a:t>/actuator/bus-refresh</a:t>
+              <a:t>2. POST /actuator/bus-refresh</a:t>
             </a:r>
             <a:endParaRPr lang="zh-CN" altLang="en-US" sz="1000" dirty="0"/>
           </a:p>
@@ -8463,6 +8453,946 @@
           </a:p>
         </p:txBody>
       </p:sp>
+    </p:spTree>
+  </p:cSld>
+  <p:clrMapOvr>
+    <a:masterClrMapping/>
+  </p:clrMapOvr>
+</p:sld>
+</file>
+
+<file path=ppt/slides/slide5.xml><?xml version="1.0" encoding="utf-8"?>
+<p:sld xmlns:a="http://schemas.openxmlformats.org/drawingml/2006/main" xmlns:r="http://schemas.openxmlformats.org/officeDocument/2006/relationships" xmlns:p="http://schemas.openxmlformats.org/presentationml/2006/main">
+  <p:cSld>
+    <p:spTree>
+      <p:nvGrpSpPr>
+        <p:cNvPr id="1" name=""/>
+        <p:cNvGrpSpPr/>
+        <p:nvPr/>
+      </p:nvGrpSpPr>
+      <p:grpSpPr>
+        <a:xfrm>
+          <a:off x="0" y="0"/>
+          <a:ext cx="0" cy="0"/>
+          <a:chOff x="0" y="0"/>
+          <a:chExt cx="0" cy="0"/>
+        </a:xfrm>
+      </p:grpSpPr>
+      <p:sp>
+        <p:nvSpPr>
+          <p:cNvPr id="38" name="矩形 37"/>
+          <p:cNvSpPr/>
+          <p:nvPr/>
+        </p:nvSpPr>
+        <p:spPr>
+          <a:xfrm>
+            <a:off x="3707904" y="1484784"/>
+            <a:ext cx="1368152" cy="829032"/>
+          </a:xfrm>
+          <a:prstGeom prst="rect">
+            <a:avLst/>
+          </a:prstGeom>
+          <a:solidFill>
+            <a:schemeClr val="tx2">
+              <a:lumMod val="60000"/>
+              <a:lumOff val="40000"/>
+            </a:schemeClr>
+          </a:solidFill>
+          <a:ln>
+            <a:noFill/>
+          </a:ln>
+        </p:spPr>
+        <p:style>
+          <a:lnRef idx="2">
+            <a:schemeClr val="accent1">
+              <a:shade val="50000"/>
+            </a:schemeClr>
+          </a:lnRef>
+          <a:fillRef idx="1">
+            <a:schemeClr val="accent1"/>
+          </a:fillRef>
+          <a:effectRef idx="0">
+            <a:schemeClr val="accent1"/>
+          </a:effectRef>
+          <a:fontRef idx="minor">
+            <a:schemeClr val="lt1"/>
+          </a:fontRef>
+        </p:style>
+        <p:txBody>
+          <a:bodyPr rtlCol="0" anchor="ctr"/>
+          <a:lstStyle/>
+          <a:p>
+            <a:pPr algn="ctr"/>
+            <a:r>
+              <a:rPr lang="en-US" altLang="zh-CN" sz="1200" dirty="0" smtClean="0">
+                <a:solidFill>
+                  <a:schemeClr val="bg1"/>
+                </a:solidFill>
+              </a:rPr>
+              <a:t>Service1</a:t>
+            </a:r>
+            <a:endParaRPr lang="zh-CN" altLang="en-US" sz="1200" dirty="0">
+              <a:solidFill>
+                <a:schemeClr val="bg1"/>
+              </a:solidFill>
+            </a:endParaRPr>
+          </a:p>
+        </p:txBody>
+      </p:sp>
+      <p:sp>
+        <p:nvSpPr>
+          <p:cNvPr id="39" name="矩形 38"/>
+          <p:cNvSpPr/>
+          <p:nvPr/>
+        </p:nvSpPr>
+        <p:spPr>
+          <a:xfrm>
+            <a:off x="3707904" y="2564904"/>
+            <a:ext cx="1368152" cy="829032"/>
+          </a:xfrm>
+          <a:prstGeom prst="rect">
+            <a:avLst/>
+          </a:prstGeom>
+          <a:solidFill>
+            <a:schemeClr val="tx2">
+              <a:lumMod val="60000"/>
+              <a:lumOff val="40000"/>
+            </a:schemeClr>
+          </a:solidFill>
+          <a:ln>
+            <a:noFill/>
+          </a:ln>
+        </p:spPr>
+        <p:style>
+          <a:lnRef idx="2">
+            <a:schemeClr val="accent1">
+              <a:shade val="50000"/>
+            </a:schemeClr>
+          </a:lnRef>
+          <a:fillRef idx="1">
+            <a:schemeClr val="accent1"/>
+          </a:fillRef>
+          <a:effectRef idx="0">
+            <a:schemeClr val="accent1"/>
+          </a:effectRef>
+          <a:fontRef idx="minor">
+            <a:schemeClr val="lt1"/>
+          </a:fontRef>
+        </p:style>
+        <p:txBody>
+          <a:bodyPr rtlCol="0" anchor="ctr"/>
+          <a:lstStyle/>
+          <a:p>
+            <a:pPr algn="ctr"/>
+            <a:r>
+              <a:rPr lang="en-US" altLang="zh-CN" sz="1200" dirty="0" smtClean="0">
+                <a:solidFill>
+                  <a:schemeClr val="bg1"/>
+                </a:solidFill>
+              </a:rPr>
+              <a:t>Service2</a:t>
+            </a:r>
+            <a:endParaRPr lang="zh-CN" altLang="en-US" sz="1200" dirty="0">
+              <a:solidFill>
+                <a:schemeClr val="bg1"/>
+              </a:solidFill>
+            </a:endParaRPr>
+          </a:p>
+        </p:txBody>
+      </p:sp>
+      <p:sp>
+        <p:nvSpPr>
+          <p:cNvPr id="40" name="矩形 39"/>
+          <p:cNvSpPr/>
+          <p:nvPr/>
+        </p:nvSpPr>
+        <p:spPr>
+          <a:xfrm>
+            <a:off x="3707904" y="3645024"/>
+            <a:ext cx="1368152" cy="829032"/>
+          </a:xfrm>
+          <a:prstGeom prst="rect">
+            <a:avLst/>
+          </a:prstGeom>
+          <a:solidFill>
+            <a:schemeClr val="tx2">
+              <a:lumMod val="60000"/>
+              <a:lumOff val="40000"/>
+            </a:schemeClr>
+          </a:solidFill>
+          <a:ln>
+            <a:noFill/>
+          </a:ln>
+        </p:spPr>
+        <p:style>
+          <a:lnRef idx="2">
+            <a:schemeClr val="accent1">
+              <a:shade val="50000"/>
+            </a:schemeClr>
+          </a:lnRef>
+          <a:fillRef idx="1">
+            <a:schemeClr val="accent1"/>
+          </a:fillRef>
+          <a:effectRef idx="0">
+            <a:schemeClr val="accent1"/>
+          </a:effectRef>
+          <a:fontRef idx="minor">
+            <a:schemeClr val="lt1"/>
+          </a:fontRef>
+        </p:style>
+        <p:txBody>
+          <a:bodyPr rtlCol="0" anchor="ctr"/>
+          <a:lstStyle/>
+          <a:p>
+            <a:pPr algn="ctr"/>
+            <a:r>
+              <a:rPr lang="en-US" altLang="zh-CN" sz="1200" dirty="0" smtClean="0">
+                <a:solidFill>
+                  <a:schemeClr val="bg1"/>
+                </a:solidFill>
+              </a:rPr>
+              <a:t>Service3</a:t>
+            </a:r>
+            <a:endParaRPr lang="zh-CN" altLang="en-US" sz="1200" dirty="0">
+              <a:solidFill>
+                <a:schemeClr val="bg1"/>
+              </a:solidFill>
+            </a:endParaRPr>
+          </a:p>
+        </p:txBody>
+      </p:sp>
+      <p:sp>
+        <p:nvSpPr>
+          <p:cNvPr id="79" name="矩形 78"/>
+          <p:cNvSpPr/>
+          <p:nvPr/>
+        </p:nvSpPr>
+        <p:spPr>
+          <a:xfrm>
+            <a:off x="1763688" y="2780928"/>
+            <a:ext cx="1368152" cy="576064"/>
+          </a:xfrm>
+          <a:prstGeom prst="rect">
+            <a:avLst/>
+          </a:prstGeom>
+          <a:solidFill>
+            <a:schemeClr val="accent2">
+              <a:lumMod val="60000"/>
+              <a:lumOff val="40000"/>
+            </a:schemeClr>
+          </a:solidFill>
+          <a:ln>
+            <a:noFill/>
+          </a:ln>
+        </p:spPr>
+        <p:style>
+          <a:lnRef idx="2">
+            <a:schemeClr val="accent1">
+              <a:shade val="50000"/>
+            </a:schemeClr>
+          </a:lnRef>
+          <a:fillRef idx="1">
+            <a:schemeClr val="accent1"/>
+          </a:fillRef>
+          <a:effectRef idx="0">
+            <a:schemeClr val="accent1"/>
+          </a:effectRef>
+          <a:fontRef idx="minor">
+            <a:schemeClr val="lt1"/>
+          </a:fontRef>
+        </p:style>
+        <p:txBody>
+          <a:bodyPr rtlCol="0" anchor="ctr"/>
+          <a:lstStyle/>
+          <a:p>
+            <a:pPr algn="ctr"/>
+            <a:r>
+              <a:rPr lang="en-US" altLang="zh-CN" sz="1200" dirty="0" err="1" smtClean="0"/>
+              <a:t>Zipkin</a:t>
+            </a:r>
+            <a:r>
+              <a:rPr lang="en-US" altLang="zh-CN" sz="1200" dirty="0" smtClean="0"/>
+              <a:t> Server</a:t>
+            </a:r>
+            <a:endParaRPr lang="zh-CN" altLang="en-US" sz="1200" dirty="0"/>
+          </a:p>
+        </p:txBody>
+      </p:sp>
+      <p:sp>
+        <p:nvSpPr>
+          <p:cNvPr id="76" name="矩形 75"/>
+          <p:cNvSpPr/>
+          <p:nvPr/>
+        </p:nvSpPr>
+        <p:spPr>
+          <a:xfrm>
+            <a:off x="3707904" y="2099672"/>
+            <a:ext cx="648072" cy="216024"/>
+          </a:xfrm>
+          <a:prstGeom prst="rect">
+            <a:avLst/>
+          </a:prstGeom>
+          <a:solidFill>
+            <a:schemeClr val="accent3">
+              <a:lumMod val="75000"/>
+            </a:schemeClr>
+          </a:solidFill>
+          <a:ln>
+            <a:noFill/>
+          </a:ln>
+        </p:spPr>
+        <p:style>
+          <a:lnRef idx="2">
+            <a:schemeClr val="accent1">
+              <a:shade val="50000"/>
+            </a:schemeClr>
+          </a:lnRef>
+          <a:fillRef idx="1">
+            <a:schemeClr val="accent1"/>
+          </a:fillRef>
+          <a:effectRef idx="0">
+            <a:schemeClr val="accent1"/>
+          </a:effectRef>
+          <a:fontRef idx="minor">
+            <a:schemeClr val="lt1"/>
+          </a:fontRef>
+        </p:style>
+        <p:txBody>
+          <a:bodyPr rtlCol="0" anchor="ctr"/>
+          <a:lstStyle/>
+          <a:p>
+            <a:pPr algn="ctr"/>
+            <a:r>
+              <a:rPr lang="en-US" altLang="zh-CN" sz="1200" dirty="0" smtClean="0">
+                <a:solidFill>
+                  <a:schemeClr val="bg1"/>
+                </a:solidFill>
+              </a:rPr>
+              <a:t>Sleuth</a:t>
+            </a:r>
+            <a:endParaRPr lang="zh-CN" altLang="en-US" sz="1200" dirty="0">
+              <a:solidFill>
+                <a:schemeClr val="bg1"/>
+              </a:solidFill>
+            </a:endParaRPr>
+          </a:p>
+        </p:txBody>
+      </p:sp>
+      <p:sp>
+        <p:nvSpPr>
+          <p:cNvPr id="46" name="矩形 45"/>
+          <p:cNvSpPr/>
+          <p:nvPr/>
+        </p:nvSpPr>
+        <p:spPr>
+          <a:xfrm>
+            <a:off x="5609536" y="2690448"/>
+            <a:ext cx="1224136" cy="576064"/>
+          </a:xfrm>
+          <a:prstGeom prst="rect">
+            <a:avLst/>
+          </a:prstGeom>
+          <a:solidFill>
+            <a:srgbClr val="00B0F0"/>
+          </a:solidFill>
+          <a:ln>
+            <a:noFill/>
+          </a:ln>
+        </p:spPr>
+        <p:style>
+          <a:lnRef idx="2">
+            <a:schemeClr val="accent1">
+              <a:shade val="50000"/>
+            </a:schemeClr>
+          </a:lnRef>
+          <a:fillRef idx="1">
+            <a:schemeClr val="accent1"/>
+          </a:fillRef>
+          <a:effectRef idx="0">
+            <a:schemeClr val="accent1"/>
+          </a:effectRef>
+          <a:fontRef idx="minor">
+            <a:schemeClr val="lt1"/>
+          </a:fontRef>
+        </p:style>
+        <p:txBody>
+          <a:bodyPr rtlCol="0" anchor="ctr"/>
+          <a:lstStyle/>
+          <a:p>
+            <a:pPr algn="ctr"/>
+            <a:r>
+              <a:rPr lang="zh-CN" altLang="en-US" sz="1200" dirty="0" smtClean="0"/>
+              <a:t>注册中</a:t>
+            </a:r>
+            <a:r>
+              <a:rPr lang="zh-CN" altLang="en-US" sz="1200" dirty="0" smtClean="0"/>
+              <a:t>心</a:t>
+            </a:r>
+            <a:endParaRPr lang="zh-CN" altLang="en-US" sz="1200" dirty="0"/>
+          </a:p>
+        </p:txBody>
+      </p:sp>
+      <p:cxnSp>
+        <p:nvCxnSpPr>
+          <p:cNvPr id="48" name="肘形连接符 47"/>
+          <p:cNvCxnSpPr>
+            <a:stCxn id="38" idx="3"/>
+            <a:endCxn id="46" idx="1"/>
+          </p:cNvCxnSpPr>
+          <p:nvPr/>
+        </p:nvCxnSpPr>
+        <p:spPr>
+          <a:xfrm>
+            <a:off x="5076056" y="1899300"/>
+            <a:ext cx="533480" cy="1079180"/>
+          </a:xfrm>
+          <a:prstGeom prst="bentConnector3">
+            <a:avLst>
+              <a:gd name="adj1" fmla="val 50000"/>
+            </a:avLst>
+          </a:prstGeom>
+          <a:ln>
+            <a:tailEnd type="arrow"/>
+          </a:ln>
+        </p:spPr>
+        <p:style>
+          <a:lnRef idx="1">
+            <a:schemeClr val="accent1"/>
+          </a:lnRef>
+          <a:fillRef idx="0">
+            <a:schemeClr val="accent1"/>
+          </a:fillRef>
+          <a:effectRef idx="0">
+            <a:schemeClr val="accent1"/>
+          </a:effectRef>
+          <a:fontRef idx="minor">
+            <a:schemeClr val="tx1"/>
+          </a:fontRef>
+        </p:style>
+      </p:cxnSp>
+      <p:cxnSp>
+        <p:nvCxnSpPr>
+          <p:cNvPr id="50" name="肘形连接符 49"/>
+          <p:cNvCxnSpPr>
+            <a:stCxn id="40" idx="3"/>
+            <a:endCxn id="46" idx="1"/>
+          </p:cNvCxnSpPr>
+          <p:nvPr/>
+        </p:nvCxnSpPr>
+        <p:spPr>
+          <a:xfrm flipV="1">
+            <a:off x="5076056" y="2978480"/>
+            <a:ext cx="533480" cy="1081060"/>
+          </a:xfrm>
+          <a:prstGeom prst="bentConnector3">
+            <a:avLst>
+              <a:gd name="adj1" fmla="val 50000"/>
+            </a:avLst>
+          </a:prstGeom>
+          <a:ln>
+            <a:tailEnd type="arrow"/>
+          </a:ln>
+        </p:spPr>
+        <p:style>
+          <a:lnRef idx="1">
+            <a:schemeClr val="accent1"/>
+          </a:lnRef>
+          <a:fillRef idx="0">
+            <a:schemeClr val="accent1"/>
+          </a:fillRef>
+          <a:effectRef idx="0">
+            <a:schemeClr val="accent1"/>
+          </a:effectRef>
+          <a:fontRef idx="minor">
+            <a:schemeClr val="tx1"/>
+          </a:fontRef>
+        </p:style>
+      </p:cxnSp>
+      <p:cxnSp>
+        <p:nvCxnSpPr>
+          <p:cNvPr id="52" name="直接箭头连接符 51"/>
+          <p:cNvCxnSpPr>
+            <a:stCxn id="39" idx="3"/>
+            <a:endCxn id="46" idx="1"/>
+          </p:cNvCxnSpPr>
+          <p:nvPr/>
+        </p:nvCxnSpPr>
+        <p:spPr>
+          <a:xfrm flipV="1">
+            <a:off x="5076056" y="2978480"/>
+            <a:ext cx="533480" cy="940"/>
+          </a:xfrm>
+          <a:prstGeom prst="straightConnector1">
+            <a:avLst/>
+          </a:prstGeom>
+          <a:ln>
+            <a:tailEnd type="arrow"/>
+          </a:ln>
+        </p:spPr>
+        <p:style>
+          <a:lnRef idx="1">
+            <a:schemeClr val="accent1"/>
+          </a:lnRef>
+          <a:fillRef idx="0">
+            <a:schemeClr val="accent1"/>
+          </a:fillRef>
+          <a:effectRef idx="0">
+            <a:schemeClr val="accent1"/>
+          </a:effectRef>
+          <a:fontRef idx="minor">
+            <a:schemeClr val="tx1"/>
+          </a:fontRef>
+        </p:style>
+      </p:cxnSp>
+      <p:sp>
+        <p:nvSpPr>
+          <p:cNvPr id="61" name="椭圆 60"/>
+          <p:cNvSpPr/>
+          <p:nvPr/>
+        </p:nvSpPr>
+        <p:spPr>
+          <a:xfrm>
+            <a:off x="3923928" y="595024"/>
+            <a:ext cx="936104" cy="504056"/>
+          </a:xfrm>
+          <a:prstGeom prst="ellipse">
+            <a:avLst/>
+          </a:prstGeom>
+          <a:solidFill>
+            <a:srgbClr val="00B050"/>
+          </a:solidFill>
+          <a:ln>
+            <a:noFill/>
+          </a:ln>
+        </p:spPr>
+        <p:style>
+          <a:lnRef idx="2">
+            <a:schemeClr val="accent1">
+              <a:shade val="50000"/>
+            </a:schemeClr>
+          </a:lnRef>
+          <a:fillRef idx="1">
+            <a:schemeClr val="accent1"/>
+          </a:fillRef>
+          <a:effectRef idx="0">
+            <a:schemeClr val="accent1"/>
+          </a:effectRef>
+          <a:fontRef idx="minor">
+            <a:schemeClr val="lt1"/>
+          </a:fontRef>
+        </p:style>
+        <p:txBody>
+          <a:bodyPr rtlCol="0" anchor="ctr"/>
+          <a:lstStyle/>
+          <a:p>
+            <a:pPr algn="ctr"/>
+            <a:r>
+              <a:rPr lang="en-US" altLang="zh-CN" sz="1200" dirty="0" smtClean="0"/>
+              <a:t>User</a:t>
+            </a:r>
+            <a:endParaRPr lang="zh-CN" altLang="en-US" sz="1200" dirty="0"/>
+          </a:p>
+        </p:txBody>
+      </p:sp>
+      <p:cxnSp>
+        <p:nvCxnSpPr>
+          <p:cNvPr id="63" name="直接箭头连接符 62"/>
+          <p:cNvCxnSpPr>
+            <a:stCxn id="61" idx="4"/>
+            <a:endCxn id="38" idx="0"/>
+          </p:cNvCxnSpPr>
+          <p:nvPr/>
+        </p:nvCxnSpPr>
+        <p:spPr>
+          <a:xfrm>
+            <a:off x="4391980" y="1099080"/>
+            <a:ext cx="0" cy="385704"/>
+          </a:xfrm>
+          <a:prstGeom prst="straightConnector1">
+            <a:avLst/>
+          </a:prstGeom>
+          <a:ln>
+            <a:tailEnd type="arrow"/>
+          </a:ln>
+        </p:spPr>
+        <p:style>
+          <a:lnRef idx="1">
+            <a:schemeClr val="accent1"/>
+          </a:lnRef>
+          <a:fillRef idx="0">
+            <a:schemeClr val="accent1"/>
+          </a:fillRef>
+          <a:effectRef idx="0">
+            <a:schemeClr val="accent1"/>
+          </a:effectRef>
+          <a:fontRef idx="minor">
+            <a:schemeClr val="tx1"/>
+          </a:fontRef>
+        </p:style>
+      </p:cxnSp>
+      <p:cxnSp>
+        <p:nvCxnSpPr>
+          <p:cNvPr id="65" name="直接箭头连接符 64"/>
+          <p:cNvCxnSpPr>
+            <a:stCxn id="38" idx="2"/>
+            <a:endCxn id="39" idx="0"/>
+          </p:cNvCxnSpPr>
+          <p:nvPr/>
+        </p:nvCxnSpPr>
+        <p:spPr>
+          <a:xfrm>
+            <a:off x="4391980" y="2313816"/>
+            <a:ext cx="0" cy="251088"/>
+          </a:xfrm>
+          <a:prstGeom prst="straightConnector1">
+            <a:avLst/>
+          </a:prstGeom>
+          <a:ln>
+            <a:tailEnd type="arrow"/>
+          </a:ln>
+        </p:spPr>
+        <p:style>
+          <a:lnRef idx="1">
+            <a:schemeClr val="accent1"/>
+          </a:lnRef>
+          <a:fillRef idx="0">
+            <a:schemeClr val="accent1"/>
+          </a:fillRef>
+          <a:effectRef idx="0">
+            <a:schemeClr val="accent1"/>
+          </a:effectRef>
+          <a:fontRef idx="minor">
+            <a:schemeClr val="tx1"/>
+          </a:fontRef>
+        </p:style>
+      </p:cxnSp>
+      <p:cxnSp>
+        <p:nvCxnSpPr>
+          <p:cNvPr id="67" name="直接箭头连接符 66"/>
+          <p:cNvCxnSpPr>
+            <a:stCxn id="39" idx="2"/>
+            <a:endCxn id="40" idx="0"/>
+          </p:cNvCxnSpPr>
+          <p:nvPr/>
+        </p:nvCxnSpPr>
+        <p:spPr>
+          <a:xfrm>
+            <a:off x="4391980" y="3393936"/>
+            <a:ext cx="0" cy="251088"/>
+          </a:xfrm>
+          <a:prstGeom prst="straightConnector1">
+            <a:avLst/>
+          </a:prstGeom>
+          <a:ln>
+            <a:tailEnd type="arrow"/>
+          </a:ln>
+        </p:spPr>
+        <p:style>
+          <a:lnRef idx="1">
+            <a:schemeClr val="accent1"/>
+          </a:lnRef>
+          <a:fillRef idx="0">
+            <a:schemeClr val="accent1"/>
+          </a:fillRef>
+          <a:effectRef idx="0">
+            <a:schemeClr val="accent1"/>
+          </a:effectRef>
+          <a:fontRef idx="minor">
+            <a:schemeClr val="tx1"/>
+          </a:fontRef>
+        </p:style>
+      </p:cxnSp>
+      <p:sp>
+        <p:nvSpPr>
+          <p:cNvPr id="96" name="矩形 95"/>
+          <p:cNvSpPr/>
+          <p:nvPr/>
+        </p:nvSpPr>
+        <p:spPr>
+          <a:xfrm>
+            <a:off x="3707904" y="3168676"/>
+            <a:ext cx="648072" cy="216024"/>
+          </a:xfrm>
+          <a:prstGeom prst="rect">
+            <a:avLst/>
+          </a:prstGeom>
+          <a:solidFill>
+            <a:schemeClr val="accent3">
+              <a:lumMod val="75000"/>
+            </a:schemeClr>
+          </a:solidFill>
+          <a:ln>
+            <a:noFill/>
+          </a:ln>
+        </p:spPr>
+        <p:style>
+          <a:lnRef idx="2">
+            <a:schemeClr val="accent1">
+              <a:shade val="50000"/>
+            </a:schemeClr>
+          </a:lnRef>
+          <a:fillRef idx="1">
+            <a:schemeClr val="accent1"/>
+          </a:fillRef>
+          <a:effectRef idx="0">
+            <a:schemeClr val="accent1"/>
+          </a:effectRef>
+          <a:fontRef idx="minor">
+            <a:schemeClr val="lt1"/>
+          </a:fontRef>
+        </p:style>
+        <p:txBody>
+          <a:bodyPr rtlCol="0" anchor="ctr"/>
+          <a:lstStyle/>
+          <a:p>
+            <a:pPr algn="ctr"/>
+            <a:r>
+              <a:rPr lang="en-US" altLang="zh-CN" sz="1200" dirty="0" smtClean="0">
+                <a:solidFill>
+                  <a:schemeClr val="bg1"/>
+                </a:solidFill>
+              </a:rPr>
+              <a:t>Sleuth</a:t>
+            </a:r>
+            <a:endParaRPr lang="zh-CN" altLang="en-US" sz="1200" dirty="0">
+              <a:solidFill>
+                <a:schemeClr val="bg1"/>
+              </a:solidFill>
+            </a:endParaRPr>
+          </a:p>
+        </p:txBody>
+      </p:sp>
+      <p:sp>
+        <p:nvSpPr>
+          <p:cNvPr id="97" name="矩形 96"/>
+          <p:cNvSpPr/>
+          <p:nvPr/>
+        </p:nvSpPr>
+        <p:spPr>
+          <a:xfrm>
+            <a:off x="3707904" y="4248796"/>
+            <a:ext cx="648072" cy="216024"/>
+          </a:xfrm>
+          <a:prstGeom prst="rect">
+            <a:avLst/>
+          </a:prstGeom>
+          <a:solidFill>
+            <a:schemeClr val="accent3">
+              <a:lumMod val="75000"/>
+            </a:schemeClr>
+          </a:solidFill>
+          <a:ln>
+            <a:noFill/>
+          </a:ln>
+        </p:spPr>
+        <p:style>
+          <a:lnRef idx="2">
+            <a:schemeClr val="accent1">
+              <a:shade val="50000"/>
+            </a:schemeClr>
+          </a:lnRef>
+          <a:fillRef idx="1">
+            <a:schemeClr val="accent1"/>
+          </a:fillRef>
+          <a:effectRef idx="0">
+            <a:schemeClr val="accent1"/>
+          </a:effectRef>
+          <a:fontRef idx="minor">
+            <a:schemeClr val="lt1"/>
+          </a:fontRef>
+        </p:style>
+        <p:txBody>
+          <a:bodyPr rtlCol="0" anchor="ctr"/>
+          <a:lstStyle/>
+          <a:p>
+            <a:pPr algn="ctr"/>
+            <a:r>
+              <a:rPr lang="en-US" altLang="zh-CN" sz="1200" dirty="0" smtClean="0">
+                <a:solidFill>
+                  <a:schemeClr val="bg1"/>
+                </a:solidFill>
+              </a:rPr>
+              <a:t>Sleuth</a:t>
+            </a:r>
+            <a:endParaRPr lang="zh-CN" altLang="en-US" sz="1200" dirty="0">
+              <a:solidFill>
+                <a:schemeClr val="bg1"/>
+              </a:solidFill>
+            </a:endParaRPr>
+          </a:p>
+        </p:txBody>
+      </p:sp>
+      <p:cxnSp>
+        <p:nvCxnSpPr>
+          <p:cNvPr id="99" name="肘形连接符 98"/>
+          <p:cNvCxnSpPr>
+            <a:stCxn id="76" idx="1"/>
+            <a:endCxn id="79" idx="3"/>
+          </p:cNvCxnSpPr>
+          <p:nvPr/>
+        </p:nvCxnSpPr>
+        <p:spPr>
+          <a:xfrm rot="10800000" flipV="1">
+            <a:off x="3131840" y="2207684"/>
+            <a:ext cx="576064" cy="861276"/>
+          </a:xfrm>
+          <a:prstGeom prst="bentConnector3">
+            <a:avLst>
+              <a:gd name="adj1" fmla="val 50000"/>
+            </a:avLst>
+          </a:prstGeom>
+          <a:ln>
+            <a:tailEnd type="arrow"/>
+          </a:ln>
+        </p:spPr>
+        <p:style>
+          <a:lnRef idx="1">
+            <a:schemeClr val="accent1"/>
+          </a:lnRef>
+          <a:fillRef idx="0">
+            <a:schemeClr val="accent1"/>
+          </a:fillRef>
+          <a:effectRef idx="0">
+            <a:schemeClr val="accent1"/>
+          </a:effectRef>
+          <a:fontRef idx="minor">
+            <a:schemeClr val="tx1"/>
+          </a:fontRef>
+        </p:style>
+      </p:cxnSp>
+      <p:cxnSp>
+        <p:nvCxnSpPr>
+          <p:cNvPr id="109" name="肘形连接符 108"/>
+          <p:cNvCxnSpPr>
+            <a:stCxn id="96" idx="1"/>
+            <a:endCxn id="79" idx="3"/>
+          </p:cNvCxnSpPr>
+          <p:nvPr/>
+        </p:nvCxnSpPr>
+        <p:spPr>
+          <a:xfrm rot="10800000">
+            <a:off x="3131840" y="3068960"/>
+            <a:ext cx="576064" cy="207728"/>
+          </a:xfrm>
+          <a:prstGeom prst="bentConnector3">
+            <a:avLst>
+              <a:gd name="adj1" fmla="val 50000"/>
+            </a:avLst>
+          </a:prstGeom>
+          <a:ln>
+            <a:tailEnd type="arrow"/>
+          </a:ln>
+        </p:spPr>
+        <p:style>
+          <a:lnRef idx="1">
+            <a:schemeClr val="accent1"/>
+          </a:lnRef>
+          <a:fillRef idx="0">
+            <a:schemeClr val="accent1"/>
+          </a:fillRef>
+          <a:effectRef idx="0">
+            <a:schemeClr val="accent1"/>
+          </a:effectRef>
+          <a:fontRef idx="minor">
+            <a:schemeClr val="tx1"/>
+          </a:fontRef>
+        </p:style>
+      </p:cxnSp>
+      <p:cxnSp>
+        <p:nvCxnSpPr>
+          <p:cNvPr id="113" name="肘形连接符 112"/>
+          <p:cNvCxnSpPr>
+            <a:stCxn id="97" idx="1"/>
+            <a:endCxn id="79" idx="3"/>
+          </p:cNvCxnSpPr>
+          <p:nvPr/>
+        </p:nvCxnSpPr>
+        <p:spPr>
+          <a:xfrm rot="10800000">
+            <a:off x="3131840" y="3068960"/>
+            <a:ext cx="576064" cy="1287848"/>
+          </a:xfrm>
+          <a:prstGeom prst="bentConnector3">
+            <a:avLst>
+              <a:gd name="adj1" fmla="val 50000"/>
+            </a:avLst>
+          </a:prstGeom>
+          <a:ln>
+            <a:tailEnd type="arrow"/>
+          </a:ln>
+        </p:spPr>
+        <p:style>
+          <a:lnRef idx="1">
+            <a:schemeClr val="accent1"/>
+          </a:lnRef>
+          <a:fillRef idx="0">
+            <a:schemeClr val="accent1"/>
+          </a:fillRef>
+          <a:effectRef idx="0">
+            <a:schemeClr val="accent1"/>
+          </a:effectRef>
+          <a:fontRef idx="minor">
+            <a:schemeClr val="tx1"/>
+          </a:fontRef>
+        </p:style>
+      </p:cxnSp>
+    </p:spTree>
+  </p:cSld>
+  <p:clrMapOvr>
+    <a:masterClrMapping/>
+  </p:clrMapOvr>
+</p:sld>
+</file>
+
+<file path=ppt/slides/slide6.xml><?xml version="1.0" encoding="utf-8"?>
+<p:sld xmlns:a="http://schemas.openxmlformats.org/drawingml/2006/main" xmlns:r="http://schemas.openxmlformats.org/officeDocument/2006/relationships" xmlns:p="http://schemas.openxmlformats.org/presentationml/2006/main">
+  <p:cSld>
+    <p:spTree>
+      <p:nvGrpSpPr>
+        <p:cNvPr id="1" name=""/>
+        <p:cNvGrpSpPr/>
+        <p:nvPr/>
+      </p:nvGrpSpPr>
+      <p:grpSpPr>
+        <a:xfrm>
+          <a:off x="0" y="0"/>
+          <a:ext cx="0" cy="0"/>
+          <a:chOff x="0" y="0"/>
+          <a:chExt cx="0" cy="0"/>
+        </a:xfrm>
+      </p:grpSpPr>
+      <p:pic>
+        <p:nvPicPr>
+          <p:cNvPr id="1026" name="Picture 2"/>
+          <p:cNvPicPr>
+            <a:picLocks noChangeAspect="1" noChangeArrowheads="1"/>
+          </p:cNvPicPr>
+          <p:nvPr/>
+        </p:nvPicPr>
+        <p:blipFill>
+          <a:blip r:embed="rId2" cstate="print"/>
+          <a:srcRect/>
+          <a:stretch>
+            <a:fillRect/>
+          </a:stretch>
+        </p:blipFill>
+        <p:spPr bwMode="auto">
+          <a:xfrm>
+            <a:off x="251520" y="332656"/>
+            <a:ext cx="6429375" cy="5200650"/>
+          </a:xfrm>
+          <a:prstGeom prst="rect">
+            <a:avLst/>
+          </a:prstGeom>
+          <a:noFill/>
+          <a:ln w="9525">
+            <a:noFill/>
+            <a:miter lim="800000"/>
+            <a:headEnd/>
+            <a:tailEnd/>
+          </a:ln>
+        </p:spPr>
+      </p:pic>
     </p:spTree>
   </p:cSld>
   <p:clrMapOvr>

--- a/doc/架构图.pptx
+++ b/doc/架构图.pptx
@@ -11,6 +11,7 @@
     <p:sldId id="259" r:id="rId5"/>
     <p:sldId id="260" r:id="rId6"/>
     <p:sldId id="261" r:id="rId7"/>
+    <p:sldId id="262" r:id="rId8"/>
   </p:sldIdLst>
   <p:sldSz cx="9144000" cy="6858000" type="screen4x3"/>
   <p:notesSz cx="6858000" cy="9144000"/>
@@ -294,7 +295,7 @@
             <a:fld id="{9CCB53D5-3F0A-4974-9E71-2401F19FA0D5}" type="datetimeFigureOut">
               <a:rPr lang="zh-CN" altLang="en-US" smtClean="0"/>
               <a:pPr/>
-              <a:t>2019/1/23</a:t>
+              <a:t>2019/1/24</a:t>
             </a:fld>
             <a:endParaRPr lang="zh-CN" altLang="en-US"/>
           </a:p>
@@ -461,7 +462,7 @@
             <a:fld id="{9CCB53D5-3F0A-4974-9E71-2401F19FA0D5}" type="datetimeFigureOut">
               <a:rPr lang="zh-CN" altLang="en-US" smtClean="0"/>
               <a:pPr/>
-              <a:t>2019/1/23</a:t>
+              <a:t>2019/1/24</a:t>
             </a:fld>
             <a:endParaRPr lang="zh-CN" altLang="en-US"/>
           </a:p>
@@ -638,7 +639,7 @@
             <a:fld id="{9CCB53D5-3F0A-4974-9E71-2401F19FA0D5}" type="datetimeFigureOut">
               <a:rPr lang="zh-CN" altLang="en-US" smtClean="0"/>
               <a:pPr/>
-              <a:t>2019/1/23</a:t>
+              <a:t>2019/1/24</a:t>
             </a:fld>
             <a:endParaRPr lang="zh-CN" altLang="en-US"/>
           </a:p>
@@ -805,7 +806,7 @@
             <a:fld id="{9CCB53D5-3F0A-4974-9E71-2401F19FA0D5}" type="datetimeFigureOut">
               <a:rPr lang="zh-CN" altLang="en-US" smtClean="0"/>
               <a:pPr/>
-              <a:t>2019/1/23</a:t>
+              <a:t>2019/1/24</a:t>
             </a:fld>
             <a:endParaRPr lang="zh-CN" altLang="en-US"/>
           </a:p>
@@ -1048,7 +1049,7 @@
             <a:fld id="{9CCB53D5-3F0A-4974-9E71-2401F19FA0D5}" type="datetimeFigureOut">
               <a:rPr lang="zh-CN" altLang="en-US" smtClean="0"/>
               <a:pPr/>
-              <a:t>2019/1/23</a:t>
+              <a:t>2019/1/24</a:t>
             </a:fld>
             <a:endParaRPr lang="zh-CN" altLang="en-US"/>
           </a:p>
@@ -1333,7 +1334,7 @@
             <a:fld id="{9CCB53D5-3F0A-4974-9E71-2401F19FA0D5}" type="datetimeFigureOut">
               <a:rPr lang="zh-CN" altLang="en-US" smtClean="0"/>
               <a:pPr/>
-              <a:t>2019/1/23</a:t>
+              <a:t>2019/1/24</a:t>
             </a:fld>
             <a:endParaRPr lang="zh-CN" altLang="en-US"/>
           </a:p>
@@ -1752,7 +1753,7 @@
             <a:fld id="{9CCB53D5-3F0A-4974-9E71-2401F19FA0D5}" type="datetimeFigureOut">
               <a:rPr lang="zh-CN" altLang="en-US" smtClean="0"/>
               <a:pPr/>
-              <a:t>2019/1/23</a:t>
+              <a:t>2019/1/24</a:t>
             </a:fld>
             <a:endParaRPr lang="zh-CN" altLang="en-US"/>
           </a:p>
@@ -1867,7 +1868,7 @@
             <a:fld id="{9CCB53D5-3F0A-4974-9E71-2401F19FA0D5}" type="datetimeFigureOut">
               <a:rPr lang="zh-CN" altLang="en-US" smtClean="0"/>
               <a:pPr/>
-              <a:t>2019/1/23</a:t>
+              <a:t>2019/1/24</a:t>
             </a:fld>
             <a:endParaRPr lang="zh-CN" altLang="en-US"/>
           </a:p>
@@ -1959,7 +1960,7 @@
             <a:fld id="{9CCB53D5-3F0A-4974-9E71-2401F19FA0D5}" type="datetimeFigureOut">
               <a:rPr lang="zh-CN" altLang="en-US" smtClean="0"/>
               <a:pPr/>
-              <a:t>2019/1/23</a:t>
+              <a:t>2019/1/24</a:t>
             </a:fld>
             <a:endParaRPr lang="zh-CN" altLang="en-US"/>
           </a:p>
@@ -2233,7 +2234,7 @@
             <a:fld id="{9CCB53D5-3F0A-4974-9E71-2401F19FA0D5}" type="datetimeFigureOut">
               <a:rPr lang="zh-CN" altLang="en-US" smtClean="0"/>
               <a:pPr/>
-              <a:t>2019/1/23</a:t>
+              <a:t>2019/1/24</a:t>
             </a:fld>
             <a:endParaRPr lang="zh-CN" altLang="en-US"/>
           </a:p>
@@ -2483,7 +2484,7 @@
             <a:fld id="{9CCB53D5-3F0A-4974-9E71-2401F19FA0D5}" type="datetimeFigureOut">
               <a:rPr lang="zh-CN" altLang="en-US" smtClean="0"/>
               <a:pPr/>
-              <a:t>2019/1/23</a:t>
+              <a:t>2019/1/24</a:t>
             </a:fld>
             <a:endParaRPr lang="zh-CN" altLang="en-US"/>
           </a:p>
@@ -2693,7 +2694,7 @@
             <a:fld id="{9CCB53D5-3F0A-4974-9E71-2401F19FA0D5}" type="datetimeFigureOut">
               <a:rPr lang="zh-CN" altLang="en-US" smtClean="0"/>
               <a:pPr/>
-              <a:t>2019/1/23</a:t>
+              <a:t>2019/1/24</a:t>
             </a:fld>
             <a:endParaRPr lang="zh-CN" altLang="en-US"/>
           </a:p>
@@ -4827,8 +4828,8 @@
         </p:nvSpPr>
         <p:spPr>
           <a:xfrm>
-            <a:off x="1835696" y="3501008"/>
-            <a:ext cx="1224136" cy="2088232"/>
+            <a:off x="1763688" y="2630562"/>
+            <a:ext cx="1224136" cy="1584176"/>
           </a:xfrm>
           <a:prstGeom prst="rect">
             <a:avLst/>
@@ -4877,7 +4878,7 @@
         </p:nvSpPr>
         <p:spPr>
           <a:xfrm>
-            <a:off x="6084168" y="4365104"/>
+            <a:off x="6300192" y="3176032"/>
             <a:ext cx="1224136" cy="504056"/>
           </a:xfrm>
           <a:prstGeom prst="rect">
@@ -4936,7 +4937,7 @@
         </p:nvSpPr>
         <p:spPr>
           <a:xfrm>
-            <a:off x="7596336" y="4365104"/>
+            <a:off x="7740352" y="3176032"/>
             <a:ext cx="1296144" cy="504056"/>
           </a:xfrm>
           <a:prstGeom prst="rect">
@@ -4998,15 +4999,15 @@
         </p:nvCxnSpPr>
         <p:spPr>
           <a:xfrm flipH="1">
-            <a:off x="7308304" y="4617132"/>
-            <a:ext cx="288032" cy="0"/>
+            <a:off x="7524328" y="3428060"/>
+            <a:ext cx="216024" cy="0"/>
           </a:xfrm>
           <a:prstGeom prst="straightConnector1">
             <a:avLst/>
           </a:prstGeom>
           <a:ln>
             <a:solidFill>
-              <a:srgbClr val="FF0000"/>
+              <a:srgbClr val="FFC000"/>
             </a:solidFill>
             <a:tailEnd type="arrow"/>
           </a:ln>
@@ -5034,8 +5035,8 @@
         </p:nvSpPr>
         <p:spPr>
           <a:xfrm>
-            <a:off x="1979712" y="3789040"/>
-            <a:ext cx="936104" cy="504056"/>
+            <a:off x="1907704" y="2918594"/>
+            <a:ext cx="936104" cy="360040"/>
           </a:xfrm>
           <a:prstGeom prst="rect">
             <a:avLst/>
@@ -5095,8 +5096,8 @@
         </p:nvSpPr>
         <p:spPr>
           <a:xfrm>
-            <a:off x="1979712" y="4365104"/>
-            <a:ext cx="936104" cy="504056"/>
+            <a:off x="1907704" y="3350642"/>
+            <a:ext cx="936104" cy="360040"/>
           </a:xfrm>
           <a:prstGeom prst="rect">
             <a:avLst/>
@@ -5156,8 +5157,8 @@
         </p:nvSpPr>
         <p:spPr>
           <a:xfrm>
-            <a:off x="1979712" y="4941168"/>
-            <a:ext cx="936104" cy="504056"/>
+            <a:off x="1907704" y="3782690"/>
+            <a:ext cx="936104" cy="360040"/>
           </a:xfrm>
           <a:prstGeom prst="rect">
             <a:avLst/>
@@ -5217,8 +5218,8 @@
         </p:nvSpPr>
         <p:spPr>
           <a:xfrm>
-            <a:off x="179512" y="3501008"/>
-            <a:ext cx="1224136" cy="2088232"/>
+            <a:off x="107504" y="2630562"/>
+            <a:ext cx="1224136" cy="1584176"/>
           </a:xfrm>
           <a:prstGeom prst="rect">
             <a:avLst/>
@@ -5264,8 +5265,8 @@
         </p:nvSpPr>
         <p:spPr>
           <a:xfrm>
-            <a:off x="323528" y="3789040"/>
-            <a:ext cx="936104" cy="504056"/>
+            <a:off x="251520" y="2918594"/>
+            <a:ext cx="936104" cy="360040"/>
           </a:xfrm>
           <a:prstGeom prst="rect">
             <a:avLst/>
@@ -5325,8 +5326,8 @@
         </p:nvSpPr>
         <p:spPr>
           <a:xfrm>
-            <a:off x="323528" y="4365104"/>
-            <a:ext cx="936104" cy="504056"/>
+            <a:off x="251520" y="3350642"/>
+            <a:ext cx="936104" cy="360040"/>
           </a:xfrm>
           <a:prstGeom prst="rect">
             <a:avLst/>
@@ -5386,8 +5387,8 @@
         </p:nvSpPr>
         <p:spPr>
           <a:xfrm>
-            <a:off x="323528" y="4941168"/>
-            <a:ext cx="936104" cy="504056"/>
+            <a:off x="251520" y="3782690"/>
+            <a:ext cx="936104" cy="360040"/>
           </a:xfrm>
           <a:prstGeom prst="rect">
             <a:avLst/>
@@ -5447,8 +5448,8 @@
         </p:nvSpPr>
         <p:spPr>
           <a:xfrm>
-            <a:off x="4572000" y="3501008"/>
-            <a:ext cx="1224136" cy="2088232"/>
+            <a:off x="4860032" y="2630562"/>
+            <a:ext cx="1224136" cy="1584176"/>
           </a:xfrm>
           <a:prstGeom prst="rect">
             <a:avLst/>
@@ -5494,8 +5495,8 @@
         </p:nvSpPr>
         <p:spPr>
           <a:xfrm>
-            <a:off x="4716016" y="3789040"/>
-            <a:ext cx="936104" cy="504056"/>
+            <a:off x="5004048" y="2918594"/>
+            <a:ext cx="936104" cy="360040"/>
           </a:xfrm>
           <a:prstGeom prst="rect">
             <a:avLst/>
@@ -5555,8 +5556,8 @@
         </p:nvSpPr>
         <p:spPr>
           <a:xfrm>
-            <a:off x="4716016" y="4365104"/>
-            <a:ext cx="936104" cy="504056"/>
+            <a:off x="5004048" y="3350642"/>
+            <a:ext cx="936104" cy="360040"/>
           </a:xfrm>
           <a:prstGeom prst="rect">
             <a:avLst/>
@@ -5616,8 +5617,8 @@
         </p:nvSpPr>
         <p:spPr>
           <a:xfrm>
-            <a:off x="4716016" y="4941168"/>
-            <a:ext cx="936104" cy="504056"/>
+            <a:off x="5004048" y="3782690"/>
+            <a:ext cx="936104" cy="360040"/>
           </a:xfrm>
           <a:prstGeom prst="rect">
             <a:avLst/>
@@ -5671,142 +5672,24 @@
       </p:sp>
       <p:cxnSp>
         <p:nvCxnSpPr>
-          <p:cNvPr id="57" name="直接箭头连接符 56"/>
-          <p:cNvCxnSpPr>
-            <a:stCxn id="9" idx="1"/>
-            <a:endCxn id="42" idx="3"/>
-          </p:cNvCxnSpPr>
-          <p:nvPr/>
-        </p:nvCxnSpPr>
-        <p:spPr>
-          <a:xfrm flipH="1" flipV="1">
-            <a:off x="5652120" y="4041068"/>
-            <a:ext cx="432048" cy="576064"/>
-          </a:xfrm>
-          <a:prstGeom prst="straightConnector1">
-            <a:avLst/>
-          </a:prstGeom>
-          <a:ln>
-            <a:solidFill>
-              <a:srgbClr val="FF0000"/>
-            </a:solidFill>
-            <a:headEnd type="none" w="med" len="med"/>
-            <a:tailEnd type="arrow" w="med" len="med"/>
-          </a:ln>
-        </p:spPr>
-        <p:style>
-          <a:lnRef idx="1">
-            <a:schemeClr val="accent1"/>
-          </a:lnRef>
-          <a:fillRef idx="0">
-            <a:schemeClr val="accent1"/>
-          </a:fillRef>
-          <a:effectRef idx="0">
-            <a:schemeClr val="accent1"/>
-          </a:effectRef>
-          <a:fontRef idx="minor">
-            <a:schemeClr val="tx1"/>
-          </a:fontRef>
-        </p:style>
-      </p:cxnSp>
-      <p:cxnSp>
-        <p:nvCxnSpPr>
-          <p:cNvPr id="67" name="直接箭头连接符 66"/>
-          <p:cNvCxnSpPr>
-            <a:stCxn id="9" idx="1"/>
-            <a:endCxn id="47" idx="3"/>
-          </p:cNvCxnSpPr>
-          <p:nvPr/>
-        </p:nvCxnSpPr>
-        <p:spPr>
-          <a:xfrm flipH="1">
-            <a:off x="5652120" y="4617132"/>
-            <a:ext cx="432048" cy="576064"/>
-          </a:xfrm>
-          <a:prstGeom prst="straightConnector1">
-            <a:avLst/>
-          </a:prstGeom>
-          <a:ln>
-            <a:solidFill>
-              <a:srgbClr val="FF0000"/>
-            </a:solidFill>
-            <a:tailEnd type="arrow"/>
-          </a:ln>
-        </p:spPr>
-        <p:style>
-          <a:lnRef idx="1">
-            <a:schemeClr val="accent1"/>
-          </a:lnRef>
-          <a:fillRef idx="0">
-            <a:schemeClr val="accent1"/>
-          </a:fillRef>
-          <a:effectRef idx="0">
-            <a:schemeClr val="accent1"/>
-          </a:effectRef>
-          <a:fontRef idx="minor">
-            <a:schemeClr val="tx1"/>
-          </a:fontRef>
-        </p:style>
-      </p:cxnSp>
-      <p:cxnSp>
-        <p:nvCxnSpPr>
           <p:cNvPr id="69" name="直接箭头连接符 68"/>
           <p:cNvCxnSpPr>
             <a:stCxn id="9" idx="1"/>
-            <a:endCxn id="43" idx="3"/>
+            <a:endCxn id="41" idx="3"/>
           </p:cNvCxnSpPr>
           <p:nvPr/>
         </p:nvCxnSpPr>
         <p:spPr>
-          <a:xfrm flipH="1">
-            <a:off x="5652120" y="4617132"/>
-            <a:ext cx="432048" cy="0"/>
+          <a:xfrm flipH="1" flipV="1">
+            <a:off x="6084168" y="3422650"/>
+            <a:ext cx="216024" cy="5410"/>
           </a:xfrm>
           <a:prstGeom prst="straightConnector1">
             <a:avLst/>
           </a:prstGeom>
           <a:ln>
             <a:solidFill>
-              <a:srgbClr val="FF0000"/>
-            </a:solidFill>
-            <a:tailEnd type="arrow"/>
-          </a:ln>
-        </p:spPr>
-        <p:style>
-          <a:lnRef idx="1">
-            <a:schemeClr val="accent1"/>
-          </a:lnRef>
-          <a:fillRef idx="0">
-            <a:schemeClr val="accent1"/>
-          </a:fillRef>
-          <a:effectRef idx="0">
-            <a:schemeClr val="accent1"/>
-          </a:effectRef>
-          <a:fontRef idx="minor">
-            <a:schemeClr val="tx1"/>
-          </a:fontRef>
-        </p:style>
-      </p:cxnSp>
-      <p:cxnSp>
-        <p:nvCxnSpPr>
-          <p:cNvPr id="71" name="直接箭头连接符 70"/>
-          <p:cNvCxnSpPr>
-            <a:stCxn id="38" idx="3"/>
-            <a:endCxn id="35" idx="1"/>
-          </p:cNvCxnSpPr>
-          <p:nvPr/>
-        </p:nvCxnSpPr>
-        <p:spPr>
-          <a:xfrm>
-            <a:off x="1259632" y="4041068"/>
-            <a:ext cx="576064" cy="504056"/>
-          </a:xfrm>
-          <a:prstGeom prst="straightConnector1">
-            <a:avLst/>
-          </a:prstGeom>
-          <a:ln>
-            <a:solidFill>
-              <a:srgbClr val="FF0000"/>
+              <a:srgbClr val="FFC000"/>
             </a:solidFill>
             <a:tailEnd type="arrow"/>
           </a:ln>
@@ -5830,15 +5713,15 @@
         <p:nvCxnSpPr>
           <p:cNvPr id="73" name="直接箭头连接符 72"/>
           <p:cNvCxnSpPr>
-            <a:stCxn id="39" idx="3"/>
+            <a:stCxn id="36" idx="3"/>
             <a:endCxn id="35" idx="1"/>
           </p:cNvCxnSpPr>
           <p:nvPr/>
         </p:nvCxnSpPr>
         <p:spPr>
-          <a:xfrm flipV="1">
-            <a:off x="1259632" y="4545124"/>
-            <a:ext cx="576064" cy="72008"/>
+          <a:xfrm>
+            <a:off x="1331640" y="3422650"/>
+            <a:ext cx="432048" cy="0"/>
           </a:xfrm>
           <a:prstGeom prst="straightConnector1">
             <a:avLst/>
@@ -5865,45 +5748,6 @@
           </a:fontRef>
         </p:style>
       </p:cxnSp>
-      <p:cxnSp>
-        <p:nvCxnSpPr>
-          <p:cNvPr id="75" name="直接箭头连接符 74"/>
-          <p:cNvCxnSpPr>
-            <a:stCxn id="40" idx="3"/>
-            <a:endCxn id="35" idx="1"/>
-          </p:cNvCxnSpPr>
-          <p:nvPr/>
-        </p:nvCxnSpPr>
-        <p:spPr>
-          <a:xfrm flipV="1">
-            <a:off x="1259632" y="4545124"/>
-            <a:ext cx="576064" cy="648072"/>
-          </a:xfrm>
-          <a:prstGeom prst="straightConnector1">
-            <a:avLst/>
-          </a:prstGeom>
-          <a:ln>
-            <a:solidFill>
-              <a:srgbClr val="FF0000"/>
-            </a:solidFill>
-            <a:tailEnd type="arrow"/>
-          </a:ln>
-        </p:spPr>
-        <p:style>
-          <a:lnRef idx="1">
-            <a:schemeClr val="accent1"/>
-          </a:lnRef>
-          <a:fillRef idx="0">
-            <a:schemeClr val="accent1"/>
-          </a:fillRef>
-          <a:effectRef idx="0">
-            <a:schemeClr val="accent1"/>
-          </a:effectRef>
-          <a:fontRef idx="minor">
-            <a:schemeClr val="tx1"/>
-          </a:fontRef>
-        </p:style>
-      </p:cxnSp>
       <p:sp>
         <p:nvSpPr>
           <p:cNvPr id="79" name="矩形 78"/>
@@ -5912,7 +5756,7 @@
         </p:nvSpPr>
         <p:spPr>
           <a:xfrm>
-            <a:off x="1259632" y="2132856"/>
+            <a:off x="1187624" y="1340768"/>
             <a:ext cx="2376264" cy="936104"/>
           </a:xfrm>
           <a:prstGeom prst="rect">
@@ -5964,7 +5808,7 @@
         </p:nvSpPr>
         <p:spPr>
           <a:xfrm>
-            <a:off x="1403648" y="2420888"/>
+            <a:off x="1331640" y="1628800"/>
             <a:ext cx="648072" cy="504056"/>
           </a:xfrm>
           <a:prstGeom prst="rect">
@@ -6033,7 +5877,7 @@
         </p:nvSpPr>
         <p:spPr>
           <a:xfrm>
-            <a:off x="2123728" y="2420888"/>
+            <a:off x="2051720" y="1628800"/>
             <a:ext cx="648072" cy="504056"/>
           </a:xfrm>
           <a:prstGeom prst="rect">
@@ -6102,7 +5946,7 @@
         </p:nvSpPr>
         <p:spPr>
           <a:xfrm>
-            <a:off x="2843808" y="2420888"/>
+            <a:off x="2771800" y="1628800"/>
             <a:ext cx="648072" cy="504056"/>
           </a:xfrm>
           <a:prstGeom prst="rect">
@@ -6165,95 +6009,17 @@
       </p:sp>
       <p:cxnSp>
         <p:nvCxnSpPr>
-          <p:cNvPr id="84" name="直接箭头连接符 83"/>
+          <p:cNvPr id="86" name="直接箭头连接符 85"/>
           <p:cNvCxnSpPr>
-            <a:stCxn id="80" idx="2"/>
+            <a:stCxn id="79" idx="2"/>
             <a:endCxn id="35" idx="0"/>
           </p:cNvCxnSpPr>
           <p:nvPr/>
         </p:nvCxnSpPr>
         <p:spPr>
           <a:xfrm>
-            <a:off x="1727684" y="2924944"/>
-            <a:ext cx="720080" cy="576064"/>
-          </a:xfrm>
-          <a:prstGeom prst="straightConnector1">
-            <a:avLst/>
-          </a:prstGeom>
-          <a:ln>
-            <a:solidFill>
-              <a:srgbClr val="FF0000"/>
-            </a:solidFill>
-            <a:tailEnd type="arrow"/>
-          </a:ln>
-        </p:spPr>
-        <p:style>
-          <a:lnRef idx="1">
-            <a:schemeClr val="accent1"/>
-          </a:lnRef>
-          <a:fillRef idx="0">
-            <a:schemeClr val="accent1"/>
-          </a:fillRef>
-          <a:effectRef idx="0">
-            <a:schemeClr val="accent1"/>
-          </a:effectRef>
-          <a:fontRef idx="minor">
-            <a:schemeClr val="tx1"/>
-          </a:fontRef>
-        </p:style>
-      </p:cxnSp>
-      <p:cxnSp>
-        <p:nvCxnSpPr>
-          <p:cNvPr id="86" name="直接箭头连接符 85"/>
-          <p:cNvCxnSpPr>
-            <a:stCxn id="81" idx="2"/>
-            <a:endCxn id="35" idx="0"/>
-          </p:cNvCxnSpPr>
-          <p:nvPr/>
-        </p:nvCxnSpPr>
-        <p:spPr>
-          <a:xfrm>
-            <a:off x="2447764" y="2924944"/>
-            <a:ext cx="0" cy="576064"/>
-          </a:xfrm>
-          <a:prstGeom prst="straightConnector1">
-            <a:avLst/>
-          </a:prstGeom>
-          <a:ln>
-            <a:solidFill>
-              <a:srgbClr val="FF0000"/>
-            </a:solidFill>
-            <a:tailEnd type="arrow"/>
-          </a:ln>
-        </p:spPr>
-        <p:style>
-          <a:lnRef idx="1">
-            <a:schemeClr val="accent1"/>
-          </a:lnRef>
-          <a:fillRef idx="0">
-            <a:schemeClr val="accent1"/>
-          </a:fillRef>
-          <a:effectRef idx="0">
-            <a:schemeClr val="accent1"/>
-          </a:effectRef>
-          <a:fontRef idx="minor">
-            <a:schemeClr val="tx1"/>
-          </a:fontRef>
-        </p:style>
-      </p:cxnSp>
-      <p:cxnSp>
-        <p:nvCxnSpPr>
-          <p:cNvPr id="88" name="直接箭头连接符 87"/>
-          <p:cNvCxnSpPr>
-            <a:stCxn id="82" idx="2"/>
-            <a:endCxn id="35" idx="0"/>
-          </p:cNvCxnSpPr>
-          <p:nvPr/>
-        </p:nvCxnSpPr>
-        <p:spPr>
-          <a:xfrm flipH="1">
-            <a:off x="2447764" y="2924944"/>
-            <a:ext cx="720080" cy="576064"/>
+            <a:off x="2375756" y="2276872"/>
+            <a:ext cx="0" cy="353690"/>
           </a:xfrm>
           <a:prstGeom prst="straightConnector1">
             <a:avLst/>
@@ -6291,8 +6057,8 @@
         </p:nvCxnSpPr>
         <p:spPr>
           <a:xfrm flipH="1">
-            <a:off x="3059832" y="4545124"/>
-            <a:ext cx="1512168" cy="0"/>
+            <a:off x="2987824" y="3422650"/>
+            <a:ext cx="1872208" cy="0"/>
           </a:xfrm>
           <a:prstGeom prst="straightConnector1">
             <a:avLst/>
@@ -6327,7 +6093,7 @@
         </p:nvSpPr>
         <p:spPr>
           <a:xfrm>
-            <a:off x="1907704" y="5594107"/>
+            <a:off x="1907704" y="4221088"/>
             <a:ext cx="3310488" cy="246221"/>
           </a:xfrm>
           <a:prstGeom prst="rect">
@@ -6380,8 +6146,8 @@
         </p:nvCxnSpPr>
         <p:spPr>
           <a:xfrm rot="5400000">
-            <a:off x="2987824" y="3392996"/>
-            <a:ext cx="12700" cy="4392488"/>
+            <a:off x="3095836" y="1838474"/>
+            <a:ext cx="12700" cy="4752528"/>
           </a:xfrm>
           <a:prstGeom prst="bentConnector3">
             <a:avLst>
@@ -6390,7 +6156,7 @@
           </a:prstGeom>
           <a:ln>
             <a:solidFill>
-              <a:srgbClr val="FF0000"/>
+              <a:srgbClr val="FFC000"/>
             </a:solidFill>
             <a:tailEnd type="arrow"/>
           </a:ln>
@@ -6418,8 +6184,8 @@
         </p:nvSpPr>
         <p:spPr>
           <a:xfrm>
-            <a:off x="2123728" y="1052736"/>
-            <a:ext cx="648072" cy="792088"/>
+            <a:off x="2051720" y="548680"/>
+            <a:ext cx="648072" cy="576064"/>
           </a:xfrm>
           <a:prstGeom prst="flowChartMagneticDisk">
             <a:avLst/>
@@ -6446,7 +6212,6 @@
           <a:bodyPr rtlCol="0" anchor="ctr"/>
           <a:lstStyle/>
           <a:p>
-            <a:pPr algn="ctr"/>
             <a:r>
               <a:rPr lang="en-US" altLang="zh-CN" sz="1100" dirty="0" err="1" smtClean="0"/>
               <a:t>Git</a:t>
@@ -6470,8 +6235,8 @@
         </p:nvCxnSpPr>
         <p:spPr>
           <a:xfrm flipV="1">
-            <a:off x="2447764" y="1844824"/>
-            <a:ext cx="0" cy="288032"/>
+            <a:off x="2375756" y="1124744"/>
+            <a:ext cx="0" cy="216024"/>
           </a:xfrm>
           <a:prstGeom prst="straightConnector1">
             <a:avLst/>
@@ -6506,8 +6271,8 @@
         </p:nvSpPr>
         <p:spPr>
           <a:xfrm>
-            <a:off x="4572000" y="548680"/>
-            <a:ext cx="1224136" cy="504056"/>
+            <a:off x="4860032" y="116632"/>
+            <a:ext cx="1224136" cy="360040"/>
           </a:xfrm>
           <a:prstGeom prst="rect">
             <a:avLst/>
@@ -6553,8 +6318,8 @@
         </p:nvSpPr>
         <p:spPr>
           <a:xfrm>
-            <a:off x="4572000" y="1340768"/>
-            <a:ext cx="1224136" cy="504056"/>
+            <a:off x="4860032" y="692696"/>
+            <a:ext cx="1224136" cy="432048"/>
           </a:xfrm>
           <a:prstGeom prst="rect">
             <a:avLst/>
@@ -6611,15 +6376,15 @@
         </p:nvCxnSpPr>
         <p:spPr>
           <a:xfrm>
-            <a:off x="5184068" y="1052736"/>
-            <a:ext cx="0" cy="288032"/>
+            <a:off x="5472100" y="476672"/>
+            <a:ext cx="0" cy="216024"/>
           </a:xfrm>
           <a:prstGeom prst="straightConnector1">
             <a:avLst/>
           </a:prstGeom>
           <a:ln w="9525">
             <a:solidFill>
-              <a:srgbClr val="FF0000"/>
+              <a:srgbClr val="FFC000"/>
             </a:solidFill>
             <a:tailEnd type="arrow"/>
           </a:ln>
@@ -6647,7 +6412,7 @@
         </p:nvSpPr>
         <p:spPr>
           <a:xfrm>
-            <a:off x="4211960" y="2132856"/>
+            <a:off x="4499992" y="1340768"/>
             <a:ext cx="1944216" cy="936104"/>
           </a:xfrm>
           <a:prstGeom prst="rect">
@@ -6700,7 +6465,7 @@
         </p:nvSpPr>
         <p:spPr>
           <a:xfrm>
-            <a:off x="4355976" y="2420888"/>
+            <a:off x="4644008" y="1628800"/>
             <a:ext cx="504056" cy="504056"/>
           </a:xfrm>
           <a:prstGeom prst="rect">
@@ -6761,7 +6526,7 @@
         </p:nvSpPr>
         <p:spPr>
           <a:xfrm>
-            <a:off x="4932040" y="2420888"/>
+            <a:off x="5220072" y="1628800"/>
             <a:ext cx="504056" cy="504056"/>
           </a:xfrm>
           <a:prstGeom prst="rect">
@@ -6822,7 +6587,7 @@
         </p:nvSpPr>
         <p:spPr>
           <a:xfrm>
-            <a:off x="5508104" y="2420888"/>
+            <a:off x="5796136" y="1628800"/>
             <a:ext cx="504056" cy="504056"/>
           </a:xfrm>
           <a:prstGeom prst="rect">
@@ -6886,15 +6651,15 @@
         </p:nvCxnSpPr>
         <p:spPr>
           <a:xfrm>
-            <a:off x="5184068" y="1844824"/>
-            <a:ext cx="0" cy="288032"/>
+            <a:off x="5472100" y="1124744"/>
+            <a:ext cx="0" cy="216024"/>
           </a:xfrm>
           <a:prstGeom prst="straightConnector1">
             <a:avLst/>
           </a:prstGeom>
           <a:ln w="9525">
             <a:solidFill>
-              <a:srgbClr val="FF0000"/>
+              <a:srgbClr val="FFC000"/>
             </a:solidFill>
             <a:tailEnd type="arrow"/>
           </a:ln>
@@ -6925,15 +6690,15 @@
         </p:nvCxnSpPr>
         <p:spPr>
           <a:xfrm>
-            <a:off x="5184068" y="3068960"/>
-            <a:ext cx="0" cy="432048"/>
+            <a:off x="5472100" y="2276872"/>
+            <a:ext cx="0" cy="353690"/>
           </a:xfrm>
           <a:prstGeom prst="straightConnector1">
             <a:avLst/>
           </a:prstGeom>
           <a:ln w="9525">
             <a:solidFill>
-              <a:srgbClr val="FF0000"/>
+              <a:srgbClr val="FFC000"/>
             </a:solidFill>
             <a:tailEnd type="arrow"/>
           </a:ln>
@@ -6961,7 +6726,7 @@
         </p:nvSpPr>
         <p:spPr>
           <a:xfrm>
-            <a:off x="4211960" y="3068960"/>
+            <a:off x="4499992" y="2318683"/>
             <a:ext cx="1944216" cy="246221"/>
           </a:xfrm>
           <a:prstGeom prst="rect">
@@ -6995,6 +6760,533 @@
           </a:p>
         </p:txBody>
       </p:sp>
+      <p:sp>
+        <p:nvSpPr>
+          <p:cNvPr id="45" name="矩形 44"/>
+          <p:cNvSpPr/>
+          <p:nvPr/>
+        </p:nvSpPr>
+        <p:spPr>
+          <a:xfrm>
+            <a:off x="1835696" y="5229200"/>
+            <a:ext cx="1224136" cy="504056"/>
+          </a:xfrm>
+          <a:prstGeom prst="rect">
+            <a:avLst/>
+          </a:prstGeom>
+          <a:solidFill>
+            <a:srgbClr val="00B050"/>
+          </a:solidFill>
+          <a:ln>
+            <a:noFill/>
+          </a:ln>
+        </p:spPr>
+        <p:style>
+          <a:lnRef idx="2">
+            <a:schemeClr val="accent1">
+              <a:shade val="50000"/>
+            </a:schemeClr>
+          </a:lnRef>
+          <a:fillRef idx="1">
+            <a:schemeClr val="accent1"/>
+          </a:fillRef>
+          <a:effectRef idx="0">
+            <a:schemeClr val="accent1"/>
+          </a:effectRef>
+          <a:fontRef idx="minor">
+            <a:schemeClr val="lt1"/>
+          </a:fontRef>
+        </p:style>
+        <p:txBody>
+          <a:bodyPr rtlCol="0" anchor="ctr"/>
+          <a:lstStyle/>
+          <a:p>
+            <a:pPr algn="ctr"/>
+            <a:r>
+              <a:rPr lang="en-US" altLang="zh-CN" sz="1200" dirty="0" err="1" smtClean="0"/>
+              <a:t>Zipkin</a:t>
+            </a:r>
+            <a:r>
+              <a:rPr lang="en-US" altLang="zh-CN" sz="1200" dirty="0" smtClean="0"/>
+              <a:t> Server</a:t>
+            </a:r>
+            <a:endParaRPr lang="zh-CN" altLang="en-US" sz="1200" dirty="0"/>
+          </a:p>
+        </p:txBody>
+      </p:sp>
+      <p:sp>
+        <p:nvSpPr>
+          <p:cNvPr id="130" name="流程图: 磁盘 129"/>
+          <p:cNvSpPr/>
+          <p:nvPr/>
+        </p:nvSpPr>
+        <p:spPr>
+          <a:xfrm>
+            <a:off x="2123728" y="5877272"/>
+            <a:ext cx="648072" cy="576064"/>
+          </a:xfrm>
+          <a:prstGeom prst="flowChartMagneticDisk">
+            <a:avLst/>
+          </a:prstGeom>
+          <a:ln w="3175"/>
+        </p:spPr>
+        <p:style>
+          <a:lnRef idx="2">
+            <a:schemeClr val="accent1">
+              <a:shade val="50000"/>
+            </a:schemeClr>
+          </a:lnRef>
+          <a:fillRef idx="1">
+            <a:schemeClr val="accent1"/>
+          </a:fillRef>
+          <a:effectRef idx="0">
+            <a:schemeClr val="accent1"/>
+          </a:effectRef>
+          <a:fontRef idx="minor">
+            <a:schemeClr val="lt1"/>
+          </a:fontRef>
+        </p:style>
+        <p:txBody>
+          <a:bodyPr rtlCol="0" anchor="ctr"/>
+          <a:lstStyle/>
+          <a:p>
+            <a:pPr algn="ctr"/>
+            <a:r>
+              <a:rPr lang="en-US" altLang="zh-CN" sz="1100" dirty="0" err="1" smtClean="0"/>
+              <a:t>Mysql</a:t>
+            </a:r>
+            <a:endParaRPr lang="zh-CN" altLang="en-US" sz="1100" dirty="0"/>
+          </a:p>
+        </p:txBody>
+      </p:sp>
+      <p:cxnSp>
+        <p:nvCxnSpPr>
+          <p:cNvPr id="132" name="直接箭头连接符 131"/>
+          <p:cNvCxnSpPr>
+            <a:stCxn id="45" idx="2"/>
+            <a:endCxn id="130" idx="1"/>
+          </p:cNvCxnSpPr>
+          <p:nvPr/>
+        </p:nvCxnSpPr>
+        <p:spPr>
+          <a:xfrm>
+            <a:off x="2447764" y="5733256"/>
+            <a:ext cx="0" cy="144016"/>
+          </a:xfrm>
+          <a:prstGeom prst="straightConnector1">
+            <a:avLst/>
+          </a:prstGeom>
+          <a:ln>
+            <a:tailEnd type="arrow"/>
+          </a:ln>
+        </p:spPr>
+        <p:style>
+          <a:lnRef idx="1">
+            <a:schemeClr val="accent1"/>
+          </a:lnRef>
+          <a:fillRef idx="0">
+            <a:schemeClr val="accent1"/>
+          </a:fillRef>
+          <a:effectRef idx="0">
+            <a:schemeClr val="accent1"/>
+          </a:effectRef>
+          <a:fontRef idx="minor">
+            <a:schemeClr val="tx1"/>
+          </a:fontRef>
+        </p:style>
+      </p:cxnSp>
+      <p:cxnSp>
+        <p:nvCxnSpPr>
+          <p:cNvPr id="134" name="肘形连接符 133"/>
+          <p:cNvCxnSpPr>
+            <a:stCxn id="36" idx="2"/>
+            <a:endCxn id="45" idx="0"/>
+          </p:cNvCxnSpPr>
+          <p:nvPr/>
+        </p:nvCxnSpPr>
+        <p:spPr>
+          <a:xfrm rot="16200000" flipH="1">
+            <a:off x="1076437" y="3857873"/>
+            <a:ext cx="1014462" cy="1728192"/>
+          </a:xfrm>
+          <a:prstGeom prst="bentConnector3">
+            <a:avLst>
+              <a:gd name="adj1" fmla="val 50000"/>
+            </a:avLst>
+          </a:prstGeom>
+          <a:ln>
+            <a:solidFill>
+              <a:srgbClr val="7030A0"/>
+            </a:solidFill>
+            <a:tailEnd type="arrow"/>
+          </a:ln>
+        </p:spPr>
+        <p:style>
+          <a:lnRef idx="1">
+            <a:schemeClr val="accent1"/>
+          </a:lnRef>
+          <a:fillRef idx="0">
+            <a:schemeClr val="accent1"/>
+          </a:fillRef>
+          <a:effectRef idx="0">
+            <a:schemeClr val="accent1"/>
+          </a:effectRef>
+          <a:fontRef idx="minor">
+            <a:schemeClr val="tx1"/>
+          </a:fontRef>
+        </p:style>
+      </p:cxnSp>
+      <p:cxnSp>
+        <p:nvCxnSpPr>
+          <p:cNvPr id="136" name="肘形连接符 135"/>
+          <p:cNvCxnSpPr>
+            <a:stCxn id="41" idx="2"/>
+            <a:endCxn id="45" idx="0"/>
+          </p:cNvCxnSpPr>
+          <p:nvPr/>
+        </p:nvCxnSpPr>
+        <p:spPr>
+          <a:xfrm rot="5400000">
+            <a:off x="3452701" y="3209801"/>
+            <a:ext cx="1014462" cy="3024336"/>
+          </a:xfrm>
+          <a:prstGeom prst="bentConnector3">
+            <a:avLst>
+              <a:gd name="adj1" fmla="val 50000"/>
+            </a:avLst>
+          </a:prstGeom>
+          <a:ln>
+            <a:solidFill>
+              <a:srgbClr val="7030A0"/>
+            </a:solidFill>
+            <a:tailEnd type="arrow"/>
+          </a:ln>
+        </p:spPr>
+        <p:style>
+          <a:lnRef idx="1">
+            <a:schemeClr val="accent1"/>
+          </a:lnRef>
+          <a:fillRef idx="0">
+            <a:schemeClr val="accent1"/>
+          </a:fillRef>
+          <a:effectRef idx="0">
+            <a:schemeClr val="accent1"/>
+          </a:effectRef>
+          <a:fontRef idx="minor">
+            <a:schemeClr val="tx1"/>
+          </a:fontRef>
+        </p:style>
+      </p:cxnSp>
+      <p:cxnSp>
+        <p:nvCxnSpPr>
+          <p:cNvPr id="140" name="形状 139"/>
+          <p:cNvCxnSpPr>
+            <a:stCxn id="36" idx="0"/>
+            <a:endCxn id="79" idx="1"/>
+          </p:cNvCxnSpPr>
+          <p:nvPr/>
+        </p:nvCxnSpPr>
+        <p:spPr>
+          <a:xfrm rot="5400000" flipH="1" flipV="1">
+            <a:off x="542727" y="1985665"/>
+            <a:ext cx="821742" cy="468052"/>
+          </a:xfrm>
+          <a:prstGeom prst="bentConnector2">
+            <a:avLst/>
+          </a:prstGeom>
+          <a:ln>
+            <a:solidFill>
+              <a:srgbClr val="00B050"/>
+            </a:solidFill>
+            <a:tailEnd type="arrow"/>
+          </a:ln>
+        </p:spPr>
+        <p:style>
+          <a:lnRef idx="1">
+            <a:schemeClr val="accent1"/>
+          </a:lnRef>
+          <a:fillRef idx="0">
+            <a:schemeClr val="accent1"/>
+          </a:fillRef>
+          <a:effectRef idx="0">
+            <a:schemeClr val="accent1"/>
+          </a:effectRef>
+          <a:fontRef idx="minor">
+            <a:schemeClr val="tx1"/>
+          </a:fontRef>
+        </p:style>
+      </p:cxnSp>
+      <p:cxnSp>
+        <p:nvCxnSpPr>
+          <p:cNvPr id="142" name="肘形连接符 141"/>
+          <p:cNvCxnSpPr>
+            <a:stCxn id="41" idx="1"/>
+            <a:endCxn id="79" idx="3"/>
+          </p:cNvCxnSpPr>
+          <p:nvPr/>
+        </p:nvCxnSpPr>
+        <p:spPr>
+          <a:xfrm rot="10800000">
+            <a:off x="3563888" y="1808820"/>
+            <a:ext cx="1296144" cy="1613830"/>
+          </a:xfrm>
+          <a:prstGeom prst="bentConnector3">
+            <a:avLst>
+              <a:gd name="adj1" fmla="val 50000"/>
+            </a:avLst>
+          </a:prstGeom>
+          <a:ln>
+            <a:solidFill>
+              <a:srgbClr val="00B050"/>
+            </a:solidFill>
+            <a:tailEnd type="arrow"/>
+          </a:ln>
+        </p:spPr>
+        <p:style>
+          <a:lnRef idx="1">
+            <a:schemeClr val="accent1"/>
+          </a:lnRef>
+          <a:fillRef idx="0">
+            <a:schemeClr val="accent1"/>
+          </a:fillRef>
+          <a:effectRef idx="0">
+            <a:schemeClr val="accent1"/>
+          </a:effectRef>
+          <a:fontRef idx="minor">
+            <a:schemeClr val="tx1"/>
+          </a:fontRef>
+        </p:style>
+      </p:cxnSp>
+      <p:sp>
+        <p:nvSpPr>
+          <p:cNvPr id="151" name="矩形 150"/>
+          <p:cNvSpPr/>
+          <p:nvPr/>
+        </p:nvSpPr>
+        <p:spPr>
+          <a:xfrm>
+            <a:off x="539552" y="620688"/>
+            <a:ext cx="864096" cy="432048"/>
+          </a:xfrm>
+          <a:prstGeom prst="rect">
+            <a:avLst/>
+          </a:prstGeom>
+          <a:solidFill>
+            <a:schemeClr val="accent6">
+              <a:lumMod val="50000"/>
+            </a:schemeClr>
+          </a:solidFill>
+          <a:ln>
+            <a:noFill/>
+          </a:ln>
+        </p:spPr>
+        <p:style>
+          <a:lnRef idx="2">
+            <a:schemeClr val="accent1">
+              <a:shade val="50000"/>
+            </a:schemeClr>
+          </a:lnRef>
+          <a:fillRef idx="1">
+            <a:schemeClr val="accent1"/>
+          </a:fillRef>
+          <a:effectRef idx="0">
+            <a:schemeClr val="accent1"/>
+          </a:effectRef>
+          <a:fontRef idx="minor">
+            <a:schemeClr val="lt1"/>
+          </a:fontRef>
+        </p:style>
+        <p:txBody>
+          <a:bodyPr rtlCol="0" anchor="ctr"/>
+          <a:lstStyle/>
+          <a:p>
+            <a:pPr algn="ctr"/>
+            <a:r>
+              <a:rPr lang="en-US" altLang="zh-CN" sz="1200" dirty="0" err="1" smtClean="0"/>
+              <a:t>Webhook</a:t>
+            </a:r>
+            <a:endParaRPr lang="zh-CN" altLang="en-US" sz="1200" dirty="0"/>
+          </a:p>
+        </p:txBody>
+      </p:sp>
+      <p:cxnSp>
+        <p:nvCxnSpPr>
+          <p:cNvPr id="153" name="形状 152"/>
+          <p:cNvCxnSpPr>
+            <a:stCxn id="151" idx="2"/>
+            <a:endCxn id="79" idx="1"/>
+          </p:cNvCxnSpPr>
+          <p:nvPr/>
+        </p:nvCxnSpPr>
+        <p:spPr>
+          <a:xfrm rot="16200000" flipH="1">
+            <a:off x="701570" y="1322766"/>
+            <a:ext cx="756084" cy="216024"/>
+          </a:xfrm>
+          <a:prstGeom prst="bentConnector2">
+            <a:avLst/>
+          </a:prstGeom>
+          <a:ln>
+            <a:tailEnd type="arrow"/>
+          </a:ln>
+        </p:spPr>
+        <p:style>
+          <a:lnRef idx="1">
+            <a:schemeClr val="accent1"/>
+          </a:lnRef>
+          <a:fillRef idx="0">
+            <a:schemeClr val="accent1"/>
+          </a:fillRef>
+          <a:effectRef idx="0">
+            <a:schemeClr val="accent1"/>
+          </a:effectRef>
+          <a:fontRef idx="minor">
+            <a:schemeClr val="tx1"/>
+          </a:fontRef>
+        </p:style>
+      </p:cxnSp>
+      <p:sp>
+        <p:nvSpPr>
+          <p:cNvPr id="156" name="矩形 155"/>
+          <p:cNvSpPr/>
+          <p:nvPr/>
+        </p:nvSpPr>
+        <p:spPr>
+          <a:xfrm>
+            <a:off x="3779912" y="5733256"/>
+            <a:ext cx="1080120" cy="504056"/>
+          </a:xfrm>
+          <a:prstGeom prst="rect">
+            <a:avLst/>
+          </a:prstGeom>
+          <a:solidFill>
+            <a:schemeClr val="accent3">
+              <a:lumMod val="50000"/>
+            </a:schemeClr>
+          </a:solidFill>
+          <a:ln>
+            <a:noFill/>
+          </a:ln>
+        </p:spPr>
+        <p:style>
+          <a:lnRef idx="2">
+            <a:schemeClr val="accent1">
+              <a:shade val="50000"/>
+            </a:schemeClr>
+          </a:lnRef>
+          <a:fillRef idx="1">
+            <a:schemeClr val="accent1"/>
+          </a:fillRef>
+          <a:effectRef idx="0">
+            <a:schemeClr val="accent1"/>
+          </a:effectRef>
+          <a:fontRef idx="minor">
+            <a:schemeClr val="lt1"/>
+          </a:fontRef>
+        </p:style>
+        <p:txBody>
+          <a:bodyPr rtlCol="0" anchor="ctr"/>
+          <a:lstStyle/>
+          <a:p>
+            <a:pPr algn="ctr"/>
+            <a:r>
+              <a:rPr lang="en-US" altLang="zh-CN" sz="1200" dirty="0" err="1" smtClean="0">
+                <a:solidFill>
+                  <a:schemeClr val="bg1"/>
+                </a:solidFill>
+              </a:rPr>
+              <a:t>RabbitMQ</a:t>
+            </a:r>
+            <a:endParaRPr lang="zh-CN" altLang="en-US" sz="1200" dirty="0">
+              <a:solidFill>
+                <a:schemeClr val="bg1"/>
+              </a:solidFill>
+            </a:endParaRPr>
+          </a:p>
+        </p:txBody>
+      </p:sp>
+      <p:cxnSp>
+        <p:nvCxnSpPr>
+          <p:cNvPr id="158" name="肘形连接符 157"/>
+          <p:cNvCxnSpPr>
+            <a:stCxn id="36" idx="2"/>
+            <a:endCxn id="156" idx="0"/>
+          </p:cNvCxnSpPr>
+          <p:nvPr/>
+        </p:nvCxnSpPr>
+        <p:spPr>
+          <a:xfrm rot="16200000" flipH="1">
+            <a:off x="1760513" y="3173797"/>
+            <a:ext cx="1518518" cy="3600400"/>
+          </a:xfrm>
+          <a:prstGeom prst="bentConnector3">
+            <a:avLst>
+              <a:gd name="adj1" fmla="val 50000"/>
+            </a:avLst>
+          </a:prstGeom>
+          <a:ln>
+            <a:solidFill>
+              <a:srgbClr val="92D050"/>
+            </a:solidFill>
+            <a:tailEnd type="arrow"/>
+          </a:ln>
+        </p:spPr>
+        <p:style>
+          <a:lnRef idx="1">
+            <a:schemeClr val="accent1"/>
+          </a:lnRef>
+          <a:fillRef idx="0">
+            <a:schemeClr val="accent1"/>
+          </a:fillRef>
+          <a:effectRef idx="0">
+            <a:schemeClr val="accent1"/>
+          </a:effectRef>
+          <a:fontRef idx="minor">
+            <a:schemeClr val="tx1"/>
+          </a:fontRef>
+        </p:style>
+      </p:cxnSp>
+      <p:cxnSp>
+        <p:nvCxnSpPr>
+          <p:cNvPr id="160" name="肘形连接符 159"/>
+          <p:cNvCxnSpPr>
+            <a:stCxn id="41" idx="2"/>
+            <a:endCxn id="156" idx="0"/>
+          </p:cNvCxnSpPr>
+          <p:nvPr/>
+        </p:nvCxnSpPr>
+        <p:spPr>
+          <a:xfrm rot="5400000">
+            <a:off x="4136777" y="4397933"/>
+            <a:ext cx="1518518" cy="1152128"/>
+          </a:xfrm>
+          <a:prstGeom prst="bentConnector3">
+            <a:avLst>
+              <a:gd name="adj1" fmla="val 50000"/>
+            </a:avLst>
+          </a:prstGeom>
+          <a:ln>
+            <a:solidFill>
+              <a:srgbClr val="92D050"/>
+            </a:solidFill>
+            <a:tailEnd type="arrow"/>
+          </a:ln>
+        </p:spPr>
+        <p:style>
+          <a:lnRef idx="1">
+            <a:schemeClr val="accent1"/>
+          </a:lnRef>
+          <a:fillRef idx="0">
+            <a:schemeClr val="accent1"/>
+          </a:fillRef>
+          <a:effectRef idx="0">
+            <a:schemeClr val="accent1"/>
+          </a:effectRef>
+          <a:fontRef idx="minor">
+            <a:schemeClr val="tx1"/>
+          </a:fontRef>
+        </p:style>
+      </p:cxnSp>
     </p:spTree>
   </p:cSld>
   <p:clrMapOvr>
@@ -8822,11 +9114,7 @@
             <a:pPr algn="ctr"/>
             <a:r>
               <a:rPr lang="zh-CN" altLang="en-US" sz="1200" dirty="0" smtClean="0"/>
-              <a:t>注册中</a:t>
-            </a:r>
-            <a:r>
-              <a:rPr lang="zh-CN" altLang="en-US" sz="1200" dirty="0" smtClean="0"/>
-              <a:t>心</a:t>
+              <a:t>注册中心</a:t>
             </a:r>
             <a:endParaRPr lang="zh-CN" altLang="en-US" sz="1200" dirty="0"/>
           </a:p>
@@ -9393,6 +9681,549 @@
           </a:ln>
         </p:spPr>
       </p:pic>
+    </p:spTree>
+  </p:cSld>
+  <p:clrMapOvr>
+    <a:masterClrMapping/>
+  </p:clrMapOvr>
+</p:sld>
+</file>
+
+<file path=ppt/slides/slide7.xml><?xml version="1.0" encoding="utf-8"?>
+<p:sld xmlns:a="http://schemas.openxmlformats.org/drawingml/2006/main" xmlns:r="http://schemas.openxmlformats.org/officeDocument/2006/relationships" xmlns:p="http://schemas.openxmlformats.org/presentationml/2006/main">
+  <p:cSld>
+    <p:spTree>
+      <p:nvGrpSpPr>
+        <p:cNvPr id="1" name=""/>
+        <p:cNvGrpSpPr/>
+        <p:nvPr/>
+      </p:nvGrpSpPr>
+      <p:grpSpPr>
+        <a:xfrm>
+          <a:off x="0" y="0"/>
+          <a:ext cx="0" cy="0"/>
+          <a:chOff x="0" y="0"/>
+          <a:chExt cx="0" cy="0"/>
+        </a:xfrm>
+      </p:grpSpPr>
+      <p:sp>
+        <p:nvSpPr>
+          <p:cNvPr id="8" name="矩形 7"/>
+          <p:cNvSpPr/>
+          <p:nvPr/>
+        </p:nvSpPr>
+        <p:spPr>
+          <a:xfrm>
+            <a:off x="574616" y="836712"/>
+            <a:ext cx="1440160" cy="1584176"/>
+          </a:xfrm>
+          <a:prstGeom prst="rect">
+            <a:avLst/>
+          </a:prstGeom>
+          <a:solidFill>
+            <a:schemeClr val="accent3">
+              <a:lumMod val="75000"/>
+            </a:schemeClr>
+          </a:solidFill>
+          <a:ln>
+            <a:noFill/>
+          </a:ln>
+        </p:spPr>
+        <p:style>
+          <a:lnRef idx="2">
+            <a:schemeClr val="accent1">
+              <a:shade val="50000"/>
+            </a:schemeClr>
+          </a:lnRef>
+          <a:fillRef idx="1">
+            <a:schemeClr val="accent1"/>
+          </a:fillRef>
+          <a:effectRef idx="0">
+            <a:schemeClr val="accent1"/>
+          </a:effectRef>
+          <a:fontRef idx="minor">
+            <a:schemeClr val="lt1"/>
+          </a:fontRef>
+        </p:style>
+        <p:txBody>
+          <a:bodyPr rtlCol="0" anchor="ctr"/>
+          <a:lstStyle/>
+          <a:p>
+            <a:pPr algn="ctr"/>
+            <a:r>
+              <a:rPr lang="en-US" altLang="zh-CN" sz="1200" dirty="0" smtClean="0"/>
+              <a:t>Sender</a:t>
+            </a:r>
+          </a:p>
+          <a:p>
+            <a:pPr algn="ctr"/>
+            <a:r>
+              <a:rPr lang="en-US" altLang="zh-CN" sz="1200" dirty="0" smtClean="0"/>
+              <a:t>Application</a:t>
+            </a:r>
+            <a:endParaRPr lang="zh-CN" altLang="en-US" sz="1200" dirty="0"/>
+          </a:p>
+        </p:txBody>
+      </p:sp>
+      <p:sp>
+        <p:nvSpPr>
+          <p:cNvPr id="39" name="矩形 38"/>
+          <p:cNvSpPr/>
+          <p:nvPr/>
+        </p:nvSpPr>
+        <p:spPr>
+          <a:xfrm>
+            <a:off x="4780668" y="836712"/>
+            <a:ext cx="1440160" cy="1584176"/>
+          </a:xfrm>
+          <a:prstGeom prst="rect">
+            <a:avLst/>
+          </a:prstGeom>
+          <a:solidFill>
+            <a:schemeClr val="accent3">
+              <a:lumMod val="75000"/>
+            </a:schemeClr>
+          </a:solidFill>
+          <a:ln>
+            <a:noFill/>
+          </a:ln>
+        </p:spPr>
+        <p:style>
+          <a:lnRef idx="2">
+            <a:schemeClr val="accent1">
+              <a:shade val="50000"/>
+            </a:schemeClr>
+          </a:lnRef>
+          <a:fillRef idx="1">
+            <a:schemeClr val="accent1"/>
+          </a:fillRef>
+          <a:effectRef idx="0">
+            <a:schemeClr val="accent1"/>
+          </a:effectRef>
+          <a:fontRef idx="minor">
+            <a:schemeClr val="lt1"/>
+          </a:fontRef>
+        </p:style>
+        <p:txBody>
+          <a:bodyPr rtlCol="0" anchor="ctr"/>
+          <a:lstStyle/>
+          <a:p>
+            <a:pPr algn="ctr"/>
+            <a:r>
+              <a:rPr lang="en-US" altLang="zh-CN" sz="1200" dirty="0" smtClean="0"/>
+              <a:t>Receiver</a:t>
+            </a:r>
+          </a:p>
+          <a:p>
+            <a:pPr algn="ctr"/>
+            <a:r>
+              <a:rPr lang="en-US" altLang="zh-CN" sz="1200" dirty="0" smtClean="0"/>
+              <a:t>Application</a:t>
+            </a:r>
+            <a:endParaRPr lang="zh-CN" altLang="en-US" sz="1200" dirty="0"/>
+          </a:p>
+        </p:txBody>
+      </p:sp>
+      <p:sp>
+        <p:nvSpPr>
+          <p:cNvPr id="40" name="矩形 39"/>
+          <p:cNvSpPr/>
+          <p:nvPr/>
+        </p:nvSpPr>
+        <p:spPr>
+          <a:xfrm>
+            <a:off x="2843808" y="836712"/>
+            <a:ext cx="1080120" cy="1584176"/>
+          </a:xfrm>
+          <a:prstGeom prst="rect">
+            <a:avLst/>
+          </a:prstGeom>
+          <a:solidFill>
+            <a:schemeClr val="tx2">
+              <a:lumMod val="60000"/>
+              <a:lumOff val="40000"/>
+            </a:schemeClr>
+          </a:solidFill>
+          <a:ln>
+            <a:noFill/>
+          </a:ln>
+        </p:spPr>
+        <p:style>
+          <a:lnRef idx="2">
+            <a:schemeClr val="accent1">
+              <a:shade val="50000"/>
+            </a:schemeClr>
+          </a:lnRef>
+          <a:fillRef idx="1">
+            <a:schemeClr val="accent1"/>
+          </a:fillRef>
+          <a:effectRef idx="0">
+            <a:schemeClr val="accent1"/>
+          </a:effectRef>
+          <a:fontRef idx="minor">
+            <a:schemeClr val="lt1"/>
+          </a:fontRef>
+        </p:style>
+        <p:txBody>
+          <a:bodyPr rtlCol="0" anchor="t"/>
+          <a:lstStyle/>
+          <a:p>
+            <a:pPr algn="ctr"/>
+            <a:r>
+              <a:rPr lang="en-US" altLang="zh-CN" sz="1200" dirty="0" err="1" smtClean="0">
+                <a:solidFill>
+                  <a:schemeClr val="bg1"/>
+                </a:solidFill>
+              </a:rPr>
+              <a:t>RabbitMQ</a:t>
+            </a:r>
+            <a:endParaRPr lang="zh-CN" altLang="en-US" sz="1200" dirty="0">
+              <a:solidFill>
+                <a:schemeClr val="bg1"/>
+              </a:solidFill>
+            </a:endParaRPr>
+          </a:p>
+        </p:txBody>
+      </p:sp>
+      <p:sp>
+        <p:nvSpPr>
+          <p:cNvPr id="41" name="左右箭头 40"/>
+          <p:cNvSpPr/>
+          <p:nvPr/>
+        </p:nvSpPr>
+        <p:spPr>
+          <a:xfrm>
+            <a:off x="2014776" y="1887410"/>
+            <a:ext cx="792088" cy="216024"/>
+          </a:xfrm>
+          <a:prstGeom prst="leftRightArrow">
+            <a:avLst/>
+          </a:prstGeom>
+          <a:solidFill>
+            <a:srgbClr val="FFC000"/>
+          </a:solidFill>
+          <a:ln>
+            <a:noFill/>
+          </a:ln>
+        </p:spPr>
+        <p:style>
+          <a:lnRef idx="2">
+            <a:schemeClr val="accent1">
+              <a:shade val="50000"/>
+            </a:schemeClr>
+          </a:lnRef>
+          <a:fillRef idx="1">
+            <a:schemeClr val="accent1"/>
+          </a:fillRef>
+          <a:effectRef idx="0">
+            <a:schemeClr val="accent1"/>
+          </a:effectRef>
+          <a:fontRef idx="minor">
+            <a:schemeClr val="lt1"/>
+          </a:fontRef>
+        </p:style>
+        <p:txBody>
+          <a:bodyPr rtlCol="0" anchor="ctr"/>
+          <a:lstStyle/>
+          <a:p>
+            <a:pPr algn="ctr"/>
+            <a:endParaRPr lang="zh-CN" altLang="en-US"/>
+          </a:p>
+        </p:txBody>
+      </p:sp>
+      <p:sp>
+        <p:nvSpPr>
+          <p:cNvPr id="44" name="矩形 43"/>
+          <p:cNvSpPr/>
+          <p:nvPr/>
+        </p:nvSpPr>
+        <p:spPr>
+          <a:xfrm>
+            <a:off x="2915816" y="1628800"/>
+            <a:ext cx="936104" cy="681256"/>
+          </a:xfrm>
+          <a:prstGeom prst="rect">
+            <a:avLst/>
+          </a:prstGeom>
+          <a:solidFill>
+            <a:schemeClr val="tx2">
+              <a:lumMod val="20000"/>
+              <a:lumOff val="80000"/>
+            </a:schemeClr>
+          </a:solidFill>
+          <a:ln>
+            <a:noFill/>
+          </a:ln>
+        </p:spPr>
+        <p:style>
+          <a:lnRef idx="2">
+            <a:schemeClr val="accent1">
+              <a:shade val="50000"/>
+            </a:schemeClr>
+          </a:lnRef>
+          <a:fillRef idx="1">
+            <a:schemeClr val="accent1"/>
+          </a:fillRef>
+          <a:effectRef idx="0">
+            <a:schemeClr val="accent1"/>
+          </a:effectRef>
+          <a:fontRef idx="minor">
+            <a:schemeClr val="lt1"/>
+          </a:fontRef>
+        </p:style>
+        <p:txBody>
+          <a:bodyPr rtlCol="0" anchor="ctr"/>
+          <a:lstStyle/>
+          <a:p>
+            <a:pPr algn="ctr"/>
+            <a:r>
+              <a:rPr lang="en-US" altLang="zh-CN" sz="1200" dirty="0" smtClean="0">
+                <a:solidFill>
+                  <a:schemeClr val="tx1"/>
+                </a:solidFill>
+              </a:rPr>
+              <a:t>destination</a:t>
+            </a:r>
+            <a:endParaRPr lang="zh-CN" altLang="en-US" sz="1200" dirty="0">
+              <a:solidFill>
+                <a:schemeClr val="tx1"/>
+              </a:solidFill>
+            </a:endParaRPr>
+          </a:p>
+        </p:txBody>
+      </p:sp>
+      <p:sp>
+        <p:nvSpPr>
+          <p:cNvPr id="45" name="TextBox 44"/>
+          <p:cNvSpPr txBox="1"/>
+          <p:nvPr/>
+        </p:nvSpPr>
+        <p:spPr>
+          <a:xfrm>
+            <a:off x="2103376" y="1719280"/>
+            <a:ext cx="609462" cy="553998"/>
+          </a:xfrm>
+          <a:prstGeom prst="rect">
+            <a:avLst/>
+          </a:prstGeom>
+          <a:noFill/>
+        </p:spPr>
+        <p:txBody>
+          <a:bodyPr wrap="none" rtlCol="0">
+            <a:spAutoFit/>
+          </a:bodyPr>
+          <a:lstStyle/>
+          <a:p>
+            <a:pPr algn="ctr"/>
+            <a:r>
+              <a:rPr lang="en-US" altLang="zh-CN" sz="1000" dirty="0" smtClean="0"/>
+              <a:t>output</a:t>
+            </a:r>
+          </a:p>
+          <a:p>
+            <a:pPr algn="ctr"/>
+            <a:endParaRPr lang="en-US" altLang="zh-CN" sz="1000" dirty="0" smtClean="0"/>
+          </a:p>
+          <a:p>
+            <a:pPr algn="ctr"/>
+            <a:r>
+              <a:rPr lang="en-US" altLang="zh-CN" sz="1000" dirty="0" smtClean="0"/>
+              <a:t>Channel</a:t>
+            </a:r>
+            <a:endParaRPr lang="zh-CN" altLang="en-US" sz="1000" dirty="0"/>
+          </a:p>
+        </p:txBody>
+      </p:sp>
+      <p:sp>
+        <p:nvSpPr>
+          <p:cNvPr id="48" name="TextBox 47"/>
+          <p:cNvSpPr txBox="1"/>
+          <p:nvPr/>
+        </p:nvSpPr>
+        <p:spPr>
+          <a:xfrm>
+            <a:off x="556637" y="2439360"/>
+            <a:ext cx="1927131" cy="400110"/>
+          </a:xfrm>
+          <a:prstGeom prst="rect">
+            <a:avLst/>
+          </a:prstGeom>
+          <a:noFill/>
+        </p:spPr>
+        <p:txBody>
+          <a:bodyPr wrap="none" rtlCol="0">
+            <a:spAutoFit/>
+          </a:bodyPr>
+          <a:lstStyle/>
+          <a:p>
+            <a:r>
+              <a:rPr lang="zh-CN" altLang="en-US" sz="1000" dirty="0" smtClean="0"/>
+              <a:t>通过</a:t>
+            </a:r>
+            <a:r>
+              <a:rPr lang="en-US" altLang="zh-CN" sz="1000" dirty="0" smtClean="0"/>
+              <a:t>output</a:t>
+            </a:r>
+            <a:r>
+              <a:rPr lang="zh-CN" altLang="en-US" sz="1000" dirty="0" smtClean="0"/>
+              <a:t>通道</a:t>
+            </a:r>
+            <a:endParaRPr lang="en-US" altLang="zh-CN" sz="1000" dirty="0" smtClean="0"/>
+          </a:p>
+          <a:p>
+            <a:r>
+              <a:rPr lang="zh-CN" altLang="en-US" sz="1000" dirty="0" smtClean="0"/>
+              <a:t>将消息发送到指定的</a:t>
+            </a:r>
+            <a:r>
+              <a:rPr lang="en-US" altLang="zh-CN" sz="1000" dirty="0" smtClean="0"/>
+              <a:t>destination</a:t>
+            </a:r>
+            <a:endParaRPr lang="zh-CN" altLang="en-US" sz="1000" dirty="0"/>
+          </a:p>
+        </p:txBody>
+      </p:sp>
+      <p:sp>
+        <p:nvSpPr>
+          <p:cNvPr id="49" name="左右箭头 48"/>
+          <p:cNvSpPr/>
+          <p:nvPr/>
+        </p:nvSpPr>
+        <p:spPr>
+          <a:xfrm>
+            <a:off x="3951636" y="1868938"/>
+            <a:ext cx="792088" cy="216024"/>
+          </a:xfrm>
+          <a:prstGeom prst="leftRightArrow">
+            <a:avLst/>
+          </a:prstGeom>
+          <a:solidFill>
+            <a:srgbClr val="FFC000"/>
+          </a:solidFill>
+          <a:ln>
+            <a:noFill/>
+          </a:ln>
+        </p:spPr>
+        <p:style>
+          <a:lnRef idx="2">
+            <a:schemeClr val="accent1">
+              <a:shade val="50000"/>
+            </a:schemeClr>
+          </a:lnRef>
+          <a:fillRef idx="1">
+            <a:schemeClr val="accent1"/>
+          </a:fillRef>
+          <a:effectRef idx="0">
+            <a:schemeClr val="accent1"/>
+          </a:effectRef>
+          <a:fontRef idx="minor">
+            <a:schemeClr val="lt1"/>
+          </a:fontRef>
+        </p:style>
+        <p:txBody>
+          <a:bodyPr rtlCol="0" anchor="ctr"/>
+          <a:lstStyle/>
+          <a:p>
+            <a:pPr algn="ctr"/>
+            <a:endParaRPr lang="zh-CN" altLang="en-US"/>
+          </a:p>
+        </p:txBody>
+      </p:sp>
+      <p:sp>
+        <p:nvSpPr>
+          <p:cNvPr id="50" name="TextBox 49"/>
+          <p:cNvSpPr txBox="1"/>
+          <p:nvPr/>
+        </p:nvSpPr>
+        <p:spPr>
+          <a:xfrm>
+            <a:off x="4040236" y="1700808"/>
+            <a:ext cx="609462" cy="553998"/>
+          </a:xfrm>
+          <a:prstGeom prst="rect">
+            <a:avLst/>
+          </a:prstGeom>
+          <a:noFill/>
+        </p:spPr>
+        <p:txBody>
+          <a:bodyPr wrap="none" rtlCol="0">
+            <a:spAutoFit/>
+          </a:bodyPr>
+          <a:lstStyle/>
+          <a:p>
+            <a:pPr algn="ctr"/>
+            <a:r>
+              <a:rPr lang="en-US" altLang="zh-CN" sz="1000" dirty="0" smtClean="0"/>
+              <a:t>input</a:t>
+            </a:r>
+          </a:p>
+          <a:p>
+            <a:pPr algn="ctr"/>
+            <a:endParaRPr lang="en-US" altLang="zh-CN" sz="1000" dirty="0" smtClean="0"/>
+          </a:p>
+          <a:p>
+            <a:pPr algn="ctr"/>
+            <a:r>
+              <a:rPr lang="en-US" altLang="zh-CN" sz="1000" dirty="0" smtClean="0"/>
+              <a:t>Channel</a:t>
+            </a:r>
+            <a:endParaRPr lang="zh-CN" altLang="en-US" sz="1000" dirty="0"/>
+          </a:p>
+        </p:txBody>
+      </p:sp>
+      <p:sp>
+        <p:nvSpPr>
+          <p:cNvPr id="51" name="TextBox 50"/>
+          <p:cNvSpPr txBox="1"/>
+          <p:nvPr/>
+        </p:nvSpPr>
+        <p:spPr>
+          <a:xfrm>
+            <a:off x="4709970" y="2420888"/>
+            <a:ext cx="1798890" cy="400110"/>
+          </a:xfrm>
+          <a:prstGeom prst="rect">
+            <a:avLst/>
+          </a:prstGeom>
+          <a:noFill/>
+        </p:spPr>
+        <p:txBody>
+          <a:bodyPr wrap="none" rtlCol="0">
+            <a:spAutoFit/>
+          </a:bodyPr>
+          <a:lstStyle/>
+          <a:p>
+            <a:r>
+              <a:rPr lang="zh-CN" altLang="en-US" sz="1000" dirty="0" smtClean="0"/>
+              <a:t>通过</a:t>
+            </a:r>
+            <a:r>
+              <a:rPr lang="en-US" altLang="zh-CN" sz="1000" dirty="0" smtClean="0"/>
+              <a:t>input</a:t>
+            </a:r>
+            <a:r>
+              <a:rPr lang="zh-CN" altLang="en-US" sz="1000" dirty="0" smtClean="0"/>
+              <a:t>通道</a:t>
+            </a:r>
+            <a:endParaRPr lang="en-US" altLang="zh-CN" sz="1000" dirty="0" smtClean="0"/>
+          </a:p>
+          <a:p>
+            <a:r>
+              <a:rPr lang="zh-CN" altLang="en-US" sz="1000" dirty="0" smtClean="0"/>
+              <a:t>从指定的</a:t>
+            </a:r>
+            <a:r>
+              <a:rPr lang="en-US" altLang="zh-CN" sz="1000" dirty="0" smtClean="0"/>
+              <a:t>destination</a:t>
+            </a:r>
+            <a:r>
+              <a:rPr lang="zh-CN" altLang="en-US" sz="1000" dirty="0" smtClean="0"/>
+              <a:t>获取消息</a:t>
+            </a:r>
+            <a:endParaRPr lang="zh-CN" altLang="en-US" sz="1000" dirty="0"/>
+          </a:p>
+        </p:txBody>
+      </p:sp>
     </p:spTree>
   </p:cSld>
   <p:clrMapOvr>

--- a/doc/架构图.pptx
+++ b/doc/架构图.pptx
@@ -12,6 +12,7 @@
     <p:sldId id="260" r:id="rId6"/>
     <p:sldId id="261" r:id="rId7"/>
     <p:sldId id="262" r:id="rId8"/>
+    <p:sldId id="263" r:id="rId9"/>
   </p:sldIdLst>
   <p:sldSz cx="9144000" cy="6858000" type="screen4x3"/>
   <p:notesSz cx="6858000" cy="9144000"/>
@@ -295,7 +296,7 @@
             <a:fld id="{9CCB53D5-3F0A-4974-9E71-2401F19FA0D5}" type="datetimeFigureOut">
               <a:rPr lang="zh-CN" altLang="en-US" smtClean="0"/>
               <a:pPr/>
-              <a:t>2019/1/24</a:t>
+              <a:t>2019/2/26</a:t>
             </a:fld>
             <a:endParaRPr lang="zh-CN" altLang="en-US"/>
           </a:p>
@@ -462,7 +463,7 @@
             <a:fld id="{9CCB53D5-3F0A-4974-9E71-2401F19FA0D5}" type="datetimeFigureOut">
               <a:rPr lang="zh-CN" altLang="en-US" smtClean="0"/>
               <a:pPr/>
-              <a:t>2019/1/24</a:t>
+              <a:t>2019/2/26</a:t>
             </a:fld>
             <a:endParaRPr lang="zh-CN" altLang="en-US"/>
           </a:p>
@@ -639,7 +640,7 @@
             <a:fld id="{9CCB53D5-3F0A-4974-9E71-2401F19FA0D5}" type="datetimeFigureOut">
               <a:rPr lang="zh-CN" altLang="en-US" smtClean="0"/>
               <a:pPr/>
-              <a:t>2019/1/24</a:t>
+              <a:t>2019/2/26</a:t>
             </a:fld>
             <a:endParaRPr lang="zh-CN" altLang="en-US"/>
           </a:p>
@@ -806,7 +807,7 @@
             <a:fld id="{9CCB53D5-3F0A-4974-9E71-2401F19FA0D5}" type="datetimeFigureOut">
               <a:rPr lang="zh-CN" altLang="en-US" smtClean="0"/>
               <a:pPr/>
-              <a:t>2019/1/24</a:t>
+              <a:t>2019/2/26</a:t>
             </a:fld>
             <a:endParaRPr lang="zh-CN" altLang="en-US"/>
           </a:p>
@@ -1049,7 +1050,7 @@
             <a:fld id="{9CCB53D5-3F0A-4974-9E71-2401F19FA0D5}" type="datetimeFigureOut">
               <a:rPr lang="zh-CN" altLang="en-US" smtClean="0"/>
               <a:pPr/>
-              <a:t>2019/1/24</a:t>
+              <a:t>2019/2/26</a:t>
             </a:fld>
             <a:endParaRPr lang="zh-CN" altLang="en-US"/>
           </a:p>
@@ -1334,7 +1335,7 @@
             <a:fld id="{9CCB53D5-3F0A-4974-9E71-2401F19FA0D5}" type="datetimeFigureOut">
               <a:rPr lang="zh-CN" altLang="en-US" smtClean="0"/>
               <a:pPr/>
-              <a:t>2019/1/24</a:t>
+              <a:t>2019/2/26</a:t>
             </a:fld>
             <a:endParaRPr lang="zh-CN" altLang="en-US"/>
           </a:p>
@@ -1753,7 +1754,7 @@
             <a:fld id="{9CCB53D5-3F0A-4974-9E71-2401F19FA0D5}" type="datetimeFigureOut">
               <a:rPr lang="zh-CN" altLang="en-US" smtClean="0"/>
               <a:pPr/>
-              <a:t>2019/1/24</a:t>
+              <a:t>2019/2/26</a:t>
             </a:fld>
             <a:endParaRPr lang="zh-CN" altLang="en-US"/>
           </a:p>
@@ -1868,7 +1869,7 @@
             <a:fld id="{9CCB53D5-3F0A-4974-9E71-2401F19FA0D5}" type="datetimeFigureOut">
               <a:rPr lang="zh-CN" altLang="en-US" smtClean="0"/>
               <a:pPr/>
-              <a:t>2019/1/24</a:t>
+              <a:t>2019/2/26</a:t>
             </a:fld>
             <a:endParaRPr lang="zh-CN" altLang="en-US"/>
           </a:p>
@@ -1960,7 +1961,7 @@
             <a:fld id="{9CCB53D5-3F0A-4974-9E71-2401F19FA0D5}" type="datetimeFigureOut">
               <a:rPr lang="zh-CN" altLang="en-US" smtClean="0"/>
               <a:pPr/>
-              <a:t>2019/1/24</a:t>
+              <a:t>2019/2/26</a:t>
             </a:fld>
             <a:endParaRPr lang="zh-CN" altLang="en-US"/>
           </a:p>
@@ -2234,7 +2235,7 @@
             <a:fld id="{9CCB53D5-3F0A-4974-9E71-2401F19FA0D5}" type="datetimeFigureOut">
               <a:rPr lang="zh-CN" altLang="en-US" smtClean="0"/>
               <a:pPr/>
-              <a:t>2019/1/24</a:t>
+              <a:t>2019/2/26</a:t>
             </a:fld>
             <a:endParaRPr lang="zh-CN" altLang="en-US"/>
           </a:p>
@@ -2484,7 +2485,7 @@
             <a:fld id="{9CCB53D5-3F0A-4974-9E71-2401F19FA0D5}" type="datetimeFigureOut">
               <a:rPr lang="zh-CN" altLang="en-US" smtClean="0"/>
               <a:pPr/>
-              <a:t>2019/1/24</a:t>
+              <a:t>2019/2/26</a:t>
             </a:fld>
             <a:endParaRPr lang="zh-CN" altLang="en-US"/>
           </a:p>
@@ -2694,7 +2695,7 @@
             <a:fld id="{9CCB53D5-3F0A-4974-9E71-2401F19FA0D5}" type="datetimeFigureOut">
               <a:rPr lang="zh-CN" altLang="en-US" smtClean="0"/>
               <a:pPr/>
-              <a:t>2019/1/24</a:t>
+              <a:t>2019/2/26</a:t>
             </a:fld>
             <a:endParaRPr lang="zh-CN" altLang="en-US"/>
           </a:p>
@@ -4820,6 +4821,45 @@
           <a:chExt cx="0" cy="0"/>
         </a:xfrm>
       </p:grpSpPr>
+      <p:cxnSp>
+        <p:nvCxnSpPr>
+          <p:cNvPr id="57" name="直接箭头连接符 56"/>
+          <p:cNvCxnSpPr>
+            <a:stCxn id="77" idx="1"/>
+            <a:endCxn id="35" idx="3"/>
+          </p:cNvCxnSpPr>
+          <p:nvPr/>
+        </p:nvCxnSpPr>
+        <p:spPr>
+          <a:xfrm flipH="1">
+            <a:off x="2987824" y="1808820"/>
+            <a:ext cx="1512168" cy="1613830"/>
+          </a:xfrm>
+          <a:prstGeom prst="straightConnector1">
+            <a:avLst/>
+          </a:prstGeom>
+          <a:ln>
+            <a:solidFill>
+              <a:srgbClr val="FF0000"/>
+            </a:solidFill>
+            <a:tailEnd type="arrow"/>
+          </a:ln>
+        </p:spPr>
+        <p:style>
+          <a:lnRef idx="1">
+            <a:schemeClr val="accent1"/>
+          </a:lnRef>
+          <a:fillRef idx="0">
+            <a:schemeClr val="accent1"/>
+          </a:fillRef>
+          <a:effectRef idx="0">
+            <a:schemeClr val="accent1"/>
+          </a:effectRef>
+          <a:fontRef idx="minor">
+            <a:schemeClr val="tx1"/>
+          </a:fontRef>
+        </p:style>
+      </p:cxnSp>
       <p:sp>
         <p:nvSpPr>
           <p:cNvPr id="35" name="矩形 34"/>
@@ -6265,53 +6305,6 @@
       </p:cxnSp>
       <p:sp>
         <p:nvSpPr>
-          <p:cNvPr id="64" name="矩形 63"/>
-          <p:cNvSpPr/>
-          <p:nvPr/>
-        </p:nvSpPr>
-        <p:spPr>
-          <a:xfrm>
-            <a:off x="4860032" y="116632"/>
-            <a:ext cx="1224136" cy="360040"/>
-          </a:xfrm>
-          <a:prstGeom prst="rect">
-            <a:avLst/>
-          </a:prstGeom>
-          <a:ln>
-            <a:noFill/>
-          </a:ln>
-        </p:spPr>
-        <p:style>
-          <a:lnRef idx="2">
-            <a:schemeClr val="accent1">
-              <a:shade val="50000"/>
-            </a:schemeClr>
-          </a:lnRef>
-          <a:fillRef idx="1">
-            <a:schemeClr val="accent1"/>
-          </a:fillRef>
-          <a:effectRef idx="0">
-            <a:schemeClr val="accent1"/>
-          </a:effectRef>
-          <a:fontRef idx="minor">
-            <a:schemeClr val="lt1"/>
-          </a:fontRef>
-        </p:style>
-        <p:txBody>
-          <a:bodyPr rtlCol="0" anchor="ctr"/>
-          <a:lstStyle/>
-          <a:p>
-            <a:pPr algn="ctr"/>
-            <a:r>
-              <a:rPr lang="zh-CN" altLang="en-US" sz="1200" dirty="0" smtClean="0"/>
-              <a:t>客户端</a:t>
-            </a:r>
-            <a:endParaRPr lang="zh-CN" altLang="en-US" sz="1200" dirty="0"/>
-          </a:p>
-        </p:txBody>
-      </p:sp>
-      <p:sp>
-        <p:nvSpPr>
           <p:cNvPr id="65" name="矩形 64"/>
           <p:cNvSpPr/>
           <p:nvPr/>
@@ -6369,15 +6362,15 @@
         <p:nvCxnSpPr>
           <p:cNvPr id="68" name="直接箭头连接符 67"/>
           <p:cNvCxnSpPr>
-            <a:stCxn id="64" idx="2"/>
+            <a:stCxn id="51" idx="4"/>
             <a:endCxn id="65" idx="0"/>
           </p:cNvCxnSpPr>
           <p:nvPr/>
         </p:nvCxnSpPr>
         <p:spPr>
           <a:xfrm>
-            <a:off x="5472100" y="476672"/>
-            <a:ext cx="0" cy="216024"/>
+            <a:off x="5472100" y="495468"/>
+            <a:ext cx="0" cy="197228"/>
           </a:xfrm>
           <a:prstGeom prst="straightConnector1">
             <a:avLst/>
@@ -6822,7 +6815,7 @@
         </p:nvSpPr>
         <p:spPr>
           <a:xfrm>
-            <a:off x="2123728" y="5877272"/>
+            <a:off x="2123728" y="5949280"/>
             <a:ext cx="648072" cy="576064"/>
           </a:xfrm>
           <a:prstGeom prst="flowChartMagneticDisk">
@@ -6871,7 +6864,7 @@
         <p:spPr>
           <a:xfrm>
             <a:off x="2447764" y="5733256"/>
-            <a:ext cx="0" cy="144016"/>
+            <a:ext cx="0" cy="216024"/>
           </a:xfrm>
           <a:prstGeom prst="straightConnector1">
             <a:avLst/>
@@ -7016,47 +7009,6 @@
           </a:fontRef>
         </p:style>
       </p:cxnSp>
-      <p:cxnSp>
-        <p:nvCxnSpPr>
-          <p:cNvPr id="142" name="肘形连接符 141"/>
-          <p:cNvCxnSpPr>
-            <a:stCxn id="41" idx="1"/>
-            <a:endCxn id="79" idx="3"/>
-          </p:cNvCxnSpPr>
-          <p:nvPr/>
-        </p:nvCxnSpPr>
-        <p:spPr>
-          <a:xfrm rot="10800000">
-            <a:off x="3563888" y="1808820"/>
-            <a:ext cx="1296144" cy="1613830"/>
-          </a:xfrm>
-          <a:prstGeom prst="bentConnector3">
-            <a:avLst>
-              <a:gd name="adj1" fmla="val 50000"/>
-            </a:avLst>
-          </a:prstGeom>
-          <a:ln>
-            <a:solidFill>
-              <a:srgbClr val="00B050"/>
-            </a:solidFill>
-            <a:tailEnd type="arrow"/>
-          </a:ln>
-        </p:spPr>
-        <p:style>
-          <a:lnRef idx="1">
-            <a:schemeClr val="accent1"/>
-          </a:lnRef>
-          <a:fillRef idx="0">
-            <a:schemeClr val="accent1"/>
-          </a:fillRef>
-          <a:effectRef idx="0">
-            <a:schemeClr val="accent1"/>
-          </a:effectRef>
-          <a:fontRef idx="minor">
-            <a:schemeClr val="tx1"/>
-          </a:fontRef>
-        </p:style>
-      </p:cxnSp>
       <p:sp>
         <p:nvSpPr>
           <p:cNvPr id="151" name="矩形 150"/>
@@ -7145,79 +7097,19 @@
           </a:fontRef>
         </p:style>
       </p:cxnSp>
-      <p:sp>
-        <p:nvSpPr>
-          <p:cNvPr id="156" name="矩形 155"/>
-          <p:cNvSpPr/>
-          <p:nvPr/>
-        </p:nvSpPr>
-        <p:spPr>
-          <a:xfrm>
-            <a:off x="3779912" y="5733256"/>
-            <a:ext cx="1080120" cy="504056"/>
-          </a:xfrm>
-          <a:prstGeom prst="rect">
-            <a:avLst/>
-          </a:prstGeom>
-          <a:solidFill>
-            <a:schemeClr val="accent3">
-              <a:lumMod val="50000"/>
-            </a:schemeClr>
-          </a:solidFill>
-          <a:ln>
-            <a:noFill/>
-          </a:ln>
-        </p:spPr>
-        <p:style>
-          <a:lnRef idx="2">
-            <a:schemeClr val="accent1">
-              <a:shade val="50000"/>
-            </a:schemeClr>
-          </a:lnRef>
-          <a:fillRef idx="1">
-            <a:schemeClr val="accent1"/>
-          </a:fillRef>
-          <a:effectRef idx="0">
-            <a:schemeClr val="accent1"/>
-          </a:effectRef>
-          <a:fontRef idx="minor">
-            <a:schemeClr val="lt1"/>
-          </a:fontRef>
-        </p:style>
-        <p:txBody>
-          <a:bodyPr rtlCol="0" anchor="ctr"/>
-          <a:lstStyle/>
-          <a:p>
-            <a:pPr algn="ctr"/>
-            <a:r>
-              <a:rPr lang="en-US" altLang="zh-CN" sz="1200" dirty="0" err="1" smtClean="0">
-                <a:solidFill>
-                  <a:schemeClr val="bg1"/>
-                </a:solidFill>
-              </a:rPr>
-              <a:t>RabbitMQ</a:t>
-            </a:r>
-            <a:endParaRPr lang="zh-CN" altLang="en-US" sz="1200" dirty="0">
-              <a:solidFill>
-                <a:schemeClr val="bg1"/>
-              </a:solidFill>
-            </a:endParaRPr>
-          </a:p>
-        </p:txBody>
-      </p:sp>
       <p:cxnSp>
         <p:nvCxnSpPr>
           <p:cNvPr id="158" name="肘形连接符 157"/>
           <p:cNvCxnSpPr>
             <a:stCxn id="36" idx="2"/>
-            <a:endCxn id="156" idx="0"/>
+            <a:endCxn id="70" idx="1"/>
           </p:cNvCxnSpPr>
           <p:nvPr/>
         </p:nvCxnSpPr>
         <p:spPr>
           <a:xfrm rot="16200000" flipH="1">
-            <a:off x="1760513" y="3173797"/>
-            <a:ext cx="1518518" cy="3600400"/>
+            <a:off x="1670503" y="3263807"/>
+            <a:ext cx="1734542" cy="3636404"/>
           </a:xfrm>
           <a:prstGeom prst="bentConnector3">
             <a:avLst>
@@ -7251,14 +7143,14 @@
           <p:cNvPr id="160" name="肘形连接符 159"/>
           <p:cNvCxnSpPr>
             <a:stCxn id="41" idx="2"/>
-            <a:endCxn id="156" idx="0"/>
+            <a:endCxn id="70" idx="1"/>
           </p:cNvCxnSpPr>
           <p:nvPr/>
         </p:nvCxnSpPr>
         <p:spPr>
           <a:xfrm rot="5400000">
-            <a:off x="4136777" y="4397933"/>
-            <a:ext cx="1518518" cy="1152128"/>
+            <a:off x="4046767" y="4523947"/>
+            <a:ext cx="1734542" cy="1116124"/>
           </a:xfrm>
           <a:prstGeom prst="bentConnector3">
             <a:avLst>
@@ -7287,6 +7179,352 @@
           </a:fontRef>
         </p:style>
       </p:cxnSp>
+      <p:sp>
+        <p:nvSpPr>
+          <p:cNvPr id="51" name="笑脸 50"/>
+          <p:cNvSpPr/>
+          <p:nvPr/>
+        </p:nvSpPr>
+        <p:spPr>
+          <a:xfrm>
+            <a:off x="5292080" y="162812"/>
+            <a:ext cx="360040" cy="332656"/>
+          </a:xfrm>
+          <a:prstGeom prst="smileyFace">
+            <a:avLst/>
+          </a:prstGeom>
+        </p:spPr>
+        <p:style>
+          <a:lnRef idx="2">
+            <a:schemeClr val="accent1">
+              <a:shade val="50000"/>
+            </a:schemeClr>
+          </a:lnRef>
+          <a:fillRef idx="1">
+            <a:schemeClr val="accent1"/>
+          </a:fillRef>
+          <a:effectRef idx="0">
+            <a:schemeClr val="accent1"/>
+          </a:effectRef>
+          <a:fontRef idx="minor">
+            <a:schemeClr val="lt1"/>
+          </a:fontRef>
+        </p:style>
+        <p:txBody>
+          <a:bodyPr rtlCol="0" anchor="ctr"/>
+          <a:lstStyle/>
+          <a:p>
+            <a:pPr algn="ctr"/>
+            <a:endParaRPr lang="zh-CN" altLang="en-US"/>
+          </a:p>
+        </p:txBody>
+      </p:sp>
+      <p:sp>
+        <p:nvSpPr>
+          <p:cNvPr id="61" name="矩形 60"/>
+          <p:cNvSpPr/>
+          <p:nvPr/>
+        </p:nvSpPr>
+        <p:spPr>
+          <a:xfrm>
+            <a:off x="6300192" y="5373216"/>
+            <a:ext cx="1224136" cy="432048"/>
+          </a:xfrm>
+          <a:prstGeom prst="rect">
+            <a:avLst/>
+          </a:prstGeom>
+          <a:solidFill>
+            <a:schemeClr val="accent6">
+              <a:lumMod val="75000"/>
+            </a:schemeClr>
+          </a:solidFill>
+          <a:ln>
+            <a:noFill/>
+          </a:ln>
+        </p:spPr>
+        <p:style>
+          <a:lnRef idx="2">
+            <a:schemeClr val="accent1">
+              <a:shade val="50000"/>
+            </a:schemeClr>
+          </a:lnRef>
+          <a:fillRef idx="1">
+            <a:schemeClr val="accent1"/>
+          </a:fillRef>
+          <a:effectRef idx="0">
+            <a:schemeClr val="accent1"/>
+          </a:effectRef>
+          <a:fontRef idx="minor">
+            <a:schemeClr val="lt1"/>
+          </a:fontRef>
+        </p:style>
+        <p:txBody>
+          <a:bodyPr rtlCol="0" anchor="ctr"/>
+          <a:lstStyle/>
+          <a:p>
+            <a:pPr algn="ctr"/>
+            <a:r>
+              <a:rPr lang="en-US" altLang="zh-CN" sz="1200" dirty="0" smtClean="0"/>
+              <a:t>ELK</a:t>
+            </a:r>
+            <a:endParaRPr lang="zh-CN" altLang="en-US" sz="1200" dirty="0"/>
+          </a:p>
+        </p:txBody>
+      </p:sp>
+      <p:sp>
+        <p:nvSpPr>
+          <p:cNvPr id="66" name="流程图: 磁盘 65"/>
+          <p:cNvSpPr/>
+          <p:nvPr/>
+        </p:nvSpPr>
+        <p:spPr>
+          <a:xfrm>
+            <a:off x="755576" y="5949280"/>
+            <a:ext cx="648072" cy="576064"/>
+          </a:xfrm>
+          <a:prstGeom prst="flowChartMagneticDisk">
+            <a:avLst/>
+          </a:prstGeom>
+          <a:ln w="3175"/>
+        </p:spPr>
+        <p:style>
+          <a:lnRef idx="2">
+            <a:schemeClr val="accent1">
+              <a:shade val="50000"/>
+            </a:schemeClr>
+          </a:lnRef>
+          <a:fillRef idx="1">
+            <a:schemeClr val="accent1"/>
+          </a:fillRef>
+          <a:effectRef idx="0">
+            <a:schemeClr val="accent1"/>
+          </a:effectRef>
+          <a:fontRef idx="minor">
+            <a:schemeClr val="lt1"/>
+          </a:fontRef>
+        </p:style>
+        <p:txBody>
+          <a:bodyPr rtlCol="0" anchor="ctr"/>
+          <a:lstStyle/>
+          <a:p>
+            <a:pPr algn="ctr"/>
+            <a:r>
+              <a:rPr lang="en-US" altLang="zh-CN" sz="1100" dirty="0" err="1" smtClean="0"/>
+              <a:t>Redis</a:t>
+            </a:r>
+            <a:endParaRPr lang="zh-CN" altLang="en-US" sz="1100" dirty="0"/>
+          </a:p>
+        </p:txBody>
+      </p:sp>
+      <p:sp>
+        <p:nvSpPr>
+          <p:cNvPr id="70" name="流程图: 磁盘 69"/>
+          <p:cNvSpPr/>
+          <p:nvPr/>
+        </p:nvSpPr>
+        <p:spPr>
+          <a:xfrm>
+            <a:off x="3923928" y="5949280"/>
+            <a:ext cx="864096" cy="576064"/>
+          </a:xfrm>
+          <a:prstGeom prst="flowChartMagneticDisk">
+            <a:avLst/>
+          </a:prstGeom>
+          <a:ln w="3175"/>
+        </p:spPr>
+        <p:style>
+          <a:lnRef idx="2">
+            <a:schemeClr val="accent1">
+              <a:shade val="50000"/>
+            </a:schemeClr>
+          </a:lnRef>
+          <a:fillRef idx="1">
+            <a:schemeClr val="accent1"/>
+          </a:fillRef>
+          <a:effectRef idx="0">
+            <a:schemeClr val="accent1"/>
+          </a:effectRef>
+          <a:fontRef idx="minor">
+            <a:schemeClr val="lt1"/>
+          </a:fontRef>
+        </p:style>
+        <p:txBody>
+          <a:bodyPr rtlCol="0" anchor="ctr"/>
+          <a:lstStyle/>
+          <a:p>
+            <a:pPr algn="ctr"/>
+            <a:r>
+              <a:rPr lang="en-US" altLang="zh-CN" sz="1100" dirty="0" err="1" smtClean="0">
+                <a:solidFill>
+                  <a:schemeClr val="bg1"/>
+                </a:solidFill>
+              </a:rPr>
+              <a:t>RabbitMQ</a:t>
+            </a:r>
+            <a:endParaRPr lang="zh-CN" altLang="en-US" sz="1100" dirty="0"/>
+          </a:p>
+        </p:txBody>
+      </p:sp>
+      <p:cxnSp>
+        <p:nvCxnSpPr>
+          <p:cNvPr id="75" name="直接箭头连接符 74"/>
+          <p:cNvCxnSpPr>
+            <a:stCxn id="41" idx="1"/>
+            <a:endCxn id="79" idx="3"/>
+          </p:cNvCxnSpPr>
+          <p:nvPr/>
+        </p:nvCxnSpPr>
+        <p:spPr>
+          <a:xfrm flipH="1" flipV="1">
+            <a:off x="3563888" y="1808820"/>
+            <a:ext cx="1296144" cy="1613830"/>
+          </a:xfrm>
+          <a:prstGeom prst="straightConnector1">
+            <a:avLst/>
+          </a:prstGeom>
+          <a:ln>
+            <a:solidFill>
+              <a:srgbClr val="00B050"/>
+            </a:solidFill>
+            <a:tailEnd type="arrow"/>
+          </a:ln>
+        </p:spPr>
+        <p:style>
+          <a:lnRef idx="1">
+            <a:schemeClr val="accent1"/>
+          </a:lnRef>
+          <a:fillRef idx="0">
+            <a:schemeClr val="accent1"/>
+          </a:fillRef>
+          <a:effectRef idx="0">
+            <a:schemeClr val="accent1"/>
+          </a:effectRef>
+          <a:fontRef idx="minor">
+            <a:schemeClr val="tx1"/>
+          </a:fontRef>
+        </p:style>
+      </p:cxnSp>
+      <p:sp>
+        <p:nvSpPr>
+          <p:cNvPr id="87" name="矩形 86"/>
+          <p:cNvSpPr/>
+          <p:nvPr/>
+        </p:nvSpPr>
+        <p:spPr>
+          <a:xfrm>
+            <a:off x="3563888" y="3645024"/>
+            <a:ext cx="792088" cy="432048"/>
+          </a:xfrm>
+          <a:prstGeom prst="rect">
+            <a:avLst/>
+          </a:prstGeom>
+          <a:solidFill>
+            <a:srgbClr val="FFC000"/>
+          </a:solidFill>
+          <a:ln>
+            <a:noFill/>
+          </a:ln>
+        </p:spPr>
+        <p:style>
+          <a:lnRef idx="2">
+            <a:schemeClr val="accent1">
+              <a:shade val="50000"/>
+            </a:schemeClr>
+          </a:lnRef>
+          <a:fillRef idx="1">
+            <a:schemeClr val="accent1"/>
+          </a:fillRef>
+          <a:effectRef idx="0">
+            <a:schemeClr val="accent1"/>
+          </a:effectRef>
+          <a:fontRef idx="minor">
+            <a:schemeClr val="lt1"/>
+          </a:fontRef>
+        </p:style>
+        <p:txBody>
+          <a:bodyPr rtlCol="0" anchor="ctr"/>
+          <a:lstStyle/>
+          <a:p>
+            <a:pPr algn="ctr"/>
+            <a:r>
+              <a:rPr lang="en-US" altLang="zh-CN" sz="1200" dirty="0" smtClean="0">
+                <a:solidFill>
+                  <a:schemeClr val="tx1"/>
+                </a:solidFill>
+              </a:rPr>
+              <a:t>Auth</a:t>
+            </a:r>
+          </a:p>
+          <a:p>
+            <a:pPr algn="ctr"/>
+            <a:r>
+              <a:rPr lang="en-US" altLang="zh-CN" sz="1200" dirty="0" smtClean="0">
+                <a:solidFill>
+                  <a:schemeClr val="tx1"/>
+                </a:solidFill>
+              </a:rPr>
+              <a:t>Service</a:t>
+            </a:r>
+            <a:endParaRPr lang="zh-CN" altLang="en-US" sz="1200" dirty="0">
+              <a:solidFill>
+                <a:schemeClr val="tx1"/>
+              </a:solidFill>
+            </a:endParaRPr>
+          </a:p>
+        </p:txBody>
+      </p:sp>
+      <p:sp>
+        <p:nvSpPr>
+          <p:cNvPr id="62" name="矩形 61"/>
+          <p:cNvSpPr/>
+          <p:nvPr/>
+        </p:nvSpPr>
+        <p:spPr>
+          <a:xfrm>
+            <a:off x="107504" y="5229200"/>
+            <a:ext cx="1224136" cy="504056"/>
+          </a:xfrm>
+          <a:prstGeom prst="rect">
+            <a:avLst/>
+          </a:prstGeom>
+          <a:solidFill>
+            <a:schemeClr val="accent3">
+              <a:lumMod val="50000"/>
+            </a:schemeClr>
+          </a:solidFill>
+          <a:ln>
+            <a:noFill/>
+          </a:ln>
+        </p:spPr>
+        <p:style>
+          <a:lnRef idx="2">
+            <a:schemeClr val="accent1">
+              <a:shade val="50000"/>
+            </a:schemeClr>
+          </a:lnRef>
+          <a:fillRef idx="1">
+            <a:schemeClr val="accent1"/>
+          </a:fillRef>
+          <a:effectRef idx="0">
+            <a:schemeClr val="accent1"/>
+          </a:effectRef>
+          <a:fontRef idx="minor">
+            <a:schemeClr val="lt1"/>
+          </a:fontRef>
+        </p:style>
+        <p:txBody>
+          <a:bodyPr rtlCol="0" anchor="ctr"/>
+          <a:lstStyle/>
+          <a:p>
+            <a:pPr algn="ctr"/>
+            <a:r>
+              <a:rPr lang="en-US" altLang="zh-CN" sz="1200" dirty="0" smtClean="0"/>
+              <a:t>Admin Server</a:t>
+            </a:r>
+            <a:endParaRPr lang="zh-CN" altLang="en-US" sz="1200" dirty="0"/>
+          </a:p>
+        </p:txBody>
+      </p:sp>
     </p:spTree>
   </p:cSld>
   <p:clrMapOvr>
@@ -9887,52 +10125,6 @@
       </p:sp>
       <p:sp>
         <p:nvSpPr>
-          <p:cNvPr id="41" name="左右箭头 40"/>
-          <p:cNvSpPr/>
-          <p:nvPr/>
-        </p:nvSpPr>
-        <p:spPr>
-          <a:xfrm>
-            <a:off x="2014776" y="1887410"/>
-            <a:ext cx="792088" cy="216024"/>
-          </a:xfrm>
-          <a:prstGeom prst="leftRightArrow">
-            <a:avLst/>
-          </a:prstGeom>
-          <a:solidFill>
-            <a:srgbClr val="FFC000"/>
-          </a:solidFill>
-          <a:ln>
-            <a:noFill/>
-          </a:ln>
-        </p:spPr>
-        <p:style>
-          <a:lnRef idx="2">
-            <a:schemeClr val="accent1">
-              <a:shade val="50000"/>
-            </a:schemeClr>
-          </a:lnRef>
-          <a:fillRef idx="1">
-            <a:schemeClr val="accent1"/>
-          </a:fillRef>
-          <a:effectRef idx="0">
-            <a:schemeClr val="accent1"/>
-          </a:effectRef>
-          <a:fontRef idx="minor">
-            <a:schemeClr val="lt1"/>
-          </a:fontRef>
-        </p:style>
-        <p:txBody>
-          <a:bodyPr rtlCol="0" anchor="ctr"/>
-          <a:lstStyle/>
-          <a:p>
-            <a:pPr algn="ctr"/>
-            <a:endParaRPr lang="zh-CN" altLang="en-US"/>
-          </a:p>
-        </p:txBody>
-      </p:sp>
-      <p:sp>
-        <p:nvSpPr>
           <p:cNvPr id="44" name="矩形 43"/>
           <p:cNvSpPr/>
           <p:nvPr/>
@@ -10085,17 +10277,115 @@
       </p:sp>
       <p:sp>
         <p:nvSpPr>
-          <p:cNvPr id="49" name="左右箭头 48"/>
+          <p:cNvPr id="50" name="TextBox 49"/>
+          <p:cNvSpPr txBox="1"/>
+          <p:nvPr/>
+        </p:nvSpPr>
+        <p:spPr>
+          <a:xfrm>
+            <a:off x="4040236" y="1700808"/>
+            <a:ext cx="609462" cy="553998"/>
+          </a:xfrm>
+          <a:prstGeom prst="rect">
+            <a:avLst/>
+          </a:prstGeom>
+          <a:noFill/>
+        </p:spPr>
+        <p:txBody>
+          <a:bodyPr wrap="none" rtlCol="0">
+            <a:spAutoFit/>
+          </a:bodyPr>
+          <a:lstStyle/>
+          <a:p>
+            <a:pPr algn="ctr"/>
+            <a:r>
+              <a:rPr lang="en-US" altLang="zh-CN" sz="1000" dirty="0" smtClean="0"/>
+              <a:t>input</a:t>
+            </a:r>
+          </a:p>
+          <a:p>
+            <a:pPr algn="ctr"/>
+            <a:endParaRPr lang="en-US" altLang="zh-CN" sz="1000" dirty="0" smtClean="0"/>
+          </a:p>
+          <a:p>
+            <a:pPr algn="ctr"/>
+            <a:r>
+              <a:rPr lang="en-US" altLang="zh-CN" sz="1000" dirty="0" smtClean="0"/>
+              <a:t>Channel</a:t>
+            </a:r>
+            <a:endParaRPr lang="zh-CN" altLang="en-US" sz="1000" dirty="0"/>
+          </a:p>
+        </p:txBody>
+      </p:sp>
+      <p:sp>
+        <p:nvSpPr>
+          <p:cNvPr id="51" name="TextBox 50"/>
+          <p:cNvSpPr txBox="1"/>
+          <p:nvPr/>
+        </p:nvSpPr>
+        <p:spPr>
+          <a:xfrm>
+            <a:off x="4709970" y="2420888"/>
+            <a:ext cx="1798890" cy="400110"/>
+          </a:xfrm>
+          <a:prstGeom prst="rect">
+            <a:avLst/>
+          </a:prstGeom>
+          <a:noFill/>
+        </p:spPr>
+        <p:txBody>
+          <a:bodyPr wrap="none" rtlCol="0">
+            <a:spAutoFit/>
+          </a:bodyPr>
+          <a:lstStyle/>
+          <a:p>
+            <a:r>
+              <a:rPr lang="zh-CN" altLang="en-US" sz="1000" dirty="0" smtClean="0"/>
+              <a:t>通过</a:t>
+            </a:r>
+            <a:r>
+              <a:rPr lang="en-US" altLang="zh-CN" sz="1000" dirty="0" smtClean="0"/>
+              <a:t>input</a:t>
+            </a:r>
+            <a:r>
+              <a:rPr lang="zh-CN" altLang="en-US" sz="1000" dirty="0" smtClean="0"/>
+              <a:t>通道</a:t>
+            </a:r>
+            <a:endParaRPr lang="en-US" altLang="zh-CN" sz="1000" dirty="0" smtClean="0"/>
+          </a:p>
+          <a:p>
+            <a:r>
+              <a:rPr lang="zh-CN" altLang="en-US" sz="1000" dirty="0" smtClean="0"/>
+              <a:t>从指定的</a:t>
+            </a:r>
+            <a:r>
+              <a:rPr lang="en-US" altLang="zh-CN" sz="1000" dirty="0" smtClean="0"/>
+              <a:t>destination</a:t>
+            </a:r>
+            <a:r>
+              <a:rPr lang="zh-CN" altLang="en-US" sz="1000" dirty="0" smtClean="0"/>
+              <a:t>获取消息</a:t>
+            </a:r>
+            <a:endParaRPr lang="zh-CN" altLang="en-US" sz="1000" dirty="0"/>
+          </a:p>
+        </p:txBody>
+      </p:sp>
+      <p:sp>
+        <p:nvSpPr>
+          <p:cNvPr id="52" name="右箭头 51"/>
           <p:cNvSpPr/>
           <p:nvPr/>
         </p:nvSpPr>
         <p:spPr>
           <a:xfrm>
-            <a:off x="3951636" y="1868938"/>
-            <a:ext cx="792088" cy="216024"/>
-          </a:xfrm>
-          <a:prstGeom prst="leftRightArrow">
-            <a:avLst/>
+            <a:off x="2007420" y="1826352"/>
+            <a:ext cx="852980" cy="332332"/>
+          </a:xfrm>
+          <a:prstGeom prst="rightArrow">
+            <a:avLst>
+              <a:gd name="adj1" fmla="val 30759"/>
+              <a:gd name="adj2" fmla="val 47221"/>
+            </a:avLst>
           </a:prstGeom>
           <a:solidFill>
             <a:srgbClr val="FFC000"/>
@@ -10131,14 +10421,488 @@
       </p:sp>
       <p:sp>
         <p:nvSpPr>
-          <p:cNvPr id="50" name="TextBox 49"/>
+          <p:cNvPr id="53" name="右箭头 52"/>
+          <p:cNvSpPr/>
+          <p:nvPr/>
+        </p:nvSpPr>
+        <p:spPr>
+          <a:xfrm>
+            <a:off x="3923928" y="1809760"/>
+            <a:ext cx="852980" cy="332332"/>
+          </a:xfrm>
+          <a:prstGeom prst="rightArrow">
+            <a:avLst>
+              <a:gd name="adj1" fmla="val 30759"/>
+              <a:gd name="adj2" fmla="val 47221"/>
+            </a:avLst>
+          </a:prstGeom>
+          <a:solidFill>
+            <a:srgbClr val="FFC000"/>
+          </a:solidFill>
+          <a:ln>
+            <a:noFill/>
+          </a:ln>
+        </p:spPr>
+        <p:style>
+          <a:lnRef idx="2">
+            <a:schemeClr val="accent1">
+              <a:shade val="50000"/>
+            </a:schemeClr>
+          </a:lnRef>
+          <a:fillRef idx="1">
+            <a:schemeClr val="accent1"/>
+          </a:fillRef>
+          <a:effectRef idx="0">
+            <a:schemeClr val="accent1"/>
+          </a:effectRef>
+          <a:fontRef idx="minor">
+            <a:schemeClr val="lt1"/>
+          </a:fontRef>
+        </p:style>
+        <p:txBody>
+          <a:bodyPr rtlCol="0" anchor="ctr"/>
+          <a:lstStyle/>
+          <a:p>
+            <a:pPr algn="ctr"/>
+            <a:endParaRPr lang="zh-CN" altLang="en-US"/>
+          </a:p>
+        </p:txBody>
+      </p:sp>
+    </p:spTree>
+  </p:cSld>
+  <p:clrMapOvr>
+    <a:masterClrMapping/>
+  </p:clrMapOvr>
+</p:sld>
+</file>
+
+<file path=ppt/slides/slide8.xml><?xml version="1.0" encoding="utf-8"?>
+<p:sld xmlns:a="http://schemas.openxmlformats.org/drawingml/2006/main" xmlns:r="http://schemas.openxmlformats.org/officeDocument/2006/relationships" xmlns:p="http://schemas.openxmlformats.org/presentationml/2006/main">
+  <p:cSld>
+    <p:spTree>
+      <p:nvGrpSpPr>
+        <p:cNvPr id="1" name=""/>
+        <p:cNvGrpSpPr/>
+        <p:nvPr/>
+      </p:nvGrpSpPr>
+      <p:grpSpPr>
+        <a:xfrm>
+          <a:off x="0" y="0"/>
+          <a:ext cx="0" cy="0"/>
+          <a:chOff x="0" y="0"/>
+          <a:chExt cx="0" cy="0"/>
+        </a:xfrm>
+      </p:grpSpPr>
+      <p:sp>
+        <p:nvSpPr>
+          <p:cNvPr id="12" name="矩形 11"/>
+          <p:cNvSpPr/>
+          <p:nvPr/>
+        </p:nvSpPr>
+        <p:spPr>
+          <a:xfrm>
+            <a:off x="3491880" y="1196752"/>
+            <a:ext cx="1296144" cy="576064"/>
+          </a:xfrm>
+          <a:prstGeom prst="rect">
+            <a:avLst/>
+          </a:prstGeom>
+          <a:solidFill>
+            <a:schemeClr val="tx2">
+              <a:lumMod val="60000"/>
+              <a:lumOff val="40000"/>
+            </a:schemeClr>
+          </a:solidFill>
+          <a:ln>
+            <a:noFill/>
+          </a:ln>
+        </p:spPr>
+        <p:style>
+          <a:lnRef idx="2">
+            <a:schemeClr val="accent1">
+              <a:shade val="50000"/>
+            </a:schemeClr>
+          </a:lnRef>
+          <a:fillRef idx="1">
+            <a:schemeClr val="accent1"/>
+          </a:fillRef>
+          <a:effectRef idx="0">
+            <a:schemeClr val="accent1"/>
+          </a:effectRef>
+          <a:fontRef idx="minor">
+            <a:schemeClr val="lt1"/>
+          </a:fontRef>
+        </p:style>
+        <p:txBody>
+          <a:bodyPr rtlCol="0" anchor="ctr"/>
+          <a:lstStyle/>
+          <a:p>
+            <a:pPr algn="ctr"/>
+            <a:r>
+              <a:rPr lang="en-US" altLang="zh-CN" sz="1200" dirty="0" smtClean="0">
+                <a:solidFill>
+                  <a:schemeClr val="tx1"/>
+                </a:solidFill>
+              </a:rPr>
+              <a:t>Eureka </a:t>
+            </a:r>
+            <a:r>
+              <a:rPr lang="en-US" altLang="zh-CN" sz="1200" dirty="0" smtClean="0">
+                <a:solidFill>
+                  <a:schemeClr val="tx1"/>
+                </a:solidFill>
+              </a:rPr>
+              <a:t>Server</a:t>
+            </a:r>
+          </a:p>
+          <a:p>
+            <a:pPr algn="ctr"/>
+            <a:r>
+              <a:rPr lang="zh-CN" altLang="en-US" sz="1200" dirty="0" smtClean="0">
+                <a:solidFill>
+                  <a:schemeClr val="tx1"/>
+                </a:solidFill>
+              </a:rPr>
+              <a:t>服</a:t>
+            </a:r>
+            <a:r>
+              <a:rPr lang="zh-CN" altLang="en-US" sz="1200" dirty="0" smtClean="0">
+                <a:solidFill>
+                  <a:schemeClr val="tx1"/>
+                </a:solidFill>
+              </a:rPr>
+              <a:t>务注册中心</a:t>
+            </a:r>
+            <a:endParaRPr lang="zh-CN" altLang="en-US" sz="1200" dirty="0">
+              <a:solidFill>
+                <a:schemeClr val="tx1"/>
+              </a:solidFill>
+            </a:endParaRPr>
+          </a:p>
+        </p:txBody>
+      </p:sp>
+      <p:sp>
+        <p:nvSpPr>
+          <p:cNvPr id="13" name="矩形 12"/>
+          <p:cNvSpPr/>
+          <p:nvPr/>
+        </p:nvSpPr>
+        <p:spPr>
+          <a:xfrm>
+            <a:off x="2051720" y="2564904"/>
+            <a:ext cx="1368152" cy="576064"/>
+          </a:xfrm>
+          <a:prstGeom prst="rect">
+            <a:avLst/>
+          </a:prstGeom>
+          <a:solidFill>
+            <a:schemeClr val="accent2">
+              <a:lumMod val="60000"/>
+              <a:lumOff val="40000"/>
+            </a:schemeClr>
+          </a:solidFill>
+          <a:ln>
+            <a:noFill/>
+          </a:ln>
+        </p:spPr>
+        <p:style>
+          <a:lnRef idx="2">
+            <a:schemeClr val="accent1">
+              <a:shade val="50000"/>
+            </a:schemeClr>
+          </a:lnRef>
+          <a:fillRef idx="1">
+            <a:schemeClr val="accent1"/>
+          </a:fillRef>
+          <a:effectRef idx="0">
+            <a:schemeClr val="accent1"/>
+          </a:effectRef>
+          <a:fontRef idx="minor">
+            <a:schemeClr val="lt1"/>
+          </a:fontRef>
+        </p:style>
+        <p:txBody>
+          <a:bodyPr rtlCol="0" anchor="ctr"/>
+          <a:lstStyle/>
+          <a:p>
+            <a:pPr algn="ctr"/>
+            <a:r>
+              <a:rPr lang="en-US" altLang="zh-CN" sz="1200" dirty="0" smtClean="0"/>
+              <a:t>Spring Cloud Application</a:t>
+            </a:r>
+            <a:endParaRPr lang="zh-CN" altLang="en-US" sz="1200" dirty="0"/>
+          </a:p>
+        </p:txBody>
+      </p:sp>
+      <p:sp>
+        <p:nvSpPr>
+          <p:cNvPr id="14" name="矩形 13"/>
+          <p:cNvSpPr/>
+          <p:nvPr/>
+        </p:nvSpPr>
+        <p:spPr>
+          <a:xfrm>
+            <a:off x="4572000" y="2492896"/>
+            <a:ext cx="1224136" cy="576064"/>
+          </a:xfrm>
+          <a:prstGeom prst="rect">
+            <a:avLst/>
+          </a:prstGeom>
+          <a:solidFill>
+            <a:srgbClr val="00B0F0"/>
+          </a:solidFill>
+          <a:ln>
+            <a:noFill/>
+          </a:ln>
+        </p:spPr>
+        <p:style>
+          <a:lnRef idx="2">
+            <a:schemeClr val="accent1">
+              <a:shade val="50000"/>
+            </a:schemeClr>
+          </a:lnRef>
+          <a:fillRef idx="1">
+            <a:schemeClr val="accent1"/>
+          </a:fillRef>
+          <a:effectRef idx="0">
+            <a:schemeClr val="accent1"/>
+          </a:effectRef>
+          <a:fontRef idx="minor">
+            <a:schemeClr val="lt1"/>
+          </a:fontRef>
+        </p:style>
+        <p:txBody>
+          <a:bodyPr rtlCol="0" anchor="ctr"/>
+          <a:lstStyle/>
+          <a:p>
+            <a:pPr algn="ctr"/>
+            <a:r>
+              <a:rPr lang="en-US" altLang="zh-CN" sz="1200" dirty="0" smtClean="0"/>
+              <a:t>Admin Server</a:t>
+            </a:r>
+            <a:endParaRPr lang="zh-CN" altLang="en-US" sz="1200" dirty="0"/>
+          </a:p>
+        </p:txBody>
+      </p:sp>
+      <p:cxnSp>
+        <p:nvCxnSpPr>
+          <p:cNvPr id="16" name="直接箭头连接符 15"/>
+          <p:cNvCxnSpPr>
+            <a:stCxn id="14" idx="1"/>
+            <a:endCxn id="12" idx="2"/>
+          </p:cNvCxnSpPr>
+          <p:nvPr/>
+        </p:nvCxnSpPr>
+        <p:spPr>
+          <a:xfrm flipH="1" flipV="1">
+            <a:off x="4139952" y="1772816"/>
+            <a:ext cx="432048" cy="1008112"/>
+          </a:xfrm>
+          <a:prstGeom prst="straightConnector1">
+            <a:avLst/>
+          </a:prstGeom>
+          <a:ln w="19050">
+            <a:solidFill>
+              <a:srgbClr val="00B0F0"/>
+            </a:solidFill>
+            <a:tailEnd type="arrow"/>
+          </a:ln>
+        </p:spPr>
+        <p:style>
+          <a:lnRef idx="1">
+            <a:schemeClr val="accent1"/>
+          </a:lnRef>
+          <a:fillRef idx="0">
+            <a:schemeClr val="accent1"/>
+          </a:fillRef>
+          <a:effectRef idx="0">
+            <a:schemeClr val="accent1"/>
+          </a:effectRef>
+          <a:fontRef idx="minor">
+            <a:schemeClr val="tx1"/>
+          </a:fontRef>
+        </p:style>
+      </p:cxnSp>
+      <p:cxnSp>
+        <p:nvCxnSpPr>
+          <p:cNvPr id="18" name="直接箭头连接符 17"/>
+          <p:cNvCxnSpPr>
+            <a:stCxn id="13" idx="0"/>
+            <a:endCxn id="12" idx="2"/>
+          </p:cNvCxnSpPr>
+          <p:nvPr/>
+        </p:nvCxnSpPr>
+        <p:spPr>
+          <a:xfrm flipV="1">
+            <a:off x="2735796" y="1772816"/>
+            <a:ext cx="1404156" cy="792088"/>
+          </a:xfrm>
+          <a:prstGeom prst="straightConnector1">
+            <a:avLst/>
+          </a:prstGeom>
+          <a:ln w="19050">
+            <a:solidFill>
+              <a:srgbClr val="00B0F0"/>
+            </a:solidFill>
+            <a:tailEnd type="arrow"/>
+          </a:ln>
+        </p:spPr>
+        <p:style>
+          <a:lnRef idx="1">
+            <a:schemeClr val="accent1"/>
+          </a:lnRef>
+          <a:fillRef idx="0">
+            <a:schemeClr val="accent1"/>
+          </a:fillRef>
+          <a:effectRef idx="0">
+            <a:schemeClr val="accent1"/>
+          </a:effectRef>
+          <a:fontRef idx="minor">
+            <a:schemeClr val="tx1"/>
+          </a:fontRef>
+        </p:style>
+      </p:cxnSp>
+      <p:sp>
+        <p:nvSpPr>
+          <p:cNvPr id="20" name="矩形 19"/>
+          <p:cNvSpPr/>
+          <p:nvPr/>
+        </p:nvSpPr>
+        <p:spPr>
+          <a:xfrm>
+            <a:off x="2051720" y="3573016"/>
+            <a:ext cx="1368152" cy="576064"/>
+          </a:xfrm>
+          <a:prstGeom prst="rect">
+            <a:avLst/>
+          </a:prstGeom>
+          <a:solidFill>
+            <a:schemeClr val="accent2">
+              <a:lumMod val="60000"/>
+              <a:lumOff val="40000"/>
+            </a:schemeClr>
+          </a:solidFill>
+          <a:ln>
+            <a:noFill/>
+          </a:ln>
+        </p:spPr>
+        <p:style>
+          <a:lnRef idx="2">
+            <a:schemeClr val="accent1">
+              <a:shade val="50000"/>
+            </a:schemeClr>
+          </a:lnRef>
+          <a:fillRef idx="1">
+            <a:schemeClr val="accent1"/>
+          </a:fillRef>
+          <a:effectRef idx="0">
+            <a:schemeClr val="accent1"/>
+          </a:effectRef>
+          <a:fontRef idx="minor">
+            <a:schemeClr val="lt1"/>
+          </a:fontRef>
+        </p:style>
+        <p:txBody>
+          <a:bodyPr rtlCol="0" anchor="ctr"/>
+          <a:lstStyle/>
+          <a:p>
+            <a:pPr algn="ctr"/>
+            <a:r>
+              <a:rPr lang="en-US" altLang="zh-CN" sz="1200" dirty="0" smtClean="0"/>
+              <a:t>Spring Boot Application</a:t>
+            </a:r>
+            <a:endParaRPr lang="zh-CN" altLang="en-US" sz="1200" dirty="0"/>
+          </a:p>
+        </p:txBody>
+      </p:sp>
+      <p:cxnSp>
+        <p:nvCxnSpPr>
+          <p:cNvPr id="22" name="直接箭头连接符 21"/>
+          <p:cNvCxnSpPr>
+            <a:stCxn id="13" idx="3"/>
+            <a:endCxn id="14" idx="1"/>
+          </p:cNvCxnSpPr>
+          <p:nvPr/>
+        </p:nvCxnSpPr>
+        <p:spPr>
+          <a:xfrm flipV="1">
+            <a:off x="3419872" y="2780928"/>
+            <a:ext cx="1152128" cy="72008"/>
+          </a:xfrm>
+          <a:prstGeom prst="straightConnector1">
+            <a:avLst/>
+          </a:prstGeom>
+          <a:ln w="19050">
+            <a:solidFill>
+              <a:srgbClr val="FF0000"/>
+            </a:solidFill>
+            <a:tailEnd type="arrow"/>
+          </a:ln>
+        </p:spPr>
+        <p:style>
+          <a:lnRef idx="1">
+            <a:schemeClr val="accent1"/>
+          </a:lnRef>
+          <a:fillRef idx="0">
+            <a:schemeClr val="accent1"/>
+          </a:fillRef>
+          <a:effectRef idx="0">
+            <a:schemeClr val="accent1"/>
+          </a:effectRef>
+          <a:fontRef idx="minor">
+            <a:schemeClr val="tx1"/>
+          </a:fontRef>
+        </p:style>
+      </p:cxnSp>
+      <p:cxnSp>
+        <p:nvCxnSpPr>
+          <p:cNvPr id="24" name="直接箭头连接符 23"/>
+          <p:cNvCxnSpPr>
+            <a:stCxn id="20" idx="3"/>
+            <a:endCxn id="14" idx="1"/>
+          </p:cNvCxnSpPr>
+          <p:nvPr/>
+        </p:nvCxnSpPr>
+        <p:spPr>
+          <a:xfrm flipV="1">
+            <a:off x="3419872" y="2780928"/>
+            <a:ext cx="1152128" cy="1080120"/>
+          </a:xfrm>
+          <a:prstGeom prst="straightConnector1">
+            <a:avLst/>
+          </a:prstGeom>
+          <a:ln w="19050">
+            <a:solidFill>
+              <a:srgbClr val="FF0000"/>
+            </a:solidFill>
+            <a:tailEnd type="arrow"/>
+          </a:ln>
+        </p:spPr>
+        <p:style>
+          <a:lnRef idx="1">
+            <a:schemeClr val="accent1"/>
+          </a:lnRef>
+          <a:fillRef idx="0">
+            <a:schemeClr val="accent1"/>
+          </a:fillRef>
+          <a:effectRef idx="0">
+            <a:schemeClr val="accent1"/>
+          </a:effectRef>
+          <a:fontRef idx="minor">
+            <a:schemeClr val="tx1"/>
+          </a:fontRef>
+        </p:style>
+      </p:cxnSp>
+      <p:sp>
+        <p:nvSpPr>
+          <p:cNvPr id="38" name="TextBox 37"/>
           <p:cNvSpPr txBox="1"/>
           <p:nvPr/>
         </p:nvSpPr>
         <p:spPr>
           <a:xfrm>
-            <a:off x="4040236" y="1700808"/>
-            <a:ext cx="609462" cy="553998"/>
+            <a:off x="3491880" y="2060848"/>
+            <a:ext cx="800219" cy="276999"/>
           </a:xfrm>
           <a:prstGeom prst="rect">
             <a:avLst/>
@@ -10151,36 +10915,28 @@
           </a:bodyPr>
           <a:lstStyle/>
           <a:p>
-            <a:pPr algn="ctr"/>
-            <a:r>
-              <a:rPr lang="en-US" altLang="zh-CN" sz="1000" dirty="0" smtClean="0"/>
-              <a:t>input</a:t>
-            </a:r>
-          </a:p>
-          <a:p>
-            <a:pPr algn="ctr"/>
-            <a:endParaRPr lang="en-US" altLang="zh-CN" sz="1000" dirty="0" smtClean="0"/>
-          </a:p>
-          <a:p>
-            <a:pPr algn="ctr"/>
-            <a:r>
-              <a:rPr lang="en-US" altLang="zh-CN" sz="1000" dirty="0" smtClean="0"/>
-              <a:t>Channel</a:t>
-            </a:r>
-            <a:endParaRPr lang="zh-CN" altLang="en-US" sz="1000" dirty="0"/>
-          </a:p>
-        </p:txBody>
-      </p:sp>
-      <p:sp>
-        <p:nvSpPr>
-          <p:cNvPr id="51" name="TextBox 50"/>
+            <a:r>
+              <a:rPr lang="zh-CN" altLang="en-US" sz="1200" dirty="0" smtClean="0"/>
+              <a:t>服</a:t>
+            </a:r>
+            <a:r>
+              <a:rPr lang="zh-CN" altLang="en-US" sz="1200" dirty="0" smtClean="0"/>
+              <a:t>务注册</a:t>
+            </a:r>
+            <a:endParaRPr lang="zh-CN" altLang="en-US" sz="1200" dirty="0"/>
+          </a:p>
+        </p:txBody>
+      </p:sp>
+      <p:sp>
+        <p:nvSpPr>
+          <p:cNvPr id="41" name="TextBox 40"/>
           <p:cNvSpPr txBox="1"/>
           <p:nvPr/>
         </p:nvSpPr>
         <p:spPr>
           <a:xfrm>
-            <a:off x="4709970" y="2420888"/>
-            <a:ext cx="1798890" cy="400110"/>
+            <a:off x="3563888" y="2852936"/>
+            <a:ext cx="800219" cy="276999"/>
           </a:xfrm>
           <a:prstGeom prst="rect">
             <a:avLst/>
@@ -10194,33 +10950,14 @@
           <a:lstStyle/>
           <a:p>
             <a:r>
-              <a:rPr lang="zh-CN" altLang="en-US" sz="1000" dirty="0" smtClean="0"/>
-              <a:t>通过</a:t>
-            </a:r>
-            <a:r>
-              <a:rPr lang="en-US" altLang="zh-CN" sz="1000" dirty="0" smtClean="0"/>
-              <a:t>input</a:t>
-            </a:r>
-            <a:r>
-              <a:rPr lang="zh-CN" altLang="en-US" sz="1000" dirty="0" smtClean="0"/>
-              <a:t>通道</a:t>
-            </a:r>
-            <a:endParaRPr lang="en-US" altLang="zh-CN" sz="1000" dirty="0" smtClean="0"/>
-          </a:p>
-          <a:p>
-            <a:r>
-              <a:rPr lang="zh-CN" altLang="en-US" sz="1000" dirty="0" smtClean="0"/>
-              <a:t>从指定的</a:t>
-            </a:r>
-            <a:r>
-              <a:rPr lang="en-US" altLang="zh-CN" sz="1000" dirty="0" smtClean="0"/>
-              <a:t>destination</a:t>
-            </a:r>
-            <a:r>
-              <a:rPr lang="zh-CN" altLang="en-US" sz="1000" dirty="0" smtClean="0"/>
-              <a:t>获取消息</a:t>
-            </a:r>
-            <a:endParaRPr lang="zh-CN" altLang="en-US" sz="1000" dirty="0"/>
+              <a:rPr lang="zh-CN" altLang="en-US" sz="1200" dirty="0" smtClean="0"/>
+              <a:t>监控</a:t>
+            </a:r>
+            <a:r>
+              <a:rPr lang="zh-CN" altLang="en-US" sz="1200" dirty="0" smtClean="0"/>
+              <a:t>注册</a:t>
+            </a:r>
+            <a:endParaRPr lang="zh-CN" altLang="en-US" sz="1200" dirty="0"/>
           </a:p>
         </p:txBody>
       </p:sp>

--- a/doc/架构图.pptx
+++ b/doc/架构图.pptx
@@ -296,7 +296,7 @@
             <a:fld id="{9CCB53D5-3F0A-4974-9E71-2401F19FA0D5}" type="datetimeFigureOut">
               <a:rPr lang="zh-CN" altLang="en-US" smtClean="0"/>
               <a:pPr/>
-              <a:t>2019/2/26</a:t>
+              <a:t>2019/3/15</a:t>
             </a:fld>
             <a:endParaRPr lang="zh-CN" altLang="en-US"/>
           </a:p>
@@ -463,7 +463,7 @@
             <a:fld id="{9CCB53D5-3F0A-4974-9E71-2401F19FA0D5}" type="datetimeFigureOut">
               <a:rPr lang="zh-CN" altLang="en-US" smtClean="0"/>
               <a:pPr/>
-              <a:t>2019/2/26</a:t>
+              <a:t>2019/3/15</a:t>
             </a:fld>
             <a:endParaRPr lang="zh-CN" altLang="en-US"/>
           </a:p>
@@ -640,7 +640,7 @@
             <a:fld id="{9CCB53D5-3F0A-4974-9E71-2401F19FA0D5}" type="datetimeFigureOut">
               <a:rPr lang="zh-CN" altLang="en-US" smtClean="0"/>
               <a:pPr/>
-              <a:t>2019/2/26</a:t>
+              <a:t>2019/3/15</a:t>
             </a:fld>
             <a:endParaRPr lang="zh-CN" altLang="en-US"/>
           </a:p>
@@ -807,7 +807,7 @@
             <a:fld id="{9CCB53D5-3F0A-4974-9E71-2401F19FA0D5}" type="datetimeFigureOut">
               <a:rPr lang="zh-CN" altLang="en-US" smtClean="0"/>
               <a:pPr/>
-              <a:t>2019/2/26</a:t>
+              <a:t>2019/3/15</a:t>
             </a:fld>
             <a:endParaRPr lang="zh-CN" altLang="en-US"/>
           </a:p>
@@ -1050,7 +1050,7 @@
             <a:fld id="{9CCB53D5-3F0A-4974-9E71-2401F19FA0D5}" type="datetimeFigureOut">
               <a:rPr lang="zh-CN" altLang="en-US" smtClean="0"/>
               <a:pPr/>
-              <a:t>2019/2/26</a:t>
+              <a:t>2019/3/15</a:t>
             </a:fld>
             <a:endParaRPr lang="zh-CN" altLang="en-US"/>
           </a:p>
@@ -1335,7 +1335,7 @@
             <a:fld id="{9CCB53D5-3F0A-4974-9E71-2401F19FA0D5}" type="datetimeFigureOut">
               <a:rPr lang="zh-CN" altLang="en-US" smtClean="0"/>
               <a:pPr/>
-              <a:t>2019/2/26</a:t>
+              <a:t>2019/3/15</a:t>
             </a:fld>
             <a:endParaRPr lang="zh-CN" altLang="en-US"/>
           </a:p>
@@ -1754,7 +1754,7 @@
             <a:fld id="{9CCB53D5-3F0A-4974-9E71-2401F19FA0D5}" type="datetimeFigureOut">
               <a:rPr lang="zh-CN" altLang="en-US" smtClean="0"/>
               <a:pPr/>
-              <a:t>2019/2/26</a:t>
+              <a:t>2019/3/15</a:t>
             </a:fld>
             <a:endParaRPr lang="zh-CN" altLang="en-US"/>
           </a:p>
@@ -1869,7 +1869,7 @@
             <a:fld id="{9CCB53D5-3F0A-4974-9E71-2401F19FA0D5}" type="datetimeFigureOut">
               <a:rPr lang="zh-CN" altLang="en-US" smtClean="0"/>
               <a:pPr/>
-              <a:t>2019/2/26</a:t>
+              <a:t>2019/3/15</a:t>
             </a:fld>
             <a:endParaRPr lang="zh-CN" altLang="en-US"/>
           </a:p>
@@ -1961,7 +1961,7 @@
             <a:fld id="{9CCB53D5-3F0A-4974-9E71-2401F19FA0D5}" type="datetimeFigureOut">
               <a:rPr lang="zh-CN" altLang="en-US" smtClean="0"/>
               <a:pPr/>
-              <a:t>2019/2/26</a:t>
+              <a:t>2019/3/15</a:t>
             </a:fld>
             <a:endParaRPr lang="zh-CN" altLang="en-US"/>
           </a:p>
@@ -2235,7 +2235,7 @@
             <a:fld id="{9CCB53D5-3F0A-4974-9E71-2401F19FA0D5}" type="datetimeFigureOut">
               <a:rPr lang="zh-CN" altLang="en-US" smtClean="0"/>
               <a:pPr/>
-              <a:t>2019/2/26</a:t>
+              <a:t>2019/3/15</a:t>
             </a:fld>
             <a:endParaRPr lang="zh-CN" altLang="en-US"/>
           </a:p>
@@ -2485,7 +2485,7 @@
             <a:fld id="{9CCB53D5-3F0A-4974-9E71-2401F19FA0D5}" type="datetimeFigureOut">
               <a:rPr lang="zh-CN" altLang="en-US" smtClean="0"/>
               <a:pPr/>
-              <a:t>2019/2/26</a:t>
+              <a:t>2019/3/15</a:t>
             </a:fld>
             <a:endParaRPr lang="zh-CN" altLang="en-US"/>
           </a:p>
@@ -2695,7 +2695,7 @@
             <a:fld id="{9CCB53D5-3F0A-4974-9E71-2401F19FA0D5}" type="datetimeFigureOut">
               <a:rPr lang="zh-CN" altLang="en-US" smtClean="0"/>
               <a:pPr/>
-              <a:t>2019/2/26</a:t>
+              <a:t>2019/3/15</a:t>
             </a:fld>
             <a:endParaRPr lang="zh-CN" altLang="en-US"/>
           </a:p>
@@ -4832,7 +4832,7 @@
         </p:nvCxnSpPr>
         <p:spPr>
           <a:xfrm flipH="1">
-            <a:off x="2987824" y="1808820"/>
+            <a:off x="2843808" y="1808820"/>
             <a:ext cx="1512168" cy="1613830"/>
           </a:xfrm>
           <a:prstGeom prst="straightConnector1">
@@ -4868,7 +4868,7 @@
         </p:nvSpPr>
         <p:spPr>
           <a:xfrm>
-            <a:off x="1763688" y="2630562"/>
+            <a:off x="1619672" y="2630562"/>
             <a:ext cx="1224136" cy="1584176"/>
           </a:xfrm>
           <a:prstGeom prst="rect">
@@ -4918,7 +4918,7 @@
         </p:nvSpPr>
         <p:spPr>
           <a:xfrm>
-            <a:off x="6300192" y="3176032"/>
+            <a:off x="6156176" y="3176032"/>
             <a:ext cx="1224136" cy="504056"/>
           </a:xfrm>
           <a:prstGeom prst="rect">
@@ -4977,7 +4977,7 @@
         </p:nvSpPr>
         <p:spPr>
           <a:xfrm>
-            <a:off x="7740352" y="3176032"/>
+            <a:off x="7596336" y="3176032"/>
             <a:ext cx="1296144" cy="504056"/>
           </a:xfrm>
           <a:prstGeom prst="rect">
@@ -5039,7 +5039,7 @@
         </p:nvCxnSpPr>
         <p:spPr>
           <a:xfrm flipH="1">
-            <a:off x="7524328" y="3428060"/>
+            <a:off x="7380312" y="3428060"/>
             <a:ext cx="216024" cy="0"/>
           </a:xfrm>
           <a:prstGeom prst="straightConnector1">
@@ -5075,7 +5075,7 @@
         </p:nvSpPr>
         <p:spPr>
           <a:xfrm>
-            <a:off x="1907704" y="2918594"/>
+            <a:off x="1763688" y="2918594"/>
             <a:ext cx="936104" cy="360040"/>
           </a:xfrm>
           <a:prstGeom prst="rect">
@@ -5136,7 +5136,7 @@
         </p:nvSpPr>
         <p:spPr>
           <a:xfrm>
-            <a:off x="1907704" y="3350642"/>
+            <a:off x="1763688" y="3350642"/>
             <a:ext cx="936104" cy="360040"/>
           </a:xfrm>
           <a:prstGeom prst="rect">
@@ -5197,7 +5197,7 @@
         </p:nvSpPr>
         <p:spPr>
           <a:xfrm>
-            <a:off x="1907704" y="3782690"/>
+            <a:off x="1763688" y="3782690"/>
             <a:ext cx="936104" cy="360040"/>
           </a:xfrm>
           <a:prstGeom prst="rect">
@@ -5488,7 +5488,7 @@
         </p:nvSpPr>
         <p:spPr>
           <a:xfrm>
-            <a:off x="4860032" y="2630562"/>
+            <a:off x="4716016" y="2630562"/>
             <a:ext cx="1224136" cy="1584176"/>
           </a:xfrm>
           <a:prstGeom prst="rect">
@@ -5535,7 +5535,7 @@
         </p:nvSpPr>
         <p:spPr>
           <a:xfrm>
-            <a:off x="5004048" y="2918594"/>
+            <a:off x="4860032" y="2918594"/>
             <a:ext cx="936104" cy="360040"/>
           </a:xfrm>
           <a:prstGeom prst="rect">
@@ -5596,7 +5596,7 @@
         </p:nvSpPr>
         <p:spPr>
           <a:xfrm>
-            <a:off x="5004048" y="3350642"/>
+            <a:off x="4860032" y="3350642"/>
             <a:ext cx="936104" cy="360040"/>
           </a:xfrm>
           <a:prstGeom prst="rect">
@@ -5657,7 +5657,7 @@
         </p:nvSpPr>
         <p:spPr>
           <a:xfrm>
-            <a:off x="5004048" y="3782690"/>
+            <a:off x="4860032" y="3782690"/>
             <a:ext cx="936104" cy="360040"/>
           </a:xfrm>
           <a:prstGeom prst="rect">
@@ -5721,7 +5721,7 @@
         </p:nvCxnSpPr>
         <p:spPr>
           <a:xfrm flipH="1" flipV="1">
-            <a:off x="6084168" y="3422650"/>
+            <a:off x="5940152" y="3422650"/>
             <a:ext cx="216024" cy="5410"/>
           </a:xfrm>
           <a:prstGeom prst="straightConnector1">
@@ -5761,7 +5761,7 @@
         <p:spPr>
           <a:xfrm>
             <a:off x="1331640" y="3422650"/>
-            <a:ext cx="432048" cy="0"/>
+            <a:ext cx="288032" cy="0"/>
           </a:xfrm>
           <a:prstGeom prst="straightConnector1">
             <a:avLst/>
@@ -5796,7 +5796,7 @@
         </p:nvSpPr>
         <p:spPr>
           <a:xfrm>
-            <a:off x="1187624" y="1340768"/>
+            <a:off x="1043608" y="1340768"/>
             <a:ext cx="2376264" cy="936104"/>
           </a:xfrm>
           <a:prstGeom prst="rect">
@@ -5848,7 +5848,7 @@
         </p:nvSpPr>
         <p:spPr>
           <a:xfrm>
-            <a:off x="1331640" y="1628800"/>
+            <a:off x="1187624" y="1628800"/>
             <a:ext cx="648072" cy="504056"/>
           </a:xfrm>
           <a:prstGeom prst="rect">
@@ -5917,7 +5917,7 @@
         </p:nvSpPr>
         <p:spPr>
           <a:xfrm>
-            <a:off x="2051720" y="1628800"/>
+            <a:off x="1907704" y="1628800"/>
             <a:ext cx="648072" cy="504056"/>
           </a:xfrm>
           <a:prstGeom prst="rect">
@@ -5986,7 +5986,7 @@
         </p:nvSpPr>
         <p:spPr>
           <a:xfrm>
-            <a:off x="2771800" y="1628800"/>
+            <a:off x="2627784" y="1628800"/>
             <a:ext cx="648072" cy="504056"/>
           </a:xfrm>
           <a:prstGeom prst="rect">
@@ -6058,7 +6058,7 @@
         </p:nvCxnSpPr>
         <p:spPr>
           <a:xfrm>
-            <a:off x="2375756" y="2276872"/>
+            <a:off x="2231740" y="2276872"/>
             <a:ext cx="0" cy="353690"/>
           </a:xfrm>
           <a:prstGeom prst="straightConnector1">
@@ -6097,7 +6097,7 @@
         </p:nvCxnSpPr>
         <p:spPr>
           <a:xfrm flipH="1">
-            <a:off x="2987824" y="3422650"/>
+            <a:off x="2843808" y="3422650"/>
             <a:ext cx="1872208" cy="0"/>
           </a:xfrm>
           <a:prstGeom prst="straightConnector1">
@@ -6133,7 +6133,7 @@
         </p:nvSpPr>
         <p:spPr>
           <a:xfrm>
-            <a:off x="1907704" y="4221088"/>
+            <a:off x="1763688" y="4221088"/>
             <a:ext cx="3310488" cy="246221"/>
           </a:xfrm>
           <a:prstGeom prst="rect">
@@ -6186,8 +6186,8 @@
         </p:nvCxnSpPr>
         <p:spPr>
           <a:xfrm rot="5400000">
-            <a:off x="3095836" y="1838474"/>
-            <a:ext cx="12700" cy="4752528"/>
+            <a:off x="3023828" y="1910482"/>
+            <a:ext cx="12700" cy="4608512"/>
           </a:xfrm>
           <a:prstGeom prst="bentConnector3">
             <a:avLst>
@@ -6224,7 +6224,7 @@
         </p:nvSpPr>
         <p:spPr>
           <a:xfrm>
-            <a:off x="2051720" y="548680"/>
+            <a:off x="1907704" y="548680"/>
             <a:ext cx="648072" cy="576064"/>
           </a:xfrm>
           <a:prstGeom prst="flowChartMagneticDisk">
@@ -6275,7 +6275,7 @@
         </p:nvCxnSpPr>
         <p:spPr>
           <a:xfrm flipV="1">
-            <a:off x="2375756" y="1124744"/>
+            <a:off x="2231740" y="1124744"/>
             <a:ext cx="0" cy="216024"/>
           </a:xfrm>
           <a:prstGeom prst="straightConnector1">
@@ -6311,7 +6311,7 @@
         </p:nvSpPr>
         <p:spPr>
           <a:xfrm>
-            <a:off x="4860032" y="692696"/>
+            <a:off x="4716016" y="692696"/>
             <a:ext cx="1224136" cy="432048"/>
           </a:xfrm>
           <a:prstGeom prst="rect">
@@ -6369,7 +6369,7 @@
         </p:nvCxnSpPr>
         <p:spPr>
           <a:xfrm>
-            <a:off x="5472100" y="495468"/>
+            <a:off x="5328084" y="495468"/>
             <a:ext cx="0" cy="197228"/>
           </a:xfrm>
           <a:prstGeom prst="straightConnector1">
@@ -6405,7 +6405,7 @@
         </p:nvSpPr>
         <p:spPr>
           <a:xfrm>
-            <a:off x="4499992" y="1340768"/>
+            <a:off x="4355976" y="1340768"/>
             <a:ext cx="1944216" cy="936104"/>
           </a:xfrm>
           <a:prstGeom prst="rect">
@@ -6458,7 +6458,7 @@
         </p:nvSpPr>
         <p:spPr>
           <a:xfrm>
-            <a:off x="4644008" y="1628800"/>
+            <a:off x="4499992" y="1628800"/>
             <a:ext cx="504056" cy="504056"/>
           </a:xfrm>
           <a:prstGeom prst="rect">
@@ -6519,7 +6519,7 @@
         </p:nvSpPr>
         <p:spPr>
           <a:xfrm>
-            <a:off x="5220072" y="1628800"/>
+            <a:off x="5076056" y="1628800"/>
             <a:ext cx="504056" cy="504056"/>
           </a:xfrm>
           <a:prstGeom prst="rect">
@@ -6580,7 +6580,7 @@
         </p:nvSpPr>
         <p:spPr>
           <a:xfrm>
-            <a:off x="5796136" y="1628800"/>
+            <a:off x="5652120" y="1628800"/>
             <a:ext cx="504056" cy="504056"/>
           </a:xfrm>
           <a:prstGeom prst="rect">
@@ -6644,7 +6644,7 @@
         </p:nvCxnSpPr>
         <p:spPr>
           <a:xfrm>
-            <a:off x="5472100" y="1124744"/>
+            <a:off x="5328084" y="1124744"/>
             <a:ext cx="0" cy="216024"/>
           </a:xfrm>
           <a:prstGeom prst="straightConnector1">
@@ -6683,7 +6683,7 @@
         </p:nvCxnSpPr>
         <p:spPr>
           <a:xfrm>
-            <a:off x="5472100" y="2276872"/>
+            <a:off x="5328084" y="2276872"/>
             <a:ext cx="0" cy="353690"/>
           </a:xfrm>
           <a:prstGeom prst="straightConnector1">
@@ -6719,7 +6719,7 @@
         </p:nvSpPr>
         <p:spPr>
           <a:xfrm>
-            <a:off x="4499992" y="2318683"/>
+            <a:off x="4355976" y="2318683"/>
             <a:ext cx="1944216" cy="246221"/>
           </a:xfrm>
           <a:prstGeom prst="rect">
@@ -6761,7 +6761,7 @@
         </p:nvSpPr>
         <p:spPr>
           <a:xfrm>
-            <a:off x="1835696" y="5229200"/>
+            <a:off x="1691680" y="5229200"/>
             <a:ext cx="1224136" cy="504056"/>
           </a:xfrm>
           <a:prstGeom prst="rect">
@@ -6815,7 +6815,7 @@
         </p:nvSpPr>
         <p:spPr>
           <a:xfrm>
-            <a:off x="2123728" y="5949280"/>
+            <a:off x="1979712" y="5949280"/>
             <a:ext cx="648072" cy="576064"/>
           </a:xfrm>
           <a:prstGeom prst="flowChartMagneticDisk">
@@ -6863,7 +6863,7 @@
         </p:nvCxnSpPr>
         <p:spPr>
           <a:xfrm>
-            <a:off x="2447764" y="5733256"/>
+            <a:off x="2303748" y="5733256"/>
             <a:ext cx="0" cy="216024"/>
           </a:xfrm>
           <a:prstGeom prst="straightConnector1">
@@ -6899,8 +6899,8 @@
         </p:nvCxnSpPr>
         <p:spPr>
           <a:xfrm rot="16200000" flipH="1">
-            <a:off x="1076437" y="3857873"/>
-            <a:ext cx="1014462" cy="1728192"/>
+            <a:off x="1004429" y="3929881"/>
+            <a:ext cx="1014462" cy="1584176"/>
           </a:xfrm>
           <a:prstGeom prst="bentConnector3">
             <a:avLst>
@@ -6940,7 +6940,7 @@
         </p:nvCxnSpPr>
         <p:spPr>
           <a:xfrm rot="5400000">
-            <a:off x="3452701" y="3209801"/>
+            <a:off x="3308685" y="3209801"/>
             <a:ext cx="1014462" cy="3024336"/>
           </a:xfrm>
           <a:prstGeom prst="bentConnector3">
@@ -6981,8 +6981,8 @@
         </p:nvCxnSpPr>
         <p:spPr>
           <a:xfrm rot="5400000" flipH="1" flipV="1">
-            <a:off x="542727" y="1985665"/>
-            <a:ext cx="821742" cy="468052"/>
+            <a:off x="470719" y="2057673"/>
+            <a:ext cx="821742" cy="324036"/>
           </a:xfrm>
           <a:prstGeom prst="bentConnector2">
             <a:avLst/>
@@ -7017,7 +7017,7 @@
         </p:nvSpPr>
         <p:spPr>
           <a:xfrm>
-            <a:off x="539552" y="620688"/>
+            <a:off x="395536" y="620688"/>
             <a:ext cx="864096" cy="432048"/>
           </a:xfrm>
           <a:prstGeom prst="rect">
@@ -7072,7 +7072,7 @@
         </p:nvCxnSpPr>
         <p:spPr>
           <a:xfrm rot="16200000" flipH="1">
-            <a:off x="701570" y="1322766"/>
+            <a:off x="557554" y="1322766"/>
             <a:ext cx="756084" cy="216024"/>
           </a:xfrm>
           <a:prstGeom prst="bentConnector2">
@@ -7108,8 +7108,8 @@
         </p:nvCxnSpPr>
         <p:spPr>
           <a:xfrm rot="16200000" flipH="1">
-            <a:off x="1670503" y="3263807"/>
-            <a:ext cx="1734542" cy="3636404"/>
+            <a:off x="1598495" y="3335815"/>
+            <a:ext cx="1734542" cy="3492388"/>
           </a:xfrm>
           <a:prstGeom prst="bentConnector3">
             <a:avLst>
@@ -7149,7 +7149,7 @@
         </p:nvCxnSpPr>
         <p:spPr>
           <a:xfrm rot="5400000">
-            <a:off x="4046767" y="4523947"/>
+            <a:off x="3902751" y="4523947"/>
             <a:ext cx="1734542" cy="1116124"/>
           </a:xfrm>
           <a:prstGeom prst="bentConnector3">
@@ -7187,7 +7187,7 @@
         </p:nvSpPr>
         <p:spPr>
           <a:xfrm>
-            <a:off x="5292080" y="162812"/>
+            <a:off x="5148064" y="162812"/>
             <a:ext cx="360040" cy="332656"/>
           </a:xfrm>
           <a:prstGeom prst="smileyFace">
@@ -7227,7 +7227,7 @@
         </p:nvSpPr>
         <p:spPr>
           <a:xfrm>
-            <a:off x="6300192" y="5373216"/>
+            <a:off x="6156176" y="5373216"/>
             <a:ext cx="1224136" cy="432048"/>
           </a:xfrm>
           <a:prstGeom prst="rect">
@@ -7279,7 +7279,7 @@
         </p:nvSpPr>
         <p:spPr>
           <a:xfrm>
-            <a:off x="755576" y="5949280"/>
+            <a:off x="611560" y="5949280"/>
             <a:ext cx="648072" cy="576064"/>
           </a:xfrm>
           <a:prstGeom prst="flowChartMagneticDisk">
@@ -7324,7 +7324,7 @@
         </p:nvSpPr>
         <p:spPr>
           <a:xfrm>
-            <a:off x="3923928" y="5949280"/>
+            <a:off x="3779912" y="5949280"/>
             <a:ext cx="864096" cy="576064"/>
           </a:xfrm>
           <a:prstGeom prst="flowChartMagneticDisk">
@@ -7376,7 +7376,7 @@
         </p:nvCxnSpPr>
         <p:spPr>
           <a:xfrm flipH="1" flipV="1">
-            <a:off x="3563888" y="1808820"/>
+            <a:off x="3419872" y="1808820"/>
             <a:ext cx="1296144" cy="1613830"/>
           </a:xfrm>
           <a:prstGeom prst="straightConnector1">
@@ -7412,7 +7412,7 @@
         </p:nvSpPr>
         <p:spPr>
           <a:xfrm>
-            <a:off x="3563888" y="3645024"/>
+            <a:off x="3419872" y="3645024"/>
             <a:ext cx="792088" cy="432048"/>
           </a:xfrm>
           <a:prstGeom prst="rect">
@@ -10501,7 +10501,7 @@
         </p:nvSpPr>
         <p:spPr>
           <a:xfrm>
-            <a:off x="3491880" y="1196752"/>
+            <a:off x="1259632" y="116632"/>
             <a:ext cx="1296144" cy="576064"/>
           </a:xfrm>
           <a:prstGeom prst="rect">
@@ -10544,15 +10544,7 @@
                   <a:schemeClr val="tx1"/>
                 </a:solidFill>
               </a:rPr>
-              <a:t>Eureka </a:t>
-            </a:r>
-            <a:r>
-              <a:rPr lang="en-US" altLang="zh-CN" sz="1200" dirty="0" smtClean="0">
-                <a:solidFill>
-                  <a:schemeClr val="tx1"/>
-                </a:solidFill>
-              </a:rPr>
-              <a:t>Server</a:t>
+              <a:t>Eureka Server</a:t>
             </a:r>
           </a:p>
           <a:p>
@@ -10563,15 +10555,7 @@
                   <a:schemeClr val="tx1"/>
                 </a:solidFill>
               </a:rPr>
-              <a:t>服</a:t>
-            </a:r>
-            <a:r>
-              <a:rPr lang="zh-CN" altLang="en-US" sz="1200" dirty="0" smtClean="0">
-                <a:solidFill>
-                  <a:schemeClr val="tx1"/>
-                </a:solidFill>
-              </a:rPr>
-              <a:t>务注册中心</a:t>
+              <a:t>服务注册中心</a:t>
             </a:r>
             <a:endParaRPr lang="zh-CN" altLang="en-US" sz="1200" dirty="0">
               <a:solidFill>
@@ -10589,7 +10573,7 @@
         </p:nvSpPr>
         <p:spPr>
           <a:xfrm>
-            <a:off x="2051720" y="2564904"/>
+            <a:off x="107504" y="1268760"/>
             <a:ext cx="1368152" cy="576064"/>
           </a:xfrm>
           <a:prstGeom prst="rect">
@@ -10642,7 +10626,7 @@
         </p:nvSpPr>
         <p:spPr>
           <a:xfrm>
-            <a:off x="4572000" y="2492896"/>
+            <a:off x="2267744" y="1268760"/>
             <a:ext cx="1224136" cy="576064"/>
           </a:xfrm>
           <a:prstGeom prst="rect">
@@ -10695,8 +10679,8 @@
         </p:nvCxnSpPr>
         <p:spPr>
           <a:xfrm flipH="1" flipV="1">
-            <a:off x="4139952" y="1772816"/>
-            <a:ext cx="432048" cy="1008112"/>
+            <a:off x="1907704" y="692696"/>
+            <a:ext cx="360040" cy="864096"/>
           </a:xfrm>
           <a:prstGeom prst="straightConnector1">
             <a:avLst/>
@@ -10734,8 +10718,8 @@
         </p:nvCxnSpPr>
         <p:spPr>
           <a:xfrm flipV="1">
-            <a:off x="2735796" y="1772816"/>
-            <a:ext cx="1404156" cy="792088"/>
+            <a:off x="791580" y="692696"/>
+            <a:ext cx="1116124" cy="576064"/>
           </a:xfrm>
           <a:prstGeom prst="straightConnector1">
             <a:avLst/>
@@ -10770,7 +10754,7 @@
         </p:nvSpPr>
         <p:spPr>
           <a:xfrm>
-            <a:off x="2051720" y="3573016"/>
+            <a:off x="107504" y="1988840"/>
             <a:ext cx="1368152" cy="576064"/>
           </a:xfrm>
           <a:prstGeom prst="rect">
@@ -10825,9 +10809,9 @@
           <p:nvPr/>
         </p:nvCxnSpPr>
         <p:spPr>
-          <a:xfrm flipV="1">
-            <a:off x="3419872" y="2780928"/>
-            <a:ext cx="1152128" cy="72008"/>
+          <a:xfrm>
+            <a:off x="1475656" y="1556792"/>
+            <a:ext cx="792088" cy="0"/>
           </a:xfrm>
           <a:prstGeom prst="straightConnector1">
             <a:avLst/>
@@ -10865,8 +10849,8 @@
         </p:nvCxnSpPr>
         <p:spPr>
           <a:xfrm flipV="1">
-            <a:off x="3419872" y="2780928"/>
-            <a:ext cx="1152128" cy="1080120"/>
+            <a:off x="1475656" y="1556792"/>
+            <a:ext cx="792088" cy="720080"/>
           </a:xfrm>
           <a:prstGeom prst="straightConnector1">
             <a:avLst/>
@@ -10901,8 +10885,8 @@
         </p:nvSpPr>
         <p:spPr>
           <a:xfrm>
-            <a:off x="3491880" y="2060848"/>
-            <a:ext cx="800219" cy="276999"/>
+            <a:off x="1403648" y="847745"/>
+            <a:ext cx="697627" cy="246221"/>
           </a:xfrm>
           <a:prstGeom prst="rect">
             <a:avLst/>
@@ -10916,14 +10900,10 @@
           <a:lstStyle/>
           <a:p>
             <a:r>
-              <a:rPr lang="zh-CN" altLang="en-US" sz="1200" dirty="0" smtClean="0"/>
-              <a:t>服</a:t>
-            </a:r>
-            <a:r>
-              <a:rPr lang="zh-CN" altLang="en-US" sz="1200" dirty="0" smtClean="0"/>
-              <a:t>务注册</a:t>
-            </a:r>
-            <a:endParaRPr lang="zh-CN" altLang="en-US" sz="1200" dirty="0"/>
+              <a:rPr lang="zh-CN" altLang="en-US" sz="1000" dirty="0" smtClean="0"/>
+              <a:t>服务注册</a:t>
+            </a:r>
+            <a:endParaRPr lang="zh-CN" altLang="en-US" sz="1000" dirty="0"/>
           </a:p>
         </p:txBody>
       </p:sp>
@@ -10935,8 +10915,8 @@
         </p:nvSpPr>
         <p:spPr>
           <a:xfrm>
-            <a:off x="3563888" y="2852936"/>
-            <a:ext cx="800219" cy="276999"/>
+            <a:off x="1498109" y="1556792"/>
+            <a:ext cx="697627" cy="246221"/>
           </a:xfrm>
           <a:prstGeom prst="rect">
             <a:avLst/>
@@ -10950,17 +10930,757 @@
           <a:lstStyle/>
           <a:p>
             <a:r>
+              <a:rPr lang="zh-CN" altLang="en-US" sz="1000" dirty="0" smtClean="0"/>
+              <a:t>监控注册</a:t>
+            </a:r>
+            <a:endParaRPr lang="zh-CN" altLang="en-US" sz="1000" dirty="0"/>
+          </a:p>
+        </p:txBody>
+      </p:sp>
+      <p:sp>
+        <p:nvSpPr>
+          <p:cNvPr id="21" name="矩形 20"/>
+          <p:cNvSpPr/>
+          <p:nvPr/>
+        </p:nvSpPr>
+        <p:spPr>
+          <a:xfrm>
+            <a:off x="6444208" y="980728"/>
+            <a:ext cx="1368152" cy="504056"/>
+          </a:xfrm>
+          <a:prstGeom prst="rect">
+            <a:avLst/>
+          </a:prstGeom>
+          <a:solidFill>
+            <a:srgbClr val="00B0F0"/>
+          </a:solidFill>
+          <a:ln>
+            <a:noFill/>
+          </a:ln>
+        </p:spPr>
+        <p:style>
+          <a:lnRef idx="2">
+            <a:schemeClr val="accent1">
+              <a:shade val="50000"/>
+            </a:schemeClr>
+          </a:lnRef>
+          <a:fillRef idx="1">
+            <a:schemeClr val="accent1"/>
+          </a:fillRef>
+          <a:effectRef idx="0">
+            <a:schemeClr val="accent1"/>
+          </a:effectRef>
+          <a:fontRef idx="minor">
+            <a:schemeClr val="lt1"/>
+          </a:fontRef>
+        </p:style>
+        <p:txBody>
+          <a:bodyPr rtlCol="0" anchor="ctr"/>
+          <a:lstStyle/>
+          <a:p>
+            <a:pPr algn="ctr"/>
+            <a:r>
+              <a:rPr lang="en-US" altLang="zh-CN" sz="1200" dirty="0" smtClean="0"/>
+              <a:t>Gateway</a:t>
+            </a:r>
+            <a:endParaRPr lang="zh-CN" altLang="en-US" sz="1200" dirty="0"/>
+          </a:p>
+        </p:txBody>
+      </p:sp>
+      <p:sp>
+        <p:nvSpPr>
+          <p:cNvPr id="26" name="矩形 25"/>
+          <p:cNvSpPr/>
+          <p:nvPr/>
+        </p:nvSpPr>
+        <p:spPr>
+          <a:xfrm>
+            <a:off x="4499992" y="980728"/>
+            <a:ext cx="1224136" cy="504056"/>
+          </a:xfrm>
+          <a:prstGeom prst="rect">
+            <a:avLst/>
+          </a:prstGeom>
+          <a:solidFill>
+            <a:schemeClr val="tx2">
+              <a:lumMod val="60000"/>
+              <a:lumOff val="40000"/>
+            </a:schemeClr>
+          </a:solidFill>
+          <a:ln>
+            <a:noFill/>
+          </a:ln>
+        </p:spPr>
+        <p:style>
+          <a:lnRef idx="2">
+            <a:schemeClr val="accent1">
+              <a:shade val="50000"/>
+            </a:schemeClr>
+          </a:lnRef>
+          <a:fillRef idx="1">
+            <a:schemeClr val="accent1"/>
+          </a:fillRef>
+          <a:effectRef idx="0">
+            <a:schemeClr val="accent1"/>
+          </a:effectRef>
+          <a:fontRef idx="minor">
+            <a:schemeClr val="lt1"/>
+          </a:fontRef>
+        </p:style>
+        <p:txBody>
+          <a:bodyPr rtlCol="0" anchor="ctr"/>
+          <a:lstStyle/>
+          <a:p>
+            <a:pPr algn="ctr"/>
+            <a:r>
+              <a:rPr lang="en-US" altLang="zh-CN" sz="1200" dirty="0" smtClean="0">
+                <a:solidFill>
+                  <a:schemeClr val="tx1"/>
+                </a:solidFill>
+              </a:rPr>
+              <a:t>Eureka </a:t>
+            </a:r>
+            <a:r>
+              <a:rPr lang="en-US" altLang="zh-CN" sz="1200" dirty="0" smtClean="0">
+                <a:solidFill>
+                  <a:schemeClr val="tx1"/>
+                </a:solidFill>
+              </a:rPr>
+              <a:t>Server</a:t>
+            </a:r>
+            <a:endParaRPr lang="zh-CN" altLang="en-US" sz="1200" dirty="0">
+              <a:solidFill>
+                <a:schemeClr val="tx1"/>
+              </a:solidFill>
+            </a:endParaRPr>
+          </a:p>
+        </p:txBody>
+      </p:sp>
+      <p:sp>
+        <p:nvSpPr>
+          <p:cNvPr id="29" name="矩形 28"/>
+          <p:cNvSpPr/>
+          <p:nvPr/>
+        </p:nvSpPr>
+        <p:spPr>
+          <a:xfrm>
+            <a:off x="6444208" y="1844824"/>
+            <a:ext cx="1368152" cy="504056"/>
+          </a:xfrm>
+          <a:prstGeom prst="rect">
+            <a:avLst/>
+          </a:prstGeom>
+          <a:solidFill>
+            <a:schemeClr val="accent2">
+              <a:lumMod val="60000"/>
+              <a:lumOff val="40000"/>
+            </a:schemeClr>
+          </a:solidFill>
+          <a:ln>
+            <a:noFill/>
+          </a:ln>
+        </p:spPr>
+        <p:style>
+          <a:lnRef idx="2">
+            <a:schemeClr val="accent1">
+              <a:shade val="50000"/>
+            </a:schemeClr>
+          </a:lnRef>
+          <a:fillRef idx="1">
+            <a:schemeClr val="accent1"/>
+          </a:fillRef>
+          <a:effectRef idx="0">
+            <a:schemeClr val="accent1"/>
+          </a:effectRef>
+          <a:fontRef idx="minor">
+            <a:schemeClr val="lt1"/>
+          </a:fontRef>
+        </p:style>
+        <p:txBody>
+          <a:bodyPr rtlCol="0" anchor="ctr"/>
+          <a:lstStyle/>
+          <a:p>
+            <a:pPr algn="ctr"/>
+            <a:r>
+              <a:rPr lang="en-US" altLang="zh-CN" sz="1200" dirty="0" smtClean="0"/>
+              <a:t>Service Provider</a:t>
+            </a:r>
+            <a:endParaRPr lang="zh-CN" altLang="en-US" sz="1200" dirty="0"/>
+          </a:p>
+        </p:txBody>
+      </p:sp>
+      <p:cxnSp>
+        <p:nvCxnSpPr>
+          <p:cNvPr id="34" name="直接箭头连接符 33"/>
+          <p:cNvCxnSpPr>
+            <a:stCxn id="21" idx="2"/>
+            <a:endCxn id="29" idx="0"/>
+          </p:cNvCxnSpPr>
+          <p:nvPr/>
+        </p:nvCxnSpPr>
+        <p:spPr>
+          <a:xfrm>
+            <a:off x="7128284" y="1484784"/>
+            <a:ext cx="0" cy="360040"/>
+          </a:xfrm>
+          <a:prstGeom prst="straightConnector1">
+            <a:avLst/>
+          </a:prstGeom>
+          <a:ln>
+            <a:tailEnd type="arrow"/>
+          </a:ln>
+        </p:spPr>
+        <p:style>
+          <a:lnRef idx="1">
+            <a:schemeClr val="accent1"/>
+          </a:lnRef>
+          <a:fillRef idx="0">
+            <a:schemeClr val="accent1"/>
+          </a:fillRef>
+          <a:effectRef idx="0">
+            <a:schemeClr val="accent1"/>
+          </a:effectRef>
+          <a:fontRef idx="minor">
+            <a:schemeClr val="tx1"/>
+          </a:fontRef>
+        </p:style>
+      </p:cxnSp>
+      <p:sp>
+        <p:nvSpPr>
+          <p:cNvPr id="35" name="矩形 34"/>
+          <p:cNvSpPr/>
+          <p:nvPr/>
+        </p:nvSpPr>
+        <p:spPr>
+          <a:xfrm>
+            <a:off x="6444208" y="116632"/>
+            <a:ext cx="1368152" cy="504056"/>
+          </a:xfrm>
+          <a:prstGeom prst="rect">
+            <a:avLst/>
+          </a:prstGeom>
+          <a:solidFill>
+            <a:srgbClr val="00B050"/>
+          </a:solidFill>
+          <a:ln>
+            <a:noFill/>
+          </a:ln>
+        </p:spPr>
+        <p:style>
+          <a:lnRef idx="2">
+            <a:schemeClr val="accent1">
+              <a:shade val="50000"/>
+            </a:schemeClr>
+          </a:lnRef>
+          <a:fillRef idx="1">
+            <a:schemeClr val="accent1"/>
+          </a:fillRef>
+          <a:effectRef idx="0">
+            <a:schemeClr val="accent1"/>
+          </a:effectRef>
+          <a:fontRef idx="minor">
+            <a:schemeClr val="lt1"/>
+          </a:fontRef>
+        </p:style>
+        <p:txBody>
+          <a:bodyPr rtlCol="0" anchor="ctr"/>
+          <a:lstStyle/>
+          <a:p>
+            <a:pPr algn="ctr"/>
+            <a:r>
+              <a:rPr lang="en-US" altLang="zh-CN" sz="1200" dirty="0" smtClean="0"/>
+              <a:t>Web App</a:t>
+            </a:r>
+          </a:p>
+          <a:p>
+            <a:pPr algn="ctr"/>
+            <a:r>
+              <a:rPr lang="en-US" altLang="zh-CN" sz="1200" dirty="0" smtClean="0"/>
+              <a:t>Service Consumer</a:t>
+            </a:r>
+            <a:endParaRPr lang="zh-CN" altLang="en-US" sz="1200" dirty="0"/>
+          </a:p>
+        </p:txBody>
+      </p:sp>
+      <p:cxnSp>
+        <p:nvCxnSpPr>
+          <p:cNvPr id="37" name="直接箭头连接符 36"/>
+          <p:cNvCxnSpPr>
+            <a:stCxn id="35" idx="2"/>
+            <a:endCxn id="21" idx="0"/>
+          </p:cNvCxnSpPr>
+          <p:nvPr/>
+        </p:nvCxnSpPr>
+        <p:spPr>
+          <a:xfrm>
+            <a:off x="7128284" y="620688"/>
+            <a:ext cx="0" cy="360040"/>
+          </a:xfrm>
+          <a:prstGeom prst="straightConnector1">
+            <a:avLst/>
+          </a:prstGeom>
+          <a:ln>
+            <a:tailEnd type="arrow"/>
+          </a:ln>
+        </p:spPr>
+        <p:style>
+          <a:lnRef idx="1">
+            <a:schemeClr val="accent1"/>
+          </a:lnRef>
+          <a:fillRef idx="0">
+            <a:schemeClr val="accent1"/>
+          </a:fillRef>
+          <a:effectRef idx="0">
+            <a:schemeClr val="accent1"/>
+          </a:effectRef>
+          <a:fontRef idx="minor">
+            <a:schemeClr val="tx1"/>
+          </a:fontRef>
+        </p:style>
+      </p:cxnSp>
+      <p:sp>
+        <p:nvSpPr>
+          <p:cNvPr id="39" name="矩形 38"/>
+          <p:cNvSpPr/>
+          <p:nvPr/>
+        </p:nvSpPr>
+        <p:spPr>
+          <a:xfrm>
+            <a:off x="4499992" y="1844824"/>
+            <a:ext cx="1224136" cy="504056"/>
+          </a:xfrm>
+          <a:prstGeom prst="rect">
+            <a:avLst/>
+          </a:prstGeom>
+          <a:solidFill>
+            <a:schemeClr val="accent6">
+              <a:lumMod val="75000"/>
+            </a:schemeClr>
+          </a:solidFill>
+          <a:ln>
+            <a:noFill/>
+          </a:ln>
+        </p:spPr>
+        <p:style>
+          <a:lnRef idx="2">
+            <a:schemeClr val="accent1">
+              <a:shade val="50000"/>
+            </a:schemeClr>
+          </a:lnRef>
+          <a:fillRef idx="1">
+            <a:schemeClr val="accent1"/>
+          </a:fillRef>
+          <a:effectRef idx="0">
+            <a:schemeClr val="accent1"/>
+          </a:effectRef>
+          <a:fontRef idx="minor">
+            <a:schemeClr val="lt1"/>
+          </a:fontRef>
+        </p:style>
+        <p:txBody>
+          <a:bodyPr rtlCol="0" anchor="ctr"/>
+          <a:lstStyle/>
+          <a:p>
+            <a:pPr algn="ctr"/>
+            <a:r>
+              <a:rPr lang="en-US" altLang="zh-CN" sz="1200" dirty="0" smtClean="0"/>
+              <a:t>Auth Service</a:t>
+            </a:r>
+          </a:p>
+        </p:txBody>
+      </p:sp>
+      <p:cxnSp>
+        <p:nvCxnSpPr>
+          <p:cNvPr id="42" name="肘形连接符 41"/>
+          <p:cNvCxnSpPr>
+            <a:stCxn id="21" idx="2"/>
+            <a:endCxn id="39" idx="0"/>
+          </p:cNvCxnSpPr>
+          <p:nvPr/>
+        </p:nvCxnSpPr>
+        <p:spPr>
+          <a:xfrm rot="5400000">
+            <a:off x="5940152" y="656692"/>
+            <a:ext cx="360040" cy="2016224"/>
+          </a:xfrm>
+          <a:prstGeom prst="bentConnector3">
+            <a:avLst>
+              <a:gd name="adj1" fmla="val 50000"/>
+            </a:avLst>
+          </a:prstGeom>
+          <a:ln>
+            <a:tailEnd type="arrow"/>
+          </a:ln>
+        </p:spPr>
+        <p:style>
+          <a:lnRef idx="1">
+            <a:schemeClr val="accent1"/>
+          </a:lnRef>
+          <a:fillRef idx="0">
+            <a:schemeClr val="accent1"/>
+          </a:fillRef>
+          <a:effectRef idx="0">
+            <a:schemeClr val="accent1"/>
+          </a:effectRef>
+          <a:fontRef idx="minor">
+            <a:schemeClr val="tx1"/>
+          </a:fontRef>
+        </p:style>
+      </p:cxnSp>
+      <p:sp>
+        <p:nvSpPr>
+          <p:cNvPr id="43" name="TextBox 42"/>
+          <p:cNvSpPr txBox="1"/>
+          <p:nvPr/>
+        </p:nvSpPr>
+        <p:spPr>
+          <a:xfrm>
+            <a:off x="4355976" y="3717032"/>
+            <a:ext cx="4680520" cy="1569660"/>
+          </a:xfrm>
+          <a:prstGeom prst="rect">
+            <a:avLst/>
+          </a:prstGeom>
+          <a:noFill/>
+        </p:spPr>
+        <p:txBody>
+          <a:bodyPr wrap="square" rtlCol="0">
+            <a:spAutoFit/>
+          </a:bodyPr>
+          <a:lstStyle/>
+          <a:p>
+            <a:r>
+              <a:rPr lang="en-US" altLang="zh-CN" sz="1200" dirty="0" smtClean="0"/>
+              <a:t>Auth Service</a:t>
+            </a:r>
+            <a:r>
               <a:rPr lang="zh-CN" altLang="en-US" sz="1200" dirty="0" smtClean="0"/>
-              <a:t>监控</a:t>
+              <a:t>：</a:t>
+            </a:r>
+            <a:endParaRPr lang="en-US" altLang="zh-CN" sz="1200" dirty="0" smtClean="0"/>
+          </a:p>
+          <a:p>
+            <a:r>
+              <a:rPr lang="en-US" altLang="zh-CN" sz="1200" dirty="0" smtClean="0"/>
+              <a:t>        </a:t>
             </a:r>
             <a:r>
               <a:rPr lang="zh-CN" altLang="en-US" sz="1200" dirty="0" smtClean="0"/>
-              <a:t>注册</a:t>
-            </a:r>
-            <a:endParaRPr lang="zh-CN" altLang="en-US" sz="1200" dirty="0"/>
-          </a:p>
-        </p:txBody>
-      </p:sp>
+              <a:t>访问</a:t>
+            </a:r>
+            <a:r>
+              <a:rPr lang="en-US" altLang="zh-CN" sz="1200" dirty="0" smtClean="0"/>
+              <a:t>Auth Service</a:t>
+            </a:r>
+            <a:r>
+              <a:rPr lang="zh-CN" altLang="en-US" sz="1200" dirty="0" smtClean="0"/>
+              <a:t>的</a:t>
+            </a:r>
+            <a:r>
+              <a:rPr lang="en-US" altLang="zh-CN" sz="1200" dirty="0" smtClean="0"/>
+              <a:t>login</a:t>
+            </a:r>
+            <a:r>
+              <a:rPr lang="zh-CN" altLang="en-US" sz="1200" dirty="0" smtClean="0"/>
+              <a:t>接口进行登录认证，认证通过后生成</a:t>
+            </a:r>
+            <a:r>
+              <a:rPr lang="en-US" altLang="zh-CN" sz="1200" dirty="0" smtClean="0"/>
+              <a:t>token</a:t>
+            </a:r>
+            <a:r>
+              <a:rPr lang="zh-CN" altLang="en-US" sz="1200" dirty="0" smtClean="0"/>
+              <a:t>存储到</a:t>
+            </a:r>
+            <a:r>
+              <a:rPr lang="en-US" altLang="zh-CN" sz="1200" dirty="0" err="1" smtClean="0"/>
+              <a:t>redis</a:t>
+            </a:r>
+            <a:r>
+              <a:rPr lang="zh-CN" altLang="en-US" sz="1200" dirty="0" smtClean="0"/>
+              <a:t>，并返回</a:t>
+            </a:r>
+            <a:r>
+              <a:rPr lang="zh-CN" altLang="en-US" sz="1200" dirty="0" smtClean="0"/>
+              <a:t>该</a:t>
+            </a:r>
+            <a:r>
+              <a:rPr lang="en-US" altLang="zh-CN" sz="1200" dirty="0" smtClean="0"/>
+              <a:t>token</a:t>
+            </a:r>
+          </a:p>
+          <a:p>
+            <a:r>
+              <a:rPr lang="en-US" altLang="zh-CN" sz="1200" dirty="0" smtClean="0"/>
+              <a:t>        </a:t>
+            </a:r>
+            <a:r>
+              <a:rPr lang="zh-CN" altLang="en-US" sz="1200" dirty="0" smtClean="0"/>
+              <a:t>后续每次访问都将</a:t>
+            </a:r>
+            <a:r>
+              <a:rPr lang="en-US" altLang="zh-CN" sz="1200" dirty="0" smtClean="0"/>
+              <a:t>token</a:t>
+            </a:r>
+            <a:r>
+              <a:rPr lang="zh-CN" altLang="en-US" sz="1200" dirty="0" smtClean="0"/>
+              <a:t>放入请求头的</a:t>
+            </a:r>
+            <a:r>
+              <a:rPr lang="en-US" altLang="zh-CN" sz="1200" dirty="0" smtClean="0"/>
+              <a:t>Authorization</a:t>
+            </a:r>
+            <a:r>
+              <a:rPr lang="zh-CN" altLang="en-US" sz="1200" dirty="0" smtClean="0"/>
+              <a:t>参数中</a:t>
+            </a:r>
+            <a:endParaRPr lang="en-US" altLang="zh-CN" sz="1200" dirty="0" smtClean="0"/>
+          </a:p>
+          <a:p>
+            <a:endParaRPr lang="en-US" altLang="zh-CN" sz="1200" dirty="0" smtClean="0"/>
+          </a:p>
+          <a:p>
+            <a:r>
+              <a:rPr lang="en-US" altLang="zh-CN" sz="1200" dirty="0" smtClean="0"/>
+              <a:t>Gateway</a:t>
+            </a:r>
+            <a:r>
+              <a:rPr lang="zh-CN" altLang="en-US" sz="1200" dirty="0" smtClean="0"/>
+              <a:t>：</a:t>
+            </a:r>
+            <a:endParaRPr lang="en-US" altLang="zh-CN" sz="1200" dirty="0" smtClean="0"/>
+          </a:p>
+          <a:p>
+            <a:r>
+              <a:rPr lang="en-US" altLang="zh-CN" sz="1200" dirty="0" smtClean="0"/>
+              <a:t>        Gateway</a:t>
+            </a:r>
+            <a:r>
+              <a:rPr lang="zh-CN" altLang="en-US" sz="1200" dirty="0" smtClean="0"/>
+              <a:t>的全局过滤器从请求头中取得</a:t>
+            </a:r>
+            <a:r>
+              <a:rPr lang="en-US" altLang="zh-CN" sz="1200" dirty="0" smtClean="0"/>
+              <a:t>token</a:t>
+            </a:r>
+            <a:r>
+              <a:rPr lang="zh-CN" altLang="en-US" sz="1200" dirty="0" smtClean="0"/>
+              <a:t>，并与</a:t>
+            </a:r>
+            <a:r>
+              <a:rPr lang="en-US" altLang="zh-CN" sz="1200" dirty="0" err="1" smtClean="0"/>
+              <a:t>redis</a:t>
+            </a:r>
+            <a:r>
+              <a:rPr lang="zh-CN" altLang="en-US" sz="1200" dirty="0" smtClean="0"/>
+              <a:t>中存储的值进行验证</a:t>
+            </a:r>
+            <a:endParaRPr lang="en-US" altLang="zh-CN" sz="1200" dirty="0" smtClean="0"/>
+          </a:p>
+        </p:txBody>
+      </p:sp>
+      <p:sp>
+        <p:nvSpPr>
+          <p:cNvPr id="44" name="流程图: 磁盘 43"/>
+          <p:cNvSpPr/>
+          <p:nvPr/>
+        </p:nvSpPr>
+        <p:spPr>
+          <a:xfrm>
+            <a:off x="4788024" y="2708920"/>
+            <a:ext cx="648072" cy="576064"/>
+          </a:xfrm>
+          <a:prstGeom prst="flowChartMagneticDisk">
+            <a:avLst/>
+          </a:prstGeom>
+          <a:ln w="3175"/>
+        </p:spPr>
+        <p:style>
+          <a:lnRef idx="2">
+            <a:schemeClr val="accent1">
+              <a:shade val="50000"/>
+            </a:schemeClr>
+          </a:lnRef>
+          <a:fillRef idx="1">
+            <a:schemeClr val="accent1"/>
+          </a:fillRef>
+          <a:effectRef idx="0">
+            <a:schemeClr val="accent1"/>
+          </a:effectRef>
+          <a:fontRef idx="minor">
+            <a:schemeClr val="lt1"/>
+          </a:fontRef>
+        </p:style>
+        <p:txBody>
+          <a:bodyPr rtlCol="0" anchor="ctr"/>
+          <a:lstStyle/>
+          <a:p>
+            <a:pPr algn="ctr"/>
+            <a:r>
+              <a:rPr lang="en-US" altLang="zh-CN" sz="1100" dirty="0" err="1" smtClean="0"/>
+              <a:t>Redis</a:t>
+            </a:r>
+            <a:endParaRPr lang="zh-CN" altLang="en-US" sz="1100" dirty="0"/>
+          </a:p>
+        </p:txBody>
+      </p:sp>
+      <p:cxnSp>
+        <p:nvCxnSpPr>
+          <p:cNvPr id="46" name="直接箭头连接符 45"/>
+          <p:cNvCxnSpPr>
+            <a:stCxn id="39" idx="2"/>
+            <a:endCxn id="44" idx="1"/>
+          </p:cNvCxnSpPr>
+          <p:nvPr/>
+        </p:nvCxnSpPr>
+        <p:spPr>
+          <a:xfrm>
+            <a:off x="5112060" y="2348880"/>
+            <a:ext cx="0" cy="360040"/>
+          </a:xfrm>
+          <a:prstGeom prst="straightConnector1">
+            <a:avLst/>
+          </a:prstGeom>
+          <a:ln>
+            <a:tailEnd type="arrow"/>
+          </a:ln>
+        </p:spPr>
+        <p:style>
+          <a:lnRef idx="1">
+            <a:schemeClr val="accent1"/>
+          </a:lnRef>
+          <a:fillRef idx="0">
+            <a:schemeClr val="accent1"/>
+          </a:fillRef>
+          <a:effectRef idx="0">
+            <a:schemeClr val="accent1"/>
+          </a:effectRef>
+          <a:fontRef idx="minor">
+            <a:schemeClr val="tx1"/>
+          </a:fontRef>
+        </p:style>
+      </p:cxnSp>
+      <p:cxnSp>
+        <p:nvCxnSpPr>
+          <p:cNvPr id="48" name="直接箭头连接符 47"/>
+          <p:cNvCxnSpPr>
+            <a:stCxn id="21" idx="1"/>
+            <a:endCxn id="26" idx="3"/>
+          </p:cNvCxnSpPr>
+          <p:nvPr/>
+        </p:nvCxnSpPr>
+        <p:spPr>
+          <a:xfrm flipH="1">
+            <a:off x="5724128" y="1232756"/>
+            <a:ext cx="720080" cy="0"/>
+          </a:xfrm>
+          <a:prstGeom prst="straightConnector1">
+            <a:avLst/>
+          </a:prstGeom>
+          <a:ln w="28575">
+            <a:solidFill>
+              <a:srgbClr val="FF0000"/>
+            </a:solidFill>
+            <a:tailEnd type="arrow"/>
+          </a:ln>
+        </p:spPr>
+        <p:style>
+          <a:lnRef idx="1">
+            <a:schemeClr val="accent1"/>
+          </a:lnRef>
+          <a:fillRef idx="0">
+            <a:schemeClr val="accent1"/>
+          </a:fillRef>
+          <a:effectRef idx="0">
+            <a:schemeClr val="accent1"/>
+          </a:effectRef>
+          <a:fontRef idx="minor">
+            <a:schemeClr val="tx1"/>
+          </a:fontRef>
+        </p:style>
+      </p:cxnSp>
+      <p:cxnSp>
+        <p:nvCxnSpPr>
+          <p:cNvPr id="50" name="肘形连接符 49"/>
+          <p:cNvCxnSpPr>
+            <a:stCxn id="39" idx="3"/>
+            <a:endCxn id="26" idx="3"/>
+          </p:cNvCxnSpPr>
+          <p:nvPr/>
+        </p:nvCxnSpPr>
+        <p:spPr>
+          <a:xfrm flipV="1">
+            <a:off x="5724128" y="1232756"/>
+            <a:ext cx="12700" cy="864096"/>
+          </a:xfrm>
+          <a:prstGeom prst="bentConnector3">
+            <a:avLst>
+              <a:gd name="adj1" fmla="val 1800000"/>
+            </a:avLst>
+          </a:prstGeom>
+          <a:ln w="28575">
+            <a:solidFill>
+              <a:srgbClr val="FF0000"/>
+            </a:solidFill>
+            <a:tailEnd type="arrow"/>
+          </a:ln>
+        </p:spPr>
+        <p:style>
+          <a:lnRef idx="1">
+            <a:schemeClr val="accent1"/>
+          </a:lnRef>
+          <a:fillRef idx="0">
+            <a:schemeClr val="accent1"/>
+          </a:fillRef>
+          <a:effectRef idx="0">
+            <a:schemeClr val="accent1"/>
+          </a:effectRef>
+          <a:fontRef idx="minor">
+            <a:schemeClr val="tx1"/>
+          </a:fontRef>
+        </p:style>
+      </p:cxnSp>
+      <p:cxnSp>
+        <p:nvCxnSpPr>
+          <p:cNvPr id="52" name="肘形连接符 51"/>
+          <p:cNvCxnSpPr>
+            <a:stCxn id="29" idx="1"/>
+            <a:endCxn id="26" idx="3"/>
+          </p:cNvCxnSpPr>
+          <p:nvPr/>
+        </p:nvCxnSpPr>
+        <p:spPr>
+          <a:xfrm rot="10800000">
+            <a:off x="5724128" y="1232756"/>
+            <a:ext cx="720080" cy="864096"/>
+          </a:xfrm>
+          <a:prstGeom prst="bentConnector3">
+            <a:avLst>
+              <a:gd name="adj1" fmla="val 50000"/>
+            </a:avLst>
+          </a:prstGeom>
+          <a:ln w="19050">
+            <a:solidFill>
+              <a:srgbClr val="FF0000"/>
+            </a:solidFill>
+            <a:tailEnd type="arrow"/>
+          </a:ln>
+        </p:spPr>
+        <p:style>
+          <a:lnRef idx="1">
+            <a:schemeClr val="accent1"/>
+          </a:lnRef>
+          <a:fillRef idx="0">
+            <a:schemeClr val="accent1"/>
+          </a:fillRef>
+          <a:effectRef idx="0">
+            <a:schemeClr val="accent1"/>
+          </a:effectRef>
+          <a:fontRef idx="minor">
+            <a:schemeClr val="tx1"/>
+          </a:fontRef>
+        </p:style>
+      </p:cxnSp>
     </p:spTree>
   </p:cSld>
   <p:clrMapOvr>

--- a/doc/架构图.pptx
+++ b/doc/架构图.pptx
@@ -296,7 +296,7 @@
             <a:fld id="{9CCB53D5-3F0A-4974-9E71-2401F19FA0D5}" type="datetimeFigureOut">
               <a:rPr lang="zh-CN" altLang="en-US" smtClean="0"/>
               <a:pPr/>
-              <a:t>2019/3/15</a:t>
+              <a:t>2019/3/16</a:t>
             </a:fld>
             <a:endParaRPr lang="zh-CN" altLang="en-US"/>
           </a:p>
@@ -463,7 +463,7 @@
             <a:fld id="{9CCB53D5-3F0A-4974-9E71-2401F19FA0D5}" type="datetimeFigureOut">
               <a:rPr lang="zh-CN" altLang="en-US" smtClean="0"/>
               <a:pPr/>
-              <a:t>2019/3/15</a:t>
+              <a:t>2019/3/16</a:t>
             </a:fld>
             <a:endParaRPr lang="zh-CN" altLang="en-US"/>
           </a:p>
@@ -640,7 +640,7 @@
             <a:fld id="{9CCB53D5-3F0A-4974-9E71-2401F19FA0D5}" type="datetimeFigureOut">
               <a:rPr lang="zh-CN" altLang="en-US" smtClean="0"/>
               <a:pPr/>
-              <a:t>2019/3/15</a:t>
+              <a:t>2019/3/16</a:t>
             </a:fld>
             <a:endParaRPr lang="zh-CN" altLang="en-US"/>
           </a:p>
@@ -807,7 +807,7 @@
             <a:fld id="{9CCB53D5-3F0A-4974-9E71-2401F19FA0D5}" type="datetimeFigureOut">
               <a:rPr lang="zh-CN" altLang="en-US" smtClean="0"/>
               <a:pPr/>
-              <a:t>2019/3/15</a:t>
+              <a:t>2019/3/16</a:t>
             </a:fld>
             <a:endParaRPr lang="zh-CN" altLang="en-US"/>
           </a:p>
@@ -1050,7 +1050,7 @@
             <a:fld id="{9CCB53D5-3F0A-4974-9E71-2401F19FA0D5}" type="datetimeFigureOut">
               <a:rPr lang="zh-CN" altLang="en-US" smtClean="0"/>
               <a:pPr/>
-              <a:t>2019/3/15</a:t>
+              <a:t>2019/3/16</a:t>
             </a:fld>
             <a:endParaRPr lang="zh-CN" altLang="en-US"/>
           </a:p>
@@ -1335,7 +1335,7 @@
             <a:fld id="{9CCB53D5-3F0A-4974-9E71-2401F19FA0D5}" type="datetimeFigureOut">
               <a:rPr lang="zh-CN" altLang="en-US" smtClean="0"/>
               <a:pPr/>
-              <a:t>2019/3/15</a:t>
+              <a:t>2019/3/16</a:t>
             </a:fld>
             <a:endParaRPr lang="zh-CN" altLang="en-US"/>
           </a:p>
@@ -1754,7 +1754,7 @@
             <a:fld id="{9CCB53D5-3F0A-4974-9E71-2401F19FA0D5}" type="datetimeFigureOut">
               <a:rPr lang="zh-CN" altLang="en-US" smtClean="0"/>
               <a:pPr/>
-              <a:t>2019/3/15</a:t>
+              <a:t>2019/3/16</a:t>
             </a:fld>
             <a:endParaRPr lang="zh-CN" altLang="en-US"/>
           </a:p>
@@ -1869,7 +1869,7 @@
             <a:fld id="{9CCB53D5-3F0A-4974-9E71-2401F19FA0D5}" type="datetimeFigureOut">
               <a:rPr lang="zh-CN" altLang="en-US" smtClean="0"/>
               <a:pPr/>
-              <a:t>2019/3/15</a:t>
+              <a:t>2019/3/16</a:t>
             </a:fld>
             <a:endParaRPr lang="zh-CN" altLang="en-US"/>
           </a:p>
@@ -1961,7 +1961,7 @@
             <a:fld id="{9CCB53D5-3F0A-4974-9E71-2401F19FA0D5}" type="datetimeFigureOut">
               <a:rPr lang="zh-CN" altLang="en-US" smtClean="0"/>
               <a:pPr/>
-              <a:t>2019/3/15</a:t>
+              <a:t>2019/3/16</a:t>
             </a:fld>
             <a:endParaRPr lang="zh-CN" altLang="en-US"/>
           </a:p>
@@ -2235,7 +2235,7 @@
             <a:fld id="{9CCB53D5-3F0A-4974-9E71-2401F19FA0D5}" type="datetimeFigureOut">
               <a:rPr lang="zh-CN" altLang="en-US" smtClean="0"/>
               <a:pPr/>
-              <a:t>2019/3/15</a:t>
+              <a:t>2019/3/16</a:t>
             </a:fld>
             <a:endParaRPr lang="zh-CN" altLang="en-US"/>
           </a:p>
@@ -2485,7 +2485,7 @@
             <a:fld id="{9CCB53D5-3F0A-4974-9E71-2401F19FA0D5}" type="datetimeFigureOut">
               <a:rPr lang="zh-CN" altLang="en-US" smtClean="0"/>
               <a:pPr/>
-              <a:t>2019/3/15</a:t>
+              <a:t>2019/3/16</a:t>
             </a:fld>
             <a:endParaRPr lang="zh-CN" altLang="en-US"/>
           </a:p>
@@ -2695,7 +2695,7 @@
             <a:fld id="{9CCB53D5-3F0A-4974-9E71-2401F19FA0D5}" type="datetimeFigureOut">
               <a:rPr lang="zh-CN" altLang="en-US" smtClean="0"/>
               <a:pPr/>
-              <a:t>2019/3/15</a:t>
+              <a:t>2019/3/16</a:t>
             </a:fld>
             <a:endParaRPr lang="zh-CN" altLang="en-US"/>
           </a:p>
@@ -4833,7 +4833,7 @@
         <p:spPr>
           <a:xfrm flipH="1">
             <a:off x="2843808" y="1808820"/>
-            <a:ext cx="1512168" cy="1613830"/>
+            <a:ext cx="1656184" cy="1613830"/>
           </a:xfrm>
           <a:prstGeom prst="straightConnector1">
             <a:avLst/>
@@ -4918,7 +4918,7 @@
         </p:nvSpPr>
         <p:spPr>
           <a:xfrm>
-            <a:off x="6156176" y="3176032"/>
+            <a:off x="6300192" y="3176032"/>
             <a:ext cx="1224136" cy="504056"/>
           </a:xfrm>
           <a:prstGeom prst="rect">
@@ -4977,7 +4977,7 @@
         </p:nvSpPr>
         <p:spPr>
           <a:xfrm>
-            <a:off x="7596336" y="3176032"/>
+            <a:off x="7740352" y="3176032"/>
             <a:ext cx="1296144" cy="504056"/>
           </a:xfrm>
           <a:prstGeom prst="rect">
@@ -5039,7 +5039,7 @@
         </p:nvCxnSpPr>
         <p:spPr>
           <a:xfrm flipH="1">
-            <a:off x="7380312" y="3428060"/>
+            <a:off x="7524328" y="3428060"/>
             <a:ext cx="216024" cy="0"/>
           </a:xfrm>
           <a:prstGeom prst="straightConnector1">
@@ -5488,7 +5488,7 @@
         </p:nvSpPr>
         <p:spPr>
           <a:xfrm>
-            <a:off x="4716016" y="2630562"/>
+            <a:off x="4860032" y="2630562"/>
             <a:ext cx="1224136" cy="1584176"/>
           </a:xfrm>
           <a:prstGeom prst="rect">
@@ -5535,7 +5535,7 @@
         </p:nvSpPr>
         <p:spPr>
           <a:xfrm>
-            <a:off x="4860032" y="2918594"/>
+            <a:off x="5004048" y="2918594"/>
             <a:ext cx="936104" cy="360040"/>
           </a:xfrm>
           <a:prstGeom prst="rect">
@@ -5596,7 +5596,7 @@
         </p:nvSpPr>
         <p:spPr>
           <a:xfrm>
-            <a:off x="4860032" y="3350642"/>
+            <a:off x="5004048" y="3350642"/>
             <a:ext cx="936104" cy="360040"/>
           </a:xfrm>
           <a:prstGeom prst="rect">
@@ -5657,7 +5657,7 @@
         </p:nvSpPr>
         <p:spPr>
           <a:xfrm>
-            <a:off x="4860032" y="3782690"/>
+            <a:off x="5004048" y="3782690"/>
             <a:ext cx="936104" cy="360040"/>
           </a:xfrm>
           <a:prstGeom prst="rect">
@@ -5721,7 +5721,7 @@
         </p:nvCxnSpPr>
         <p:spPr>
           <a:xfrm flipH="1" flipV="1">
-            <a:off x="5940152" y="3422650"/>
+            <a:off x="6084168" y="3422650"/>
             <a:ext cx="216024" cy="5410"/>
           </a:xfrm>
           <a:prstGeom prst="straightConnector1">
@@ -6098,7 +6098,7 @@
         <p:spPr>
           <a:xfrm flipH="1">
             <a:off x="2843808" y="3422650"/>
-            <a:ext cx="1872208" cy="0"/>
+            <a:ext cx="2016224" cy="0"/>
           </a:xfrm>
           <a:prstGeom prst="straightConnector1">
             <a:avLst/>
@@ -6186,8 +6186,8 @@
         </p:nvCxnSpPr>
         <p:spPr>
           <a:xfrm rot="5400000">
-            <a:off x="3023828" y="1910482"/>
-            <a:ext cx="12700" cy="4608512"/>
+            <a:off x="3095836" y="1838474"/>
+            <a:ext cx="12700" cy="4752528"/>
           </a:xfrm>
           <a:prstGeom prst="bentConnector3">
             <a:avLst>
@@ -6311,7 +6311,7 @@
         </p:nvSpPr>
         <p:spPr>
           <a:xfrm>
-            <a:off x="4716016" y="692696"/>
+            <a:off x="4860032" y="692696"/>
             <a:ext cx="1224136" cy="432048"/>
           </a:xfrm>
           <a:prstGeom prst="rect">
@@ -6369,7 +6369,7 @@
         </p:nvCxnSpPr>
         <p:spPr>
           <a:xfrm>
-            <a:off x="5328084" y="495468"/>
+            <a:off x="5472100" y="495468"/>
             <a:ext cx="0" cy="197228"/>
           </a:xfrm>
           <a:prstGeom prst="straightConnector1">
@@ -6405,7 +6405,7 @@
         </p:nvSpPr>
         <p:spPr>
           <a:xfrm>
-            <a:off x="4355976" y="1340768"/>
+            <a:off x="4499992" y="1340768"/>
             <a:ext cx="1944216" cy="936104"/>
           </a:xfrm>
           <a:prstGeom prst="rect">
@@ -6458,7 +6458,7 @@
         </p:nvSpPr>
         <p:spPr>
           <a:xfrm>
-            <a:off x="4499992" y="1628800"/>
+            <a:off x="4644008" y="1628800"/>
             <a:ext cx="504056" cy="504056"/>
           </a:xfrm>
           <a:prstGeom prst="rect">
@@ -6519,7 +6519,7 @@
         </p:nvSpPr>
         <p:spPr>
           <a:xfrm>
-            <a:off x="5076056" y="1628800"/>
+            <a:off x="5220072" y="1628800"/>
             <a:ext cx="504056" cy="504056"/>
           </a:xfrm>
           <a:prstGeom prst="rect">
@@ -6580,7 +6580,7 @@
         </p:nvSpPr>
         <p:spPr>
           <a:xfrm>
-            <a:off x="5652120" y="1628800"/>
+            <a:off x="5796136" y="1628800"/>
             <a:ext cx="504056" cy="504056"/>
           </a:xfrm>
           <a:prstGeom prst="rect">
@@ -6644,7 +6644,7 @@
         </p:nvCxnSpPr>
         <p:spPr>
           <a:xfrm>
-            <a:off x="5328084" y="1124744"/>
+            <a:off x="5472100" y="1124744"/>
             <a:ext cx="0" cy="216024"/>
           </a:xfrm>
           <a:prstGeom prst="straightConnector1">
@@ -6683,7 +6683,7 @@
         </p:nvCxnSpPr>
         <p:spPr>
           <a:xfrm>
-            <a:off x="5328084" y="2276872"/>
+            <a:off x="5472100" y="2276872"/>
             <a:ext cx="0" cy="353690"/>
           </a:xfrm>
           <a:prstGeom prst="straightConnector1">
@@ -6719,7 +6719,7 @@
         </p:nvSpPr>
         <p:spPr>
           <a:xfrm>
-            <a:off x="4355976" y="2318683"/>
+            <a:off x="4499992" y="2318683"/>
             <a:ext cx="1944216" cy="246221"/>
           </a:xfrm>
           <a:prstGeom prst="rect">
@@ -6940,8 +6940,8 @@
         </p:nvCxnSpPr>
         <p:spPr>
           <a:xfrm rot="5400000">
-            <a:off x="3308685" y="3209801"/>
-            <a:ext cx="1014462" cy="3024336"/>
+            <a:off x="3380693" y="3137793"/>
+            <a:ext cx="1014462" cy="3168352"/>
           </a:xfrm>
           <a:prstGeom prst="bentConnector3">
             <a:avLst>
@@ -7149,8 +7149,8 @@
         </p:nvCxnSpPr>
         <p:spPr>
           <a:xfrm rot="5400000">
-            <a:off x="3902751" y="4523947"/>
-            <a:ext cx="1734542" cy="1116124"/>
+            <a:off x="3974759" y="4451939"/>
+            <a:ext cx="1734542" cy="1260140"/>
           </a:xfrm>
           <a:prstGeom prst="bentConnector3">
             <a:avLst>
@@ -7187,7 +7187,7 @@
         </p:nvSpPr>
         <p:spPr>
           <a:xfrm>
-            <a:off x="5148064" y="162812"/>
+            <a:off x="5292080" y="162812"/>
             <a:ext cx="360040" cy="332656"/>
           </a:xfrm>
           <a:prstGeom prst="smileyFace">
@@ -7216,58 +7216,6 @@
           <a:p>
             <a:pPr algn="ctr"/>
             <a:endParaRPr lang="zh-CN" altLang="en-US"/>
-          </a:p>
-        </p:txBody>
-      </p:sp>
-      <p:sp>
-        <p:nvSpPr>
-          <p:cNvPr id="61" name="矩形 60"/>
-          <p:cNvSpPr/>
-          <p:nvPr/>
-        </p:nvSpPr>
-        <p:spPr>
-          <a:xfrm>
-            <a:off x="6156176" y="5373216"/>
-            <a:ext cx="1224136" cy="432048"/>
-          </a:xfrm>
-          <a:prstGeom prst="rect">
-            <a:avLst/>
-          </a:prstGeom>
-          <a:solidFill>
-            <a:schemeClr val="accent6">
-              <a:lumMod val="75000"/>
-            </a:schemeClr>
-          </a:solidFill>
-          <a:ln>
-            <a:noFill/>
-          </a:ln>
-        </p:spPr>
-        <p:style>
-          <a:lnRef idx="2">
-            <a:schemeClr val="accent1">
-              <a:shade val="50000"/>
-            </a:schemeClr>
-          </a:lnRef>
-          <a:fillRef idx="1">
-            <a:schemeClr val="accent1"/>
-          </a:fillRef>
-          <a:effectRef idx="0">
-            <a:schemeClr val="accent1"/>
-          </a:effectRef>
-          <a:fontRef idx="minor">
-            <a:schemeClr val="lt1"/>
-          </a:fontRef>
-        </p:style>
-        <p:txBody>
-          <a:bodyPr rtlCol="0" anchor="ctr"/>
-          <a:lstStyle/>
-          <a:p>
-            <a:pPr algn="ctr"/>
-            <a:r>
-              <a:rPr lang="en-US" altLang="zh-CN" sz="1200" dirty="0" smtClean="0"/>
-              <a:t>ELK</a:t>
-            </a:r>
-            <a:endParaRPr lang="zh-CN" altLang="en-US" sz="1200" dirty="0"/>
           </a:p>
         </p:txBody>
       </p:sp>
@@ -7377,7 +7325,7 @@
         <p:spPr>
           <a:xfrm flipH="1" flipV="1">
             <a:off x="3419872" y="1808820"/>
-            <a:ext cx="1296144" cy="1613830"/>
+            <a:ext cx="1440160" cy="1613830"/>
           </a:xfrm>
           <a:prstGeom prst="straightConnector1">
             <a:avLst/>
@@ -7412,8 +7360,8 @@
         </p:nvSpPr>
         <p:spPr>
           <a:xfrm>
-            <a:off x="3419872" y="3645024"/>
-            <a:ext cx="792088" cy="432048"/>
+            <a:off x="3347864" y="3573016"/>
+            <a:ext cx="1008112" cy="504056"/>
           </a:xfrm>
           <a:prstGeom prst="rect">
             <a:avLst/>
@@ -7452,7 +7400,7 @@
                   <a:schemeClr val="tx1"/>
                 </a:solidFill>
               </a:rPr>
-              <a:t>Auth</a:t>
+              <a:t>auth-service</a:t>
             </a:r>
           </a:p>
           <a:p>
@@ -7463,7 +7411,7 @@
                   <a:schemeClr val="tx1"/>
                 </a:solidFill>
               </a:rPr>
-              <a:t>Service</a:t>
+              <a:t>JWT</a:t>
             </a:r>
             <a:endParaRPr lang="zh-CN" altLang="en-US" sz="1200" dirty="0">
               <a:solidFill>
@@ -7525,6 +7473,86 @@
           </a:p>
         </p:txBody>
       </p:sp>
+      <p:cxnSp>
+        <p:nvCxnSpPr>
+          <p:cNvPr id="59" name="直接箭头连接符 58"/>
+          <p:cNvCxnSpPr>
+            <a:stCxn id="87" idx="1"/>
+            <a:endCxn id="35" idx="3"/>
+          </p:cNvCxnSpPr>
+          <p:nvPr/>
+        </p:nvCxnSpPr>
+        <p:spPr>
+          <a:xfrm flipH="1" flipV="1">
+            <a:off x="2843808" y="3422650"/>
+            <a:ext cx="504056" cy="402394"/>
+          </a:xfrm>
+          <a:prstGeom prst="straightConnector1">
+            <a:avLst/>
+          </a:prstGeom>
+          <a:ln>
+            <a:solidFill>
+              <a:srgbClr val="FF0000"/>
+            </a:solidFill>
+            <a:tailEnd type="arrow"/>
+          </a:ln>
+        </p:spPr>
+        <p:style>
+          <a:lnRef idx="1">
+            <a:schemeClr val="accent1"/>
+          </a:lnRef>
+          <a:fillRef idx="0">
+            <a:schemeClr val="accent1"/>
+          </a:fillRef>
+          <a:effectRef idx="0">
+            <a:schemeClr val="accent1"/>
+          </a:effectRef>
+          <a:fontRef idx="minor">
+            <a:schemeClr val="tx1"/>
+          </a:fontRef>
+        </p:style>
+      </p:cxnSp>
+      <p:cxnSp>
+        <p:nvCxnSpPr>
+          <p:cNvPr id="63" name="肘形连接符 62"/>
+          <p:cNvCxnSpPr>
+            <a:stCxn id="77" idx="2"/>
+            <a:endCxn id="87" idx="0"/>
+          </p:cNvCxnSpPr>
+          <p:nvPr/>
+        </p:nvCxnSpPr>
+        <p:spPr>
+          <a:xfrm rot="5400000">
+            <a:off x="4013938" y="2114854"/>
+            <a:ext cx="1296144" cy="1620180"/>
+          </a:xfrm>
+          <a:prstGeom prst="bentConnector3">
+            <a:avLst>
+              <a:gd name="adj1" fmla="val 17548"/>
+            </a:avLst>
+          </a:prstGeom>
+          <a:ln>
+            <a:solidFill>
+              <a:srgbClr val="FFC000"/>
+            </a:solidFill>
+            <a:tailEnd type="arrow"/>
+          </a:ln>
+        </p:spPr>
+        <p:style>
+          <a:lnRef idx="1">
+            <a:schemeClr val="accent1"/>
+          </a:lnRef>
+          <a:fillRef idx="0">
+            <a:schemeClr val="accent1"/>
+          </a:fillRef>
+          <a:effectRef idx="0">
+            <a:schemeClr val="accent1"/>
+          </a:effectRef>
+          <a:fontRef idx="minor">
+            <a:schemeClr val="tx1"/>
+          </a:fontRef>
+        </p:style>
+      </p:cxnSp>
     </p:spTree>
   </p:cSld>
   <p:clrMapOvr>
@@ -11038,15 +11066,7 @@
                   <a:schemeClr val="tx1"/>
                 </a:solidFill>
               </a:rPr>
-              <a:t>Eureka </a:t>
-            </a:r>
-            <a:r>
-              <a:rPr lang="en-US" altLang="zh-CN" sz="1200" dirty="0" smtClean="0">
-                <a:solidFill>
-                  <a:schemeClr val="tx1"/>
-                </a:solidFill>
-              </a:rPr>
-              <a:t>Server</a:t>
+              <a:t>Eureka Server</a:t>
             </a:r>
             <a:endParaRPr lang="zh-CN" altLang="en-US" sz="1200" dirty="0">
               <a:solidFill>
@@ -11398,11 +11418,7 @@
             </a:r>
             <a:r>
               <a:rPr lang="zh-CN" altLang="en-US" sz="1200" dirty="0" smtClean="0"/>
-              <a:t>，并返回</a:t>
-            </a:r>
-            <a:r>
-              <a:rPr lang="zh-CN" altLang="en-US" sz="1200" dirty="0" smtClean="0"/>
-              <a:t>该</a:t>
+              <a:t>，并返回该</a:t>
             </a:r>
             <a:r>
               <a:rPr lang="en-US" altLang="zh-CN" sz="1200" dirty="0" smtClean="0"/>

--- a/doc/架构图.pptx
+++ b/doc/架构图.pptx
@@ -5,8 +5,8 @@
     <p:sldMasterId id="2147483648" r:id="rId1"/>
   </p:sldMasterIdLst>
   <p:sldIdLst>
-    <p:sldId id="256" r:id="rId2"/>
-    <p:sldId id="257" r:id="rId3"/>
+    <p:sldId id="257" r:id="rId2"/>
+    <p:sldId id="256" r:id="rId3"/>
     <p:sldId id="258" r:id="rId4"/>
     <p:sldId id="259" r:id="rId5"/>
     <p:sldId id="260" r:id="rId6"/>
@@ -296,7 +296,7 @@
             <a:fld id="{9CCB53D5-3F0A-4974-9E71-2401F19FA0D5}" type="datetimeFigureOut">
               <a:rPr lang="zh-CN" altLang="en-US" smtClean="0"/>
               <a:pPr/>
-              <a:t>2019/3/16</a:t>
+              <a:t>2019/8/14</a:t>
             </a:fld>
             <a:endParaRPr lang="zh-CN" altLang="en-US"/>
           </a:p>
@@ -463,7 +463,7 @@
             <a:fld id="{9CCB53D5-3F0A-4974-9E71-2401F19FA0D5}" type="datetimeFigureOut">
               <a:rPr lang="zh-CN" altLang="en-US" smtClean="0"/>
               <a:pPr/>
-              <a:t>2019/3/16</a:t>
+              <a:t>2019/8/14</a:t>
             </a:fld>
             <a:endParaRPr lang="zh-CN" altLang="en-US"/>
           </a:p>
@@ -640,7 +640,7 @@
             <a:fld id="{9CCB53D5-3F0A-4974-9E71-2401F19FA0D5}" type="datetimeFigureOut">
               <a:rPr lang="zh-CN" altLang="en-US" smtClean="0"/>
               <a:pPr/>
-              <a:t>2019/3/16</a:t>
+              <a:t>2019/8/14</a:t>
             </a:fld>
             <a:endParaRPr lang="zh-CN" altLang="en-US"/>
           </a:p>
@@ -807,7 +807,7 @@
             <a:fld id="{9CCB53D5-3F0A-4974-9E71-2401F19FA0D5}" type="datetimeFigureOut">
               <a:rPr lang="zh-CN" altLang="en-US" smtClean="0"/>
               <a:pPr/>
-              <a:t>2019/3/16</a:t>
+              <a:t>2019/8/14</a:t>
             </a:fld>
             <a:endParaRPr lang="zh-CN" altLang="en-US"/>
           </a:p>
@@ -1050,7 +1050,7 @@
             <a:fld id="{9CCB53D5-3F0A-4974-9E71-2401F19FA0D5}" type="datetimeFigureOut">
               <a:rPr lang="zh-CN" altLang="en-US" smtClean="0"/>
               <a:pPr/>
-              <a:t>2019/3/16</a:t>
+              <a:t>2019/8/14</a:t>
             </a:fld>
             <a:endParaRPr lang="zh-CN" altLang="en-US"/>
           </a:p>
@@ -1335,7 +1335,7 @@
             <a:fld id="{9CCB53D5-3F0A-4974-9E71-2401F19FA0D5}" type="datetimeFigureOut">
               <a:rPr lang="zh-CN" altLang="en-US" smtClean="0"/>
               <a:pPr/>
-              <a:t>2019/3/16</a:t>
+              <a:t>2019/8/14</a:t>
             </a:fld>
             <a:endParaRPr lang="zh-CN" altLang="en-US"/>
           </a:p>
@@ -1754,7 +1754,7 @@
             <a:fld id="{9CCB53D5-3F0A-4974-9E71-2401F19FA0D5}" type="datetimeFigureOut">
               <a:rPr lang="zh-CN" altLang="en-US" smtClean="0"/>
               <a:pPr/>
-              <a:t>2019/3/16</a:t>
+              <a:t>2019/8/14</a:t>
             </a:fld>
             <a:endParaRPr lang="zh-CN" altLang="en-US"/>
           </a:p>
@@ -1869,7 +1869,7 @@
             <a:fld id="{9CCB53D5-3F0A-4974-9E71-2401F19FA0D5}" type="datetimeFigureOut">
               <a:rPr lang="zh-CN" altLang="en-US" smtClean="0"/>
               <a:pPr/>
-              <a:t>2019/3/16</a:t>
+              <a:t>2019/8/14</a:t>
             </a:fld>
             <a:endParaRPr lang="zh-CN" altLang="en-US"/>
           </a:p>
@@ -1961,7 +1961,7 @@
             <a:fld id="{9CCB53D5-3F0A-4974-9E71-2401F19FA0D5}" type="datetimeFigureOut">
               <a:rPr lang="zh-CN" altLang="en-US" smtClean="0"/>
               <a:pPr/>
-              <a:t>2019/3/16</a:t>
+              <a:t>2019/8/14</a:t>
             </a:fld>
             <a:endParaRPr lang="zh-CN" altLang="en-US"/>
           </a:p>
@@ -2235,7 +2235,7 @@
             <a:fld id="{9CCB53D5-3F0A-4974-9E71-2401F19FA0D5}" type="datetimeFigureOut">
               <a:rPr lang="zh-CN" altLang="en-US" smtClean="0"/>
               <a:pPr/>
-              <a:t>2019/3/16</a:t>
+              <a:t>2019/8/14</a:t>
             </a:fld>
             <a:endParaRPr lang="zh-CN" altLang="en-US"/>
           </a:p>
@@ -2485,7 +2485,7 @@
             <a:fld id="{9CCB53D5-3F0A-4974-9E71-2401F19FA0D5}" type="datetimeFigureOut">
               <a:rPr lang="zh-CN" altLang="en-US" smtClean="0"/>
               <a:pPr/>
-              <a:t>2019/3/16</a:t>
+              <a:t>2019/8/14</a:t>
             </a:fld>
             <a:endParaRPr lang="zh-CN" altLang="en-US"/>
           </a:p>
@@ -2695,7 +2695,7 @@
             <a:fld id="{9CCB53D5-3F0A-4974-9E71-2401F19FA0D5}" type="datetimeFigureOut">
               <a:rPr lang="zh-CN" altLang="en-US" smtClean="0"/>
               <a:pPr/>
-              <a:t>2019/3/16</a:t>
+              <a:t>2019/8/14</a:t>
             </a:fld>
             <a:endParaRPr lang="zh-CN" altLang="en-US"/>
           </a:p>
@@ -3066,356 +3066,19 @@
           <a:chExt cx="0" cy="0"/>
         </a:xfrm>
       </p:grpSpPr>
-      <p:sp>
-        <p:nvSpPr>
-          <p:cNvPr id="4" name="矩形 3"/>
-          <p:cNvSpPr/>
-          <p:nvPr/>
-        </p:nvSpPr>
-        <p:spPr>
-          <a:xfrm>
-            <a:off x="323528" y="548680"/>
-            <a:ext cx="936104" cy="504056"/>
-          </a:xfrm>
-          <a:prstGeom prst="rect">
-            <a:avLst/>
-          </a:prstGeom>
-          <a:ln>
-            <a:noFill/>
-          </a:ln>
-        </p:spPr>
-        <p:style>
-          <a:lnRef idx="2">
-            <a:schemeClr val="accent1">
-              <a:shade val="50000"/>
-            </a:schemeClr>
-          </a:lnRef>
-          <a:fillRef idx="1">
-            <a:schemeClr val="accent1"/>
-          </a:fillRef>
-          <a:effectRef idx="0">
-            <a:schemeClr val="accent1"/>
-          </a:effectRef>
-          <a:fontRef idx="minor">
-            <a:schemeClr val="lt1"/>
-          </a:fontRef>
-        </p:style>
-        <p:txBody>
-          <a:bodyPr rtlCol="0" anchor="ctr"/>
-          <a:lstStyle/>
-          <a:p>
-            <a:pPr algn="ctr"/>
-            <a:r>
-              <a:rPr lang="en-US" altLang="zh-CN" sz="1200" dirty="0" smtClean="0"/>
-              <a:t>Eureka Server</a:t>
-            </a:r>
-            <a:endParaRPr lang="zh-CN" altLang="en-US" sz="1200" dirty="0"/>
-          </a:p>
-        </p:txBody>
-      </p:sp>
-      <p:sp>
-        <p:nvSpPr>
-          <p:cNvPr id="5" name="矩形 4"/>
-          <p:cNvSpPr/>
-          <p:nvPr/>
-        </p:nvSpPr>
-        <p:spPr>
-          <a:xfrm>
-            <a:off x="1619672" y="116632"/>
-            <a:ext cx="936104" cy="504056"/>
-          </a:xfrm>
-          <a:prstGeom prst="rect">
-            <a:avLst/>
-          </a:prstGeom>
-          <a:ln>
-            <a:noFill/>
-          </a:ln>
-        </p:spPr>
-        <p:style>
-          <a:lnRef idx="2">
-            <a:schemeClr val="accent1">
-              <a:shade val="50000"/>
-            </a:schemeClr>
-          </a:lnRef>
-          <a:fillRef idx="1">
-            <a:schemeClr val="accent1"/>
-          </a:fillRef>
-          <a:effectRef idx="0">
-            <a:schemeClr val="accent1"/>
-          </a:effectRef>
-          <a:fontRef idx="minor">
-            <a:schemeClr val="lt1"/>
-          </a:fontRef>
-        </p:style>
-        <p:txBody>
-          <a:bodyPr rtlCol="0" anchor="ctr"/>
-          <a:lstStyle/>
-          <a:p>
-            <a:pPr algn="ctr"/>
-            <a:r>
-              <a:rPr lang="en-US" altLang="zh-CN" sz="1200" dirty="0" smtClean="0"/>
-              <a:t>Service Provider1</a:t>
-            </a:r>
-            <a:endParaRPr lang="zh-CN" altLang="en-US" sz="1200" dirty="0"/>
-          </a:p>
-        </p:txBody>
-      </p:sp>
-      <p:sp>
-        <p:nvSpPr>
-          <p:cNvPr id="6" name="矩形 5"/>
-          <p:cNvSpPr/>
-          <p:nvPr/>
-        </p:nvSpPr>
-        <p:spPr>
-          <a:xfrm>
-            <a:off x="1619672" y="908720"/>
-            <a:ext cx="936104" cy="504056"/>
-          </a:xfrm>
-          <a:prstGeom prst="rect">
-            <a:avLst/>
-          </a:prstGeom>
-          <a:ln>
-            <a:noFill/>
-          </a:ln>
-        </p:spPr>
-        <p:style>
-          <a:lnRef idx="2">
-            <a:schemeClr val="accent1">
-              <a:shade val="50000"/>
-            </a:schemeClr>
-          </a:lnRef>
-          <a:fillRef idx="1">
-            <a:schemeClr val="accent1"/>
-          </a:fillRef>
-          <a:effectRef idx="0">
-            <a:schemeClr val="accent1"/>
-          </a:effectRef>
-          <a:fontRef idx="minor">
-            <a:schemeClr val="lt1"/>
-          </a:fontRef>
-        </p:style>
-        <p:txBody>
-          <a:bodyPr rtlCol="0" anchor="ctr"/>
-          <a:lstStyle/>
-          <a:p>
-            <a:pPr algn="ctr"/>
-            <a:r>
-              <a:rPr lang="en-US" altLang="zh-CN" sz="1200" dirty="0" smtClean="0"/>
-              <a:t>Service Provider2</a:t>
-            </a:r>
-            <a:endParaRPr lang="zh-CN" altLang="en-US" sz="1200" dirty="0"/>
-          </a:p>
-        </p:txBody>
-      </p:sp>
-      <p:sp>
-        <p:nvSpPr>
-          <p:cNvPr id="7" name="矩形 6"/>
-          <p:cNvSpPr/>
-          <p:nvPr/>
-        </p:nvSpPr>
-        <p:spPr>
-          <a:xfrm>
-            <a:off x="3131840" y="116632"/>
-            <a:ext cx="936104" cy="504056"/>
-          </a:xfrm>
-          <a:prstGeom prst="rect">
-            <a:avLst/>
-          </a:prstGeom>
-          <a:ln>
-            <a:noFill/>
-          </a:ln>
-        </p:spPr>
-        <p:style>
-          <a:lnRef idx="2">
-            <a:schemeClr val="accent1">
-              <a:shade val="50000"/>
-            </a:schemeClr>
-          </a:lnRef>
-          <a:fillRef idx="1">
-            <a:schemeClr val="accent1"/>
-          </a:fillRef>
-          <a:effectRef idx="0">
-            <a:schemeClr val="accent1"/>
-          </a:effectRef>
-          <a:fontRef idx="minor">
-            <a:schemeClr val="lt1"/>
-          </a:fontRef>
-        </p:style>
-        <p:txBody>
-          <a:bodyPr rtlCol="0" anchor="ctr"/>
-          <a:lstStyle/>
-          <a:p>
-            <a:pPr algn="ctr"/>
-            <a:r>
-              <a:rPr lang="en-US" altLang="zh-CN" sz="1200" dirty="0" smtClean="0"/>
-              <a:t>Service Consumer1</a:t>
-            </a:r>
-            <a:endParaRPr lang="zh-CN" altLang="en-US" sz="1200" dirty="0"/>
-          </a:p>
-        </p:txBody>
-      </p:sp>
-      <p:sp>
-        <p:nvSpPr>
-          <p:cNvPr id="8" name="矩形 7"/>
-          <p:cNvSpPr/>
-          <p:nvPr/>
-        </p:nvSpPr>
-        <p:spPr>
-          <a:xfrm>
-            <a:off x="3131840" y="908720"/>
-            <a:ext cx="936104" cy="504056"/>
-          </a:xfrm>
-          <a:prstGeom prst="rect">
-            <a:avLst/>
-          </a:prstGeom>
-          <a:ln>
-            <a:noFill/>
-          </a:ln>
-        </p:spPr>
-        <p:style>
-          <a:lnRef idx="2">
-            <a:schemeClr val="accent1">
-              <a:shade val="50000"/>
-            </a:schemeClr>
-          </a:lnRef>
-          <a:fillRef idx="1">
-            <a:schemeClr val="accent1"/>
-          </a:fillRef>
-          <a:effectRef idx="0">
-            <a:schemeClr val="accent1"/>
-          </a:effectRef>
-          <a:fontRef idx="minor">
-            <a:schemeClr val="lt1"/>
-          </a:fontRef>
-        </p:style>
-        <p:txBody>
-          <a:bodyPr rtlCol="0" anchor="ctr"/>
-          <a:lstStyle/>
-          <a:p>
-            <a:pPr algn="ctr"/>
-            <a:r>
-              <a:rPr lang="en-US" altLang="zh-CN" sz="1200" dirty="0" smtClean="0"/>
-              <a:t>Service Consumer2</a:t>
-            </a:r>
-            <a:endParaRPr lang="zh-CN" altLang="en-US" sz="1200" dirty="0"/>
-          </a:p>
-        </p:txBody>
-      </p:sp>
-      <p:sp>
-        <p:nvSpPr>
-          <p:cNvPr id="9" name="矩形 8"/>
-          <p:cNvSpPr/>
-          <p:nvPr/>
-        </p:nvSpPr>
-        <p:spPr>
-          <a:xfrm>
-            <a:off x="4427984" y="476672"/>
-            <a:ext cx="936104" cy="504056"/>
-          </a:xfrm>
-          <a:prstGeom prst="rect">
-            <a:avLst/>
-          </a:prstGeom>
-          <a:ln>
-            <a:noFill/>
-          </a:ln>
-        </p:spPr>
-        <p:style>
-          <a:lnRef idx="2">
-            <a:schemeClr val="accent1">
-              <a:shade val="50000"/>
-            </a:schemeClr>
-          </a:lnRef>
-          <a:fillRef idx="1">
-            <a:schemeClr val="accent1"/>
-          </a:fillRef>
-          <a:effectRef idx="0">
-            <a:schemeClr val="accent1"/>
-          </a:effectRef>
-          <a:fontRef idx="minor">
-            <a:schemeClr val="lt1"/>
-          </a:fontRef>
-        </p:style>
-        <p:txBody>
-          <a:bodyPr rtlCol="0" anchor="ctr"/>
-          <a:lstStyle/>
-          <a:p>
-            <a:pPr algn="ctr"/>
-            <a:r>
-              <a:rPr lang="en-US" altLang="zh-CN" sz="1200" dirty="0" err="1" smtClean="0"/>
-              <a:t>hystrix</a:t>
-            </a:r>
-            <a:r>
-              <a:rPr lang="en-US" altLang="zh-CN" sz="1200" dirty="0" smtClean="0"/>
-              <a:t>-turbine</a:t>
-            </a:r>
-            <a:endParaRPr lang="zh-CN" altLang="en-US" sz="1200" dirty="0"/>
-          </a:p>
-        </p:txBody>
-      </p:sp>
-      <p:sp>
-        <p:nvSpPr>
-          <p:cNvPr id="10" name="矩形 9"/>
-          <p:cNvSpPr/>
-          <p:nvPr/>
-        </p:nvSpPr>
-        <p:spPr>
-          <a:xfrm>
-            <a:off x="5652120" y="476672"/>
-            <a:ext cx="936104" cy="504056"/>
-          </a:xfrm>
-          <a:prstGeom prst="rect">
-            <a:avLst/>
-          </a:prstGeom>
-          <a:ln>
-            <a:noFill/>
-          </a:ln>
-        </p:spPr>
-        <p:style>
-          <a:lnRef idx="2">
-            <a:schemeClr val="accent1">
-              <a:shade val="50000"/>
-            </a:schemeClr>
-          </a:lnRef>
-          <a:fillRef idx="1">
-            <a:schemeClr val="accent1"/>
-          </a:fillRef>
-          <a:effectRef idx="0">
-            <a:schemeClr val="accent1"/>
-          </a:effectRef>
-          <a:fontRef idx="minor">
-            <a:schemeClr val="lt1"/>
-          </a:fontRef>
-        </p:style>
-        <p:txBody>
-          <a:bodyPr rtlCol="0" anchor="ctr"/>
-          <a:lstStyle/>
-          <a:p>
-            <a:pPr algn="ctr"/>
-            <a:r>
-              <a:rPr lang="en-US" altLang="zh-CN" sz="1200" dirty="0" err="1" smtClean="0"/>
-              <a:t>hystrix</a:t>
-            </a:r>
-            <a:r>
-              <a:rPr lang="en-US" altLang="zh-CN" sz="1200" dirty="0" smtClean="0"/>
-              <a:t>-dashboard</a:t>
-            </a:r>
-            <a:endParaRPr lang="zh-CN" altLang="en-US" sz="1200" dirty="0"/>
-          </a:p>
-        </p:txBody>
-      </p:sp>
       <p:cxnSp>
         <p:nvCxnSpPr>
-          <p:cNvPr id="12" name="直接箭头连接符 11"/>
+          <p:cNvPr id="57" name="直接箭头连接符 56"/>
           <p:cNvCxnSpPr>
-            <a:stCxn id="7" idx="1"/>
-            <a:endCxn id="6" idx="3"/>
+            <a:stCxn id="77" idx="1"/>
+            <a:endCxn id="35" idx="3"/>
           </p:cNvCxnSpPr>
           <p:nvPr/>
         </p:nvCxnSpPr>
         <p:spPr>
           <a:xfrm flipH="1">
-            <a:off x="2555776" y="368660"/>
-            <a:ext cx="576064" cy="792088"/>
+            <a:off x="2843808" y="1808820"/>
+            <a:ext cx="1656184" cy="1613830"/>
           </a:xfrm>
           <a:prstGeom prst="straightConnector1">
             <a:avLst/>
@@ -3442,267 +3105,174 @@
           </a:fontRef>
         </p:style>
       </p:cxnSp>
-      <p:cxnSp>
-        <p:nvCxnSpPr>
-          <p:cNvPr id="14" name="直接箭头连接符 13"/>
-          <p:cNvCxnSpPr>
-            <a:stCxn id="7" idx="1"/>
-            <a:endCxn id="5" idx="3"/>
-          </p:cNvCxnSpPr>
-          <p:nvPr/>
-        </p:nvCxnSpPr>
-        <p:spPr>
-          <a:xfrm flipH="1">
-            <a:off x="2555776" y="368660"/>
-            <a:ext cx="576064" cy="0"/>
-          </a:xfrm>
-          <a:prstGeom prst="straightConnector1">
-            <a:avLst/>
-          </a:prstGeom>
-          <a:ln>
-            <a:solidFill>
-              <a:srgbClr val="FF0000"/>
-            </a:solidFill>
-            <a:tailEnd type="arrow"/>
-          </a:ln>
-        </p:spPr>
-        <p:style>
-          <a:lnRef idx="1">
-            <a:schemeClr val="accent1"/>
-          </a:lnRef>
-          <a:fillRef idx="0">
-            <a:schemeClr val="accent1"/>
-          </a:fillRef>
-          <a:effectRef idx="0">
-            <a:schemeClr val="accent1"/>
-          </a:effectRef>
-          <a:fontRef idx="minor">
-            <a:schemeClr val="tx1"/>
-          </a:fontRef>
-        </p:style>
-      </p:cxnSp>
-      <p:cxnSp>
-        <p:nvCxnSpPr>
-          <p:cNvPr id="16" name="直接箭头连接符 15"/>
-          <p:cNvCxnSpPr>
-            <a:stCxn id="8" idx="1"/>
-            <a:endCxn id="5" idx="3"/>
-          </p:cNvCxnSpPr>
-          <p:nvPr/>
-        </p:nvCxnSpPr>
-        <p:spPr>
-          <a:xfrm flipH="1" flipV="1">
-            <a:off x="2555776" y="368660"/>
-            <a:ext cx="576064" cy="792088"/>
-          </a:xfrm>
-          <a:prstGeom prst="straightConnector1">
-            <a:avLst/>
-          </a:prstGeom>
-          <a:ln>
-            <a:solidFill>
-              <a:srgbClr val="00B0F0"/>
-            </a:solidFill>
-            <a:tailEnd type="arrow"/>
-          </a:ln>
-        </p:spPr>
-        <p:style>
-          <a:lnRef idx="1">
-            <a:schemeClr val="accent1"/>
-          </a:lnRef>
-          <a:fillRef idx="0">
-            <a:schemeClr val="accent1"/>
-          </a:fillRef>
-          <a:effectRef idx="0">
-            <a:schemeClr val="accent1"/>
-          </a:effectRef>
-          <a:fontRef idx="minor">
-            <a:schemeClr val="tx1"/>
-          </a:fontRef>
-        </p:style>
-      </p:cxnSp>
-      <p:cxnSp>
-        <p:nvCxnSpPr>
-          <p:cNvPr id="18" name="直接箭头连接符 17"/>
-          <p:cNvCxnSpPr>
-            <a:stCxn id="8" idx="1"/>
-            <a:endCxn id="6" idx="3"/>
-          </p:cNvCxnSpPr>
-          <p:nvPr/>
-        </p:nvCxnSpPr>
-        <p:spPr>
-          <a:xfrm flipH="1">
-            <a:off x="2555776" y="1160748"/>
-            <a:ext cx="576064" cy="0"/>
-          </a:xfrm>
-          <a:prstGeom prst="straightConnector1">
-            <a:avLst/>
-          </a:prstGeom>
-          <a:ln>
-            <a:solidFill>
-              <a:srgbClr val="00B0F0"/>
-            </a:solidFill>
-            <a:tailEnd type="arrow"/>
-          </a:ln>
-        </p:spPr>
-        <p:style>
-          <a:lnRef idx="1">
-            <a:schemeClr val="accent1"/>
-          </a:lnRef>
-          <a:fillRef idx="0">
-            <a:schemeClr val="accent1"/>
-          </a:fillRef>
-          <a:effectRef idx="0">
-            <a:schemeClr val="accent1"/>
-          </a:effectRef>
-          <a:fontRef idx="minor">
-            <a:schemeClr val="tx1"/>
-          </a:fontRef>
-        </p:style>
-      </p:cxnSp>
-      <p:cxnSp>
-        <p:nvCxnSpPr>
-          <p:cNvPr id="20" name="直接箭头连接符 19"/>
-          <p:cNvCxnSpPr>
-            <a:stCxn id="9" idx="1"/>
-            <a:endCxn id="7" idx="3"/>
-          </p:cNvCxnSpPr>
-          <p:nvPr/>
-        </p:nvCxnSpPr>
-        <p:spPr>
-          <a:xfrm flipH="1" flipV="1">
-            <a:off x="4067944" y="368660"/>
-            <a:ext cx="360040" cy="360040"/>
-          </a:xfrm>
-          <a:prstGeom prst="straightConnector1">
-            <a:avLst/>
-          </a:prstGeom>
-          <a:ln>
-            <a:tailEnd type="arrow"/>
-          </a:ln>
-        </p:spPr>
-        <p:style>
-          <a:lnRef idx="1">
-            <a:schemeClr val="accent1"/>
-          </a:lnRef>
-          <a:fillRef idx="0">
-            <a:schemeClr val="accent1"/>
-          </a:fillRef>
-          <a:effectRef idx="0">
-            <a:schemeClr val="accent1"/>
-          </a:effectRef>
-          <a:fontRef idx="minor">
-            <a:schemeClr val="tx1"/>
-          </a:fontRef>
-        </p:style>
-      </p:cxnSp>
-      <p:cxnSp>
-        <p:nvCxnSpPr>
-          <p:cNvPr id="22" name="直接箭头连接符 21"/>
-          <p:cNvCxnSpPr>
-            <a:stCxn id="9" idx="1"/>
-            <a:endCxn id="8" idx="3"/>
-          </p:cNvCxnSpPr>
-          <p:nvPr/>
-        </p:nvCxnSpPr>
-        <p:spPr>
-          <a:xfrm flipH="1">
-            <a:off x="4067944" y="728700"/>
-            <a:ext cx="360040" cy="432048"/>
-          </a:xfrm>
-          <a:prstGeom prst="straightConnector1">
-            <a:avLst/>
-          </a:prstGeom>
-          <a:ln>
-            <a:tailEnd type="arrow"/>
-          </a:ln>
-        </p:spPr>
-        <p:style>
-          <a:lnRef idx="1">
-            <a:schemeClr val="accent1"/>
-          </a:lnRef>
-          <a:fillRef idx="0">
-            <a:schemeClr val="accent1"/>
-          </a:fillRef>
-          <a:effectRef idx="0">
-            <a:schemeClr val="accent1"/>
-          </a:effectRef>
-          <a:fontRef idx="minor">
-            <a:schemeClr val="tx1"/>
-          </a:fontRef>
-        </p:style>
-      </p:cxnSp>
-      <p:cxnSp>
-        <p:nvCxnSpPr>
-          <p:cNvPr id="24" name="直接箭头连接符 23"/>
-          <p:cNvCxnSpPr>
-            <a:stCxn id="5" idx="1"/>
-            <a:endCxn id="4" idx="3"/>
-          </p:cNvCxnSpPr>
-          <p:nvPr/>
-        </p:nvCxnSpPr>
-        <p:spPr>
-          <a:xfrm flipH="1">
-            <a:off x="1259632" y="368660"/>
-            <a:ext cx="360040" cy="432048"/>
-          </a:xfrm>
-          <a:prstGeom prst="straightConnector1">
-            <a:avLst/>
-          </a:prstGeom>
-          <a:ln>
-            <a:tailEnd type="arrow"/>
-          </a:ln>
-        </p:spPr>
-        <p:style>
-          <a:lnRef idx="1">
-            <a:schemeClr val="accent1"/>
-          </a:lnRef>
-          <a:fillRef idx="0">
-            <a:schemeClr val="accent1"/>
-          </a:fillRef>
-          <a:effectRef idx="0">
-            <a:schemeClr val="accent1"/>
-          </a:effectRef>
-          <a:fontRef idx="minor">
-            <a:schemeClr val="tx1"/>
-          </a:fontRef>
-        </p:style>
-      </p:cxnSp>
-      <p:cxnSp>
-        <p:nvCxnSpPr>
-          <p:cNvPr id="26" name="直接箭头连接符 25"/>
-          <p:cNvCxnSpPr>
-            <a:stCxn id="6" idx="1"/>
-            <a:endCxn id="4" idx="3"/>
-          </p:cNvCxnSpPr>
-          <p:nvPr/>
-        </p:nvCxnSpPr>
-        <p:spPr>
-          <a:xfrm flipH="1" flipV="1">
-            <a:off x="1259632" y="800708"/>
-            <a:ext cx="360040" cy="360040"/>
-          </a:xfrm>
-          <a:prstGeom prst="straightConnector1">
-            <a:avLst/>
-          </a:prstGeom>
-          <a:ln>
-            <a:tailEnd type="arrow"/>
-          </a:ln>
-        </p:spPr>
-        <p:style>
-          <a:lnRef idx="1">
-            <a:schemeClr val="accent1"/>
-          </a:lnRef>
-          <a:fillRef idx="0">
-            <a:schemeClr val="accent1"/>
-          </a:fillRef>
-          <a:effectRef idx="0">
-            <a:schemeClr val="accent1"/>
-          </a:effectRef>
-          <a:fontRef idx="minor">
-            <a:schemeClr val="tx1"/>
-          </a:fontRef>
-        </p:style>
-      </p:cxnSp>
+      <p:sp>
+        <p:nvSpPr>
+          <p:cNvPr id="35" name="矩形 34"/>
+          <p:cNvSpPr/>
+          <p:nvPr/>
+        </p:nvSpPr>
+        <p:spPr>
+          <a:xfrm>
+            <a:off x="1619672" y="2630562"/>
+            <a:ext cx="1224136" cy="1584176"/>
+          </a:xfrm>
+          <a:prstGeom prst="rect">
+            <a:avLst/>
+          </a:prstGeom>
+          <a:solidFill>
+            <a:srgbClr val="00B0F0"/>
+          </a:solidFill>
+          <a:ln>
+            <a:noFill/>
+          </a:ln>
+        </p:spPr>
+        <p:style>
+          <a:lnRef idx="2">
+            <a:schemeClr val="accent1">
+              <a:shade val="50000"/>
+            </a:schemeClr>
+          </a:lnRef>
+          <a:fillRef idx="1">
+            <a:schemeClr val="accent1"/>
+          </a:fillRef>
+          <a:effectRef idx="0">
+            <a:schemeClr val="accent1"/>
+          </a:effectRef>
+          <a:fontRef idx="minor">
+            <a:schemeClr val="lt1"/>
+          </a:fontRef>
+        </p:style>
+        <p:txBody>
+          <a:bodyPr rtlCol="0" anchor="t"/>
+          <a:lstStyle/>
+          <a:p>
+            <a:pPr algn="ctr"/>
+            <a:r>
+              <a:rPr lang="zh-CN" altLang="en-US" sz="1200" dirty="0" smtClean="0"/>
+              <a:t>注册中心集群</a:t>
+            </a:r>
+            <a:endParaRPr lang="zh-CN" altLang="en-US" sz="1200" dirty="0"/>
+          </a:p>
+        </p:txBody>
+      </p:sp>
+      <p:sp>
+        <p:nvSpPr>
+          <p:cNvPr id="9" name="矩形 8"/>
+          <p:cNvSpPr/>
+          <p:nvPr/>
+        </p:nvSpPr>
+        <p:spPr>
+          <a:xfrm>
+            <a:off x="6300192" y="3176032"/>
+            <a:ext cx="1224136" cy="504056"/>
+          </a:xfrm>
+          <a:prstGeom prst="rect">
+            <a:avLst/>
+          </a:prstGeom>
+          <a:ln>
+            <a:noFill/>
+          </a:ln>
+        </p:spPr>
+        <p:style>
+          <a:lnRef idx="2">
+            <a:schemeClr val="accent1">
+              <a:shade val="50000"/>
+            </a:schemeClr>
+          </a:lnRef>
+          <a:fillRef idx="1">
+            <a:schemeClr val="accent1"/>
+          </a:fillRef>
+          <a:effectRef idx="0">
+            <a:schemeClr val="accent1"/>
+          </a:effectRef>
+          <a:fontRef idx="minor">
+            <a:schemeClr val="lt1"/>
+          </a:fontRef>
+        </p:style>
+        <p:txBody>
+          <a:bodyPr rtlCol="0" anchor="ctr"/>
+          <a:lstStyle/>
+          <a:p>
+            <a:pPr algn="ctr"/>
+            <a:r>
+              <a:rPr lang="zh-CN" altLang="en-US" sz="1200" dirty="0" smtClean="0"/>
+              <a:t>聚合监控信息</a:t>
+            </a:r>
+            <a:endParaRPr lang="en-US" altLang="zh-CN" sz="1200" dirty="0" smtClean="0"/>
+          </a:p>
+          <a:p>
+            <a:pPr algn="ctr"/>
+            <a:r>
+              <a:rPr lang="en-US" altLang="zh-CN" sz="1200" dirty="0" err="1" smtClean="0"/>
+              <a:t>hystrix</a:t>
+            </a:r>
+            <a:r>
+              <a:rPr lang="en-US" altLang="zh-CN" sz="1200" dirty="0" smtClean="0"/>
+              <a:t>-turbine</a:t>
+            </a:r>
+            <a:endParaRPr lang="zh-CN" altLang="en-US" sz="1200" dirty="0"/>
+          </a:p>
+        </p:txBody>
+      </p:sp>
+      <p:sp>
+        <p:nvSpPr>
+          <p:cNvPr id="10" name="矩形 9"/>
+          <p:cNvSpPr/>
+          <p:nvPr/>
+        </p:nvSpPr>
+        <p:spPr>
+          <a:xfrm>
+            <a:off x="7740352" y="3176032"/>
+            <a:ext cx="1296144" cy="504056"/>
+          </a:xfrm>
+          <a:prstGeom prst="rect">
+            <a:avLst/>
+          </a:prstGeom>
+          <a:ln>
+            <a:noFill/>
+          </a:ln>
+        </p:spPr>
+        <p:style>
+          <a:lnRef idx="2">
+            <a:schemeClr val="accent1">
+              <a:shade val="50000"/>
+            </a:schemeClr>
+          </a:lnRef>
+          <a:fillRef idx="1">
+            <a:schemeClr val="accent1"/>
+          </a:fillRef>
+          <a:effectRef idx="0">
+            <a:schemeClr val="accent1"/>
+          </a:effectRef>
+          <a:fontRef idx="minor">
+            <a:schemeClr val="lt1"/>
+          </a:fontRef>
+        </p:style>
+        <p:txBody>
+          <a:bodyPr rtlCol="0" anchor="ctr"/>
+          <a:lstStyle/>
+          <a:p>
+            <a:pPr algn="ctr"/>
+            <a:r>
+              <a:rPr lang="zh-CN" altLang="en-US" sz="1200" dirty="0" smtClean="0"/>
+              <a:t>监控信息展示</a:t>
+            </a:r>
+            <a:endParaRPr lang="en-US" altLang="zh-CN" sz="1200" dirty="0" smtClean="0"/>
+          </a:p>
+          <a:p>
+            <a:pPr algn="ctr"/>
+            <a:r>
+              <a:rPr lang="en-US" altLang="zh-CN" sz="1200" dirty="0" err="1" smtClean="0"/>
+              <a:t>hystrix</a:t>
+            </a:r>
+            <a:r>
+              <a:rPr lang="en-US" altLang="zh-CN" sz="1200" dirty="0" smtClean="0"/>
+              <a:t>-dashboard</a:t>
+            </a:r>
+            <a:endParaRPr lang="zh-CN" altLang="en-US" sz="1200" dirty="0"/>
+          </a:p>
+        </p:txBody>
+      </p:sp>
       <p:cxnSp>
         <p:nvCxnSpPr>
           <p:cNvPr id="30" name="直接箭头连接符 29"/>
@@ -3714,13 +3284,16 @@
         </p:nvCxnSpPr>
         <p:spPr>
           <a:xfrm flipH="1">
-            <a:off x="5364088" y="728700"/>
-            <a:ext cx="288032" cy="0"/>
+            <a:off x="7524328" y="3428060"/>
+            <a:ext cx="216024" cy="0"/>
           </a:xfrm>
           <a:prstGeom prst="straightConnector1">
             <a:avLst/>
           </a:prstGeom>
           <a:ln>
+            <a:solidFill>
+              <a:srgbClr val="FFC000"/>
+            </a:solidFill>
             <a:tailEnd type="arrow"/>
           </a:ln>
         </p:spPr>
@@ -3747,12 +3320,18 @@
         </p:nvSpPr>
         <p:spPr>
           <a:xfrm>
-            <a:off x="323528" y="2204864"/>
-            <a:ext cx="936104" cy="504056"/>
+            <a:off x="1763688" y="2918594"/>
+            <a:ext cx="936104" cy="360040"/>
           </a:xfrm>
           <a:prstGeom prst="rect">
             <a:avLst/>
           </a:prstGeom>
+          <a:solidFill>
+            <a:schemeClr val="tx2">
+              <a:lumMod val="20000"/>
+              <a:lumOff val="80000"/>
+            </a:schemeClr>
+          </a:solidFill>
           <a:ln>
             <a:noFill/>
           </a:ln>
@@ -3779,27 +3358,41 @@
           <a:p>
             <a:pPr algn="ctr"/>
             <a:r>
-              <a:rPr lang="en-US" altLang="zh-CN" sz="1200" dirty="0" smtClean="0"/>
+              <a:rPr lang="en-US" altLang="zh-CN" sz="1200" dirty="0" smtClean="0">
+                <a:solidFill>
+                  <a:schemeClr val="tx1"/>
+                </a:solidFill>
+              </a:rPr>
               <a:t>Eureka Server</a:t>
             </a:r>
-            <a:endParaRPr lang="zh-CN" altLang="en-US" sz="1200" dirty="0"/>
-          </a:p>
-        </p:txBody>
-      </p:sp>
-      <p:sp>
-        <p:nvSpPr>
-          <p:cNvPr id="32" name="矩形 31"/>
+            <a:endParaRPr lang="zh-CN" altLang="en-US" sz="1200" dirty="0">
+              <a:solidFill>
+                <a:schemeClr val="tx1"/>
+              </a:solidFill>
+            </a:endParaRPr>
+          </a:p>
+        </p:txBody>
+      </p:sp>
+      <p:sp>
+        <p:nvSpPr>
+          <p:cNvPr id="28" name="矩形 27"/>
           <p:cNvSpPr/>
           <p:nvPr/>
         </p:nvSpPr>
         <p:spPr>
           <a:xfrm>
-            <a:off x="1619672" y="1844824"/>
-            <a:ext cx="936104" cy="504056"/>
+            <a:off x="1763688" y="3350642"/>
+            <a:ext cx="936104" cy="360040"/>
           </a:xfrm>
           <a:prstGeom prst="rect">
             <a:avLst/>
           </a:prstGeom>
+          <a:solidFill>
+            <a:schemeClr val="tx2">
+              <a:lumMod val="20000"/>
+              <a:lumOff val="80000"/>
+            </a:schemeClr>
+          </a:solidFill>
           <a:ln>
             <a:noFill/>
           </a:ln>
@@ -3826,27 +3419,41 @@
           <a:p>
             <a:pPr algn="ctr"/>
             <a:r>
-              <a:rPr lang="en-US" altLang="zh-CN" sz="1200" dirty="0" smtClean="0"/>
-              <a:t>Service Provider1</a:t>
-            </a:r>
-            <a:endParaRPr lang="zh-CN" altLang="en-US" sz="1200" dirty="0"/>
-          </a:p>
-        </p:txBody>
-      </p:sp>
-      <p:sp>
-        <p:nvSpPr>
-          <p:cNvPr id="33" name="矩形 32"/>
+              <a:rPr lang="en-US" altLang="zh-CN" sz="1200" dirty="0" smtClean="0">
+                <a:solidFill>
+                  <a:schemeClr val="tx1"/>
+                </a:solidFill>
+              </a:rPr>
+              <a:t>Eureka Server</a:t>
+            </a:r>
+            <a:endParaRPr lang="zh-CN" altLang="en-US" sz="1200" dirty="0">
+              <a:solidFill>
+                <a:schemeClr val="tx1"/>
+              </a:solidFill>
+            </a:endParaRPr>
+          </a:p>
+        </p:txBody>
+      </p:sp>
+      <p:sp>
+        <p:nvSpPr>
+          <p:cNvPr id="29" name="矩形 28"/>
           <p:cNvSpPr/>
           <p:nvPr/>
         </p:nvSpPr>
         <p:spPr>
           <a:xfrm>
-            <a:off x="1619672" y="2636912"/>
-            <a:ext cx="936104" cy="504056"/>
+            <a:off x="1763688" y="3782690"/>
+            <a:ext cx="936104" cy="360040"/>
           </a:xfrm>
           <a:prstGeom prst="rect">
             <a:avLst/>
           </a:prstGeom>
+          <a:solidFill>
+            <a:schemeClr val="tx2">
+              <a:lumMod val="20000"/>
+              <a:lumOff val="80000"/>
+            </a:schemeClr>
+          </a:solidFill>
           <a:ln>
             <a:noFill/>
           </a:ln>
@@ -3873,23 +3480,31 @@
           <a:p>
             <a:pPr algn="ctr"/>
             <a:r>
-              <a:rPr lang="en-US" altLang="zh-CN" sz="1200" dirty="0" smtClean="0"/>
-              <a:t>Service Provider2</a:t>
-            </a:r>
-            <a:endParaRPr lang="zh-CN" altLang="en-US" sz="1200" dirty="0"/>
-          </a:p>
-        </p:txBody>
-      </p:sp>
-      <p:sp>
-        <p:nvSpPr>
-          <p:cNvPr id="34" name="矩形 33"/>
+              <a:rPr lang="en-US" altLang="zh-CN" sz="1200" dirty="0" smtClean="0">
+                <a:solidFill>
+                  <a:schemeClr val="tx1"/>
+                </a:solidFill>
+              </a:rPr>
+              <a:t>Eureka Server</a:t>
+            </a:r>
+            <a:endParaRPr lang="zh-CN" altLang="en-US" sz="1200" dirty="0">
+              <a:solidFill>
+                <a:schemeClr val="tx1"/>
+              </a:solidFill>
+            </a:endParaRPr>
+          </a:p>
+        </p:txBody>
+      </p:sp>
+      <p:sp>
+        <p:nvSpPr>
+          <p:cNvPr id="36" name="矩形 35"/>
           <p:cNvSpPr/>
           <p:nvPr/>
         </p:nvSpPr>
         <p:spPr>
           <a:xfrm>
-            <a:off x="2987824" y="2204864"/>
-            <a:ext cx="936104" cy="504056"/>
+            <a:off x="107504" y="2630562"/>
+            <a:ext cx="1224136" cy="1584176"/>
           </a:xfrm>
           <a:prstGeom prst="rect">
             <a:avLst/>
@@ -3915,13 +3530,13 @@
           </a:fontRef>
         </p:style>
         <p:txBody>
-          <a:bodyPr rtlCol="0" anchor="ctr"/>
+          <a:bodyPr rtlCol="0" anchor="t"/>
           <a:lstStyle/>
           <a:p>
             <a:pPr algn="ctr"/>
             <a:r>
-              <a:rPr lang="en-US" altLang="zh-CN" sz="1200" dirty="0" smtClean="0"/>
-              <a:t>Service Consumer1</a:t>
+              <a:rPr lang="zh-CN" altLang="en-US" sz="1200" dirty="0" smtClean="0"/>
+              <a:t>服务提供者</a:t>
             </a:r>
             <a:endParaRPr lang="zh-CN" altLang="en-US" sz="1200" dirty="0"/>
           </a:p>
@@ -3929,18 +3544,24 @@
       </p:sp>
       <p:sp>
         <p:nvSpPr>
-          <p:cNvPr id="37" name="矩形 36"/>
+          <p:cNvPr id="38" name="矩形 37"/>
           <p:cNvSpPr/>
           <p:nvPr/>
         </p:nvSpPr>
         <p:spPr>
           <a:xfrm>
-            <a:off x="4283968" y="2204864"/>
-            <a:ext cx="936104" cy="504056"/>
+            <a:off x="251520" y="2918594"/>
+            <a:ext cx="936104" cy="360040"/>
           </a:xfrm>
           <a:prstGeom prst="rect">
             <a:avLst/>
           </a:prstGeom>
+          <a:solidFill>
+            <a:schemeClr val="tx2">
+              <a:lumMod val="20000"/>
+              <a:lumOff val="80000"/>
+            </a:schemeClr>
+          </a:solidFill>
           <a:ln>
             <a:noFill/>
           </a:ln>
@@ -3967,35 +3588,394 @@
           <a:p>
             <a:pPr algn="ctr"/>
             <a:r>
-              <a:rPr lang="en-US" altLang="zh-CN" sz="1200" dirty="0" err="1" smtClean="0"/>
-              <a:t>hystrix</a:t>
-            </a:r>
-            <a:r>
-              <a:rPr lang="en-US" altLang="zh-CN" sz="1200" dirty="0" smtClean="0"/>
-              <a:t>-dashboard</a:t>
+              <a:rPr lang="en-US" altLang="zh-CN" sz="1200" dirty="0" smtClean="0">
+                <a:solidFill>
+                  <a:schemeClr val="tx1"/>
+                </a:solidFill>
+              </a:rPr>
+              <a:t>Service Provider</a:t>
+            </a:r>
+            <a:endParaRPr lang="zh-CN" altLang="en-US" sz="1200" dirty="0">
+              <a:solidFill>
+                <a:schemeClr val="tx1"/>
+              </a:solidFill>
+            </a:endParaRPr>
+          </a:p>
+        </p:txBody>
+      </p:sp>
+      <p:sp>
+        <p:nvSpPr>
+          <p:cNvPr id="39" name="矩形 38"/>
+          <p:cNvSpPr/>
+          <p:nvPr/>
+        </p:nvSpPr>
+        <p:spPr>
+          <a:xfrm>
+            <a:off x="251520" y="3350642"/>
+            <a:ext cx="936104" cy="360040"/>
+          </a:xfrm>
+          <a:prstGeom prst="rect">
+            <a:avLst/>
+          </a:prstGeom>
+          <a:solidFill>
+            <a:schemeClr val="tx2">
+              <a:lumMod val="20000"/>
+              <a:lumOff val="80000"/>
+            </a:schemeClr>
+          </a:solidFill>
+          <a:ln>
+            <a:noFill/>
+          </a:ln>
+        </p:spPr>
+        <p:style>
+          <a:lnRef idx="2">
+            <a:schemeClr val="accent1">
+              <a:shade val="50000"/>
+            </a:schemeClr>
+          </a:lnRef>
+          <a:fillRef idx="1">
+            <a:schemeClr val="accent1"/>
+          </a:fillRef>
+          <a:effectRef idx="0">
+            <a:schemeClr val="accent1"/>
+          </a:effectRef>
+          <a:fontRef idx="minor">
+            <a:schemeClr val="lt1"/>
+          </a:fontRef>
+        </p:style>
+        <p:txBody>
+          <a:bodyPr rtlCol="0" anchor="ctr"/>
+          <a:lstStyle/>
+          <a:p>
+            <a:pPr algn="ctr"/>
+            <a:r>
+              <a:rPr lang="en-US" altLang="zh-CN" sz="1200" dirty="0" smtClean="0">
+                <a:solidFill>
+                  <a:schemeClr val="tx1"/>
+                </a:solidFill>
+              </a:rPr>
+              <a:t>Service Provider</a:t>
+            </a:r>
+            <a:endParaRPr lang="zh-CN" altLang="en-US" sz="1200" dirty="0">
+              <a:solidFill>
+                <a:schemeClr val="tx1"/>
+              </a:solidFill>
+            </a:endParaRPr>
+          </a:p>
+        </p:txBody>
+      </p:sp>
+      <p:sp>
+        <p:nvSpPr>
+          <p:cNvPr id="40" name="矩形 39"/>
+          <p:cNvSpPr/>
+          <p:nvPr/>
+        </p:nvSpPr>
+        <p:spPr>
+          <a:xfrm>
+            <a:off x="251520" y="3782690"/>
+            <a:ext cx="936104" cy="360040"/>
+          </a:xfrm>
+          <a:prstGeom prst="rect">
+            <a:avLst/>
+          </a:prstGeom>
+          <a:solidFill>
+            <a:schemeClr val="tx2">
+              <a:lumMod val="20000"/>
+              <a:lumOff val="80000"/>
+            </a:schemeClr>
+          </a:solidFill>
+          <a:ln>
+            <a:noFill/>
+          </a:ln>
+        </p:spPr>
+        <p:style>
+          <a:lnRef idx="2">
+            <a:schemeClr val="accent1">
+              <a:shade val="50000"/>
+            </a:schemeClr>
+          </a:lnRef>
+          <a:fillRef idx="1">
+            <a:schemeClr val="accent1"/>
+          </a:fillRef>
+          <a:effectRef idx="0">
+            <a:schemeClr val="accent1"/>
+          </a:effectRef>
+          <a:fontRef idx="minor">
+            <a:schemeClr val="lt1"/>
+          </a:fontRef>
+        </p:style>
+        <p:txBody>
+          <a:bodyPr rtlCol="0" anchor="ctr"/>
+          <a:lstStyle/>
+          <a:p>
+            <a:pPr algn="ctr"/>
+            <a:r>
+              <a:rPr lang="en-US" altLang="zh-CN" sz="1200" dirty="0" smtClean="0">
+                <a:solidFill>
+                  <a:schemeClr val="tx1"/>
+                </a:solidFill>
+              </a:rPr>
+              <a:t>Service Provider</a:t>
+            </a:r>
+            <a:endParaRPr lang="zh-CN" altLang="en-US" sz="1200" dirty="0">
+              <a:solidFill>
+                <a:schemeClr val="tx1"/>
+              </a:solidFill>
+            </a:endParaRPr>
+          </a:p>
+        </p:txBody>
+      </p:sp>
+      <p:sp>
+        <p:nvSpPr>
+          <p:cNvPr id="41" name="矩形 40"/>
+          <p:cNvSpPr/>
+          <p:nvPr/>
+        </p:nvSpPr>
+        <p:spPr>
+          <a:xfrm>
+            <a:off x="4860032" y="2630562"/>
+            <a:ext cx="1224136" cy="1584176"/>
+          </a:xfrm>
+          <a:prstGeom prst="rect">
+            <a:avLst/>
+          </a:prstGeom>
+          <a:ln>
+            <a:noFill/>
+          </a:ln>
+        </p:spPr>
+        <p:style>
+          <a:lnRef idx="2">
+            <a:schemeClr val="accent1">
+              <a:shade val="50000"/>
+            </a:schemeClr>
+          </a:lnRef>
+          <a:fillRef idx="1">
+            <a:schemeClr val="accent1"/>
+          </a:fillRef>
+          <a:effectRef idx="0">
+            <a:schemeClr val="accent1"/>
+          </a:effectRef>
+          <a:fontRef idx="minor">
+            <a:schemeClr val="lt1"/>
+          </a:fontRef>
+        </p:style>
+        <p:txBody>
+          <a:bodyPr rtlCol="0" anchor="t"/>
+          <a:lstStyle/>
+          <a:p>
+            <a:pPr algn="ctr"/>
+            <a:r>
+              <a:rPr lang="zh-CN" altLang="en-US" sz="1200" dirty="0" smtClean="0"/>
+              <a:t>服务消费者</a:t>
             </a:r>
             <a:endParaRPr lang="zh-CN" altLang="en-US" sz="1200" dirty="0"/>
+          </a:p>
+        </p:txBody>
+      </p:sp>
+      <p:sp>
+        <p:nvSpPr>
+          <p:cNvPr id="42" name="矩形 41"/>
+          <p:cNvSpPr/>
+          <p:nvPr/>
+        </p:nvSpPr>
+        <p:spPr>
+          <a:xfrm>
+            <a:off x="5004048" y="2918594"/>
+            <a:ext cx="936104" cy="360040"/>
+          </a:xfrm>
+          <a:prstGeom prst="rect">
+            <a:avLst/>
+          </a:prstGeom>
+          <a:solidFill>
+            <a:schemeClr val="tx2">
+              <a:lumMod val="20000"/>
+              <a:lumOff val="80000"/>
+            </a:schemeClr>
+          </a:solidFill>
+          <a:ln>
+            <a:noFill/>
+          </a:ln>
+        </p:spPr>
+        <p:style>
+          <a:lnRef idx="2">
+            <a:schemeClr val="accent1">
+              <a:shade val="50000"/>
+            </a:schemeClr>
+          </a:lnRef>
+          <a:fillRef idx="1">
+            <a:schemeClr val="accent1"/>
+          </a:fillRef>
+          <a:effectRef idx="0">
+            <a:schemeClr val="accent1"/>
+          </a:effectRef>
+          <a:fontRef idx="minor">
+            <a:schemeClr val="lt1"/>
+          </a:fontRef>
+        </p:style>
+        <p:txBody>
+          <a:bodyPr rtlCol="0" anchor="ctr"/>
+          <a:lstStyle/>
+          <a:p>
+            <a:pPr algn="ctr"/>
+            <a:r>
+              <a:rPr lang="en-US" altLang="zh-CN" sz="1200" dirty="0" smtClean="0">
+                <a:solidFill>
+                  <a:schemeClr val="tx1"/>
+                </a:solidFill>
+              </a:rPr>
+              <a:t>Service Consumer</a:t>
+            </a:r>
+            <a:endParaRPr lang="zh-CN" altLang="en-US" sz="1200" dirty="0">
+              <a:solidFill>
+                <a:schemeClr val="tx1"/>
+              </a:solidFill>
+            </a:endParaRPr>
+          </a:p>
+        </p:txBody>
+      </p:sp>
+      <p:sp>
+        <p:nvSpPr>
+          <p:cNvPr id="43" name="矩形 42"/>
+          <p:cNvSpPr/>
+          <p:nvPr/>
+        </p:nvSpPr>
+        <p:spPr>
+          <a:xfrm>
+            <a:off x="5004048" y="3350642"/>
+            <a:ext cx="936104" cy="360040"/>
+          </a:xfrm>
+          <a:prstGeom prst="rect">
+            <a:avLst/>
+          </a:prstGeom>
+          <a:solidFill>
+            <a:schemeClr val="tx2">
+              <a:lumMod val="20000"/>
+              <a:lumOff val="80000"/>
+            </a:schemeClr>
+          </a:solidFill>
+          <a:ln>
+            <a:noFill/>
+          </a:ln>
+        </p:spPr>
+        <p:style>
+          <a:lnRef idx="2">
+            <a:schemeClr val="accent1">
+              <a:shade val="50000"/>
+            </a:schemeClr>
+          </a:lnRef>
+          <a:fillRef idx="1">
+            <a:schemeClr val="accent1"/>
+          </a:fillRef>
+          <a:effectRef idx="0">
+            <a:schemeClr val="accent1"/>
+          </a:effectRef>
+          <a:fontRef idx="minor">
+            <a:schemeClr val="lt1"/>
+          </a:fontRef>
+        </p:style>
+        <p:txBody>
+          <a:bodyPr rtlCol="0" anchor="ctr"/>
+          <a:lstStyle/>
+          <a:p>
+            <a:pPr algn="ctr"/>
+            <a:r>
+              <a:rPr lang="en-US" altLang="zh-CN" sz="1200" dirty="0" smtClean="0">
+                <a:solidFill>
+                  <a:schemeClr val="tx1"/>
+                </a:solidFill>
+              </a:rPr>
+              <a:t>Service Consumer</a:t>
+            </a:r>
+            <a:endParaRPr lang="zh-CN" altLang="en-US" sz="1200" dirty="0">
+              <a:solidFill>
+                <a:schemeClr val="tx1"/>
+              </a:solidFill>
+            </a:endParaRPr>
+          </a:p>
+        </p:txBody>
+      </p:sp>
+      <p:sp>
+        <p:nvSpPr>
+          <p:cNvPr id="47" name="矩形 46"/>
+          <p:cNvSpPr/>
+          <p:nvPr/>
+        </p:nvSpPr>
+        <p:spPr>
+          <a:xfrm>
+            <a:off x="5004048" y="3782690"/>
+            <a:ext cx="936104" cy="360040"/>
+          </a:xfrm>
+          <a:prstGeom prst="rect">
+            <a:avLst/>
+          </a:prstGeom>
+          <a:solidFill>
+            <a:schemeClr val="tx2">
+              <a:lumMod val="20000"/>
+              <a:lumOff val="80000"/>
+            </a:schemeClr>
+          </a:solidFill>
+          <a:ln>
+            <a:noFill/>
+          </a:ln>
+        </p:spPr>
+        <p:style>
+          <a:lnRef idx="2">
+            <a:schemeClr val="accent1">
+              <a:shade val="50000"/>
+            </a:schemeClr>
+          </a:lnRef>
+          <a:fillRef idx="1">
+            <a:schemeClr val="accent1"/>
+          </a:fillRef>
+          <a:effectRef idx="0">
+            <a:schemeClr val="accent1"/>
+          </a:effectRef>
+          <a:fontRef idx="minor">
+            <a:schemeClr val="lt1"/>
+          </a:fontRef>
+        </p:style>
+        <p:txBody>
+          <a:bodyPr rtlCol="0" anchor="ctr"/>
+          <a:lstStyle/>
+          <a:p>
+            <a:pPr algn="ctr"/>
+            <a:r>
+              <a:rPr lang="en-US" altLang="zh-CN" sz="1200" dirty="0" smtClean="0">
+                <a:solidFill>
+                  <a:schemeClr val="tx1"/>
+                </a:solidFill>
+              </a:rPr>
+              <a:t>Service Consumer</a:t>
+            </a:r>
+            <a:endParaRPr lang="zh-CN" altLang="en-US" sz="1200" dirty="0">
+              <a:solidFill>
+                <a:schemeClr val="tx1"/>
+              </a:solidFill>
+            </a:endParaRPr>
           </a:p>
         </p:txBody>
       </p:sp>
       <p:cxnSp>
         <p:nvCxnSpPr>
-          <p:cNvPr id="44" name="直接箭头连接符 43"/>
+          <p:cNvPr id="69" name="直接箭头连接符 68"/>
           <p:cNvCxnSpPr>
-            <a:stCxn id="32" idx="1"/>
-            <a:endCxn id="31" idx="3"/>
+            <a:stCxn id="9" idx="1"/>
+            <a:endCxn id="41" idx="3"/>
           </p:cNvCxnSpPr>
           <p:nvPr/>
         </p:nvCxnSpPr>
         <p:spPr>
-          <a:xfrm flipH="1">
-            <a:off x="1259632" y="2096852"/>
-            <a:ext cx="360040" cy="360040"/>
+          <a:xfrm flipH="1" flipV="1">
+            <a:off x="6084168" y="3422650"/>
+            <a:ext cx="216024" cy="5410"/>
           </a:xfrm>
           <a:prstGeom prst="straightConnector1">
             <a:avLst/>
           </a:prstGeom>
           <a:ln>
+            <a:solidFill>
+              <a:srgbClr val="FFC000"/>
+            </a:solidFill>
             <a:tailEnd type="arrow"/>
           </a:ln>
         </p:spPr>
@@ -4016,349 +3996,17 @@
       </p:cxnSp>
       <p:cxnSp>
         <p:nvCxnSpPr>
-          <p:cNvPr id="45" name="直接箭头连接符 44"/>
+          <p:cNvPr id="73" name="直接箭头连接符 72"/>
           <p:cNvCxnSpPr>
-            <a:stCxn id="33" idx="1"/>
-            <a:endCxn id="31" idx="3"/>
+            <a:stCxn id="36" idx="3"/>
+            <a:endCxn id="35" idx="1"/>
           </p:cNvCxnSpPr>
           <p:nvPr/>
         </p:nvCxnSpPr>
         <p:spPr>
-          <a:xfrm flipH="1" flipV="1">
-            <a:off x="1259632" y="2456892"/>
-            <a:ext cx="360040" cy="432048"/>
-          </a:xfrm>
-          <a:prstGeom prst="straightConnector1">
-            <a:avLst/>
-          </a:prstGeom>
-          <a:ln>
-            <a:tailEnd type="arrow"/>
-          </a:ln>
-        </p:spPr>
-        <p:style>
-          <a:lnRef idx="1">
-            <a:schemeClr val="accent1"/>
-          </a:lnRef>
-          <a:fillRef idx="0">
-            <a:schemeClr val="accent1"/>
-          </a:fillRef>
-          <a:effectRef idx="0">
-            <a:schemeClr val="accent1"/>
-          </a:effectRef>
-          <a:fontRef idx="minor">
-            <a:schemeClr val="tx1"/>
-          </a:fontRef>
-        </p:style>
-      </p:cxnSp>
-      <p:cxnSp>
-        <p:nvCxnSpPr>
-          <p:cNvPr id="46" name="直接箭头连接符 45"/>
-          <p:cNvCxnSpPr>
-            <a:stCxn id="37" idx="1"/>
-            <a:endCxn id="34" idx="3"/>
-          </p:cNvCxnSpPr>
-          <p:nvPr/>
-        </p:nvCxnSpPr>
-        <p:spPr>
-          <a:xfrm flipH="1">
-            <a:off x="3923928" y="2456892"/>
-            <a:ext cx="360040" cy="0"/>
-          </a:xfrm>
-          <a:prstGeom prst="straightConnector1">
-            <a:avLst/>
-          </a:prstGeom>
-          <a:ln>
-            <a:tailEnd type="arrow"/>
-          </a:ln>
-        </p:spPr>
-        <p:style>
-          <a:lnRef idx="1">
-            <a:schemeClr val="accent1"/>
-          </a:lnRef>
-          <a:fillRef idx="0">
-            <a:schemeClr val="accent1"/>
-          </a:fillRef>
-          <a:effectRef idx="0">
-            <a:schemeClr val="accent1"/>
-          </a:effectRef>
-          <a:fontRef idx="minor">
-            <a:schemeClr val="tx1"/>
-          </a:fontRef>
-        </p:style>
-      </p:cxnSp>
-      <p:cxnSp>
-        <p:nvCxnSpPr>
-          <p:cNvPr id="48" name="直接箭头连接符 47"/>
-          <p:cNvCxnSpPr>
-            <a:stCxn id="34" idx="1"/>
-            <a:endCxn id="32" idx="3"/>
-          </p:cNvCxnSpPr>
-          <p:nvPr/>
-        </p:nvCxnSpPr>
-        <p:spPr>
-          <a:xfrm flipH="1" flipV="1">
-            <a:off x="2555776" y="2096852"/>
-            <a:ext cx="432048" cy="360040"/>
-          </a:xfrm>
-          <a:prstGeom prst="straightConnector1">
-            <a:avLst/>
-          </a:prstGeom>
-          <a:ln>
-            <a:tailEnd type="arrow"/>
-          </a:ln>
-        </p:spPr>
-        <p:style>
-          <a:lnRef idx="1">
-            <a:schemeClr val="accent1"/>
-          </a:lnRef>
-          <a:fillRef idx="0">
-            <a:schemeClr val="accent1"/>
-          </a:fillRef>
-          <a:effectRef idx="0">
-            <a:schemeClr val="accent1"/>
-          </a:effectRef>
-          <a:fontRef idx="minor">
-            <a:schemeClr val="tx1"/>
-          </a:fontRef>
-        </p:style>
-      </p:cxnSp>
-      <p:cxnSp>
-        <p:nvCxnSpPr>
-          <p:cNvPr id="50" name="直接箭头连接符 49"/>
-          <p:cNvCxnSpPr>
-            <a:stCxn id="34" idx="1"/>
-            <a:endCxn id="33" idx="3"/>
-          </p:cNvCxnSpPr>
-          <p:nvPr/>
-        </p:nvCxnSpPr>
-        <p:spPr>
-          <a:xfrm flipH="1">
-            <a:off x="2555776" y="2456892"/>
-            <a:ext cx="432048" cy="432048"/>
-          </a:xfrm>
-          <a:prstGeom prst="straightConnector1">
-            <a:avLst/>
-          </a:prstGeom>
-          <a:ln>
-            <a:tailEnd type="arrow"/>
-          </a:ln>
-        </p:spPr>
-        <p:style>
-          <a:lnRef idx="1">
-            <a:schemeClr val="accent1"/>
-          </a:lnRef>
-          <a:fillRef idx="0">
-            <a:schemeClr val="accent1"/>
-          </a:fillRef>
-          <a:effectRef idx="0">
-            <a:schemeClr val="accent1"/>
-          </a:effectRef>
-          <a:fontRef idx="minor">
-            <a:schemeClr val="tx1"/>
-          </a:fontRef>
-        </p:style>
-      </p:cxnSp>
-      <p:sp>
-        <p:nvSpPr>
-          <p:cNvPr id="28" name="矩形 27"/>
-          <p:cNvSpPr/>
-          <p:nvPr/>
-        </p:nvSpPr>
-        <p:spPr>
-          <a:xfrm>
-            <a:off x="1907704" y="3861048"/>
-            <a:ext cx="936104" cy="504056"/>
-          </a:xfrm>
-          <a:prstGeom prst="rect">
-            <a:avLst/>
-          </a:prstGeom>
-          <a:ln>
-            <a:noFill/>
-          </a:ln>
-        </p:spPr>
-        <p:style>
-          <a:lnRef idx="2">
-            <a:schemeClr val="accent1">
-              <a:shade val="50000"/>
-            </a:schemeClr>
-          </a:lnRef>
-          <a:fillRef idx="1">
-            <a:schemeClr val="accent1"/>
-          </a:fillRef>
-          <a:effectRef idx="0">
-            <a:schemeClr val="accent1"/>
-          </a:effectRef>
-          <a:fontRef idx="minor">
-            <a:schemeClr val="lt1"/>
-          </a:fontRef>
-        </p:style>
-        <p:txBody>
-          <a:bodyPr rtlCol="0" anchor="ctr"/>
-          <a:lstStyle/>
-          <a:p>
-            <a:pPr algn="ctr"/>
-            <a:r>
-              <a:rPr lang="en-US" altLang="zh-CN" sz="1200" dirty="0" smtClean="0"/>
-              <a:t>Eureka Server</a:t>
-            </a:r>
-            <a:endParaRPr lang="zh-CN" altLang="en-US" sz="1200" dirty="0"/>
-          </a:p>
-        </p:txBody>
-      </p:sp>
-      <p:sp>
-        <p:nvSpPr>
-          <p:cNvPr id="29" name="矩形 28"/>
-          <p:cNvSpPr/>
-          <p:nvPr/>
-        </p:nvSpPr>
-        <p:spPr>
-          <a:xfrm>
-            <a:off x="611560" y="4941168"/>
-            <a:ext cx="936104" cy="504056"/>
-          </a:xfrm>
-          <a:prstGeom prst="rect">
-            <a:avLst/>
-          </a:prstGeom>
-          <a:ln>
-            <a:noFill/>
-          </a:ln>
-        </p:spPr>
-        <p:style>
-          <a:lnRef idx="2">
-            <a:schemeClr val="accent1">
-              <a:shade val="50000"/>
-            </a:schemeClr>
-          </a:lnRef>
-          <a:fillRef idx="1">
-            <a:schemeClr val="accent1"/>
-          </a:fillRef>
-          <a:effectRef idx="0">
-            <a:schemeClr val="accent1"/>
-          </a:effectRef>
-          <a:fontRef idx="minor">
-            <a:schemeClr val="lt1"/>
-          </a:fontRef>
-        </p:style>
-        <p:txBody>
-          <a:bodyPr rtlCol="0" anchor="ctr"/>
-          <a:lstStyle/>
-          <a:p>
-            <a:pPr algn="ctr"/>
-            <a:r>
-              <a:rPr lang="en-US" altLang="zh-CN" sz="1200" dirty="0" smtClean="0"/>
-              <a:t>Service Provider1</a:t>
-            </a:r>
-            <a:endParaRPr lang="zh-CN" altLang="en-US" sz="1200" dirty="0"/>
-          </a:p>
-        </p:txBody>
-      </p:sp>
-      <p:sp>
-        <p:nvSpPr>
-          <p:cNvPr id="36" name="矩形 35"/>
-          <p:cNvSpPr/>
-          <p:nvPr/>
-        </p:nvSpPr>
-        <p:spPr>
-          <a:xfrm>
-            <a:off x="1907704" y="4941168"/>
-            <a:ext cx="936104" cy="504056"/>
-          </a:xfrm>
-          <a:prstGeom prst="rect">
-            <a:avLst/>
-          </a:prstGeom>
-          <a:ln>
-            <a:noFill/>
-          </a:ln>
-        </p:spPr>
-        <p:style>
-          <a:lnRef idx="2">
-            <a:schemeClr val="accent1">
-              <a:shade val="50000"/>
-            </a:schemeClr>
-          </a:lnRef>
-          <a:fillRef idx="1">
-            <a:schemeClr val="accent1"/>
-          </a:fillRef>
-          <a:effectRef idx="0">
-            <a:schemeClr val="accent1"/>
-          </a:effectRef>
-          <a:fontRef idx="minor">
-            <a:schemeClr val="lt1"/>
-          </a:fontRef>
-        </p:style>
-        <p:txBody>
-          <a:bodyPr rtlCol="0" anchor="ctr"/>
-          <a:lstStyle/>
-          <a:p>
-            <a:pPr algn="ctr"/>
-            <a:r>
-              <a:rPr lang="en-US" altLang="zh-CN" sz="1200" dirty="0" smtClean="0"/>
-              <a:t>Service Consumer1</a:t>
-            </a:r>
-            <a:endParaRPr lang="zh-CN" altLang="en-US" sz="1200" dirty="0"/>
-          </a:p>
-        </p:txBody>
-      </p:sp>
-      <p:sp>
-        <p:nvSpPr>
-          <p:cNvPr id="38" name="矩形 37"/>
-          <p:cNvSpPr/>
-          <p:nvPr/>
-        </p:nvSpPr>
-        <p:spPr>
-          <a:xfrm>
-            <a:off x="3203848" y="4941168"/>
-            <a:ext cx="936104" cy="504056"/>
-          </a:xfrm>
-          <a:prstGeom prst="rect">
-            <a:avLst/>
-          </a:prstGeom>
-          <a:ln>
-            <a:noFill/>
-          </a:ln>
-        </p:spPr>
-        <p:style>
-          <a:lnRef idx="2">
-            <a:schemeClr val="accent1">
-              <a:shade val="50000"/>
-            </a:schemeClr>
-          </a:lnRef>
-          <a:fillRef idx="1">
-            <a:schemeClr val="accent1"/>
-          </a:fillRef>
-          <a:effectRef idx="0">
-            <a:schemeClr val="accent1"/>
-          </a:effectRef>
-          <a:fontRef idx="minor">
-            <a:schemeClr val="lt1"/>
-          </a:fontRef>
-        </p:style>
-        <p:txBody>
-          <a:bodyPr rtlCol="0" anchor="ctr"/>
-          <a:lstStyle/>
-          <a:p>
-            <a:pPr algn="ctr"/>
-            <a:r>
-              <a:rPr lang="en-US" altLang="zh-CN" sz="1200" dirty="0" err="1" smtClean="0"/>
-              <a:t>Zuul</a:t>
-            </a:r>
-            <a:endParaRPr lang="zh-CN" altLang="en-US" sz="1200" dirty="0"/>
-          </a:p>
-        </p:txBody>
-      </p:sp>
-      <p:cxnSp>
-        <p:nvCxnSpPr>
-          <p:cNvPr id="39" name="直接箭头连接符 38"/>
-          <p:cNvCxnSpPr>
-            <a:stCxn id="29" idx="0"/>
-            <a:endCxn id="28" idx="2"/>
-          </p:cNvCxnSpPr>
-          <p:nvPr/>
-        </p:nvCxnSpPr>
-        <p:spPr>
-          <a:xfrm flipV="1">
-            <a:off x="1079612" y="4365104"/>
-            <a:ext cx="1296144" cy="576064"/>
+          <a:xfrm>
+            <a:off x="1331640" y="3422650"/>
+            <a:ext cx="288032" cy="0"/>
           </a:xfrm>
           <a:prstGeom prst="straightConnector1">
             <a:avLst/>
@@ -4385,24 +4033,286 @@
           </a:fontRef>
         </p:style>
       </p:cxnSp>
+      <p:sp>
+        <p:nvSpPr>
+          <p:cNvPr id="79" name="矩形 78"/>
+          <p:cNvSpPr/>
+          <p:nvPr/>
+        </p:nvSpPr>
+        <p:spPr>
+          <a:xfrm>
+            <a:off x="1043608" y="1340768"/>
+            <a:ext cx="2376264" cy="936104"/>
+          </a:xfrm>
+          <a:prstGeom prst="rect">
+            <a:avLst/>
+          </a:prstGeom>
+          <a:solidFill>
+            <a:schemeClr val="accent5">
+              <a:lumMod val="75000"/>
+            </a:schemeClr>
+          </a:solidFill>
+          <a:ln>
+            <a:noFill/>
+          </a:ln>
+        </p:spPr>
+        <p:style>
+          <a:lnRef idx="2">
+            <a:schemeClr val="accent1">
+              <a:shade val="50000"/>
+            </a:schemeClr>
+          </a:lnRef>
+          <a:fillRef idx="1">
+            <a:schemeClr val="accent1"/>
+          </a:fillRef>
+          <a:effectRef idx="0">
+            <a:schemeClr val="accent1"/>
+          </a:effectRef>
+          <a:fontRef idx="minor">
+            <a:schemeClr val="lt1"/>
+          </a:fontRef>
+        </p:style>
+        <p:txBody>
+          <a:bodyPr rtlCol="0" anchor="t"/>
+          <a:lstStyle/>
+          <a:p>
+            <a:pPr algn="ctr"/>
+            <a:r>
+              <a:rPr lang="zh-CN" altLang="en-US" sz="1200" dirty="0" smtClean="0"/>
+              <a:t>配置中心集群</a:t>
+            </a:r>
+            <a:endParaRPr lang="zh-CN" altLang="en-US" sz="1200" dirty="0"/>
+          </a:p>
+        </p:txBody>
+      </p:sp>
+      <p:sp>
+        <p:nvSpPr>
+          <p:cNvPr id="80" name="矩形 79"/>
+          <p:cNvSpPr/>
+          <p:nvPr/>
+        </p:nvSpPr>
+        <p:spPr>
+          <a:xfrm>
+            <a:off x="1187624" y="1628800"/>
+            <a:ext cx="648072" cy="504056"/>
+          </a:xfrm>
+          <a:prstGeom prst="rect">
+            <a:avLst/>
+          </a:prstGeom>
+          <a:solidFill>
+            <a:schemeClr val="tx2">
+              <a:lumMod val="20000"/>
+              <a:lumOff val="80000"/>
+            </a:schemeClr>
+          </a:solidFill>
+          <a:ln>
+            <a:noFill/>
+          </a:ln>
+        </p:spPr>
+        <p:style>
+          <a:lnRef idx="2">
+            <a:schemeClr val="accent1">
+              <a:shade val="50000"/>
+            </a:schemeClr>
+          </a:lnRef>
+          <a:fillRef idx="1">
+            <a:schemeClr val="accent1"/>
+          </a:fillRef>
+          <a:effectRef idx="0">
+            <a:schemeClr val="accent1"/>
+          </a:effectRef>
+          <a:fontRef idx="minor">
+            <a:schemeClr val="lt1"/>
+          </a:fontRef>
+        </p:style>
+        <p:txBody>
+          <a:bodyPr rtlCol="0" anchor="ctr"/>
+          <a:lstStyle/>
+          <a:p>
+            <a:pPr algn="ctr"/>
+            <a:r>
+              <a:rPr lang="en-US" altLang="zh-CN" sz="1200" dirty="0" err="1" smtClean="0">
+                <a:solidFill>
+                  <a:schemeClr val="tx1"/>
+                </a:solidFill>
+              </a:rPr>
+              <a:t>Config</a:t>
+            </a:r>
+            <a:r>
+              <a:rPr lang="en-US" altLang="zh-CN" sz="1200" dirty="0" smtClean="0">
+                <a:solidFill>
+                  <a:schemeClr val="tx1"/>
+                </a:solidFill>
+              </a:rPr>
+              <a:t> Center</a:t>
+            </a:r>
+            <a:endParaRPr lang="zh-CN" altLang="en-US" sz="1200" dirty="0">
+              <a:solidFill>
+                <a:schemeClr val="tx1"/>
+              </a:solidFill>
+            </a:endParaRPr>
+          </a:p>
+        </p:txBody>
+      </p:sp>
+      <p:sp>
+        <p:nvSpPr>
+          <p:cNvPr id="81" name="矩形 80"/>
+          <p:cNvSpPr/>
+          <p:nvPr/>
+        </p:nvSpPr>
+        <p:spPr>
+          <a:xfrm>
+            <a:off x="1907704" y="1628800"/>
+            <a:ext cx="648072" cy="504056"/>
+          </a:xfrm>
+          <a:prstGeom prst="rect">
+            <a:avLst/>
+          </a:prstGeom>
+          <a:solidFill>
+            <a:schemeClr val="tx2">
+              <a:lumMod val="20000"/>
+              <a:lumOff val="80000"/>
+            </a:schemeClr>
+          </a:solidFill>
+          <a:ln>
+            <a:noFill/>
+          </a:ln>
+        </p:spPr>
+        <p:style>
+          <a:lnRef idx="2">
+            <a:schemeClr val="accent1">
+              <a:shade val="50000"/>
+            </a:schemeClr>
+          </a:lnRef>
+          <a:fillRef idx="1">
+            <a:schemeClr val="accent1"/>
+          </a:fillRef>
+          <a:effectRef idx="0">
+            <a:schemeClr val="accent1"/>
+          </a:effectRef>
+          <a:fontRef idx="minor">
+            <a:schemeClr val="lt1"/>
+          </a:fontRef>
+        </p:style>
+        <p:txBody>
+          <a:bodyPr rtlCol="0" anchor="ctr"/>
+          <a:lstStyle/>
+          <a:p>
+            <a:pPr algn="ctr"/>
+            <a:r>
+              <a:rPr lang="en-US" altLang="zh-CN" sz="1200" dirty="0" err="1" smtClean="0">
+                <a:solidFill>
+                  <a:schemeClr val="tx1"/>
+                </a:solidFill>
+              </a:rPr>
+              <a:t>Config</a:t>
+            </a:r>
+            <a:r>
+              <a:rPr lang="en-US" altLang="zh-CN" sz="1200" dirty="0" smtClean="0">
+                <a:solidFill>
+                  <a:schemeClr val="tx1"/>
+                </a:solidFill>
+              </a:rPr>
+              <a:t> Center</a:t>
+            </a:r>
+            <a:endParaRPr lang="zh-CN" altLang="en-US" sz="1200" dirty="0">
+              <a:solidFill>
+                <a:schemeClr val="tx1"/>
+              </a:solidFill>
+            </a:endParaRPr>
+          </a:p>
+        </p:txBody>
+      </p:sp>
+      <p:sp>
+        <p:nvSpPr>
+          <p:cNvPr id="82" name="矩形 81"/>
+          <p:cNvSpPr/>
+          <p:nvPr/>
+        </p:nvSpPr>
+        <p:spPr>
+          <a:xfrm>
+            <a:off x="2627784" y="1628800"/>
+            <a:ext cx="648072" cy="504056"/>
+          </a:xfrm>
+          <a:prstGeom prst="rect">
+            <a:avLst/>
+          </a:prstGeom>
+          <a:solidFill>
+            <a:schemeClr val="tx2">
+              <a:lumMod val="20000"/>
+              <a:lumOff val="80000"/>
+            </a:schemeClr>
+          </a:solidFill>
+          <a:ln>
+            <a:noFill/>
+          </a:ln>
+        </p:spPr>
+        <p:style>
+          <a:lnRef idx="2">
+            <a:schemeClr val="accent1">
+              <a:shade val="50000"/>
+            </a:schemeClr>
+          </a:lnRef>
+          <a:fillRef idx="1">
+            <a:schemeClr val="accent1"/>
+          </a:fillRef>
+          <a:effectRef idx="0">
+            <a:schemeClr val="accent1"/>
+          </a:effectRef>
+          <a:fontRef idx="minor">
+            <a:schemeClr val="lt1"/>
+          </a:fontRef>
+        </p:style>
+        <p:txBody>
+          <a:bodyPr rtlCol="0" anchor="ctr"/>
+          <a:lstStyle/>
+          <a:p>
+            <a:pPr algn="ctr"/>
+            <a:r>
+              <a:rPr lang="en-US" altLang="zh-CN" sz="1200" dirty="0" err="1" smtClean="0">
+                <a:solidFill>
+                  <a:schemeClr val="tx1"/>
+                </a:solidFill>
+              </a:rPr>
+              <a:t>Config</a:t>
+            </a:r>
+            <a:r>
+              <a:rPr lang="en-US" altLang="zh-CN" sz="1200" dirty="0" smtClean="0">
+                <a:solidFill>
+                  <a:schemeClr val="tx1"/>
+                </a:solidFill>
+              </a:rPr>
+              <a:t> Center</a:t>
+            </a:r>
+            <a:endParaRPr lang="zh-CN" altLang="en-US" sz="1200" dirty="0">
+              <a:solidFill>
+                <a:schemeClr val="tx1"/>
+              </a:solidFill>
+            </a:endParaRPr>
+          </a:p>
+        </p:txBody>
+      </p:sp>
       <p:cxnSp>
         <p:nvCxnSpPr>
-          <p:cNvPr id="41" name="直接箭头连接符 40"/>
+          <p:cNvPr id="86" name="直接箭头连接符 85"/>
           <p:cNvCxnSpPr>
-            <a:stCxn id="38" idx="1"/>
-            <a:endCxn id="36" idx="3"/>
+            <a:stCxn id="79" idx="2"/>
+            <a:endCxn id="35" idx="0"/>
           </p:cNvCxnSpPr>
           <p:nvPr/>
         </p:nvCxnSpPr>
         <p:spPr>
-          <a:xfrm flipH="1">
-            <a:off x="2843808" y="5193196"/>
-            <a:ext cx="360040" cy="0"/>
+          <a:xfrm>
+            <a:off x="2231740" y="2276872"/>
+            <a:ext cx="0" cy="353690"/>
           </a:xfrm>
           <a:prstGeom prst="straightConnector1">
             <a:avLst/>
           </a:prstGeom>
           <a:ln>
+            <a:solidFill>
+              <a:srgbClr val="FF0000"/>
+            </a:solidFill>
             <a:tailEnd type="arrow"/>
           </a:ln>
         </p:spPr>
@@ -4423,22 +4333,25 @@
       </p:cxnSp>
       <p:cxnSp>
         <p:nvCxnSpPr>
-          <p:cNvPr id="42" name="直接箭头连接符 41"/>
+          <p:cNvPr id="90" name="直接箭头连接符 89"/>
           <p:cNvCxnSpPr>
-            <a:stCxn id="36" idx="1"/>
-            <a:endCxn id="29" idx="3"/>
+            <a:stCxn id="41" idx="1"/>
+            <a:endCxn id="35" idx="3"/>
           </p:cNvCxnSpPr>
           <p:nvPr/>
         </p:nvCxnSpPr>
         <p:spPr>
           <a:xfrm flipH="1">
-            <a:off x="1547664" y="5193196"/>
-            <a:ext cx="360040" cy="0"/>
+            <a:off x="2843808" y="3422650"/>
+            <a:ext cx="2016224" cy="0"/>
           </a:xfrm>
           <a:prstGeom prst="straightConnector1">
             <a:avLst/>
           </a:prstGeom>
           <a:ln>
+            <a:solidFill>
+              <a:srgbClr val="FF0000"/>
+            </a:solidFill>
             <a:tailEnd type="arrow"/>
           </a:ln>
         </p:spPr>
@@ -4457,19 +4370,69 @@
           </a:fontRef>
         </p:style>
       </p:cxnSp>
+      <p:sp>
+        <p:nvSpPr>
+          <p:cNvPr id="32" name="TextBox 31"/>
+          <p:cNvSpPr txBox="1"/>
+          <p:nvPr/>
+        </p:nvSpPr>
+        <p:spPr>
+          <a:xfrm>
+            <a:off x="1763688" y="4221088"/>
+            <a:ext cx="3310488" cy="246221"/>
+          </a:xfrm>
+          <a:prstGeom prst="rect">
+            <a:avLst/>
+          </a:prstGeom>
+          <a:noFill/>
+        </p:spPr>
+        <p:txBody>
+          <a:bodyPr wrap="square" rtlCol="0">
+            <a:spAutoFit/>
+          </a:bodyPr>
+          <a:lstStyle/>
+          <a:p>
+            <a:r>
+              <a:rPr lang="en-US" altLang="zh-CN" sz="1000" dirty="0" smtClean="0"/>
+              <a:t>Feign</a:t>
+            </a:r>
+            <a:r>
+              <a:rPr lang="zh-CN" altLang="en-US" sz="1000" dirty="0" smtClean="0"/>
+              <a:t>声明式服务调用、</a:t>
+            </a:r>
+            <a:r>
+              <a:rPr lang="en-US" altLang="zh-CN" sz="1000" dirty="0" smtClean="0"/>
+              <a:t>Ribbon</a:t>
+            </a:r>
+            <a:r>
+              <a:rPr lang="zh-CN" altLang="en-US" sz="1000" dirty="0" smtClean="0"/>
+              <a:t>负载均衡、</a:t>
+            </a:r>
+            <a:r>
+              <a:rPr lang="en-US" altLang="zh-CN" sz="1000" dirty="0" err="1" smtClean="0"/>
+              <a:t>Hystrix</a:t>
+            </a:r>
+            <a:r>
+              <a:rPr lang="zh-CN" altLang="en-US" sz="1000" dirty="0" smtClean="0"/>
+              <a:t>断路器</a:t>
+            </a:r>
+            <a:endParaRPr lang="en-US" altLang="zh-CN" sz="1000" dirty="0" smtClean="0"/>
+          </a:p>
+        </p:txBody>
+      </p:sp>
       <p:cxnSp>
         <p:nvCxnSpPr>
-          <p:cNvPr id="49" name="肘形连接符 48"/>
+          <p:cNvPr id="37" name="肘形连接符 36"/>
           <p:cNvCxnSpPr>
-            <a:stCxn id="36" idx="2"/>
-            <a:endCxn id="29" idx="2"/>
+            <a:stCxn id="41" idx="2"/>
+            <a:endCxn id="36" idx="2"/>
           </p:cNvCxnSpPr>
           <p:nvPr/>
         </p:nvCxnSpPr>
         <p:spPr>
           <a:xfrm rot="5400000">
-            <a:off x="1727684" y="4797152"/>
-            <a:ext cx="12700" cy="1296144"/>
+            <a:off x="3095836" y="1838474"/>
+            <a:ext cx="12700" cy="4752528"/>
           </a:xfrm>
           <a:prstGeom prst="bentConnector3">
             <a:avLst>
@@ -4478,7 +4441,7 @@
           </a:prstGeom>
           <a:ln>
             <a:solidFill>
-              <a:srgbClr val="92D050"/>
+              <a:srgbClr val="FFC000"/>
             </a:solidFill>
             <a:tailEnd type="arrow"/>
           </a:ln>
@@ -4500,55 +4463,164 @@
       </p:cxnSp>
       <p:sp>
         <p:nvSpPr>
-          <p:cNvPr id="51" name="TextBox 50"/>
-          <p:cNvSpPr txBox="1"/>
-          <p:nvPr/>
-        </p:nvSpPr>
-        <p:spPr>
-          <a:xfrm>
-            <a:off x="1808710" y="5463696"/>
-            <a:ext cx="603050" cy="246221"/>
-          </a:xfrm>
-          <a:prstGeom prst="rect">
-            <a:avLst/>
-          </a:prstGeom>
-          <a:noFill/>
-        </p:spPr>
-        <p:txBody>
-          <a:bodyPr wrap="none" rtlCol="0">
-            <a:spAutoFit/>
-          </a:bodyPr>
-          <a:lstStyle/>
-          <a:p>
-            <a:pPr algn="ctr"/>
-            <a:r>
-              <a:rPr lang="en-US" altLang="zh-CN" sz="1000" dirty="0" smtClean="0"/>
-              <a:t>Fallback</a:t>
-            </a:r>
-            <a:endParaRPr lang="zh-CN" altLang="en-US" sz="1000" dirty="0"/>
+          <p:cNvPr id="55" name="流程图: 磁盘 54"/>
+          <p:cNvSpPr/>
+          <p:nvPr/>
+        </p:nvSpPr>
+        <p:spPr>
+          <a:xfrm>
+            <a:off x="1907704" y="548680"/>
+            <a:ext cx="648072" cy="576064"/>
+          </a:xfrm>
+          <a:prstGeom prst="flowChartMagneticDisk">
+            <a:avLst/>
+          </a:prstGeom>
+          <a:ln w="3175"/>
+        </p:spPr>
+        <p:style>
+          <a:lnRef idx="2">
+            <a:schemeClr val="accent1">
+              <a:shade val="50000"/>
+            </a:schemeClr>
+          </a:lnRef>
+          <a:fillRef idx="1">
+            <a:schemeClr val="accent1"/>
+          </a:fillRef>
+          <a:effectRef idx="0">
+            <a:schemeClr val="accent1"/>
+          </a:effectRef>
+          <a:fontRef idx="minor">
+            <a:schemeClr val="lt1"/>
+          </a:fontRef>
+        </p:style>
+        <p:txBody>
+          <a:bodyPr rtlCol="0" anchor="ctr"/>
+          <a:lstStyle/>
+          <a:p>
+            <a:r>
+              <a:rPr lang="en-US" altLang="zh-CN" sz="1100" dirty="0" err="1" smtClean="0"/>
+              <a:t>Git</a:t>
+            </a:r>
+            <a:r>
+              <a:rPr lang="zh-CN" altLang="en-US" sz="1100" dirty="0" smtClean="0"/>
+              <a:t>仓库</a:t>
+            </a:r>
+            <a:endParaRPr lang="zh-CN" altLang="en-US" sz="1100" dirty="0"/>
           </a:p>
         </p:txBody>
       </p:sp>
       <p:cxnSp>
         <p:nvCxnSpPr>
-          <p:cNvPr id="53" name="肘形连接符 52"/>
+          <p:cNvPr id="58" name="直接箭头连接符 57"/>
           <p:cNvCxnSpPr>
-            <a:stCxn id="38" idx="2"/>
-            <a:endCxn id="36" idx="2"/>
+            <a:stCxn id="79" idx="0"/>
+            <a:endCxn id="55" idx="3"/>
           </p:cNvCxnSpPr>
           <p:nvPr/>
         </p:nvCxnSpPr>
         <p:spPr>
-          <a:xfrm rot="5400000">
-            <a:off x="3023828" y="4797152"/>
-            <a:ext cx="12700" cy="1296144"/>
-          </a:xfrm>
-          <a:prstGeom prst="bentConnector3">
-            <a:avLst>
-              <a:gd name="adj1" fmla="val 1800000"/>
-            </a:avLst>
-          </a:prstGeom>
-          <a:ln>
+          <a:xfrm flipV="1">
+            <a:off x="2231740" y="1124744"/>
+            <a:ext cx="0" cy="216024"/>
+          </a:xfrm>
+          <a:prstGeom prst="straightConnector1">
+            <a:avLst/>
+          </a:prstGeom>
+          <a:ln>
+            <a:solidFill>
+              <a:srgbClr val="FF0000"/>
+            </a:solidFill>
+            <a:tailEnd type="arrow"/>
+          </a:ln>
+        </p:spPr>
+        <p:style>
+          <a:lnRef idx="1">
+            <a:schemeClr val="accent1"/>
+          </a:lnRef>
+          <a:fillRef idx="0">
+            <a:schemeClr val="accent1"/>
+          </a:fillRef>
+          <a:effectRef idx="0">
+            <a:schemeClr val="accent1"/>
+          </a:effectRef>
+          <a:fontRef idx="minor">
+            <a:schemeClr val="tx1"/>
+          </a:fontRef>
+        </p:style>
+      </p:cxnSp>
+      <p:sp>
+        <p:nvSpPr>
+          <p:cNvPr id="65" name="矩形 64"/>
+          <p:cNvSpPr/>
+          <p:nvPr/>
+        </p:nvSpPr>
+        <p:spPr>
+          <a:xfrm>
+            <a:off x="4860032" y="692696"/>
+            <a:ext cx="1224136" cy="432048"/>
+          </a:xfrm>
+          <a:prstGeom prst="rect">
+            <a:avLst/>
+          </a:prstGeom>
+          <a:ln>
+            <a:noFill/>
+          </a:ln>
+        </p:spPr>
+        <p:style>
+          <a:lnRef idx="2">
+            <a:schemeClr val="accent1">
+              <a:shade val="50000"/>
+            </a:schemeClr>
+          </a:lnRef>
+          <a:fillRef idx="1">
+            <a:schemeClr val="accent1"/>
+          </a:fillRef>
+          <a:effectRef idx="0">
+            <a:schemeClr val="accent1"/>
+          </a:effectRef>
+          <a:fontRef idx="minor">
+            <a:schemeClr val="lt1"/>
+          </a:fontRef>
+        </p:style>
+        <p:txBody>
+          <a:bodyPr rtlCol="0" anchor="ctr"/>
+          <a:lstStyle/>
+          <a:p>
+            <a:pPr algn="ctr"/>
+            <a:r>
+              <a:rPr lang="zh-CN" altLang="en-US" sz="1200" dirty="0" smtClean="0"/>
+              <a:t>负载均衡</a:t>
+            </a:r>
+            <a:endParaRPr lang="en-US" altLang="zh-CN" sz="1200" dirty="0" smtClean="0"/>
+          </a:p>
+          <a:p>
+            <a:pPr algn="ctr"/>
+            <a:r>
+              <a:rPr lang="en-US" altLang="zh-CN" sz="1200" dirty="0" err="1" smtClean="0"/>
+              <a:t>Nginx</a:t>
+            </a:r>
+            <a:endParaRPr lang="zh-CN" altLang="en-US" sz="1200" dirty="0"/>
+          </a:p>
+        </p:txBody>
+      </p:sp>
+      <p:cxnSp>
+        <p:nvCxnSpPr>
+          <p:cNvPr id="68" name="直接箭头连接符 67"/>
+          <p:cNvCxnSpPr>
+            <a:stCxn id="51" idx="4"/>
+            <a:endCxn id="65" idx="0"/>
+          </p:cNvCxnSpPr>
+          <p:nvPr/>
+        </p:nvCxnSpPr>
+        <p:spPr>
+          <a:xfrm>
+            <a:off x="5472100" y="495468"/>
+            <a:ext cx="0" cy="197228"/>
+          </a:xfrm>
+          <a:prstGeom prst="straightConnector1">
+            <a:avLst/>
+          </a:prstGeom>
+          <a:ln w="9525">
             <a:solidFill>
               <a:srgbClr val="FFC000"/>
             </a:solidFill>
@@ -4572,14 +4644,328 @@
       </p:cxnSp>
       <p:sp>
         <p:nvSpPr>
-          <p:cNvPr id="55" name="TextBox 54"/>
+          <p:cNvPr id="77" name="矩形 76"/>
+          <p:cNvSpPr/>
+          <p:nvPr/>
+        </p:nvSpPr>
+        <p:spPr>
+          <a:xfrm>
+            <a:off x="4499992" y="1340768"/>
+            <a:ext cx="1944216" cy="936104"/>
+          </a:xfrm>
+          <a:prstGeom prst="rect">
+            <a:avLst/>
+          </a:prstGeom>
+          <a:solidFill>
+            <a:schemeClr val="accent2">
+              <a:lumMod val="60000"/>
+              <a:lumOff val="40000"/>
+            </a:schemeClr>
+          </a:solidFill>
+          <a:ln>
+            <a:noFill/>
+          </a:ln>
+        </p:spPr>
+        <p:style>
+          <a:lnRef idx="2">
+            <a:schemeClr val="accent1">
+              <a:shade val="50000"/>
+            </a:schemeClr>
+          </a:lnRef>
+          <a:fillRef idx="1">
+            <a:schemeClr val="accent1"/>
+          </a:fillRef>
+          <a:effectRef idx="0">
+            <a:schemeClr val="accent1"/>
+          </a:effectRef>
+          <a:fontRef idx="minor">
+            <a:schemeClr val="lt1"/>
+          </a:fontRef>
+        </p:style>
+        <p:txBody>
+          <a:bodyPr rtlCol="0" anchor="t"/>
+          <a:lstStyle/>
+          <a:p>
+            <a:pPr algn="ctr"/>
+            <a:r>
+              <a:rPr lang="zh-CN" altLang="en-US" sz="1200" dirty="0" smtClean="0"/>
+              <a:t>服务网关集群</a:t>
+            </a:r>
+            <a:endParaRPr lang="zh-CN" altLang="en-US" sz="1200" dirty="0"/>
+          </a:p>
+        </p:txBody>
+      </p:sp>
+      <p:sp>
+        <p:nvSpPr>
+          <p:cNvPr id="78" name="矩形 77"/>
+          <p:cNvSpPr/>
+          <p:nvPr/>
+        </p:nvSpPr>
+        <p:spPr>
+          <a:xfrm>
+            <a:off x="4644008" y="1628800"/>
+            <a:ext cx="504056" cy="504056"/>
+          </a:xfrm>
+          <a:prstGeom prst="rect">
+            <a:avLst/>
+          </a:prstGeom>
+          <a:solidFill>
+            <a:schemeClr val="tx2">
+              <a:lumMod val="20000"/>
+              <a:lumOff val="80000"/>
+            </a:schemeClr>
+          </a:solidFill>
+          <a:ln>
+            <a:noFill/>
+          </a:ln>
+        </p:spPr>
+        <p:style>
+          <a:lnRef idx="2">
+            <a:schemeClr val="accent1">
+              <a:shade val="50000"/>
+            </a:schemeClr>
+          </a:lnRef>
+          <a:fillRef idx="1">
+            <a:schemeClr val="accent1"/>
+          </a:fillRef>
+          <a:effectRef idx="0">
+            <a:schemeClr val="accent1"/>
+          </a:effectRef>
+          <a:fontRef idx="minor">
+            <a:schemeClr val="lt1"/>
+          </a:fontRef>
+        </p:style>
+        <p:txBody>
+          <a:bodyPr rtlCol="0" anchor="ctr"/>
+          <a:lstStyle/>
+          <a:p>
+            <a:pPr algn="ctr"/>
+            <a:r>
+              <a:rPr lang="en-US" altLang="zh-CN" sz="1200" dirty="0" err="1" smtClean="0">
+                <a:solidFill>
+                  <a:schemeClr val="tx1"/>
+                </a:solidFill>
+              </a:rPr>
+              <a:t>GateWay</a:t>
+            </a:r>
+            <a:endParaRPr lang="zh-CN" altLang="en-US" sz="1200" dirty="0">
+              <a:solidFill>
+                <a:schemeClr val="tx1"/>
+              </a:solidFill>
+            </a:endParaRPr>
+          </a:p>
+        </p:txBody>
+      </p:sp>
+      <p:sp>
+        <p:nvSpPr>
+          <p:cNvPr id="83" name="矩形 82"/>
+          <p:cNvSpPr/>
+          <p:nvPr/>
+        </p:nvSpPr>
+        <p:spPr>
+          <a:xfrm>
+            <a:off x="5220072" y="1628800"/>
+            <a:ext cx="504056" cy="504056"/>
+          </a:xfrm>
+          <a:prstGeom prst="rect">
+            <a:avLst/>
+          </a:prstGeom>
+          <a:solidFill>
+            <a:schemeClr val="tx2">
+              <a:lumMod val="20000"/>
+              <a:lumOff val="80000"/>
+            </a:schemeClr>
+          </a:solidFill>
+          <a:ln>
+            <a:noFill/>
+          </a:ln>
+        </p:spPr>
+        <p:style>
+          <a:lnRef idx="2">
+            <a:schemeClr val="accent1">
+              <a:shade val="50000"/>
+            </a:schemeClr>
+          </a:lnRef>
+          <a:fillRef idx="1">
+            <a:schemeClr val="accent1"/>
+          </a:fillRef>
+          <a:effectRef idx="0">
+            <a:schemeClr val="accent1"/>
+          </a:effectRef>
+          <a:fontRef idx="minor">
+            <a:schemeClr val="lt1"/>
+          </a:fontRef>
+        </p:style>
+        <p:txBody>
+          <a:bodyPr rtlCol="0" anchor="ctr"/>
+          <a:lstStyle/>
+          <a:p>
+            <a:pPr algn="ctr"/>
+            <a:r>
+              <a:rPr lang="en-US" altLang="zh-CN" sz="1200" dirty="0" err="1" smtClean="0">
+                <a:solidFill>
+                  <a:schemeClr val="tx1"/>
+                </a:solidFill>
+              </a:rPr>
+              <a:t>GateWay</a:t>
+            </a:r>
+            <a:endParaRPr lang="zh-CN" altLang="en-US" sz="1200" dirty="0">
+              <a:solidFill>
+                <a:schemeClr val="tx1"/>
+              </a:solidFill>
+            </a:endParaRPr>
+          </a:p>
+        </p:txBody>
+      </p:sp>
+      <p:sp>
+        <p:nvSpPr>
+          <p:cNvPr id="85" name="矩形 84"/>
+          <p:cNvSpPr/>
+          <p:nvPr/>
+        </p:nvSpPr>
+        <p:spPr>
+          <a:xfrm>
+            <a:off x="5796136" y="1628800"/>
+            <a:ext cx="504056" cy="504056"/>
+          </a:xfrm>
+          <a:prstGeom prst="rect">
+            <a:avLst/>
+          </a:prstGeom>
+          <a:solidFill>
+            <a:schemeClr val="tx2">
+              <a:lumMod val="20000"/>
+              <a:lumOff val="80000"/>
+            </a:schemeClr>
+          </a:solidFill>
+          <a:ln>
+            <a:noFill/>
+          </a:ln>
+        </p:spPr>
+        <p:style>
+          <a:lnRef idx="2">
+            <a:schemeClr val="accent1">
+              <a:shade val="50000"/>
+            </a:schemeClr>
+          </a:lnRef>
+          <a:fillRef idx="1">
+            <a:schemeClr val="accent1"/>
+          </a:fillRef>
+          <a:effectRef idx="0">
+            <a:schemeClr val="accent1"/>
+          </a:effectRef>
+          <a:fontRef idx="minor">
+            <a:schemeClr val="lt1"/>
+          </a:fontRef>
+        </p:style>
+        <p:txBody>
+          <a:bodyPr rtlCol="0" anchor="ctr"/>
+          <a:lstStyle/>
+          <a:p>
+            <a:pPr algn="ctr"/>
+            <a:r>
+              <a:rPr lang="en-US" altLang="zh-CN" sz="1200" dirty="0" err="1" smtClean="0">
+                <a:solidFill>
+                  <a:schemeClr val="tx1"/>
+                </a:solidFill>
+              </a:rPr>
+              <a:t>GateWay</a:t>
+            </a:r>
+            <a:endParaRPr lang="zh-CN" altLang="en-US" sz="1200" dirty="0">
+              <a:solidFill>
+                <a:schemeClr val="tx1"/>
+              </a:solidFill>
+            </a:endParaRPr>
+          </a:p>
+        </p:txBody>
+      </p:sp>
+      <p:cxnSp>
+        <p:nvCxnSpPr>
+          <p:cNvPr id="89" name="直接箭头连接符 88"/>
+          <p:cNvCxnSpPr>
+            <a:stCxn id="65" idx="2"/>
+            <a:endCxn id="77" idx="0"/>
+          </p:cNvCxnSpPr>
+          <p:nvPr/>
+        </p:nvCxnSpPr>
+        <p:spPr>
+          <a:xfrm>
+            <a:off x="5472100" y="1124744"/>
+            <a:ext cx="0" cy="216024"/>
+          </a:xfrm>
+          <a:prstGeom prst="straightConnector1">
+            <a:avLst/>
+          </a:prstGeom>
+          <a:ln w="9525">
+            <a:solidFill>
+              <a:srgbClr val="FFC000"/>
+            </a:solidFill>
+            <a:tailEnd type="arrow"/>
+          </a:ln>
+        </p:spPr>
+        <p:style>
+          <a:lnRef idx="1">
+            <a:schemeClr val="accent1"/>
+          </a:lnRef>
+          <a:fillRef idx="0">
+            <a:schemeClr val="accent1"/>
+          </a:fillRef>
+          <a:effectRef idx="0">
+            <a:schemeClr val="accent1"/>
+          </a:effectRef>
+          <a:fontRef idx="minor">
+            <a:schemeClr val="tx1"/>
+          </a:fontRef>
+        </p:style>
+      </p:cxnSp>
+      <p:cxnSp>
+        <p:nvCxnSpPr>
+          <p:cNvPr id="92" name="直接箭头连接符 91"/>
+          <p:cNvCxnSpPr>
+            <a:stCxn id="77" idx="2"/>
+            <a:endCxn id="41" idx="0"/>
+          </p:cNvCxnSpPr>
+          <p:nvPr/>
+        </p:nvCxnSpPr>
+        <p:spPr>
+          <a:xfrm>
+            <a:off x="5472100" y="2276872"/>
+            <a:ext cx="0" cy="353690"/>
+          </a:xfrm>
+          <a:prstGeom prst="straightConnector1">
+            <a:avLst/>
+          </a:prstGeom>
+          <a:ln w="9525">
+            <a:solidFill>
+              <a:srgbClr val="FFC000"/>
+            </a:solidFill>
+            <a:tailEnd type="arrow"/>
+          </a:ln>
+        </p:spPr>
+        <p:style>
+          <a:lnRef idx="1">
+            <a:schemeClr val="accent1"/>
+          </a:lnRef>
+          <a:fillRef idx="0">
+            <a:schemeClr val="accent1"/>
+          </a:fillRef>
+          <a:effectRef idx="0">
+            <a:schemeClr val="accent1"/>
+          </a:effectRef>
+          <a:fontRef idx="minor">
+            <a:schemeClr val="tx1"/>
+          </a:fontRef>
+        </p:style>
+      </p:cxnSp>
+      <p:sp>
+        <p:nvSpPr>
+          <p:cNvPr id="50" name="TextBox 49"/>
           <p:cNvSpPr txBox="1"/>
           <p:nvPr/>
         </p:nvSpPr>
         <p:spPr>
           <a:xfrm>
-            <a:off x="3106012" y="5472932"/>
-            <a:ext cx="603050" cy="246221"/>
+            <a:off x="4499992" y="2318683"/>
+            <a:ext cx="1944216" cy="246221"/>
           </a:xfrm>
           <a:prstGeom prst="rect">
             <a:avLst/>
@@ -4587,33 +4973,764 @@
           <a:noFill/>
         </p:spPr>
         <p:txBody>
-          <a:bodyPr wrap="none" rtlCol="0">
+          <a:bodyPr wrap="square" rtlCol="0">
             <a:spAutoFit/>
           </a:bodyPr>
           <a:lstStyle/>
           <a:p>
+            <a:r>
+              <a:rPr lang="en-US" altLang="zh-CN" sz="1000" dirty="0" smtClean="0"/>
+              <a:t>Ribbon</a:t>
+            </a:r>
+            <a:r>
+              <a:rPr lang="zh-CN" altLang="en-US" sz="1000" dirty="0" smtClean="0"/>
+              <a:t>负载均衡、</a:t>
+            </a:r>
+            <a:r>
+              <a:rPr lang="en-US" altLang="zh-CN" sz="1000" dirty="0" err="1" smtClean="0"/>
+              <a:t>Hystrix</a:t>
+            </a:r>
+            <a:r>
+              <a:rPr lang="zh-CN" altLang="en-US" sz="1000" dirty="0" smtClean="0"/>
+              <a:t>断路器</a:t>
+            </a:r>
+            <a:endParaRPr lang="en-US" altLang="zh-CN" sz="1000" dirty="0" smtClean="0"/>
+          </a:p>
+        </p:txBody>
+      </p:sp>
+      <p:sp>
+        <p:nvSpPr>
+          <p:cNvPr id="45" name="矩形 44"/>
+          <p:cNvSpPr/>
+          <p:nvPr/>
+        </p:nvSpPr>
+        <p:spPr>
+          <a:xfrm>
+            <a:off x="1691680" y="5229200"/>
+            <a:ext cx="1224136" cy="504056"/>
+          </a:xfrm>
+          <a:prstGeom prst="rect">
+            <a:avLst/>
+          </a:prstGeom>
+          <a:solidFill>
+            <a:srgbClr val="00B050"/>
+          </a:solidFill>
+          <a:ln>
+            <a:noFill/>
+          </a:ln>
+        </p:spPr>
+        <p:style>
+          <a:lnRef idx="2">
+            <a:schemeClr val="accent1">
+              <a:shade val="50000"/>
+            </a:schemeClr>
+          </a:lnRef>
+          <a:fillRef idx="1">
+            <a:schemeClr val="accent1"/>
+          </a:fillRef>
+          <a:effectRef idx="0">
+            <a:schemeClr val="accent1"/>
+          </a:effectRef>
+          <a:fontRef idx="minor">
+            <a:schemeClr val="lt1"/>
+          </a:fontRef>
+        </p:style>
+        <p:txBody>
+          <a:bodyPr rtlCol="0" anchor="ctr"/>
+          <a:lstStyle/>
+          <a:p>
             <a:pPr algn="ctr"/>
             <a:r>
-              <a:rPr lang="en-US" altLang="zh-CN" sz="1000" dirty="0" smtClean="0"/>
-              <a:t>Fallback</a:t>
-            </a:r>
-            <a:endParaRPr lang="zh-CN" altLang="en-US" sz="1000" dirty="0"/>
+              <a:rPr lang="en-US" altLang="zh-CN" sz="1200" dirty="0" err="1" smtClean="0"/>
+              <a:t>Zipkin</a:t>
+            </a:r>
+            <a:r>
+              <a:rPr lang="en-US" altLang="zh-CN" sz="1200" dirty="0" smtClean="0"/>
+              <a:t> Server</a:t>
+            </a:r>
+            <a:endParaRPr lang="zh-CN" altLang="en-US" sz="1200" dirty="0"/>
+          </a:p>
+        </p:txBody>
+      </p:sp>
+      <p:sp>
+        <p:nvSpPr>
+          <p:cNvPr id="130" name="流程图: 磁盘 129"/>
+          <p:cNvSpPr/>
+          <p:nvPr/>
+        </p:nvSpPr>
+        <p:spPr>
+          <a:xfrm>
+            <a:off x="1979712" y="5949280"/>
+            <a:ext cx="648072" cy="576064"/>
+          </a:xfrm>
+          <a:prstGeom prst="flowChartMagneticDisk">
+            <a:avLst/>
+          </a:prstGeom>
+          <a:ln w="3175"/>
+        </p:spPr>
+        <p:style>
+          <a:lnRef idx="2">
+            <a:schemeClr val="accent1">
+              <a:shade val="50000"/>
+            </a:schemeClr>
+          </a:lnRef>
+          <a:fillRef idx="1">
+            <a:schemeClr val="accent1"/>
+          </a:fillRef>
+          <a:effectRef idx="0">
+            <a:schemeClr val="accent1"/>
+          </a:effectRef>
+          <a:fontRef idx="minor">
+            <a:schemeClr val="lt1"/>
+          </a:fontRef>
+        </p:style>
+        <p:txBody>
+          <a:bodyPr rtlCol="0" anchor="ctr"/>
+          <a:lstStyle/>
+          <a:p>
+            <a:pPr algn="ctr"/>
+            <a:r>
+              <a:rPr lang="en-US" altLang="zh-CN" sz="1100" dirty="0" err="1" smtClean="0"/>
+              <a:t>Mysql</a:t>
+            </a:r>
+            <a:endParaRPr lang="zh-CN" altLang="en-US" sz="1100" dirty="0"/>
           </a:p>
         </p:txBody>
       </p:sp>
       <p:cxnSp>
         <p:nvCxnSpPr>
-          <p:cNvPr id="60" name="直接箭头连接符 59"/>
+          <p:cNvPr id="132" name="直接箭头连接符 131"/>
+          <p:cNvCxnSpPr>
+            <a:stCxn id="45" idx="2"/>
+            <a:endCxn id="130" idx="1"/>
+          </p:cNvCxnSpPr>
+          <p:nvPr/>
+        </p:nvCxnSpPr>
+        <p:spPr>
+          <a:xfrm>
+            <a:off x="2303748" y="5733256"/>
+            <a:ext cx="0" cy="216024"/>
+          </a:xfrm>
+          <a:prstGeom prst="straightConnector1">
+            <a:avLst/>
+          </a:prstGeom>
+          <a:ln>
+            <a:tailEnd type="arrow"/>
+          </a:ln>
+        </p:spPr>
+        <p:style>
+          <a:lnRef idx="1">
+            <a:schemeClr val="accent1"/>
+          </a:lnRef>
+          <a:fillRef idx="0">
+            <a:schemeClr val="accent1"/>
+          </a:fillRef>
+          <a:effectRef idx="0">
+            <a:schemeClr val="accent1"/>
+          </a:effectRef>
+          <a:fontRef idx="minor">
+            <a:schemeClr val="tx1"/>
+          </a:fontRef>
+        </p:style>
+      </p:cxnSp>
+      <p:cxnSp>
+        <p:nvCxnSpPr>
+          <p:cNvPr id="134" name="肘形连接符 133"/>
+          <p:cNvCxnSpPr>
+            <a:stCxn id="36" idx="2"/>
+            <a:endCxn id="45" idx="0"/>
+          </p:cNvCxnSpPr>
+          <p:nvPr/>
+        </p:nvCxnSpPr>
+        <p:spPr>
+          <a:xfrm rot="16200000" flipH="1">
+            <a:off x="1004429" y="3929881"/>
+            <a:ext cx="1014462" cy="1584176"/>
+          </a:xfrm>
+          <a:prstGeom prst="bentConnector3">
+            <a:avLst>
+              <a:gd name="adj1" fmla="val 50000"/>
+            </a:avLst>
+          </a:prstGeom>
+          <a:ln>
+            <a:solidFill>
+              <a:srgbClr val="7030A0"/>
+            </a:solidFill>
+            <a:tailEnd type="arrow"/>
+          </a:ln>
+        </p:spPr>
+        <p:style>
+          <a:lnRef idx="1">
+            <a:schemeClr val="accent1"/>
+          </a:lnRef>
+          <a:fillRef idx="0">
+            <a:schemeClr val="accent1"/>
+          </a:fillRef>
+          <a:effectRef idx="0">
+            <a:schemeClr val="accent1"/>
+          </a:effectRef>
+          <a:fontRef idx="minor">
+            <a:schemeClr val="tx1"/>
+          </a:fontRef>
+        </p:style>
+      </p:cxnSp>
+      <p:cxnSp>
+        <p:nvCxnSpPr>
+          <p:cNvPr id="136" name="肘形连接符 135"/>
+          <p:cNvCxnSpPr>
+            <a:stCxn id="41" idx="2"/>
+            <a:endCxn id="45" idx="0"/>
+          </p:cNvCxnSpPr>
+          <p:nvPr/>
+        </p:nvCxnSpPr>
+        <p:spPr>
+          <a:xfrm rot="5400000">
+            <a:off x="3380693" y="3137793"/>
+            <a:ext cx="1014462" cy="3168352"/>
+          </a:xfrm>
+          <a:prstGeom prst="bentConnector3">
+            <a:avLst>
+              <a:gd name="adj1" fmla="val 50000"/>
+            </a:avLst>
+          </a:prstGeom>
+          <a:ln>
+            <a:solidFill>
+              <a:srgbClr val="7030A0"/>
+            </a:solidFill>
+            <a:tailEnd type="arrow"/>
+          </a:ln>
+        </p:spPr>
+        <p:style>
+          <a:lnRef idx="1">
+            <a:schemeClr val="accent1"/>
+          </a:lnRef>
+          <a:fillRef idx="0">
+            <a:schemeClr val="accent1"/>
+          </a:fillRef>
+          <a:effectRef idx="0">
+            <a:schemeClr val="accent1"/>
+          </a:effectRef>
+          <a:fontRef idx="minor">
+            <a:schemeClr val="tx1"/>
+          </a:fontRef>
+        </p:style>
+      </p:cxnSp>
+      <p:cxnSp>
+        <p:nvCxnSpPr>
+          <p:cNvPr id="140" name="形状 139"/>
           <p:cNvCxnSpPr>
             <a:stCxn id="36" idx="0"/>
-            <a:endCxn id="28" idx="2"/>
+            <a:endCxn id="79" idx="1"/>
           </p:cNvCxnSpPr>
           <p:nvPr/>
         </p:nvCxnSpPr>
         <p:spPr>
-          <a:xfrm flipV="1">
-            <a:off x="2375756" y="4365104"/>
-            <a:ext cx="0" cy="576064"/>
+          <a:xfrm rot="5400000" flipH="1" flipV="1">
+            <a:off x="470719" y="2057673"/>
+            <a:ext cx="821742" cy="324036"/>
+          </a:xfrm>
+          <a:prstGeom prst="bentConnector2">
+            <a:avLst/>
+          </a:prstGeom>
+          <a:ln>
+            <a:solidFill>
+              <a:srgbClr val="00B050"/>
+            </a:solidFill>
+            <a:tailEnd type="arrow"/>
+          </a:ln>
+        </p:spPr>
+        <p:style>
+          <a:lnRef idx="1">
+            <a:schemeClr val="accent1"/>
+          </a:lnRef>
+          <a:fillRef idx="0">
+            <a:schemeClr val="accent1"/>
+          </a:fillRef>
+          <a:effectRef idx="0">
+            <a:schemeClr val="accent1"/>
+          </a:effectRef>
+          <a:fontRef idx="minor">
+            <a:schemeClr val="tx1"/>
+          </a:fontRef>
+        </p:style>
+      </p:cxnSp>
+      <p:sp>
+        <p:nvSpPr>
+          <p:cNvPr id="151" name="矩形 150"/>
+          <p:cNvSpPr/>
+          <p:nvPr/>
+        </p:nvSpPr>
+        <p:spPr>
+          <a:xfrm>
+            <a:off x="395536" y="620688"/>
+            <a:ext cx="864096" cy="432048"/>
+          </a:xfrm>
+          <a:prstGeom prst="rect">
+            <a:avLst/>
+          </a:prstGeom>
+          <a:solidFill>
+            <a:schemeClr val="accent6">
+              <a:lumMod val="50000"/>
+            </a:schemeClr>
+          </a:solidFill>
+          <a:ln>
+            <a:noFill/>
+          </a:ln>
+        </p:spPr>
+        <p:style>
+          <a:lnRef idx="2">
+            <a:schemeClr val="accent1">
+              <a:shade val="50000"/>
+            </a:schemeClr>
+          </a:lnRef>
+          <a:fillRef idx="1">
+            <a:schemeClr val="accent1"/>
+          </a:fillRef>
+          <a:effectRef idx="0">
+            <a:schemeClr val="accent1"/>
+          </a:effectRef>
+          <a:fontRef idx="minor">
+            <a:schemeClr val="lt1"/>
+          </a:fontRef>
+        </p:style>
+        <p:txBody>
+          <a:bodyPr rtlCol="0" anchor="ctr"/>
+          <a:lstStyle/>
+          <a:p>
+            <a:pPr algn="ctr"/>
+            <a:r>
+              <a:rPr lang="en-US" altLang="zh-CN" sz="1200" dirty="0" err="1" smtClean="0"/>
+              <a:t>Webhook</a:t>
+            </a:r>
+            <a:endParaRPr lang="zh-CN" altLang="en-US" sz="1200" dirty="0"/>
+          </a:p>
+        </p:txBody>
+      </p:sp>
+      <p:cxnSp>
+        <p:nvCxnSpPr>
+          <p:cNvPr id="153" name="形状 152"/>
+          <p:cNvCxnSpPr>
+            <a:stCxn id="151" idx="2"/>
+            <a:endCxn id="79" idx="1"/>
+          </p:cNvCxnSpPr>
+          <p:nvPr/>
+        </p:nvCxnSpPr>
+        <p:spPr>
+          <a:xfrm rot="16200000" flipH="1">
+            <a:off x="557554" y="1322766"/>
+            <a:ext cx="756084" cy="216024"/>
+          </a:xfrm>
+          <a:prstGeom prst="bentConnector2">
+            <a:avLst/>
+          </a:prstGeom>
+          <a:ln>
+            <a:tailEnd type="arrow"/>
+          </a:ln>
+        </p:spPr>
+        <p:style>
+          <a:lnRef idx="1">
+            <a:schemeClr val="accent1"/>
+          </a:lnRef>
+          <a:fillRef idx="0">
+            <a:schemeClr val="accent1"/>
+          </a:fillRef>
+          <a:effectRef idx="0">
+            <a:schemeClr val="accent1"/>
+          </a:effectRef>
+          <a:fontRef idx="minor">
+            <a:schemeClr val="tx1"/>
+          </a:fontRef>
+        </p:style>
+      </p:cxnSp>
+      <p:cxnSp>
+        <p:nvCxnSpPr>
+          <p:cNvPr id="158" name="肘形连接符 157"/>
+          <p:cNvCxnSpPr>
+            <a:stCxn id="36" idx="2"/>
+            <a:endCxn id="70" idx="1"/>
+          </p:cNvCxnSpPr>
+          <p:nvPr/>
+        </p:nvCxnSpPr>
+        <p:spPr>
+          <a:xfrm rot="16200000" flipH="1">
+            <a:off x="1598495" y="3335815"/>
+            <a:ext cx="1734542" cy="3492388"/>
+          </a:xfrm>
+          <a:prstGeom prst="bentConnector3">
+            <a:avLst>
+              <a:gd name="adj1" fmla="val 50000"/>
+            </a:avLst>
+          </a:prstGeom>
+          <a:ln>
+            <a:solidFill>
+              <a:srgbClr val="92D050"/>
+            </a:solidFill>
+            <a:tailEnd type="arrow"/>
+          </a:ln>
+        </p:spPr>
+        <p:style>
+          <a:lnRef idx="1">
+            <a:schemeClr val="accent1"/>
+          </a:lnRef>
+          <a:fillRef idx="0">
+            <a:schemeClr val="accent1"/>
+          </a:fillRef>
+          <a:effectRef idx="0">
+            <a:schemeClr val="accent1"/>
+          </a:effectRef>
+          <a:fontRef idx="minor">
+            <a:schemeClr val="tx1"/>
+          </a:fontRef>
+        </p:style>
+      </p:cxnSp>
+      <p:cxnSp>
+        <p:nvCxnSpPr>
+          <p:cNvPr id="160" name="肘形连接符 159"/>
+          <p:cNvCxnSpPr>
+            <a:stCxn id="41" idx="2"/>
+            <a:endCxn id="70" idx="1"/>
+          </p:cNvCxnSpPr>
+          <p:nvPr/>
+        </p:nvCxnSpPr>
+        <p:spPr>
+          <a:xfrm rot="5400000">
+            <a:off x="3974759" y="4451939"/>
+            <a:ext cx="1734542" cy="1260140"/>
+          </a:xfrm>
+          <a:prstGeom prst="bentConnector3">
+            <a:avLst>
+              <a:gd name="adj1" fmla="val 50000"/>
+            </a:avLst>
+          </a:prstGeom>
+          <a:ln>
+            <a:solidFill>
+              <a:srgbClr val="92D050"/>
+            </a:solidFill>
+            <a:tailEnd type="arrow"/>
+          </a:ln>
+        </p:spPr>
+        <p:style>
+          <a:lnRef idx="1">
+            <a:schemeClr val="accent1"/>
+          </a:lnRef>
+          <a:fillRef idx="0">
+            <a:schemeClr val="accent1"/>
+          </a:fillRef>
+          <a:effectRef idx="0">
+            <a:schemeClr val="accent1"/>
+          </a:effectRef>
+          <a:fontRef idx="minor">
+            <a:schemeClr val="tx1"/>
+          </a:fontRef>
+        </p:style>
+      </p:cxnSp>
+      <p:sp>
+        <p:nvSpPr>
+          <p:cNvPr id="51" name="笑脸 50"/>
+          <p:cNvSpPr/>
+          <p:nvPr/>
+        </p:nvSpPr>
+        <p:spPr>
+          <a:xfrm>
+            <a:off x="5292080" y="162812"/>
+            <a:ext cx="360040" cy="332656"/>
+          </a:xfrm>
+          <a:prstGeom prst="smileyFace">
+            <a:avLst/>
+          </a:prstGeom>
+        </p:spPr>
+        <p:style>
+          <a:lnRef idx="2">
+            <a:schemeClr val="accent1">
+              <a:shade val="50000"/>
+            </a:schemeClr>
+          </a:lnRef>
+          <a:fillRef idx="1">
+            <a:schemeClr val="accent1"/>
+          </a:fillRef>
+          <a:effectRef idx="0">
+            <a:schemeClr val="accent1"/>
+          </a:effectRef>
+          <a:fontRef idx="minor">
+            <a:schemeClr val="lt1"/>
+          </a:fontRef>
+        </p:style>
+        <p:txBody>
+          <a:bodyPr rtlCol="0" anchor="ctr"/>
+          <a:lstStyle/>
+          <a:p>
+            <a:pPr algn="ctr"/>
+            <a:endParaRPr lang="zh-CN" altLang="en-US"/>
+          </a:p>
+        </p:txBody>
+      </p:sp>
+      <p:sp>
+        <p:nvSpPr>
+          <p:cNvPr id="66" name="流程图: 磁盘 65"/>
+          <p:cNvSpPr/>
+          <p:nvPr/>
+        </p:nvSpPr>
+        <p:spPr>
+          <a:xfrm>
+            <a:off x="611560" y="5949280"/>
+            <a:ext cx="648072" cy="576064"/>
+          </a:xfrm>
+          <a:prstGeom prst="flowChartMagneticDisk">
+            <a:avLst/>
+          </a:prstGeom>
+          <a:ln w="3175"/>
+        </p:spPr>
+        <p:style>
+          <a:lnRef idx="2">
+            <a:schemeClr val="accent1">
+              <a:shade val="50000"/>
+            </a:schemeClr>
+          </a:lnRef>
+          <a:fillRef idx="1">
+            <a:schemeClr val="accent1"/>
+          </a:fillRef>
+          <a:effectRef idx="0">
+            <a:schemeClr val="accent1"/>
+          </a:effectRef>
+          <a:fontRef idx="minor">
+            <a:schemeClr val="lt1"/>
+          </a:fontRef>
+        </p:style>
+        <p:txBody>
+          <a:bodyPr rtlCol="0" anchor="ctr"/>
+          <a:lstStyle/>
+          <a:p>
+            <a:pPr algn="ctr"/>
+            <a:r>
+              <a:rPr lang="en-US" altLang="zh-CN" sz="1100" dirty="0" err="1" smtClean="0"/>
+              <a:t>Redis</a:t>
+            </a:r>
+            <a:endParaRPr lang="zh-CN" altLang="en-US" sz="1100" dirty="0"/>
+          </a:p>
+        </p:txBody>
+      </p:sp>
+      <p:sp>
+        <p:nvSpPr>
+          <p:cNvPr id="70" name="流程图: 磁盘 69"/>
+          <p:cNvSpPr/>
+          <p:nvPr/>
+        </p:nvSpPr>
+        <p:spPr>
+          <a:xfrm>
+            <a:off x="3779912" y="5949280"/>
+            <a:ext cx="864096" cy="576064"/>
+          </a:xfrm>
+          <a:prstGeom prst="flowChartMagneticDisk">
+            <a:avLst/>
+          </a:prstGeom>
+          <a:ln w="3175"/>
+        </p:spPr>
+        <p:style>
+          <a:lnRef idx="2">
+            <a:schemeClr val="accent1">
+              <a:shade val="50000"/>
+            </a:schemeClr>
+          </a:lnRef>
+          <a:fillRef idx="1">
+            <a:schemeClr val="accent1"/>
+          </a:fillRef>
+          <a:effectRef idx="0">
+            <a:schemeClr val="accent1"/>
+          </a:effectRef>
+          <a:fontRef idx="minor">
+            <a:schemeClr val="lt1"/>
+          </a:fontRef>
+        </p:style>
+        <p:txBody>
+          <a:bodyPr rtlCol="0" anchor="ctr"/>
+          <a:lstStyle/>
+          <a:p>
+            <a:pPr algn="ctr"/>
+            <a:r>
+              <a:rPr lang="en-US" altLang="zh-CN" sz="1100" dirty="0" err="1" smtClean="0">
+                <a:solidFill>
+                  <a:schemeClr val="bg1"/>
+                </a:solidFill>
+              </a:rPr>
+              <a:t>RabbitMQ</a:t>
+            </a:r>
+            <a:endParaRPr lang="zh-CN" altLang="en-US" sz="1100" dirty="0"/>
+          </a:p>
+        </p:txBody>
+      </p:sp>
+      <p:cxnSp>
+        <p:nvCxnSpPr>
+          <p:cNvPr id="75" name="直接箭头连接符 74"/>
+          <p:cNvCxnSpPr>
+            <a:stCxn id="41" idx="1"/>
+            <a:endCxn id="79" idx="3"/>
+          </p:cNvCxnSpPr>
+          <p:nvPr/>
+        </p:nvCxnSpPr>
+        <p:spPr>
+          <a:xfrm flipH="1" flipV="1">
+            <a:off x="3419872" y="1808820"/>
+            <a:ext cx="1440160" cy="1613830"/>
+          </a:xfrm>
+          <a:prstGeom prst="straightConnector1">
+            <a:avLst/>
+          </a:prstGeom>
+          <a:ln>
+            <a:solidFill>
+              <a:srgbClr val="00B050"/>
+            </a:solidFill>
+            <a:tailEnd type="arrow"/>
+          </a:ln>
+        </p:spPr>
+        <p:style>
+          <a:lnRef idx="1">
+            <a:schemeClr val="accent1"/>
+          </a:lnRef>
+          <a:fillRef idx="0">
+            <a:schemeClr val="accent1"/>
+          </a:fillRef>
+          <a:effectRef idx="0">
+            <a:schemeClr val="accent1"/>
+          </a:effectRef>
+          <a:fontRef idx="minor">
+            <a:schemeClr val="tx1"/>
+          </a:fontRef>
+        </p:style>
+      </p:cxnSp>
+      <p:sp>
+        <p:nvSpPr>
+          <p:cNvPr id="87" name="矩形 86"/>
+          <p:cNvSpPr/>
+          <p:nvPr/>
+        </p:nvSpPr>
+        <p:spPr>
+          <a:xfrm>
+            <a:off x="3347864" y="3573016"/>
+            <a:ext cx="1008112" cy="504056"/>
+          </a:xfrm>
+          <a:prstGeom prst="rect">
+            <a:avLst/>
+          </a:prstGeom>
+          <a:solidFill>
+            <a:srgbClr val="FFC000"/>
+          </a:solidFill>
+          <a:ln>
+            <a:noFill/>
+          </a:ln>
+        </p:spPr>
+        <p:style>
+          <a:lnRef idx="2">
+            <a:schemeClr val="accent1">
+              <a:shade val="50000"/>
+            </a:schemeClr>
+          </a:lnRef>
+          <a:fillRef idx="1">
+            <a:schemeClr val="accent1"/>
+          </a:fillRef>
+          <a:effectRef idx="0">
+            <a:schemeClr val="accent1"/>
+          </a:effectRef>
+          <a:fontRef idx="minor">
+            <a:schemeClr val="lt1"/>
+          </a:fontRef>
+        </p:style>
+        <p:txBody>
+          <a:bodyPr rtlCol="0" anchor="ctr"/>
+          <a:lstStyle/>
+          <a:p>
+            <a:pPr algn="ctr"/>
+            <a:r>
+              <a:rPr lang="en-US" altLang="zh-CN" sz="1200" dirty="0" smtClean="0">
+                <a:solidFill>
+                  <a:schemeClr val="tx1"/>
+                </a:solidFill>
+              </a:rPr>
+              <a:t>auth-service</a:t>
+            </a:r>
+          </a:p>
+          <a:p>
+            <a:pPr algn="ctr"/>
+            <a:r>
+              <a:rPr lang="en-US" altLang="zh-CN" sz="1200" dirty="0" smtClean="0">
+                <a:solidFill>
+                  <a:schemeClr val="tx1"/>
+                </a:solidFill>
+              </a:rPr>
+              <a:t>JWT</a:t>
+            </a:r>
+            <a:endParaRPr lang="zh-CN" altLang="en-US" sz="1200" dirty="0">
+              <a:solidFill>
+                <a:schemeClr val="tx1"/>
+              </a:solidFill>
+            </a:endParaRPr>
+          </a:p>
+        </p:txBody>
+      </p:sp>
+      <p:sp>
+        <p:nvSpPr>
+          <p:cNvPr id="62" name="矩形 61"/>
+          <p:cNvSpPr/>
+          <p:nvPr/>
+        </p:nvSpPr>
+        <p:spPr>
+          <a:xfrm>
+            <a:off x="107504" y="5229200"/>
+            <a:ext cx="1224136" cy="504056"/>
+          </a:xfrm>
+          <a:prstGeom prst="rect">
+            <a:avLst/>
+          </a:prstGeom>
+          <a:solidFill>
+            <a:schemeClr val="accent3">
+              <a:lumMod val="50000"/>
+            </a:schemeClr>
+          </a:solidFill>
+          <a:ln>
+            <a:noFill/>
+          </a:ln>
+        </p:spPr>
+        <p:style>
+          <a:lnRef idx="2">
+            <a:schemeClr val="accent1">
+              <a:shade val="50000"/>
+            </a:schemeClr>
+          </a:lnRef>
+          <a:fillRef idx="1">
+            <a:schemeClr val="accent1"/>
+          </a:fillRef>
+          <a:effectRef idx="0">
+            <a:schemeClr val="accent1"/>
+          </a:effectRef>
+          <a:fontRef idx="minor">
+            <a:schemeClr val="lt1"/>
+          </a:fontRef>
+        </p:style>
+        <p:txBody>
+          <a:bodyPr rtlCol="0" anchor="ctr"/>
+          <a:lstStyle/>
+          <a:p>
+            <a:pPr algn="ctr"/>
+            <a:r>
+              <a:rPr lang="en-US" altLang="zh-CN" sz="1200" dirty="0" smtClean="0"/>
+              <a:t>Admin Server</a:t>
+            </a:r>
+            <a:endParaRPr lang="zh-CN" altLang="en-US" sz="1200" dirty="0"/>
+          </a:p>
+        </p:txBody>
+      </p:sp>
+      <p:cxnSp>
+        <p:nvCxnSpPr>
+          <p:cNvPr id="59" name="直接箭头连接符 58"/>
+          <p:cNvCxnSpPr>
+            <a:stCxn id="87" idx="1"/>
+            <a:endCxn id="35" idx="3"/>
+          </p:cNvCxnSpPr>
+          <p:nvPr/>
+        </p:nvCxnSpPr>
+        <p:spPr>
+          <a:xfrm flipH="1" flipV="1">
+            <a:off x="2843808" y="3422650"/>
+            <a:ext cx="504056" cy="402394"/>
           </a:xfrm>
           <a:prstGeom prst="straightConnector1">
             <a:avLst/>
@@ -4642,24 +5759,26 @@
       </p:cxnSp>
       <p:cxnSp>
         <p:nvCxnSpPr>
-          <p:cNvPr id="62" name="直接箭头连接符 61"/>
+          <p:cNvPr id="63" name="肘形连接符 62"/>
           <p:cNvCxnSpPr>
-            <a:stCxn id="38" idx="0"/>
-            <a:endCxn id="28" idx="2"/>
+            <a:stCxn id="77" idx="2"/>
+            <a:endCxn id="87" idx="0"/>
           </p:cNvCxnSpPr>
           <p:nvPr/>
         </p:nvCxnSpPr>
         <p:spPr>
-          <a:xfrm flipH="1" flipV="1">
-            <a:off x="2375756" y="4365104"/>
-            <a:ext cx="1296144" cy="576064"/>
-          </a:xfrm>
-          <a:prstGeom prst="straightConnector1">
-            <a:avLst/>
+          <a:xfrm rot="5400000">
+            <a:off x="4013938" y="2114854"/>
+            <a:ext cx="1296144" cy="1620180"/>
+          </a:xfrm>
+          <a:prstGeom prst="bentConnector3">
+            <a:avLst>
+              <a:gd name="adj1" fmla="val 17548"/>
+            </a:avLst>
           </a:prstGeom>
           <a:ln>
             <a:solidFill>
-              <a:srgbClr val="FF0000"/>
+              <a:srgbClr val="FFC000"/>
             </a:solidFill>
             <a:tailEnd type="arrow"/>
           </a:ln>
@@ -4679,123 +5798,6 @@
           </a:fontRef>
         </p:style>
       </p:cxnSp>
-      <p:sp>
-        <p:nvSpPr>
-          <p:cNvPr id="66" name="矩形 65"/>
-          <p:cNvSpPr/>
-          <p:nvPr/>
-        </p:nvSpPr>
-        <p:spPr>
-          <a:xfrm>
-            <a:off x="4572000" y="4941168"/>
-            <a:ext cx="936104" cy="504056"/>
-          </a:xfrm>
-          <a:prstGeom prst="rect">
-            <a:avLst/>
-          </a:prstGeom>
-          <a:solidFill>
-            <a:srgbClr val="00B050"/>
-          </a:solidFill>
-          <a:ln>
-            <a:noFill/>
-          </a:ln>
-        </p:spPr>
-        <p:style>
-          <a:lnRef idx="2">
-            <a:schemeClr val="accent1">
-              <a:shade val="50000"/>
-            </a:schemeClr>
-          </a:lnRef>
-          <a:fillRef idx="1">
-            <a:schemeClr val="accent1"/>
-          </a:fillRef>
-          <a:effectRef idx="0">
-            <a:schemeClr val="accent1"/>
-          </a:effectRef>
-          <a:fontRef idx="minor">
-            <a:schemeClr val="lt1"/>
-          </a:fontRef>
-        </p:style>
-        <p:txBody>
-          <a:bodyPr rtlCol="0" anchor="ctr"/>
-          <a:lstStyle/>
-          <a:p>
-            <a:pPr algn="ctr"/>
-            <a:r>
-              <a:rPr lang="zh-CN" altLang="en-US" sz="1200" dirty="0" smtClean="0"/>
-              <a:t>客户端</a:t>
-            </a:r>
-            <a:endParaRPr lang="zh-CN" altLang="en-US" sz="1200" dirty="0"/>
-          </a:p>
-        </p:txBody>
-      </p:sp>
-      <p:cxnSp>
-        <p:nvCxnSpPr>
-          <p:cNvPr id="68" name="直接箭头连接符 67"/>
-          <p:cNvCxnSpPr>
-            <a:stCxn id="66" idx="1"/>
-            <a:endCxn id="38" idx="3"/>
-          </p:cNvCxnSpPr>
-          <p:nvPr/>
-        </p:nvCxnSpPr>
-        <p:spPr>
-          <a:xfrm flipH="1">
-            <a:off x="4139952" y="5193196"/>
-            <a:ext cx="432048" cy="0"/>
-          </a:xfrm>
-          <a:prstGeom prst="straightConnector1">
-            <a:avLst/>
-          </a:prstGeom>
-          <a:ln>
-            <a:tailEnd type="arrow"/>
-          </a:ln>
-        </p:spPr>
-        <p:style>
-          <a:lnRef idx="1">
-            <a:schemeClr val="accent1"/>
-          </a:lnRef>
-          <a:fillRef idx="0">
-            <a:schemeClr val="accent1"/>
-          </a:fillRef>
-          <a:effectRef idx="0">
-            <a:schemeClr val="accent1"/>
-          </a:effectRef>
-          <a:fontRef idx="minor">
-            <a:schemeClr val="tx1"/>
-          </a:fontRef>
-        </p:style>
-      </p:cxnSp>
-      <p:sp>
-        <p:nvSpPr>
-          <p:cNvPr id="72" name="TextBox 71"/>
-          <p:cNvSpPr txBox="1"/>
-          <p:nvPr/>
-        </p:nvSpPr>
-        <p:spPr>
-          <a:xfrm>
-            <a:off x="2035128" y="4425996"/>
-            <a:ext cx="697627" cy="246221"/>
-          </a:xfrm>
-          <a:prstGeom prst="rect">
-            <a:avLst/>
-          </a:prstGeom>
-          <a:noFill/>
-        </p:spPr>
-        <p:txBody>
-          <a:bodyPr wrap="none" rtlCol="0">
-            <a:spAutoFit/>
-          </a:bodyPr>
-          <a:lstStyle/>
-          <a:p>
-            <a:pPr algn="ctr"/>
-            <a:r>
-              <a:rPr lang="zh-CN" altLang="en-US" sz="1000" dirty="0" smtClean="0"/>
-              <a:t>服务注册</a:t>
-            </a:r>
-            <a:endParaRPr lang="zh-CN" altLang="en-US" sz="1000" dirty="0"/>
-          </a:p>
-        </p:txBody>
-      </p:sp>
     </p:spTree>
   </p:cSld>
   <p:clrMapOvr>
@@ -4821,19 +5823,356 @@
           <a:chExt cx="0" cy="0"/>
         </a:xfrm>
       </p:grpSpPr>
+      <p:sp>
+        <p:nvSpPr>
+          <p:cNvPr id="4" name="矩形 3"/>
+          <p:cNvSpPr/>
+          <p:nvPr/>
+        </p:nvSpPr>
+        <p:spPr>
+          <a:xfrm>
+            <a:off x="323528" y="548680"/>
+            <a:ext cx="936104" cy="504056"/>
+          </a:xfrm>
+          <a:prstGeom prst="rect">
+            <a:avLst/>
+          </a:prstGeom>
+          <a:ln>
+            <a:noFill/>
+          </a:ln>
+        </p:spPr>
+        <p:style>
+          <a:lnRef idx="2">
+            <a:schemeClr val="accent1">
+              <a:shade val="50000"/>
+            </a:schemeClr>
+          </a:lnRef>
+          <a:fillRef idx="1">
+            <a:schemeClr val="accent1"/>
+          </a:fillRef>
+          <a:effectRef idx="0">
+            <a:schemeClr val="accent1"/>
+          </a:effectRef>
+          <a:fontRef idx="minor">
+            <a:schemeClr val="lt1"/>
+          </a:fontRef>
+        </p:style>
+        <p:txBody>
+          <a:bodyPr rtlCol="0" anchor="ctr"/>
+          <a:lstStyle/>
+          <a:p>
+            <a:pPr algn="ctr"/>
+            <a:r>
+              <a:rPr lang="en-US" altLang="zh-CN" sz="1200" dirty="0" smtClean="0"/>
+              <a:t>Eureka Server</a:t>
+            </a:r>
+            <a:endParaRPr lang="zh-CN" altLang="en-US" sz="1200" dirty="0"/>
+          </a:p>
+        </p:txBody>
+      </p:sp>
+      <p:sp>
+        <p:nvSpPr>
+          <p:cNvPr id="5" name="矩形 4"/>
+          <p:cNvSpPr/>
+          <p:nvPr/>
+        </p:nvSpPr>
+        <p:spPr>
+          <a:xfrm>
+            <a:off x="1619672" y="116632"/>
+            <a:ext cx="936104" cy="504056"/>
+          </a:xfrm>
+          <a:prstGeom prst="rect">
+            <a:avLst/>
+          </a:prstGeom>
+          <a:ln>
+            <a:noFill/>
+          </a:ln>
+        </p:spPr>
+        <p:style>
+          <a:lnRef idx="2">
+            <a:schemeClr val="accent1">
+              <a:shade val="50000"/>
+            </a:schemeClr>
+          </a:lnRef>
+          <a:fillRef idx="1">
+            <a:schemeClr val="accent1"/>
+          </a:fillRef>
+          <a:effectRef idx="0">
+            <a:schemeClr val="accent1"/>
+          </a:effectRef>
+          <a:fontRef idx="minor">
+            <a:schemeClr val="lt1"/>
+          </a:fontRef>
+        </p:style>
+        <p:txBody>
+          <a:bodyPr rtlCol="0" anchor="ctr"/>
+          <a:lstStyle/>
+          <a:p>
+            <a:pPr algn="ctr"/>
+            <a:r>
+              <a:rPr lang="en-US" altLang="zh-CN" sz="1200" dirty="0" smtClean="0"/>
+              <a:t>Service Provider1</a:t>
+            </a:r>
+            <a:endParaRPr lang="zh-CN" altLang="en-US" sz="1200" dirty="0"/>
+          </a:p>
+        </p:txBody>
+      </p:sp>
+      <p:sp>
+        <p:nvSpPr>
+          <p:cNvPr id="6" name="矩形 5"/>
+          <p:cNvSpPr/>
+          <p:nvPr/>
+        </p:nvSpPr>
+        <p:spPr>
+          <a:xfrm>
+            <a:off x="1619672" y="908720"/>
+            <a:ext cx="936104" cy="504056"/>
+          </a:xfrm>
+          <a:prstGeom prst="rect">
+            <a:avLst/>
+          </a:prstGeom>
+          <a:ln>
+            <a:noFill/>
+          </a:ln>
+        </p:spPr>
+        <p:style>
+          <a:lnRef idx="2">
+            <a:schemeClr val="accent1">
+              <a:shade val="50000"/>
+            </a:schemeClr>
+          </a:lnRef>
+          <a:fillRef idx="1">
+            <a:schemeClr val="accent1"/>
+          </a:fillRef>
+          <a:effectRef idx="0">
+            <a:schemeClr val="accent1"/>
+          </a:effectRef>
+          <a:fontRef idx="minor">
+            <a:schemeClr val="lt1"/>
+          </a:fontRef>
+        </p:style>
+        <p:txBody>
+          <a:bodyPr rtlCol="0" anchor="ctr"/>
+          <a:lstStyle/>
+          <a:p>
+            <a:pPr algn="ctr"/>
+            <a:r>
+              <a:rPr lang="en-US" altLang="zh-CN" sz="1200" dirty="0" smtClean="0"/>
+              <a:t>Service Provider2</a:t>
+            </a:r>
+            <a:endParaRPr lang="zh-CN" altLang="en-US" sz="1200" dirty="0"/>
+          </a:p>
+        </p:txBody>
+      </p:sp>
+      <p:sp>
+        <p:nvSpPr>
+          <p:cNvPr id="7" name="矩形 6"/>
+          <p:cNvSpPr/>
+          <p:nvPr/>
+        </p:nvSpPr>
+        <p:spPr>
+          <a:xfrm>
+            <a:off x="3131840" y="116632"/>
+            <a:ext cx="936104" cy="504056"/>
+          </a:xfrm>
+          <a:prstGeom prst="rect">
+            <a:avLst/>
+          </a:prstGeom>
+          <a:ln>
+            <a:noFill/>
+          </a:ln>
+        </p:spPr>
+        <p:style>
+          <a:lnRef idx="2">
+            <a:schemeClr val="accent1">
+              <a:shade val="50000"/>
+            </a:schemeClr>
+          </a:lnRef>
+          <a:fillRef idx="1">
+            <a:schemeClr val="accent1"/>
+          </a:fillRef>
+          <a:effectRef idx="0">
+            <a:schemeClr val="accent1"/>
+          </a:effectRef>
+          <a:fontRef idx="minor">
+            <a:schemeClr val="lt1"/>
+          </a:fontRef>
+        </p:style>
+        <p:txBody>
+          <a:bodyPr rtlCol="0" anchor="ctr"/>
+          <a:lstStyle/>
+          <a:p>
+            <a:pPr algn="ctr"/>
+            <a:r>
+              <a:rPr lang="en-US" altLang="zh-CN" sz="1200" dirty="0" smtClean="0"/>
+              <a:t>Service Consumer1</a:t>
+            </a:r>
+            <a:endParaRPr lang="zh-CN" altLang="en-US" sz="1200" dirty="0"/>
+          </a:p>
+        </p:txBody>
+      </p:sp>
+      <p:sp>
+        <p:nvSpPr>
+          <p:cNvPr id="8" name="矩形 7"/>
+          <p:cNvSpPr/>
+          <p:nvPr/>
+        </p:nvSpPr>
+        <p:spPr>
+          <a:xfrm>
+            <a:off x="3131840" y="908720"/>
+            <a:ext cx="936104" cy="504056"/>
+          </a:xfrm>
+          <a:prstGeom prst="rect">
+            <a:avLst/>
+          </a:prstGeom>
+          <a:ln>
+            <a:noFill/>
+          </a:ln>
+        </p:spPr>
+        <p:style>
+          <a:lnRef idx="2">
+            <a:schemeClr val="accent1">
+              <a:shade val="50000"/>
+            </a:schemeClr>
+          </a:lnRef>
+          <a:fillRef idx="1">
+            <a:schemeClr val="accent1"/>
+          </a:fillRef>
+          <a:effectRef idx="0">
+            <a:schemeClr val="accent1"/>
+          </a:effectRef>
+          <a:fontRef idx="minor">
+            <a:schemeClr val="lt1"/>
+          </a:fontRef>
+        </p:style>
+        <p:txBody>
+          <a:bodyPr rtlCol="0" anchor="ctr"/>
+          <a:lstStyle/>
+          <a:p>
+            <a:pPr algn="ctr"/>
+            <a:r>
+              <a:rPr lang="en-US" altLang="zh-CN" sz="1200" dirty="0" smtClean="0"/>
+              <a:t>Service Consumer2</a:t>
+            </a:r>
+            <a:endParaRPr lang="zh-CN" altLang="en-US" sz="1200" dirty="0"/>
+          </a:p>
+        </p:txBody>
+      </p:sp>
+      <p:sp>
+        <p:nvSpPr>
+          <p:cNvPr id="9" name="矩形 8"/>
+          <p:cNvSpPr/>
+          <p:nvPr/>
+        </p:nvSpPr>
+        <p:spPr>
+          <a:xfrm>
+            <a:off x="4427984" y="476672"/>
+            <a:ext cx="936104" cy="504056"/>
+          </a:xfrm>
+          <a:prstGeom prst="rect">
+            <a:avLst/>
+          </a:prstGeom>
+          <a:ln>
+            <a:noFill/>
+          </a:ln>
+        </p:spPr>
+        <p:style>
+          <a:lnRef idx="2">
+            <a:schemeClr val="accent1">
+              <a:shade val="50000"/>
+            </a:schemeClr>
+          </a:lnRef>
+          <a:fillRef idx="1">
+            <a:schemeClr val="accent1"/>
+          </a:fillRef>
+          <a:effectRef idx="0">
+            <a:schemeClr val="accent1"/>
+          </a:effectRef>
+          <a:fontRef idx="minor">
+            <a:schemeClr val="lt1"/>
+          </a:fontRef>
+        </p:style>
+        <p:txBody>
+          <a:bodyPr rtlCol="0" anchor="ctr"/>
+          <a:lstStyle/>
+          <a:p>
+            <a:pPr algn="ctr"/>
+            <a:r>
+              <a:rPr lang="en-US" altLang="zh-CN" sz="1200" dirty="0" err="1" smtClean="0"/>
+              <a:t>hystrix</a:t>
+            </a:r>
+            <a:r>
+              <a:rPr lang="en-US" altLang="zh-CN" sz="1200" dirty="0" smtClean="0"/>
+              <a:t>-turbine</a:t>
+            </a:r>
+            <a:endParaRPr lang="zh-CN" altLang="en-US" sz="1200" dirty="0"/>
+          </a:p>
+        </p:txBody>
+      </p:sp>
+      <p:sp>
+        <p:nvSpPr>
+          <p:cNvPr id="10" name="矩形 9"/>
+          <p:cNvSpPr/>
+          <p:nvPr/>
+        </p:nvSpPr>
+        <p:spPr>
+          <a:xfrm>
+            <a:off x="5652120" y="476672"/>
+            <a:ext cx="936104" cy="504056"/>
+          </a:xfrm>
+          <a:prstGeom prst="rect">
+            <a:avLst/>
+          </a:prstGeom>
+          <a:ln>
+            <a:noFill/>
+          </a:ln>
+        </p:spPr>
+        <p:style>
+          <a:lnRef idx="2">
+            <a:schemeClr val="accent1">
+              <a:shade val="50000"/>
+            </a:schemeClr>
+          </a:lnRef>
+          <a:fillRef idx="1">
+            <a:schemeClr val="accent1"/>
+          </a:fillRef>
+          <a:effectRef idx="0">
+            <a:schemeClr val="accent1"/>
+          </a:effectRef>
+          <a:fontRef idx="minor">
+            <a:schemeClr val="lt1"/>
+          </a:fontRef>
+        </p:style>
+        <p:txBody>
+          <a:bodyPr rtlCol="0" anchor="ctr"/>
+          <a:lstStyle/>
+          <a:p>
+            <a:pPr algn="ctr"/>
+            <a:r>
+              <a:rPr lang="en-US" altLang="zh-CN" sz="1200" dirty="0" err="1" smtClean="0"/>
+              <a:t>hystrix</a:t>
+            </a:r>
+            <a:r>
+              <a:rPr lang="en-US" altLang="zh-CN" sz="1200" dirty="0" smtClean="0"/>
+              <a:t>-dashboard</a:t>
+            </a:r>
+            <a:endParaRPr lang="zh-CN" altLang="en-US" sz="1200" dirty="0"/>
+          </a:p>
+        </p:txBody>
+      </p:sp>
       <p:cxnSp>
         <p:nvCxnSpPr>
-          <p:cNvPr id="57" name="直接箭头连接符 56"/>
+          <p:cNvPr id="12" name="直接箭头连接符 11"/>
           <p:cNvCxnSpPr>
-            <a:stCxn id="77" idx="1"/>
-            <a:endCxn id="35" idx="3"/>
+            <a:stCxn id="7" idx="1"/>
+            <a:endCxn id="6" idx="3"/>
           </p:cNvCxnSpPr>
           <p:nvPr/>
         </p:nvCxnSpPr>
         <p:spPr>
           <a:xfrm flipH="1">
-            <a:off x="2843808" y="1808820"/>
-            <a:ext cx="1656184" cy="1613830"/>
+            <a:off x="2555776" y="368660"/>
+            <a:ext cx="576064" cy="792088"/>
           </a:xfrm>
           <a:prstGeom prst="straightConnector1">
             <a:avLst/>
@@ -4860,174 +6199,267 @@
           </a:fontRef>
         </p:style>
       </p:cxnSp>
-      <p:sp>
-        <p:nvSpPr>
-          <p:cNvPr id="35" name="矩形 34"/>
-          <p:cNvSpPr/>
-          <p:nvPr/>
-        </p:nvSpPr>
-        <p:spPr>
-          <a:xfrm>
-            <a:off x="1619672" y="2630562"/>
-            <a:ext cx="1224136" cy="1584176"/>
-          </a:xfrm>
-          <a:prstGeom prst="rect">
-            <a:avLst/>
-          </a:prstGeom>
-          <a:solidFill>
-            <a:srgbClr val="00B0F0"/>
-          </a:solidFill>
-          <a:ln>
-            <a:noFill/>
-          </a:ln>
-        </p:spPr>
-        <p:style>
-          <a:lnRef idx="2">
-            <a:schemeClr val="accent1">
-              <a:shade val="50000"/>
-            </a:schemeClr>
-          </a:lnRef>
-          <a:fillRef idx="1">
-            <a:schemeClr val="accent1"/>
-          </a:fillRef>
-          <a:effectRef idx="0">
-            <a:schemeClr val="accent1"/>
-          </a:effectRef>
-          <a:fontRef idx="minor">
-            <a:schemeClr val="lt1"/>
-          </a:fontRef>
-        </p:style>
-        <p:txBody>
-          <a:bodyPr rtlCol="0" anchor="t"/>
-          <a:lstStyle/>
-          <a:p>
-            <a:pPr algn="ctr"/>
-            <a:r>
-              <a:rPr lang="zh-CN" altLang="en-US" sz="1200" dirty="0" smtClean="0"/>
-              <a:t>注册中心集群</a:t>
-            </a:r>
-            <a:endParaRPr lang="zh-CN" altLang="en-US" sz="1200" dirty="0"/>
-          </a:p>
-        </p:txBody>
-      </p:sp>
-      <p:sp>
-        <p:nvSpPr>
-          <p:cNvPr id="9" name="矩形 8"/>
-          <p:cNvSpPr/>
-          <p:nvPr/>
-        </p:nvSpPr>
-        <p:spPr>
-          <a:xfrm>
-            <a:off x="6300192" y="3176032"/>
-            <a:ext cx="1224136" cy="504056"/>
-          </a:xfrm>
-          <a:prstGeom prst="rect">
-            <a:avLst/>
-          </a:prstGeom>
-          <a:ln>
-            <a:noFill/>
-          </a:ln>
-        </p:spPr>
-        <p:style>
-          <a:lnRef idx="2">
-            <a:schemeClr val="accent1">
-              <a:shade val="50000"/>
-            </a:schemeClr>
-          </a:lnRef>
-          <a:fillRef idx="1">
-            <a:schemeClr val="accent1"/>
-          </a:fillRef>
-          <a:effectRef idx="0">
-            <a:schemeClr val="accent1"/>
-          </a:effectRef>
-          <a:fontRef idx="minor">
-            <a:schemeClr val="lt1"/>
-          </a:fontRef>
-        </p:style>
-        <p:txBody>
-          <a:bodyPr rtlCol="0" anchor="ctr"/>
-          <a:lstStyle/>
-          <a:p>
-            <a:pPr algn="ctr"/>
-            <a:r>
-              <a:rPr lang="zh-CN" altLang="en-US" sz="1200" dirty="0" smtClean="0"/>
-              <a:t>聚合监控信息</a:t>
-            </a:r>
-            <a:endParaRPr lang="en-US" altLang="zh-CN" sz="1200" dirty="0" smtClean="0"/>
-          </a:p>
-          <a:p>
-            <a:pPr algn="ctr"/>
-            <a:r>
-              <a:rPr lang="en-US" altLang="zh-CN" sz="1200" dirty="0" err="1" smtClean="0"/>
-              <a:t>hystrix</a:t>
-            </a:r>
-            <a:r>
-              <a:rPr lang="en-US" altLang="zh-CN" sz="1200" dirty="0" smtClean="0"/>
-              <a:t>-turbine</a:t>
-            </a:r>
-            <a:endParaRPr lang="zh-CN" altLang="en-US" sz="1200" dirty="0"/>
-          </a:p>
-        </p:txBody>
-      </p:sp>
-      <p:sp>
-        <p:nvSpPr>
-          <p:cNvPr id="10" name="矩形 9"/>
-          <p:cNvSpPr/>
-          <p:nvPr/>
-        </p:nvSpPr>
-        <p:spPr>
-          <a:xfrm>
-            <a:off x="7740352" y="3176032"/>
-            <a:ext cx="1296144" cy="504056"/>
-          </a:xfrm>
-          <a:prstGeom prst="rect">
-            <a:avLst/>
-          </a:prstGeom>
-          <a:ln>
-            <a:noFill/>
-          </a:ln>
-        </p:spPr>
-        <p:style>
-          <a:lnRef idx="2">
-            <a:schemeClr val="accent1">
-              <a:shade val="50000"/>
-            </a:schemeClr>
-          </a:lnRef>
-          <a:fillRef idx="1">
-            <a:schemeClr val="accent1"/>
-          </a:fillRef>
-          <a:effectRef idx="0">
-            <a:schemeClr val="accent1"/>
-          </a:effectRef>
-          <a:fontRef idx="minor">
-            <a:schemeClr val="lt1"/>
-          </a:fontRef>
-        </p:style>
-        <p:txBody>
-          <a:bodyPr rtlCol="0" anchor="ctr"/>
-          <a:lstStyle/>
-          <a:p>
-            <a:pPr algn="ctr"/>
-            <a:r>
-              <a:rPr lang="zh-CN" altLang="en-US" sz="1200" dirty="0" smtClean="0"/>
-              <a:t>监控信息展示</a:t>
-            </a:r>
-            <a:endParaRPr lang="en-US" altLang="zh-CN" sz="1200" dirty="0" smtClean="0"/>
-          </a:p>
-          <a:p>
-            <a:pPr algn="ctr"/>
-            <a:r>
-              <a:rPr lang="en-US" altLang="zh-CN" sz="1200" dirty="0" err="1" smtClean="0"/>
-              <a:t>hystrix</a:t>
-            </a:r>
-            <a:r>
-              <a:rPr lang="en-US" altLang="zh-CN" sz="1200" dirty="0" smtClean="0"/>
-              <a:t>-dashboard</a:t>
-            </a:r>
-            <a:endParaRPr lang="zh-CN" altLang="en-US" sz="1200" dirty="0"/>
-          </a:p>
-        </p:txBody>
-      </p:sp>
+      <p:cxnSp>
+        <p:nvCxnSpPr>
+          <p:cNvPr id="14" name="直接箭头连接符 13"/>
+          <p:cNvCxnSpPr>
+            <a:stCxn id="7" idx="1"/>
+            <a:endCxn id="5" idx="3"/>
+          </p:cNvCxnSpPr>
+          <p:nvPr/>
+        </p:nvCxnSpPr>
+        <p:spPr>
+          <a:xfrm flipH="1">
+            <a:off x="2555776" y="368660"/>
+            <a:ext cx="576064" cy="0"/>
+          </a:xfrm>
+          <a:prstGeom prst="straightConnector1">
+            <a:avLst/>
+          </a:prstGeom>
+          <a:ln>
+            <a:solidFill>
+              <a:srgbClr val="FF0000"/>
+            </a:solidFill>
+            <a:tailEnd type="arrow"/>
+          </a:ln>
+        </p:spPr>
+        <p:style>
+          <a:lnRef idx="1">
+            <a:schemeClr val="accent1"/>
+          </a:lnRef>
+          <a:fillRef idx="0">
+            <a:schemeClr val="accent1"/>
+          </a:fillRef>
+          <a:effectRef idx="0">
+            <a:schemeClr val="accent1"/>
+          </a:effectRef>
+          <a:fontRef idx="minor">
+            <a:schemeClr val="tx1"/>
+          </a:fontRef>
+        </p:style>
+      </p:cxnSp>
+      <p:cxnSp>
+        <p:nvCxnSpPr>
+          <p:cNvPr id="16" name="直接箭头连接符 15"/>
+          <p:cNvCxnSpPr>
+            <a:stCxn id="8" idx="1"/>
+            <a:endCxn id="5" idx="3"/>
+          </p:cNvCxnSpPr>
+          <p:nvPr/>
+        </p:nvCxnSpPr>
+        <p:spPr>
+          <a:xfrm flipH="1" flipV="1">
+            <a:off x="2555776" y="368660"/>
+            <a:ext cx="576064" cy="792088"/>
+          </a:xfrm>
+          <a:prstGeom prst="straightConnector1">
+            <a:avLst/>
+          </a:prstGeom>
+          <a:ln>
+            <a:solidFill>
+              <a:srgbClr val="00B0F0"/>
+            </a:solidFill>
+            <a:tailEnd type="arrow"/>
+          </a:ln>
+        </p:spPr>
+        <p:style>
+          <a:lnRef idx="1">
+            <a:schemeClr val="accent1"/>
+          </a:lnRef>
+          <a:fillRef idx="0">
+            <a:schemeClr val="accent1"/>
+          </a:fillRef>
+          <a:effectRef idx="0">
+            <a:schemeClr val="accent1"/>
+          </a:effectRef>
+          <a:fontRef idx="minor">
+            <a:schemeClr val="tx1"/>
+          </a:fontRef>
+        </p:style>
+      </p:cxnSp>
+      <p:cxnSp>
+        <p:nvCxnSpPr>
+          <p:cNvPr id="18" name="直接箭头连接符 17"/>
+          <p:cNvCxnSpPr>
+            <a:stCxn id="8" idx="1"/>
+            <a:endCxn id="6" idx="3"/>
+          </p:cNvCxnSpPr>
+          <p:nvPr/>
+        </p:nvCxnSpPr>
+        <p:spPr>
+          <a:xfrm flipH="1">
+            <a:off x="2555776" y="1160748"/>
+            <a:ext cx="576064" cy="0"/>
+          </a:xfrm>
+          <a:prstGeom prst="straightConnector1">
+            <a:avLst/>
+          </a:prstGeom>
+          <a:ln>
+            <a:solidFill>
+              <a:srgbClr val="00B0F0"/>
+            </a:solidFill>
+            <a:tailEnd type="arrow"/>
+          </a:ln>
+        </p:spPr>
+        <p:style>
+          <a:lnRef idx="1">
+            <a:schemeClr val="accent1"/>
+          </a:lnRef>
+          <a:fillRef idx="0">
+            <a:schemeClr val="accent1"/>
+          </a:fillRef>
+          <a:effectRef idx="0">
+            <a:schemeClr val="accent1"/>
+          </a:effectRef>
+          <a:fontRef idx="minor">
+            <a:schemeClr val="tx1"/>
+          </a:fontRef>
+        </p:style>
+      </p:cxnSp>
+      <p:cxnSp>
+        <p:nvCxnSpPr>
+          <p:cNvPr id="20" name="直接箭头连接符 19"/>
+          <p:cNvCxnSpPr>
+            <a:stCxn id="9" idx="1"/>
+            <a:endCxn id="7" idx="3"/>
+          </p:cNvCxnSpPr>
+          <p:nvPr/>
+        </p:nvCxnSpPr>
+        <p:spPr>
+          <a:xfrm flipH="1" flipV="1">
+            <a:off x="4067944" y="368660"/>
+            <a:ext cx="360040" cy="360040"/>
+          </a:xfrm>
+          <a:prstGeom prst="straightConnector1">
+            <a:avLst/>
+          </a:prstGeom>
+          <a:ln>
+            <a:tailEnd type="arrow"/>
+          </a:ln>
+        </p:spPr>
+        <p:style>
+          <a:lnRef idx="1">
+            <a:schemeClr val="accent1"/>
+          </a:lnRef>
+          <a:fillRef idx="0">
+            <a:schemeClr val="accent1"/>
+          </a:fillRef>
+          <a:effectRef idx="0">
+            <a:schemeClr val="accent1"/>
+          </a:effectRef>
+          <a:fontRef idx="minor">
+            <a:schemeClr val="tx1"/>
+          </a:fontRef>
+        </p:style>
+      </p:cxnSp>
+      <p:cxnSp>
+        <p:nvCxnSpPr>
+          <p:cNvPr id="22" name="直接箭头连接符 21"/>
+          <p:cNvCxnSpPr>
+            <a:stCxn id="9" idx="1"/>
+            <a:endCxn id="8" idx="3"/>
+          </p:cNvCxnSpPr>
+          <p:nvPr/>
+        </p:nvCxnSpPr>
+        <p:spPr>
+          <a:xfrm flipH="1">
+            <a:off x="4067944" y="728700"/>
+            <a:ext cx="360040" cy="432048"/>
+          </a:xfrm>
+          <a:prstGeom prst="straightConnector1">
+            <a:avLst/>
+          </a:prstGeom>
+          <a:ln>
+            <a:tailEnd type="arrow"/>
+          </a:ln>
+        </p:spPr>
+        <p:style>
+          <a:lnRef idx="1">
+            <a:schemeClr val="accent1"/>
+          </a:lnRef>
+          <a:fillRef idx="0">
+            <a:schemeClr val="accent1"/>
+          </a:fillRef>
+          <a:effectRef idx="0">
+            <a:schemeClr val="accent1"/>
+          </a:effectRef>
+          <a:fontRef idx="minor">
+            <a:schemeClr val="tx1"/>
+          </a:fontRef>
+        </p:style>
+      </p:cxnSp>
+      <p:cxnSp>
+        <p:nvCxnSpPr>
+          <p:cNvPr id="24" name="直接箭头连接符 23"/>
+          <p:cNvCxnSpPr>
+            <a:stCxn id="5" idx="1"/>
+            <a:endCxn id="4" idx="3"/>
+          </p:cNvCxnSpPr>
+          <p:nvPr/>
+        </p:nvCxnSpPr>
+        <p:spPr>
+          <a:xfrm flipH="1">
+            <a:off x="1259632" y="368660"/>
+            <a:ext cx="360040" cy="432048"/>
+          </a:xfrm>
+          <a:prstGeom prst="straightConnector1">
+            <a:avLst/>
+          </a:prstGeom>
+          <a:ln>
+            <a:tailEnd type="arrow"/>
+          </a:ln>
+        </p:spPr>
+        <p:style>
+          <a:lnRef idx="1">
+            <a:schemeClr val="accent1"/>
+          </a:lnRef>
+          <a:fillRef idx="0">
+            <a:schemeClr val="accent1"/>
+          </a:fillRef>
+          <a:effectRef idx="0">
+            <a:schemeClr val="accent1"/>
+          </a:effectRef>
+          <a:fontRef idx="minor">
+            <a:schemeClr val="tx1"/>
+          </a:fontRef>
+        </p:style>
+      </p:cxnSp>
+      <p:cxnSp>
+        <p:nvCxnSpPr>
+          <p:cNvPr id="26" name="直接箭头连接符 25"/>
+          <p:cNvCxnSpPr>
+            <a:stCxn id="6" idx="1"/>
+            <a:endCxn id="4" idx="3"/>
+          </p:cNvCxnSpPr>
+          <p:nvPr/>
+        </p:nvCxnSpPr>
+        <p:spPr>
+          <a:xfrm flipH="1" flipV="1">
+            <a:off x="1259632" y="800708"/>
+            <a:ext cx="360040" cy="360040"/>
+          </a:xfrm>
+          <a:prstGeom prst="straightConnector1">
+            <a:avLst/>
+          </a:prstGeom>
+          <a:ln>
+            <a:tailEnd type="arrow"/>
+          </a:ln>
+        </p:spPr>
+        <p:style>
+          <a:lnRef idx="1">
+            <a:schemeClr val="accent1"/>
+          </a:lnRef>
+          <a:fillRef idx="0">
+            <a:schemeClr val="accent1"/>
+          </a:fillRef>
+          <a:effectRef idx="0">
+            <a:schemeClr val="accent1"/>
+          </a:effectRef>
+          <a:fontRef idx="minor">
+            <a:schemeClr val="tx1"/>
+          </a:fontRef>
+        </p:style>
+      </p:cxnSp>
       <p:cxnSp>
         <p:nvCxnSpPr>
           <p:cNvPr id="30" name="直接箭头连接符 29"/>
@@ -5039,11 +6471,839 @@
         </p:nvCxnSpPr>
         <p:spPr>
           <a:xfrm flipH="1">
-            <a:off x="7524328" y="3428060"/>
-            <a:ext cx="216024" cy="0"/>
+            <a:off x="5364088" y="728700"/>
+            <a:ext cx="288032" cy="0"/>
           </a:xfrm>
           <a:prstGeom prst="straightConnector1">
             <a:avLst/>
+          </a:prstGeom>
+          <a:ln>
+            <a:tailEnd type="arrow"/>
+          </a:ln>
+        </p:spPr>
+        <p:style>
+          <a:lnRef idx="1">
+            <a:schemeClr val="accent1"/>
+          </a:lnRef>
+          <a:fillRef idx="0">
+            <a:schemeClr val="accent1"/>
+          </a:fillRef>
+          <a:effectRef idx="0">
+            <a:schemeClr val="accent1"/>
+          </a:effectRef>
+          <a:fontRef idx="minor">
+            <a:schemeClr val="tx1"/>
+          </a:fontRef>
+        </p:style>
+      </p:cxnSp>
+      <p:sp>
+        <p:nvSpPr>
+          <p:cNvPr id="31" name="矩形 30"/>
+          <p:cNvSpPr/>
+          <p:nvPr/>
+        </p:nvSpPr>
+        <p:spPr>
+          <a:xfrm>
+            <a:off x="323528" y="2204864"/>
+            <a:ext cx="936104" cy="504056"/>
+          </a:xfrm>
+          <a:prstGeom prst="rect">
+            <a:avLst/>
+          </a:prstGeom>
+          <a:ln>
+            <a:noFill/>
+          </a:ln>
+        </p:spPr>
+        <p:style>
+          <a:lnRef idx="2">
+            <a:schemeClr val="accent1">
+              <a:shade val="50000"/>
+            </a:schemeClr>
+          </a:lnRef>
+          <a:fillRef idx="1">
+            <a:schemeClr val="accent1"/>
+          </a:fillRef>
+          <a:effectRef idx="0">
+            <a:schemeClr val="accent1"/>
+          </a:effectRef>
+          <a:fontRef idx="minor">
+            <a:schemeClr val="lt1"/>
+          </a:fontRef>
+        </p:style>
+        <p:txBody>
+          <a:bodyPr rtlCol="0" anchor="ctr"/>
+          <a:lstStyle/>
+          <a:p>
+            <a:pPr algn="ctr"/>
+            <a:r>
+              <a:rPr lang="en-US" altLang="zh-CN" sz="1200" dirty="0" smtClean="0"/>
+              <a:t>Eureka Server</a:t>
+            </a:r>
+            <a:endParaRPr lang="zh-CN" altLang="en-US" sz="1200" dirty="0"/>
+          </a:p>
+        </p:txBody>
+      </p:sp>
+      <p:sp>
+        <p:nvSpPr>
+          <p:cNvPr id="32" name="矩形 31"/>
+          <p:cNvSpPr/>
+          <p:nvPr/>
+        </p:nvSpPr>
+        <p:spPr>
+          <a:xfrm>
+            <a:off x="1619672" y="1844824"/>
+            <a:ext cx="936104" cy="504056"/>
+          </a:xfrm>
+          <a:prstGeom prst="rect">
+            <a:avLst/>
+          </a:prstGeom>
+          <a:ln>
+            <a:noFill/>
+          </a:ln>
+        </p:spPr>
+        <p:style>
+          <a:lnRef idx="2">
+            <a:schemeClr val="accent1">
+              <a:shade val="50000"/>
+            </a:schemeClr>
+          </a:lnRef>
+          <a:fillRef idx="1">
+            <a:schemeClr val="accent1"/>
+          </a:fillRef>
+          <a:effectRef idx="0">
+            <a:schemeClr val="accent1"/>
+          </a:effectRef>
+          <a:fontRef idx="minor">
+            <a:schemeClr val="lt1"/>
+          </a:fontRef>
+        </p:style>
+        <p:txBody>
+          <a:bodyPr rtlCol="0" anchor="ctr"/>
+          <a:lstStyle/>
+          <a:p>
+            <a:pPr algn="ctr"/>
+            <a:r>
+              <a:rPr lang="en-US" altLang="zh-CN" sz="1200" dirty="0" smtClean="0"/>
+              <a:t>Service Provider1</a:t>
+            </a:r>
+            <a:endParaRPr lang="zh-CN" altLang="en-US" sz="1200" dirty="0"/>
+          </a:p>
+        </p:txBody>
+      </p:sp>
+      <p:sp>
+        <p:nvSpPr>
+          <p:cNvPr id="33" name="矩形 32"/>
+          <p:cNvSpPr/>
+          <p:nvPr/>
+        </p:nvSpPr>
+        <p:spPr>
+          <a:xfrm>
+            <a:off x="1619672" y="2636912"/>
+            <a:ext cx="936104" cy="504056"/>
+          </a:xfrm>
+          <a:prstGeom prst="rect">
+            <a:avLst/>
+          </a:prstGeom>
+          <a:ln>
+            <a:noFill/>
+          </a:ln>
+        </p:spPr>
+        <p:style>
+          <a:lnRef idx="2">
+            <a:schemeClr val="accent1">
+              <a:shade val="50000"/>
+            </a:schemeClr>
+          </a:lnRef>
+          <a:fillRef idx="1">
+            <a:schemeClr val="accent1"/>
+          </a:fillRef>
+          <a:effectRef idx="0">
+            <a:schemeClr val="accent1"/>
+          </a:effectRef>
+          <a:fontRef idx="minor">
+            <a:schemeClr val="lt1"/>
+          </a:fontRef>
+        </p:style>
+        <p:txBody>
+          <a:bodyPr rtlCol="0" anchor="ctr"/>
+          <a:lstStyle/>
+          <a:p>
+            <a:pPr algn="ctr"/>
+            <a:r>
+              <a:rPr lang="en-US" altLang="zh-CN" sz="1200" dirty="0" smtClean="0"/>
+              <a:t>Service Provider2</a:t>
+            </a:r>
+            <a:endParaRPr lang="zh-CN" altLang="en-US" sz="1200" dirty="0"/>
+          </a:p>
+        </p:txBody>
+      </p:sp>
+      <p:sp>
+        <p:nvSpPr>
+          <p:cNvPr id="34" name="矩形 33"/>
+          <p:cNvSpPr/>
+          <p:nvPr/>
+        </p:nvSpPr>
+        <p:spPr>
+          <a:xfrm>
+            <a:off x="2987824" y="2204864"/>
+            <a:ext cx="936104" cy="504056"/>
+          </a:xfrm>
+          <a:prstGeom prst="rect">
+            <a:avLst/>
+          </a:prstGeom>
+          <a:ln>
+            <a:noFill/>
+          </a:ln>
+        </p:spPr>
+        <p:style>
+          <a:lnRef idx="2">
+            <a:schemeClr val="accent1">
+              <a:shade val="50000"/>
+            </a:schemeClr>
+          </a:lnRef>
+          <a:fillRef idx="1">
+            <a:schemeClr val="accent1"/>
+          </a:fillRef>
+          <a:effectRef idx="0">
+            <a:schemeClr val="accent1"/>
+          </a:effectRef>
+          <a:fontRef idx="minor">
+            <a:schemeClr val="lt1"/>
+          </a:fontRef>
+        </p:style>
+        <p:txBody>
+          <a:bodyPr rtlCol="0" anchor="ctr"/>
+          <a:lstStyle/>
+          <a:p>
+            <a:pPr algn="ctr"/>
+            <a:r>
+              <a:rPr lang="en-US" altLang="zh-CN" sz="1200" dirty="0" smtClean="0"/>
+              <a:t>Service Consumer1</a:t>
+            </a:r>
+            <a:endParaRPr lang="zh-CN" altLang="en-US" sz="1200" dirty="0"/>
+          </a:p>
+        </p:txBody>
+      </p:sp>
+      <p:sp>
+        <p:nvSpPr>
+          <p:cNvPr id="37" name="矩形 36"/>
+          <p:cNvSpPr/>
+          <p:nvPr/>
+        </p:nvSpPr>
+        <p:spPr>
+          <a:xfrm>
+            <a:off x="4283968" y="2204864"/>
+            <a:ext cx="936104" cy="504056"/>
+          </a:xfrm>
+          <a:prstGeom prst="rect">
+            <a:avLst/>
+          </a:prstGeom>
+          <a:ln>
+            <a:noFill/>
+          </a:ln>
+        </p:spPr>
+        <p:style>
+          <a:lnRef idx="2">
+            <a:schemeClr val="accent1">
+              <a:shade val="50000"/>
+            </a:schemeClr>
+          </a:lnRef>
+          <a:fillRef idx="1">
+            <a:schemeClr val="accent1"/>
+          </a:fillRef>
+          <a:effectRef idx="0">
+            <a:schemeClr val="accent1"/>
+          </a:effectRef>
+          <a:fontRef idx="minor">
+            <a:schemeClr val="lt1"/>
+          </a:fontRef>
+        </p:style>
+        <p:txBody>
+          <a:bodyPr rtlCol="0" anchor="ctr"/>
+          <a:lstStyle/>
+          <a:p>
+            <a:pPr algn="ctr"/>
+            <a:r>
+              <a:rPr lang="en-US" altLang="zh-CN" sz="1200" dirty="0" err="1" smtClean="0"/>
+              <a:t>hystrix</a:t>
+            </a:r>
+            <a:r>
+              <a:rPr lang="en-US" altLang="zh-CN" sz="1200" dirty="0" smtClean="0"/>
+              <a:t>-dashboard</a:t>
+            </a:r>
+            <a:endParaRPr lang="zh-CN" altLang="en-US" sz="1200" dirty="0"/>
+          </a:p>
+        </p:txBody>
+      </p:sp>
+      <p:cxnSp>
+        <p:nvCxnSpPr>
+          <p:cNvPr id="44" name="直接箭头连接符 43"/>
+          <p:cNvCxnSpPr>
+            <a:stCxn id="32" idx="1"/>
+            <a:endCxn id="31" idx="3"/>
+          </p:cNvCxnSpPr>
+          <p:nvPr/>
+        </p:nvCxnSpPr>
+        <p:spPr>
+          <a:xfrm flipH="1">
+            <a:off x="1259632" y="2096852"/>
+            <a:ext cx="360040" cy="360040"/>
+          </a:xfrm>
+          <a:prstGeom prst="straightConnector1">
+            <a:avLst/>
+          </a:prstGeom>
+          <a:ln>
+            <a:tailEnd type="arrow"/>
+          </a:ln>
+        </p:spPr>
+        <p:style>
+          <a:lnRef idx="1">
+            <a:schemeClr val="accent1"/>
+          </a:lnRef>
+          <a:fillRef idx="0">
+            <a:schemeClr val="accent1"/>
+          </a:fillRef>
+          <a:effectRef idx="0">
+            <a:schemeClr val="accent1"/>
+          </a:effectRef>
+          <a:fontRef idx="minor">
+            <a:schemeClr val="tx1"/>
+          </a:fontRef>
+        </p:style>
+      </p:cxnSp>
+      <p:cxnSp>
+        <p:nvCxnSpPr>
+          <p:cNvPr id="45" name="直接箭头连接符 44"/>
+          <p:cNvCxnSpPr>
+            <a:stCxn id="33" idx="1"/>
+            <a:endCxn id="31" idx="3"/>
+          </p:cNvCxnSpPr>
+          <p:nvPr/>
+        </p:nvCxnSpPr>
+        <p:spPr>
+          <a:xfrm flipH="1" flipV="1">
+            <a:off x="1259632" y="2456892"/>
+            <a:ext cx="360040" cy="432048"/>
+          </a:xfrm>
+          <a:prstGeom prst="straightConnector1">
+            <a:avLst/>
+          </a:prstGeom>
+          <a:ln>
+            <a:tailEnd type="arrow"/>
+          </a:ln>
+        </p:spPr>
+        <p:style>
+          <a:lnRef idx="1">
+            <a:schemeClr val="accent1"/>
+          </a:lnRef>
+          <a:fillRef idx="0">
+            <a:schemeClr val="accent1"/>
+          </a:fillRef>
+          <a:effectRef idx="0">
+            <a:schemeClr val="accent1"/>
+          </a:effectRef>
+          <a:fontRef idx="minor">
+            <a:schemeClr val="tx1"/>
+          </a:fontRef>
+        </p:style>
+      </p:cxnSp>
+      <p:cxnSp>
+        <p:nvCxnSpPr>
+          <p:cNvPr id="46" name="直接箭头连接符 45"/>
+          <p:cNvCxnSpPr>
+            <a:stCxn id="37" idx="1"/>
+            <a:endCxn id="34" idx="3"/>
+          </p:cNvCxnSpPr>
+          <p:nvPr/>
+        </p:nvCxnSpPr>
+        <p:spPr>
+          <a:xfrm flipH="1">
+            <a:off x="3923928" y="2456892"/>
+            <a:ext cx="360040" cy="0"/>
+          </a:xfrm>
+          <a:prstGeom prst="straightConnector1">
+            <a:avLst/>
+          </a:prstGeom>
+          <a:ln>
+            <a:tailEnd type="arrow"/>
+          </a:ln>
+        </p:spPr>
+        <p:style>
+          <a:lnRef idx="1">
+            <a:schemeClr val="accent1"/>
+          </a:lnRef>
+          <a:fillRef idx="0">
+            <a:schemeClr val="accent1"/>
+          </a:fillRef>
+          <a:effectRef idx="0">
+            <a:schemeClr val="accent1"/>
+          </a:effectRef>
+          <a:fontRef idx="minor">
+            <a:schemeClr val="tx1"/>
+          </a:fontRef>
+        </p:style>
+      </p:cxnSp>
+      <p:cxnSp>
+        <p:nvCxnSpPr>
+          <p:cNvPr id="48" name="直接箭头连接符 47"/>
+          <p:cNvCxnSpPr>
+            <a:stCxn id="34" idx="1"/>
+            <a:endCxn id="32" idx="3"/>
+          </p:cNvCxnSpPr>
+          <p:nvPr/>
+        </p:nvCxnSpPr>
+        <p:spPr>
+          <a:xfrm flipH="1" flipV="1">
+            <a:off x="2555776" y="2096852"/>
+            <a:ext cx="432048" cy="360040"/>
+          </a:xfrm>
+          <a:prstGeom prst="straightConnector1">
+            <a:avLst/>
+          </a:prstGeom>
+          <a:ln>
+            <a:tailEnd type="arrow"/>
+          </a:ln>
+        </p:spPr>
+        <p:style>
+          <a:lnRef idx="1">
+            <a:schemeClr val="accent1"/>
+          </a:lnRef>
+          <a:fillRef idx="0">
+            <a:schemeClr val="accent1"/>
+          </a:fillRef>
+          <a:effectRef idx="0">
+            <a:schemeClr val="accent1"/>
+          </a:effectRef>
+          <a:fontRef idx="minor">
+            <a:schemeClr val="tx1"/>
+          </a:fontRef>
+        </p:style>
+      </p:cxnSp>
+      <p:cxnSp>
+        <p:nvCxnSpPr>
+          <p:cNvPr id="50" name="直接箭头连接符 49"/>
+          <p:cNvCxnSpPr>
+            <a:stCxn id="34" idx="1"/>
+            <a:endCxn id="33" idx="3"/>
+          </p:cNvCxnSpPr>
+          <p:nvPr/>
+        </p:nvCxnSpPr>
+        <p:spPr>
+          <a:xfrm flipH="1">
+            <a:off x="2555776" y="2456892"/>
+            <a:ext cx="432048" cy="432048"/>
+          </a:xfrm>
+          <a:prstGeom prst="straightConnector1">
+            <a:avLst/>
+          </a:prstGeom>
+          <a:ln>
+            <a:tailEnd type="arrow"/>
+          </a:ln>
+        </p:spPr>
+        <p:style>
+          <a:lnRef idx="1">
+            <a:schemeClr val="accent1"/>
+          </a:lnRef>
+          <a:fillRef idx="0">
+            <a:schemeClr val="accent1"/>
+          </a:fillRef>
+          <a:effectRef idx="0">
+            <a:schemeClr val="accent1"/>
+          </a:effectRef>
+          <a:fontRef idx="minor">
+            <a:schemeClr val="tx1"/>
+          </a:fontRef>
+        </p:style>
+      </p:cxnSp>
+      <p:sp>
+        <p:nvSpPr>
+          <p:cNvPr id="28" name="矩形 27"/>
+          <p:cNvSpPr/>
+          <p:nvPr/>
+        </p:nvSpPr>
+        <p:spPr>
+          <a:xfrm>
+            <a:off x="1907704" y="3861048"/>
+            <a:ext cx="936104" cy="504056"/>
+          </a:xfrm>
+          <a:prstGeom prst="rect">
+            <a:avLst/>
+          </a:prstGeom>
+          <a:ln>
+            <a:noFill/>
+          </a:ln>
+        </p:spPr>
+        <p:style>
+          <a:lnRef idx="2">
+            <a:schemeClr val="accent1">
+              <a:shade val="50000"/>
+            </a:schemeClr>
+          </a:lnRef>
+          <a:fillRef idx="1">
+            <a:schemeClr val="accent1"/>
+          </a:fillRef>
+          <a:effectRef idx="0">
+            <a:schemeClr val="accent1"/>
+          </a:effectRef>
+          <a:fontRef idx="minor">
+            <a:schemeClr val="lt1"/>
+          </a:fontRef>
+        </p:style>
+        <p:txBody>
+          <a:bodyPr rtlCol="0" anchor="ctr"/>
+          <a:lstStyle/>
+          <a:p>
+            <a:pPr algn="ctr"/>
+            <a:r>
+              <a:rPr lang="en-US" altLang="zh-CN" sz="1200" dirty="0" smtClean="0"/>
+              <a:t>Eureka Server</a:t>
+            </a:r>
+            <a:endParaRPr lang="zh-CN" altLang="en-US" sz="1200" dirty="0"/>
+          </a:p>
+        </p:txBody>
+      </p:sp>
+      <p:sp>
+        <p:nvSpPr>
+          <p:cNvPr id="29" name="矩形 28"/>
+          <p:cNvSpPr/>
+          <p:nvPr/>
+        </p:nvSpPr>
+        <p:spPr>
+          <a:xfrm>
+            <a:off x="611560" y="4941168"/>
+            <a:ext cx="936104" cy="504056"/>
+          </a:xfrm>
+          <a:prstGeom prst="rect">
+            <a:avLst/>
+          </a:prstGeom>
+          <a:ln>
+            <a:noFill/>
+          </a:ln>
+        </p:spPr>
+        <p:style>
+          <a:lnRef idx="2">
+            <a:schemeClr val="accent1">
+              <a:shade val="50000"/>
+            </a:schemeClr>
+          </a:lnRef>
+          <a:fillRef idx="1">
+            <a:schemeClr val="accent1"/>
+          </a:fillRef>
+          <a:effectRef idx="0">
+            <a:schemeClr val="accent1"/>
+          </a:effectRef>
+          <a:fontRef idx="minor">
+            <a:schemeClr val="lt1"/>
+          </a:fontRef>
+        </p:style>
+        <p:txBody>
+          <a:bodyPr rtlCol="0" anchor="ctr"/>
+          <a:lstStyle/>
+          <a:p>
+            <a:pPr algn="ctr"/>
+            <a:r>
+              <a:rPr lang="en-US" altLang="zh-CN" sz="1200" dirty="0" smtClean="0"/>
+              <a:t>Service Provider1</a:t>
+            </a:r>
+            <a:endParaRPr lang="zh-CN" altLang="en-US" sz="1200" dirty="0"/>
+          </a:p>
+        </p:txBody>
+      </p:sp>
+      <p:sp>
+        <p:nvSpPr>
+          <p:cNvPr id="36" name="矩形 35"/>
+          <p:cNvSpPr/>
+          <p:nvPr/>
+        </p:nvSpPr>
+        <p:spPr>
+          <a:xfrm>
+            <a:off x="1907704" y="4941168"/>
+            <a:ext cx="936104" cy="504056"/>
+          </a:xfrm>
+          <a:prstGeom prst="rect">
+            <a:avLst/>
+          </a:prstGeom>
+          <a:ln>
+            <a:noFill/>
+          </a:ln>
+        </p:spPr>
+        <p:style>
+          <a:lnRef idx="2">
+            <a:schemeClr val="accent1">
+              <a:shade val="50000"/>
+            </a:schemeClr>
+          </a:lnRef>
+          <a:fillRef idx="1">
+            <a:schemeClr val="accent1"/>
+          </a:fillRef>
+          <a:effectRef idx="0">
+            <a:schemeClr val="accent1"/>
+          </a:effectRef>
+          <a:fontRef idx="minor">
+            <a:schemeClr val="lt1"/>
+          </a:fontRef>
+        </p:style>
+        <p:txBody>
+          <a:bodyPr rtlCol="0" anchor="ctr"/>
+          <a:lstStyle/>
+          <a:p>
+            <a:pPr algn="ctr"/>
+            <a:r>
+              <a:rPr lang="en-US" altLang="zh-CN" sz="1200" dirty="0" smtClean="0"/>
+              <a:t>Service Consumer1</a:t>
+            </a:r>
+            <a:endParaRPr lang="zh-CN" altLang="en-US" sz="1200" dirty="0"/>
+          </a:p>
+        </p:txBody>
+      </p:sp>
+      <p:sp>
+        <p:nvSpPr>
+          <p:cNvPr id="38" name="矩形 37"/>
+          <p:cNvSpPr/>
+          <p:nvPr/>
+        </p:nvSpPr>
+        <p:spPr>
+          <a:xfrm>
+            <a:off x="3203848" y="4941168"/>
+            <a:ext cx="936104" cy="504056"/>
+          </a:xfrm>
+          <a:prstGeom prst="rect">
+            <a:avLst/>
+          </a:prstGeom>
+          <a:ln>
+            <a:noFill/>
+          </a:ln>
+        </p:spPr>
+        <p:style>
+          <a:lnRef idx="2">
+            <a:schemeClr val="accent1">
+              <a:shade val="50000"/>
+            </a:schemeClr>
+          </a:lnRef>
+          <a:fillRef idx="1">
+            <a:schemeClr val="accent1"/>
+          </a:fillRef>
+          <a:effectRef idx="0">
+            <a:schemeClr val="accent1"/>
+          </a:effectRef>
+          <a:fontRef idx="minor">
+            <a:schemeClr val="lt1"/>
+          </a:fontRef>
+        </p:style>
+        <p:txBody>
+          <a:bodyPr rtlCol="0" anchor="ctr"/>
+          <a:lstStyle/>
+          <a:p>
+            <a:pPr algn="ctr"/>
+            <a:r>
+              <a:rPr lang="en-US" altLang="zh-CN" sz="1200" dirty="0" err="1" smtClean="0"/>
+              <a:t>Zuul</a:t>
+            </a:r>
+            <a:endParaRPr lang="zh-CN" altLang="en-US" sz="1200" dirty="0"/>
+          </a:p>
+        </p:txBody>
+      </p:sp>
+      <p:cxnSp>
+        <p:nvCxnSpPr>
+          <p:cNvPr id="39" name="直接箭头连接符 38"/>
+          <p:cNvCxnSpPr>
+            <a:stCxn id="29" idx="0"/>
+            <a:endCxn id="28" idx="2"/>
+          </p:cNvCxnSpPr>
+          <p:nvPr/>
+        </p:nvCxnSpPr>
+        <p:spPr>
+          <a:xfrm flipV="1">
+            <a:off x="1079612" y="4365104"/>
+            <a:ext cx="1296144" cy="576064"/>
+          </a:xfrm>
+          <a:prstGeom prst="straightConnector1">
+            <a:avLst/>
+          </a:prstGeom>
+          <a:ln>
+            <a:solidFill>
+              <a:srgbClr val="FF0000"/>
+            </a:solidFill>
+            <a:tailEnd type="arrow"/>
+          </a:ln>
+        </p:spPr>
+        <p:style>
+          <a:lnRef idx="1">
+            <a:schemeClr val="accent1"/>
+          </a:lnRef>
+          <a:fillRef idx="0">
+            <a:schemeClr val="accent1"/>
+          </a:fillRef>
+          <a:effectRef idx="0">
+            <a:schemeClr val="accent1"/>
+          </a:effectRef>
+          <a:fontRef idx="minor">
+            <a:schemeClr val="tx1"/>
+          </a:fontRef>
+        </p:style>
+      </p:cxnSp>
+      <p:cxnSp>
+        <p:nvCxnSpPr>
+          <p:cNvPr id="41" name="直接箭头连接符 40"/>
+          <p:cNvCxnSpPr>
+            <a:stCxn id="38" idx="1"/>
+            <a:endCxn id="36" idx="3"/>
+          </p:cNvCxnSpPr>
+          <p:nvPr/>
+        </p:nvCxnSpPr>
+        <p:spPr>
+          <a:xfrm flipH="1">
+            <a:off x="2843808" y="5193196"/>
+            <a:ext cx="360040" cy="0"/>
+          </a:xfrm>
+          <a:prstGeom prst="straightConnector1">
+            <a:avLst/>
+          </a:prstGeom>
+          <a:ln>
+            <a:tailEnd type="arrow"/>
+          </a:ln>
+        </p:spPr>
+        <p:style>
+          <a:lnRef idx="1">
+            <a:schemeClr val="accent1"/>
+          </a:lnRef>
+          <a:fillRef idx="0">
+            <a:schemeClr val="accent1"/>
+          </a:fillRef>
+          <a:effectRef idx="0">
+            <a:schemeClr val="accent1"/>
+          </a:effectRef>
+          <a:fontRef idx="minor">
+            <a:schemeClr val="tx1"/>
+          </a:fontRef>
+        </p:style>
+      </p:cxnSp>
+      <p:cxnSp>
+        <p:nvCxnSpPr>
+          <p:cNvPr id="42" name="直接箭头连接符 41"/>
+          <p:cNvCxnSpPr>
+            <a:stCxn id="36" idx="1"/>
+            <a:endCxn id="29" idx="3"/>
+          </p:cNvCxnSpPr>
+          <p:nvPr/>
+        </p:nvCxnSpPr>
+        <p:spPr>
+          <a:xfrm flipH="1">
+            <a:off x="1547664" y="5193196"/>
+            <a:ext cx="360040" cy="0"/>
+          </a:xfrm>
+          <a:prstGeom prst="straightConnector1">
+            <a:avLst/>
+          </a:prstGeom>
+          <a:ln>
+            <a:tailEnd type="arrow"/>
+          </a:ln>
+        </p:spPr>
+        <p:style>
+          <a:lnRef idx="1">
+            <a:schemeClr val="accent1"/>
+          </a:lnRef>
+          <a:fillRef idx="0">
+            <a:schemeClr val="accent1"/>
+          </a:fillRef>
+          <a:effectRef idx="0">
+            <a:schemeClr val="accent1"/>
+          </a:effectRef>
+          <a:fontRef idx="minor">
+            <a:schemeClr val="tx1"/>
+          </a:fontRef>
+        </p:style>
+      </p:cxnSp>
+      <p:cxnSp>
+        <p:nvCxnSpPr>
+          <p:cNvPr id="49" name="肘形连接符 48"/>
+          <p:cNvCxnSpPr>
+            <a:stCxn id="36" idx="2"/>
+            <a:endCxn id="29" idx="2"/>
+          </p:cNvCxnSpPr>
+          <p:nvPr/>
+        </p:nvCxnSpPr>
+        <p:spPr>
+          <a:xfrm rot="5400000">
+            <a:off x="1727684" y="4797152"/>
+            <a:ext cx="12700" cy="1296144"/>
+          </a:xfrm>
+          <a:prstGeom prst="bentConnector3">
+            <a:avLst>
+              <a:gd name="adj1" fmla="val 1800000"/>
+            </a:avLst>
+          </a:prstGeom>
+          <a:ln>
+            <a:solidFill>
+              <a:srgbClr val="92D050"/>
+            </a:solidFill>
+            <a:tailEnd type="arrow"/>
+          </a:ln>
+        </p:spPr>
+        <p:style>
+          <a:lnRef idx="1">
+            <a:schemeClr val="accent1"/>
+          </a:lnRef>
+          <a:fillRef idx="0">
+            <a:schemeClr val="accent1"/>
+          </a:fillRef>
+          <a:effectRef idx="0">
+            <a:schemeClr val="accent1"/>
+          </a:effectRef>
+          <a:fontRef idx="minor">
+            <a:schemeClr val="tx1"/>
+          </a:fontRef>
+        </p:style>
+      </p:cxnSp>
+      <p:sp>
+        <p:nvSpPr>
+          <p:cNvPr id="51" name="TextBox 50"/>
+          <p:cNvSpPr txBox="1"/>
+          <p:nvPr/>
+        </p:nvSpPr>
+        <p:spPr>
+          <a:xfrm>
+            <a:off x="1808710" y="5463696"/>
+            <a:ext cx="603050" cy="246221"/>
+          </a:xfrm>
+          <a:prstGeom prst="rect">
+            <a:avLst/>
+          </a:prstGeom>
+          <a:noFill/>
+        </p:spPr>
+        <p:txBody>
+          <a:bodyPr wrap="none" rtlCol="0">
+            <a:spAutoFit/>
+          </a:bodyPr>
+          <a:lstStyle/>
+          <a:p>
+            <a:pPr algn="ctr"/>
+            <a:r>
+              <a:rPr lang="en-US" altLang="zh-CN" sz="1000" dirty="0" smtClean="0"/>
+              <a:t>Fallback</a:t>
+            </a:r>
+            <a:endParaRPr lang="zh-CN" altLang="en-US" sz="1000" dirty="0"/>
+          </a:p>
+        </p:txBody>
+      </p:sp>
+      <p:cxnSp>
+        <p:nvCxnSpPr>
+          <p:cNvPr id="53" name="肘形连接符 52"/>
+          <p:cNvCxnSpPr>
+            <a:stCxn id="38" idx="2"/>
+            <a:endCxn id="36" idx="2"/>
+          </p:cNvCxnSpPr>
+          <p:nvPr/>
+        </p:nvCxnSpPr>
+        <p:spPr>
+          <a:xfrm rot="5400000">
+            <a:off x="3023828" y="4797152"/>
+            <a:ext cx="12700" cy="1296144"/>
+          </a:xfrm>
+          <a:prstGeom prst="bentConnector3">
+            <a:avLst>
+              <a:gd name="adj1" fmla="val 1800000"/>
+            </a:avLst>
           </a:prstGeom>
           <a:ln>
             <a:solidFill>
@@ -5069,699 +7329,48 @@
       </p:cxnSp>
       <p:sp>
         <p:nvSpPr>
-          <p:cNvPr id="31" name="矩形 30"/>
-          <p:cNvSpPr/>
-          <p:nvPr/>
-        </p:nvSpPr>
-        <p:spPr>
-          <a:xfrm>
-            <a:off x="1763688" y="2918594"/>
-            <a:ext cx="936104" cy="360040"/>
+          <p:cNvPr id="55" name="TextBox 54"/>
+          <p:cNvSpPr txBox="1"/>
+          <p:nvPr/>
+        </p:nvSpPr>
+        <p:spPr>
+          <a:xfrm>
+            <a:off x="3106012" y="5472932"/>
+            <a:ext cx="603050" cy="246221"/>
           </a:xfrm>
           <a:prstGeom prst="rect">
             <a:avLst/>
           </a:prstGeom>
-          <a:solidFill>
-            <a:schemeClr val="tx2">
-              <a:lumMod val="20000"/>
-              <a:lumOff val="80000"/>
-            </a:schemeClr>
-          </a:solidFill>
-          <a:ln>
-            <a:noFill/>
-          </a:ln>
-        </p:spPr>
-        <p:style>
-          <a:lnRef idx="2">
-            <a:schemeClr val="accent1">
-              <a:shade val="50000"/>
-            </a:schemeClr>
-          </a:lnRef>
-          <a:fillRef idx="1">
-            <a:schemeClr val="accent1"/>
-          </a:fillRef>
-          <a:effectRef idx="0">
-            <a:schemeClr val="accent1"/>
-          </a:effectRef>
-          <a:fontRef idx="minor">
-            <a:schemeClr val="lt1"/>
-          </a:fontRef>
-        </p:style>
-        <p:txBody>
-          <a:bodyPr rtlCol="0" anchor="ctr"/>
+          <a:noFill/>
+        </p:spPr>
+        <p:txBody>
+          <a:bodyPr wrap="none" rtlCol="0">
+            <a:spAutoFit/>
+          </a:bodyPr>
           <a:lstStyle/>
           <a:p>
             <a:pPr algn="ctr"/>
             <a:r>
-              <a:rPr lang="en-US" altLang="zh-CN" sz="1200" dirty="0" smtClean="0">
-                <a:solidFill>
-                  <a:schemeClr val="tx1"/>
-                </a:solidFill>
-              </a:rPr>
-              <a:t>Eureka Server</a:t>
-            </a:r>
-            <a:endParaRPr lang="zh-CN" altLang="en-US" sz="1200" dirty="0">
-              <a:solidFill>
-                <a:schemeClr val="tx1"/>
-              </a:solidFill>
-            </a:endParaRPr>
-          </a:p>
-        </p:txBody>
-      </p:sp>
-      <p:sp>
-        <p:nvSpPr>
-          <p:cNvPr id="28" name="矩形 27"/>
-          <p:cNvSpPr/>
-          <p:nvPr/>
-        </p:nvSpPr>
-        <p:spPr>
-          <a:xfrm>
-            <a:off x="1763688" y="3350642"/>
-            <a:ext cx="936104" cy="360040"/>
-          </a:xfrm>
-          <a:prstGeom prst="rect">
-            <a:avLst/>
-          </a:prstGeom>
-          <a:solidFill>
-            <a:schemeClr val="tx2">
-              <a:lumMod val="20000"/>
-              <a:lumOff val="80000"/>
-            </a:schemeClr>
-          </a:solidFill>
-          <a:ln>
-            <a:noFill/>
-          </a:ln>
-        </p:spPr>
-        <p:style>
-          <a:lnRef idx="2">
-            <a:schemeClr val="accent1">
-              <a:shade val="50000"/>
-            </a:schemeClr>
-          </a:lnRef>
-          <a:fillRef idx="1">
-            <a:schemeClr val="accent1"/>
-          </a:fillRef>
-          <a:effectRef idx="0">
-            <a:schemeClr val="accent1"/>
-          </a:effectRef>
-          <a:fontRef idx="minor">
-            <a:schemeClr val="lt1"/>
-          </a:fontRef>
-        </p:style>
-        <p:txBody>
-          <a:bodyPr rtlCol="0" anchor="ctr"/>
-          <a:lstStyle/>
-          <a:p>
-            <a:pPr algn="ctr"/>
-            <a:r>
-              <a:rPr lang="en-US" altLang="zh-CN" sz="1200" dirty="0" smtClean="0">
-                <a:solidFill>
-                  <a:schemeClr val="tx1"/>
-                </a:solidFill>
-              </a:rPr>
-              <a:t>Eureka Server</a:t>
-            </a:r>
-            <a:endParaRPr lang="zh-CN" altLang="en-US" sz="1200" dirty="0">
-              <a:solidFill>
-                <a:schemeClr val="tx1"/>
-              </a:solidFill>
-            </a:endParaRPr>
-          </a:p>
-        </p:txBody>
-      </p:sp>
-      <p:sp>
-        <p:nvSpPr>
-          <p:cNvPr id="29" name="矩形 28"/>
-          <p:cNvSpPr/>
-          <p:nvPr/>
-        </p:nvSpPr>
-        <p:spPr>
-          <a:xfrm>
-            <a:off x="1763688" y="3782690"/>
-            <a:ext cx="936104" cy="360040"/>
-          </a:xfrm>
-          <a:prstGeom prst="rect">
-            <a:avLst/>
-          </a:prstGeom>
-          <a:solidFill>
-            <a:schemeClr val="tx2">
-              <a:lumMod val="20000"/>
-              <a:lumOff val="80000"/>
-            </a:schemeClr>
-          </a:solidFill>
-          <a:ln>
-            <a:noFill/>
-          </a:ln>
-        </p:spPr>
-        <p:style>
-          <a:lnRef idx="2">
-            <a:schemeClr val="accent1">
-              <a:shade val="50000"/>
-            </a:schemeClr>
-          </a:lnRef>
-          <a:fillRef idx="1">
-            <a:schemeClr val="accent1"/>
-          </a:fillRef>
-          <a:effectRef idx="0">
-            <a:schemeClr val="accent1"/>
-          </a:effectRef>
-          <a:fontRef idx="minor">
-            <a:schemeClr val="lt1"/>
-          </a:fontRef>
-        </p:style>
-        <p:txBody>
-          <a:bodyPr rtlCol="0" anchor="ctr"/>
-          <a:lstStyle/>
-          <a:p>
-            <a:pPr algn="ctr"/>
-            <a:r>
-              <a:rPr lang="en-US" altLang="zh-CN" sz="1200" dirty="0" smtClean="0">
-                <a:solidFill>
-                  <a:schemeClr val="tx1"/>
-                </a:solidFill>
-              </a:rPr>
-              <a:t>Eureka Server</a:t>
-            </a:r>
-            <a:endParaRPr lang="zh-CN" altLang="en-US" sz="1200" dirty="0">
-              <a:solidFill>
-                <a:schemeClr val="tx1"/>
-              </a:solidFill>
-            </a:endParaRPr>
-          </a:p>
-        </p:txBody>
-      </p:sp>
-      <p:sp>
-        <p:nvSpPr>
-          <p:cNvPr id="36" name="矩形 35"/>
-          <p:cNvSpPr/>
-          <p:nvPr/>
-        </p:nvSpPr>
-        <p:spPr>
-          <a:xfrm>
-            <a:off x="107504" y="2630562"/>
-            <a:ext cx="1224136" cy="1584176"/>
-          </a:xfrm>
-          <a:prstGeom prst="rect">
-            <a:avLst/>
-          </a:prstGeom>
-          <a:ln>
-            <a:noFill/>
-          </a:ln>
-        </p:spPr>
-        <p:style>
-          <a:lnRef idx="2">
-            <a:schemeClr val="accent1">
-              <a:shade val="50000"/>
-            </a:schemeClr>
-          </a:lnRef>
-          <a:fillRef idx="1">
-            <a:schemeClr val="accent1"/>
-          </a:fillRef>
-          <a:effectRef idx="0">
-            <a:schemeClr val="accent1"/>
-          </a:effectRef>
-          <a:fontRef idx="minor">
-            <a:schemeClr val="lt1"/>
-          </a:fontRef>
-        </p:style>
-        <p:txBody>
-          <a:bodyPr rtlCol="0" anchor="t"/>
-          <a:lstStyle/>
-          <a:p>
-            <a:pPr algn="ctr"/>
-            <a:r>
-              <a:rPr lang="zh-CN" altLang="en-US" sz="1200" dirty="0" smtClean="0"/>
-              <a:t>服务提供者</a:t>
-            </a:r>
-            <a:endParaRPr lang="zh-CN" altLang="en-US" sz="1200" dirty="0"/>
-          </a:p>
-        </p:txBody>
-      </p:sp>
-      <p:sp>
-        <p:nvSpPr>
-          <p:cNvPr id="38" name="矩形 37"/>
-          <p:cNvSpPr/>
-          <p:nvPr/>
-        </p:nvSpPr>
-        <p:spPr>
-          <a:xfrm>
-            <a:off x="251520" y="2918594"/>
-            <a:ext cx="936104" cy="360040"/>
-          </a:xfrm>
-          <a:prstGeom prst="rect">
-            <a:avLst/>
-          </a:prstGeom>
-          <a:solidFill>
-            <a:schemeClr val="tx2">
-              <a:lumMod val="20000"/>
-              <a:lumOff val="80000"/>
-            </a:schemeClr>
-          </a:solidFill>
-          <a:ln>
-            <a:noFill/>
-          </a:ln>
-        </p:spPr>
-        <p:style>
-          <a:lnRef idx="2">
-            <a:schemeClr val="accent1">
-              <a:shade val="50000"/>
-            </a:schemeClr>
-          </a:lnRef>
-          <a:fillRef idx="1">
-            <a:schemeClr val="accent1"/>
-          </a:fillRef>
-          <a:effectRef idx="0">
-            <a:schemeClr val="accent1"/>
-          </a:effectRef>
-          <a:fontRef idx="minor">
-            <a:schemeClr val="lt1"/>
-          </a:fontRef>
-        </p:style>
-        <p:txBody>
-          <a:bodyPr rtlCol="0" anchor="ctr"/>
-          <a:lstStyle/>
-          <a:p>
-            <a:pPr algn="ctr"/>
-            <a:r>
-              <a:rPr lang="en-US" altLang="zh-CN" sz="1200" dirty="0" smtClean="0">
-                <a:solidFill>
-                  <a:schemeClr val="tx1"/>
-                </a:solidFill>
-              </a:rPr>
-              <a:t>Service Provider</a:t>
-            </a:r>
-            <a:endParaRPr lang="zh-CN" altLang="en-US" sz="1200" dirty="0">
-              <a:solidFill>
-                <a:schemeClr val="tx1"/>
-              </a:solidFill>
-            </a:endParaRPr>
-          </a:p>
-        </p:txBody>
-      </p:sp>
-      <p:sp>
-        <p:nvSpPr>
-          <p:cNvPr id="39" name="矩形 38"/>
-          <p:cNvSpPr/>
-          <p:nvPr/>
-        </p:nvSpPr>
-        <p:spPr>
-          <a:xfrm>
-            <a:off x="251520" y="3350642"/>
-            <a:ext cx="936104" cy="360040"/>
-          </a:xfrm>
-          <a:prstGeom prst="rect">
-            <a:avLst/>
-          </a:prstGeom>
-          <a:solidFill>
-            <a:schemeClr val="tx2">
-              <a:lumMod val="20000"/>
-              <a:lumOff val="80000"/>
-            </a:schemeClr>
-          </a:solidFill>
-          <a:ln>
-            <a:noFill/>
-          </a:ln>
-        </p:spPr>
-        <p:style>
-          <a:lnRef idx="2">
-            <a:schemeClr val="accent1">
-              <a:shade val="50000"/>
-            </a:schemeClr>
-          </a:lnRef>
-          <a:fillRef idx="1">
-            <a:schemeClr val="accent1"/>
-          </a:fillRef>
-          <a:effectRef idx="0">
-            <a:schemeClr val="accent1"/>
-          </a:effectRef>
-          <a:fontRef idx="minor">
-            <a:schemeClr val="lt1"/>
-          </a:fontRef>
-        </p:style>
-        <p:txBody>
-          <a:bodyPr rtlCol="0" anchor="ctr"/>
-          <a:lstStyle/>
-          <a:p>
-            <a:pPr algn="ctr"/>
-            <a:r>
-              <a:rPr lang="en-US" altLang="zh-CN" sz="1200" dirty="0" smtClean="0">
-                <a:solidFill>
-                  <a:schemeClr val="tx1"/>
-                </a:solidFill>
-              </a:rPr>
-              <a:t>Service Provider</a:t>
-            </a:r>
-            <a:endParaRPr lang="zh-CN" altLang="en-US" sz="1200" dirty="0">
-              <a:solidFill>
-                <a:schemeClr val="tx1"/>
-              </a:solidFill>
-            </a:endParaRPr>
-          </a:p>
-        </p:txBody>
-      </p:sp>
-      <p:sp>
-        <p:nvSpPr>
-          <p:cNvPr id="40" name="矩形 39"/>
-          <p:cNvSpPr/>
-          <p:nvPr/>
-        </p:nvSpPr>
-        <p:spPr>
-          <a:xfrm>
-            <a:off x="251520" y="3782690"/>
-            <a:ext cx="936104" cy="360040"/>
-          </a:xfrm>
-          <a:prstGeom prst="rect">
-            <a:avLst/>
-          </a:prstGeom>
-          <a:solidFill>
-            <a:schemeClr val="tx2">
-              <a:lumMod val="20000"/>
-              <a:lumOff val="80000"/>
-            </a:schemeClr>
-          </a:solidFill>
-          <a:ln>
-            <a:noFill/>
-          </a:ln>
-        </p:spPr>
-        <p:style>
-          <a:lnRef idx="2">
-            <a:schemeClr val="accent1">
-              <a:shade val="50000"/>
-            </a:schemeClr>
-          </a:lnRef>
-          <a:fillRef idx="1">
-            <a:schemeClr val="accent1"/>
-          </a:fillRef>
-          <a:effectRef idx="0">
-            <a:schemeClr val="accent1"/>
-          </a:effectRef>
-          <a:fontRef idx="minor">
-            <a:schemeClr val="lt1"/>
-          </a:fontRef>
-        </p:style>
-        <p:txBody>
-          <a:bodyPr rtlCol="0" anchor="ctr"/>
-          <a:lstStyle/>
-          <a:p>
-            <a:pPr algn="ctr"/>
-            <a:r>
-              <a:rPr lang="en-US" altLang="zh-CN" sz="1200" dirty="0" smtClean="0">
-                <a:solidFill>
-                  <a:schemeClr val="tx1"/>
-                </a:solidFill>
-              </a:rPr>
-              <a:t>Service Provider</a:t>
-            </a:r>
-            <a:endParaRPr lang="zh-CN" altLang="en-US" sz="1200" dirty="0">
-              <a:solidFill>
-                <a:schemeClr val="tx1"/>
-              </a:solidFill>
-            </a:endParaRPr>
-          </a:p>
-        </p:txBody>
-      </p:sp>
-      <p:sp>
-        <p:nvSpPr>
-          <p:cNvPr id="41" name="矩形 40"/>
-          <p:cNvSpPr/>
-          <p:nvPr/>
-        </p:nvSpPr>
-        <p:spPr>
-          <a:xfrm>
-            <a:off x="4860032" y="2630562"/>
-            <a:ext cx="1224136" cy="1584176"/>
-          </a:xfrm>
-          <a:prstGeom prst="rect">
-            <a:avLst/>
-          </a:prstGeom>
-          <a:ln>
-            <a:noFill/>
-          </a:ln>
-        </p:spPr>
-        <p:style>
-          <a:lnRef idx="2">
-            <a:schemeClr val="accent1">
-              <a:shade val="50000"/>
-            </a:schemeClr>
-          </a:lnRef>
-          <a:fillRef idx="1">
-            <a:schemeClr val="accent1"/>
-          </a:fillRef>
-          <a:effectRef idx="0">
-            <a:schemeClr val="accent1"/>
-          </a:effectRef>
-          <a:fontRef idx="minor">
-            <a:schemeClr val="lt1"/>
-          </a:fontRef>
-        </p:style>
-        <p:txBody>
-          <a:bodyPr rtlCol="0" anchor="t"/>
-          <a:lstStyle/>
-          <a:p>
-            <a:pPr algn="ctr"/>
-            <a:r>
-              <a:rPr lang="zh-CN" altLang="en-US" sz="1200" dirty="0" smtClean="0"/>
-              <a:t>服务消费者</a:t>
-            </a:r>
-            <a:endParaRPr lang="zh-CN" altLang="en-US" sz="1200" dirty="0"/>
-          </a:p>
-        </p:txBody>
-      </p:sp>
-      <p:sp>
-        <p:nvSpPr>
-          <p:cNvPr id="42" name="矩形 41"/>
-          <p:cNvSpPr/>
-          <p:nvPr/>
-        </p:nvSpPr>
-        <p:spPr>
-          <a:xfrm>
-            <a:off x="5004048" y="2918594"/>
-            <a:ext cx="936104" cy="360040"/>
-          </a:xfrm>
-          <a:prstGeom prst="rect">
-            <a:avLst/>
-          </a:prstGeom>
-          <a:solidFill>
-            <a:schemeClr val="tx2">
-              <a:lumMod val="20000"/>
-              <a:lumOff val="80000"/>
-            </a:schemeClr>
-          </a:solidFill>
-          <a:ln>
-            <a:noFill/>
-          </a:ln>
-        </p:spPr>
-        <p:style>
-          <a:lnRef idx="2">
-            <a:schemeClr val="accent1">
-              <a:shade val="50000"/>
-            </a:schemeClr>
-          </a:lnRef>
-          <a:fillRef idx="1">
-            <a:schemeClr val="accent1"/>
-          </a:fillRef>
-          <a:effectRef idx="0">
-            <a:schemeClr val="accent1"/>
-          </a:effectRef>
-          <a:fontRef idx="minor">
-            <a:schemeClr val="lt1"/>
-          </a:fontRef>
-        </p:style>
-        <p:txBody>
-          <a:bodyPr rtlCol="0" anchor="ctr"/>
-          <a:lstStyle/>
-          <a:p>
-            <a:pPr algn="ctr"/>
-            <a:r>
-              <a:rPr lang="en-US" altLang="zh-CN" sz="1200" dirty="0" smtClean="0">
-                <a:solidFill>
-                  <a:schemeClr val="tx1"/>
-                </a:solidFill>
-              </a:rPr>
-              <a:t>Service Consumer</a:t>
-            </a:r>
-            <a:endParaRPr lang="zh-CN" altLang="en-US" sz="1200" dirty="0">
-              <a:solidFill>
-                <a:schemeClr val="tx1"/>
-              </a:solidFill>
-            </a:endParaRPr>
-          </a:p>
-        </p:txBody>
-      </p:sp>
-      <p:sp>
-        <p:nvSpPr>
-          <p:cNvPr id="43" name="矩形 42"/>
-          <p:cNvSpPr/>
-          <p:nvPr/>
-        </p:nvSpPr>
-        <p:spPr>
-          <a:xfrm>
-            <a:off x="5004048" y="3350642"/>
-            <a:ext cx="936104" cy="360040"/>
-          </a:xfrm>
-          <a:prstGeom prst="rect">
-            <a:avLst/>
-          </a:prstGeom>
-          <a:solidFill>
-            <a:schemeClr val="tx2">
-              <a:lumMod val="20000"/>
-              <a:lumOff val="80000"/>
-            </a:schemeClr>
-          </a:solidFill>
-          <a:ln>
-            <a:noFill/>
-          </a:ln>
-        </p:spPr>
-        <p:style>
-          <a:lnRef idx="2">
-            <a:schemeClr val="accent1">
-              <a:shade val="50000"/>
-            </a:schemeClr>
-          </a:lnRef>
-          <a:fillRef idx="1">
-            <a:schemeClr val="accent1"/>
-          </a:fillRef>
-          <a:effectRef idx="0">
-            <a:schemeClr val="accent1"/>
-          </a:effectRef>
-          <a:fontRef idx="minor">
-            <a:schemeClr val="lt1"/>
-          </a:fontRef>
-        </p:style>
-        <p:txBody>
-          <a:bodyPr rtlCol="0" anchor="ctr"/>
-          <a:lstStyle/>
-          <a:p>
-            <a:pPr algn="ctr"/>
-            <a:r>
-              <a:rPr lang="en-US" altLang="zh-CN" sz="1200" dirty="0" smtClean="0">
-                <a:solidFill>
-                  <a:schemeClr val="tx1"/>
-                </a:solidFill>
-              </a:rPr>
-              <a:t>Service Consumer</a:t>
-            </a:r>
-            <a:endParaRPr lang="zh-CN" altLang="en-US" sz="1200" dirty="0">
-              <a:solidFill>
-                <a:schemeClr val="tx1"/>
-              </a:solidFill>
-            </a:endParaRPr>
-          </a:p>
-        </p:txBody>
-      </p:sp>
-      <p:sp>
-        <p:nvSpPr>
-          <p:cNvPr id="47" name="矩形 46"/>
-          <p:cNvSpPr/>
-          <p:nvPr/>
-        </p:nvSpPr>
-        <p:spPr>
-          <a:xfrm>
-            <a:off x="5004048" y="3782690"/>
-            <a:ext cx="936104" cy="360040"/>
-          </a:xfrm>
-          <a:prstGeom prst="rect">
-            <a:avLst/>
-          </a:prstGeom>
-          <a:solidFill>
-            <a:schemeClr val="tx2">
-              <a:lumMod val="20000"/>
-              <a:lumOff val="80000"/>
-            </a:schemeClr>
-          </a:solidFill>
-          <a:ln>
-            <a:noFill/>
-          </a:ln>
-        </p:spPr>
-        <p:style>
-          <a:lnRef idx="2">
-            <a:schemeClr val="accent1">
-              <a:shade val="50000"/>
-            </a:schemeClr>
-          </a:lnRef>
-          <a:fillRef idx="1">
-            <a:schemeClr val="accent1"/>
-          </a:fillRef>
-          <a:effectRef idx="0">
-            <a:schemeClr val="accent1"/>
-          </a:effectRef>
-          <a:fontRef idx="minor">
-            <a:schemeClr val="lt1"/>
-          </a:fontRef>
-        </p:style>
-        <p:txBody>
-          <a:bodyPr rtlCol="0" anchor="ctr"/>
-          <a:lstStyle/>
-          <a:p>
-            <a:pPr algn="ctr"/>
-            <a:r>
-              <a:rPr lang="en-US" altLang="zh-CN" sz="1200" dirty="0" smtClean="0">
-                <a:solidFill>
-                  <a:schemeClr val="tx1"/>
-                </a:solidFill>
-              </a:rPr>
-              <a:t>Service Consumer</a:t>
-            </a:r>
-            <a:endParaRPr lang="zh-CN" altLang="en-US" sz="1200" dirty="0">
-              <a:solidFill>
-                <a:schemeClr val="tx1"/>
-              </a:solidFill>
-            </a:endParaRPr>
+              <a:rPr lang="en-US" altLang="zh-CN" sz="1000" dirty="0" smtClean="0"/>
+              <a:t>Fallback</a:t>
+            </a:r>
+            <a:endParaRPr lang="zh-CN" altLang="en-US" sz="1000" dirty="0"/>
           </a:p>
         </p:txBody>
       </p:sp>
       <p:cxnSp>
         <p:nvCxnSpPr>
-          <p:cNvPr id="69" name="直接箭头连接符 68"/>
+          <p:cNvPr id="60" name="直接箭头连接符 59"/>
           <p:cNvCxnSpPr>
-            <a:stCxn id="9" idx="1"/>
-            <a:endCxn id="41" idx="3"/>
+            <a:stCxn id="36" idx="0"/>
+            <a:endCxn id="28" idx="2"/>
           </p:cNvCxnSpPr>
           <p:nvPr/>
         </p:nvCxnSpPr>
         <p:spPr>
-          <a:xfrm flipH="1" flipV="1">
-            <a:off x="6084168" y="3422650"/>
-            <a:ext cx="216024" cy="5410"/>
-          </a:xfrm>
-          <a:prstGeom prst="straightConnector1">
-            <a:avLst/>
-          </a:prstGeom>
-          <a:ln>
-            <a:solidFill>
-              <a:srgbClr val="FFC000"/>
-            </a:solidFill>
-            <a:tailEnd type="arrow"/>
-          </a:ln>
-        </p:spPr>
-        <p:style>
-          <a:lnRef idx="1">
-            <a:schemeClr val="accent1"/>
-          </a:lnRef>
-          <a:fillRef idx="0">
-            <a:schemeClr val="accent1"/>
-          </a:fillRef>
-          <a:effectRef idx="0">
-            <a:schemeClr val="accent1"/>
-          </a:effectRef>
-          <a:fontRef idx="minor">
-            <a:schemeClr val="tx1"/>
-          </a:fontRef>
-        </p:style>
-      </p:cxnSp>
-      <p:cxnSp>
-        <p:nvCxnSpPr>
-          <p:cNvPr id="73" name="直接箭头连接符 72"/>
-          <p:cNvCxnSpPr>
-            <a:stCxn id="36" idx="3"/>
-            <a:endCxn id="35" idx="1"/>
-          </p:cNvCxnSpPr>
-          <p:nvPr/>
-        </p:nvCxnSpPr>
-        <p:spPr>
-          <a:xfrm>
-            <a:off x="1331640" y="3422650"/>
-            <a:ext cx="288032" cy="0"/>
+          <a:xfrm flipV="1">
+            <a:off x="2375756" y="4365104"/>
+            <a:ext cx="0" cy="576064"/>
           </a:xfrm>
           <a:prstGeom prst="straightConnector1">
             <a:avLst/>
@@ -5788,278 +7397,19 @@
           </a:fontRef>
         </p:style>
       </p:cxnSp>
-      <p:sp>
-        <p:nvSpPr>
-          <p:cNvPr id="79" name="矩形 78"/>
-          <p:cNvSpPr/>
-          <p:nvPr/>
-        </p:nvSpPr>
-        <p:spPr>
-          <a:xfrm>
-            <a:off x="1043608" y="1340768"/>
-            <a:ext cx="2376264" cy="936104"/>
-          </a:xfrm>
-          <a:prstGeom prst="rect">
-            <a:avLst/>
-          </a:prstGeom>
-          <a:solidFill>
-            <a:schemeClr val="accent5">
-              <a:lumMod val="75000"/>
-            </a:schemeClr>
-          </a:solidFill>
-          <a:ln>
-            <a:noFill/>
-          </a:ln>
-        </p:spPr>
-        <p:style>
-          <a:lnRef idx="2">
-            <a:schemeClr val="accent1">
-              <a:shade val="50000"/>
-            </a:schemeClr>
-          </a:lnRef>
-          <a:fillRef idx="1">
-            <a:schemeClr val="accent1"/>
-          </a:fillRef>
-          <a:effectRef idx="0">
-            <a:schemeClr val="accent1"/>
-          </a:effectRef>
-          <a:fontRef idx="minor">
-            <a:schemeClr val="lt1"/>
-          </a:fontRef>
-        </p:style>
-        <p:txBody>
-          <a:bodyPr rtlCol="0" anchor="t"/>
-          <a:lstStyle/>
-          <a:p>
-            <a:pPr algn="ctr"/>
-            <a:r>
-              <a:rPr lang="zh-CN" altLang="en-US" sz="1200" dirty="0" smtClean="0"/>
-              <a:t>配置中心集群</a:t>
-            </a:r>
-            <a:endParaRPr lang="zh-CN" altLang="en-US" sz="1200" dirty="0"/>
-          </a:p>
-        </p:txBody>
-      </p:sp>
-      <p:sp>
-        <p:nvSpPr>
-          <p:cNvPr id="80" name="矩形 79"/>
-          <p:cNvSpPr/>
-          <p:nvPr/>
-        </p:nvSpPr>
-        <p:spPr>
-          <a:xfrm>
-            <a:off x="1187624" y="1628800"/>
-            <a:ext cx="648072" cy="504056"/>
-          </a:xfrm>
-          <a:prstGeom prst="rect">
-            <a:avLst/>
-          </a:prstGeom>
-          <a:solidFill>
-            <a:schemeClr val="tx2">
-              <a:lumMod val="20000"/>
-              <a:lumOff val="80000"/>
-            </a:schemeClr>
-          </a:solidFill>
-          <a:ln>
-            <a:noFill/>
-          </a:ln>
-        </p:spPr>
-        <p:style>
-          <a:lnRef idx="2">
-            <a:schemeClr val="accent1">
-              <a:shade val="50000"/>
-            </a:schemeClr>
-          </a:lnRef>
-          <a:fillRef idx="1">
-            <a:schemeClr val="accent1"/>
-          </a:fillRef>
-          <a:effectRef idx="0">
-            <a:schemeClr val="accent1"/>
-          </a:effectRef>
-          <a:fontRef idx="minor">
-            <a:schemeClr val="lt1"/>
-          </a:fontRef>
-        </p:style>
-        <p:txBody>
-          <a:bodyPr rtlCol="0" anchor="ctr"/>
-          <a:lstStyle/>
-          <a:p>
-            <a:pPr algn="ctr"/>
-            <a:r>
-              <a:rPr lang="en-US" altLang="zh-CN" sz="1200" dirty="0" err="1" smtClean="0">
-                <a:solidFill>
-                  <a:schemeClr val="tx1"/>
-                </a:solidFill>
-              </a:rPr>
-              <a:t>Config</a:t>
-            </a:r>
-            <a:r>
-              <a:rPr lang="en-US" altLang="zh-CN" sz="1200" dirty="0" smtClean="0">
-                <a:solidFill>
-                  <a:schemeClr val="tx1"/>
-                </a:solidFill>
-              </a:rPr>
-              <a:t> Center</a:t>
-            </a:r>
-            <a:endParaRPr lang="zh-CN" altLang="en-US" sz="1200" dirty="0">
-              <a:solidFill>
-                <a:schemeClr val="tx1"/>
-              </a:solidFill>
-            </a:endParaRPr>
-          </a:p>
-        </p:txBody>
-      </p:sp>
-      <p:sp>
-        <p:nvSpPr>
-          <p:cNvPr id="81" name="矩形 80"/>
-          <p:cNvSpPr/>
-          <p:nvPr/>
-        </p:nvSpPr>
-        <p:spPr>
-          <a:xfrm>
-            <a:off x="1907704" y="1628800"/>
-            <a:ext cx="648072" cy="504056"/>
-          </a:xfrm>
-          <a:prstGeom prst="rect">
-            <a:avLst/>
-          </a:prstGeom>
-          <a:solidFill>
-            <a:schemeClr val="tx2">
-              <a:lumMod val="20000"/>
-              <a:lumOff val="80000"/>
-            </a:schemeClr>
-          </a:solidFill>
-          <a:ln>
-            <a:noFill/>
-          </a:ln>
-        </p:spPr>
-        <p:style>
-          <a:lnRef idx="2">
-            <a:schemeClr val="accent1">
-              <a:shade val="50000"/>
-            </a:schemeClr>
-          </a:lnRef>
-          <a:fillRef idx="1">
-            <a:schemeClr val="accent1"/>
-          </a:fillRef>
-          <a:effectRef idx="0">
-            <a:schemeClr val="accent1"/>
-          </a:effectRef>
-          <a:fontRef idx="minor">
-            <a:schemeClr val="lt1"/>
-          </a:fontRef>
-        </p:style>
-        <p:txBody>
-          <a:bodyPr rtlCol="0" anchor="ctr"/>
-          <a:lstStyle/>
-          <a:p>
-            <a:pPr algn="ctr"/>
-            <a:r>
-              <a:rPr lang="en-US" altLang="zh-CN" sz="1200" dirty="0" err="1" smtClean="0">
-                <a:solidFill>
-                  <a:schemeClr val="tx1"/>
-                </a:solidFill>
-              </a:rPr>
-              <a:t>Config</a:t>
-            </a:r>
-            <a:r>
-              <a:rPr lang="en-US" altLang="zh-CN" sz="1200" dirty="0" smtClean="0">
-                <a:solidFill>
-                  <a:schemeClr val="tx1"/>
-                </a:solidFill>
-              </a:rPr>
-              <a:t> Center</a:t>
-            </a:r>
-            <a:endParaRPr lang="zh-CN" altLang="en-US" sz="1200" dirty="0">
-              <a:solidFill>
-                <a:schemeClr val="tx1"/>
-              </a:solidFill>
-            </a:endParaRPr>
-          </a:p>
-        </p:txBody>
-      </p:sp>
-      <p:sp>
-        <p:nvSpPr>
-          <p:cNvPr id="82" name="矩形 81"/>
-          <p:cNvSpPr/>
-          <p:nvPr/>
-        </p:nvSpPr>
-        <p:spPr>
-          <a:xfrm>
-            <a:off x="2627784" y="1628800"/>
-            <a:ext cx="648072" cy="504056"/>
-          </a:xfrm>
-          <a:prstGeom prst="rect">
-            <a:avLst/>
-          </a:prstGeom>
-          <a:solidFill>
-            <a:schemeClr val="tx2">
-              <a:lumMod val="20000"/>
-              <a:lumOff val="80000"/>
-            </a:schemeClr>
-          </a:solidFill>
-          <a:ln>
-            <a:noFill/>
-          </a:ln>
-        </p:spPr>
-        <p:style>
-          <a:lnRef idx="2">
-            <a:schemeClr val="accent1">
-              <a:shade val="50000"/>
-            </a:schemeClr>
-          </a:lnRef>
-          <a:fillRef idx="1">
-            <a:schemeClr val="accent1"/>
-          </a:fillRef>
-          <a:effectRef idx="0">
-            <a:schemeClr val="accent1"/>
-          </a:effectRef>
-          <a:fontRef idx="minor">
-            <a:schemeClr val="lt1"/>
-          </a:fontRef>
-        </p:style>
-        <p:txBody>
-          <a:bodyPr rtlCol="0" anchor="ctr"/>
-          <a:lstStyle/>
-          <a:p>
-            <a:pPr algn="ctr"/>
-            <a:r>
-              <a:rPr lang="en-US" altLang="zh-CN" sz="1200" dirty="0" err="1" smtClean="0">
-                <a:solidFill>
-                  <a:schemeClr val="tx1"/>
-                </a:solidFill>
-              </a:rPr>
-              <a:t>Config</a:t>
-            </a:r>
-            <a:r>
-              <a:rPr lang="en-US" altLang="zh-CN" sz="1200" dirty="0" smtClean="0">
-                <a:solidFill>
-                  <a:schemeClr val="tx1"/>
-                </a:solidFill>
-              </a:rPr>
-              <a:t> Center</a:t>
-            </a:r>
-            <a:endParaRPr lang="zh-CN" altLang="en-US" sz="1200" dirty="0">
-              <a:solidFill>
-                <a:schemeClr val="tx1"/>
-              </a:solidFill>
-            </a:endParaRPr>
-          </a:p>
-        </p:txBody>
-      </p:sp>
       <p:cxnSp>
         <p:nvCxnSpPr>
-          <p:cNvPr id="86" name="直接箭头连接符 85"/>
+          <p:cNvPr id="62" name="直接箭头连接符 61"/>
           <p:cNvCxnSpPr>
-            <a:stCxn id="79" idx="2"/>
-            <a:endCxn id="35" idx="0"/>
+            <a:stCxn id="38" idx="0"/>
+            <a:endCxn id="28" idx="2"/>
           </p:cNvCxnSpPr>
           <p:nvPr/>
         </p:nvCxnSpPr>
         <p:spPr>
-          <a:xfrm>
-            <a:off x="2231740" y="2276872"/>
-            <a:ext cx="0" cy="353690"/>
+          <a:xfrm flipH="1" flipV="1">
+            <a:off x="2375756" y="4365104"/>
+            <a:ext cx="1296144" cy="576064"/>
           </a:xfrm>
           <a:prstGeom prst="straightConnector1">
             <a:avLst/>
@@ -6086,151 +7436,26 @@
           </a:fontRef>
         </p:style>
       </p:cxnSp>
-      <p:cxnSp>
-        <p:nvCxnSpPr>
-          <p:cNvPr id="90" name="直接箭头连接符 89"/>
-          <p:cNvCxnSpPr>
-            <a:stCxn id="41" idx="1"/>
-            <a:endCxn id="35" idx="3"/>
-          </p:cNvCxnSpPr>
-          <p:nvPr/>
-        </p:nvCxnSpPr>
-        <p:spPr>
-          <a:xfrm flipH="1">
-            <a:off x="2843808" y="3422650"/>
-            <a:ext cx="2016224" cy="0"/>
-          </a:xfrm>
-          <a:prstGeom prst="straightConnector1">
-            <a:avLst/>
-          </a:prstGeom>
-          <a:ln>
-            <a:solidFill>
-              <a:srgbClr val="FF0000"/>
-            </a:solidFill>
-            <a:tailEnd type="arrow"/>
-          </a:ln>
-        </p:spPr>
-        <p:style>
-          <a:lnRef idx="1">
-            <a:schemeClr val="accent1"/>
-          </a:lnRef>
-          <a:fillRef idx="0">
-            <a:schemeClr val="accent1"/>
-          </a:fillRef>
-          <a:effectRef idx="0">
-            <a:schemeClr val="accent1"/>
-          </a:effectRef>
-          <a:fontRef idx="minor">
-            <a:schemeClr val="tx1"/>
-          </a:fontRef>
-        </p:style>
-      </p:cxnSp>
-      <p:sp>
-        <p:nvSpPr>
-          <p:cNvPr id="32" name="TextBox 31"/>
-          <p:cNvSpPr txBox="1"/>
-          <p:nvPr/>
-        </p:nvSpPr>
-        <p:spPr>
-          <a:xfrm>
-            <a:off x="1763688" y="4221088"/>
-            <a:ext cx="3310488" cy="246221"/>
+      <p:sp>
+        <p:nvSpPr>
+          <p:cNvPr id="66" name="矩形 65"/>
+          <p:cNvSpPr/>
+          <p:nvPr/>
+        </p:nvSpPr>
+        <p:spPr>
+          <a:xfrm>
+            <a:off x="4572000" y="4941168"/>
+            <a:ext cx="936104" cy="504056"/>
           </a:xfrm>
           <a:prstGeom prst="rect">
             <a:avLst/>
           </a:prstGeom>
-          <a:noFill/>
-        </p:spPr>
-        <p:txBody>
-          <a:bodyPr wrap="square" rtlCol="0">
-            <a:spAutoFit/>
-          </a:bodyPr>
-          <a:lstStyle/>
-          <a:p>
-            <a:r>
-              <a:rPr lang="en-US" altLang="zh-CN" sz="1000" dirty="0" smtClean="0"/>
-              <a:t>Feign</a:t>
-            </a:r>
-            <a:r>
-              <a:rPr lang="zh-CN" altLang="en-US" sz="1000" dirty="0" smtClean="0"/>
-              <a:t>声明式服务调用、</a:t>
-            </a:r>
-            <a:r>
-              <a:rPr lang="en-US" altLang="zh-CN" sz="1000" dirty="0" err="1" smtClean="0"/>
-              <a:t>Ribbin</a:t>
-            </a:r>
-            <a:r>
-              <a:rPr lang="zh-CN" altLang="en-US" sz="1000" dirty="0" smtClean="0"/>
-              <a:t>负载均衡、</a:t>
-            </a:r>
-            <a:r>
-              <a:rPr lang="en-US" altLang="zh-CN" sz="1000" dirty="0" err="1" smtClean="0"/>
-              <a:t>Hystrix</a:t>
-            </a:r>
-            <a:r>
-              <a:rPr lang="zh-CN" altLang="en-US" sz="1000" dirty="0" smtClean="0"/>
-              <a:t>断路器</a:t>
-            </a:r>
-            <a:endParaRPr lang="en-US" altLang="zh-CN" sz="1000" dirty="0" smtClean="0"/>
-          </a:p>
-        </p:txBody>
-      </p:sp>
-      <p:cxnSp>
-        <p:nvCxnSpPr>
-          <p:cNvPr id="37" name="肘形连接符 36"/>
-          <p:cNvCxnSpPr>
-            <a:stCxn id="41" idx="2"/>
-            <a:endCxn id="36" idx="2"/>
-          </p:cNvCxnSpPr>
-          <p:nvPr/>
-        </p:nvCxnSpPr>
-        <p:spPr>
-          <a:xfrm rot="5400000">
-            <a:off x="3095836" y="1838474"/>
-            <a:ext cx="12700" cy="4752528"/>
-          </a:xfrm>
-          <a:prstGeom prst="bentConnector3">
-            <a:avLst>
-              <a:gd name="adj1" fmla="val 1800000"/>
-            </a:avLst>
-          </a:prstGeom>
-          <a:ln>
-            <a:solidFill>
-              <a:srgbClr val="FFC000"/>
-            </a:solidFill>
-            <a:tailEnd type="arrow"/>
-          </a:ln>
-        </p:spPr>
-        <p:style>
-          <a:lnRef idx="1">
-            <a:schemeClr val="accent1"/>
-          </a:lnRef>
-          <a:fillRef idx="0">
-            <a:schemeClr val="accent1"/>
-          </a:fillRef>
-          <a:effectRef idx="0">
-            <a:schemeClr val="accent1"/>
-          </a:effectRef>
-          <a:fontRef idx="minor">
-            <a:schemeClr val="tx1"/>
-          </a:fontRef>
-        </p:style>
-      </p:cxnSp>
-      <p:sp>
-        <p:nvSpPr>
-          <p:cNvPr id="55" name="流程图: 磁盘 54"/>
-          <p:cNvSpPr/>
-          <p:nvPr/>
-        </p:nvSpPr>
-        <p:spPr>
-          <a:xfrm>
-            <a:off x="1907704" y="548680"/>
-            <a:ext cx="648072" cy="576064"/>
-          </a:xfrm>
-          <a:prstGeom prst="flowChartMagneticDisk">
-            <a:avLst/>
-          </a:prstGeom>
-          <a:ln w="3175"/>
+          <a:solidFill>
+            <a:srgbClr val="00B050"/>
+          </a:solidFill>
+          <a:ln>
+            <a:noFill/>
+          </a:ln>
         </p:spPr>
         <p:style>
           <a:lnRef idx="2">
@@ -6252,107 +7477,10 @@
           <a:bodyPr rtlCol="0" anchor="ctr"/>
           <a:lstStyle/>
           <a:p>
-            <a:r>
-              <a:rPr lang="en-US" altLang="zh-CN" sz="1100" dirty="0" err="1" smtClean="0"/>
-              <a:t>Git</a:t>
-            </a:r>
-            <a:r>
-              <a:rPr lang="zh-CN" altLang="en-US" sz="1100" dirty="0" smtClean="0"/>
-              <a:t>仓库</a:t>
-            </a:r>
-            <a:endParaRPr lang="zh-CN" altLang="en-US" sz="1100" dirty="0"/>
-          </a:p>
-        </p:txBody>
-      </p:sp>
-      <p:cxnSp>
-        <p:nvCxnSpPr>
-          <p:cNvPr id="58" name="直接箭头连接符 57"/>
-          <p:cNvCxnSpPr>
-            <a:stCxn id="79" idx="0"/>
-            <a:endCxn id="55" idx="3"/>
-          </p:cNvCxnSpPr>
-          <p:nvPr/>
-        </p:nvCxnSpPr>
-        <p:spPr>
-          <a:xfrm flipV="1">
-            <a:off x="2231740" y="1124744"/>
-            <a:ext cx="0" cy="216024"/>
-          </a:xfrm>
-          <a:prstGeom prst="straightConnector1">
-            <a:avLst/>
-          </a:prstGeom>
-          <a:ln>
-            <a:solidFill>
-              <a:srgbClr val="FF0000"/>
-            </a:solidFill>
-            <a:tailEnd type="arrow"/>
-          </a:ln>
-        </p:spPr>
-        <p:style>
-          <a:lnRef idx="1">
-            <a:schemeClr val="accent1"/>
-          </a:lnRef>
-          <a:fillRef idx="0">
-            <a:schemeClr val="accent1"/>
-          </a:fillRef>
-          <a:effectRef idx="0">
-            <a:schemeClr val="accent1"/>
-          </a:effectRef>
-          <a:fontRef idx="minor">
-            <a:schemeClr val="tx1"/>
-          </a:fontRef>
-        </p:style>
-      </p:cxnSp>
-      <p:sp>
-        <p:nvSpPr>
-          <p:cNvPr id="65" name="矩形 64"/>
-          <p:cNvSpPr/>
-          <p:nvPr/>
-        </p:nvSpPr>
-        <p:spPr>
-          <a:xfrm>
-            <a:off x="4860032" y="692696"/>
-            <a:ext cx="1224136" cy="432048"/>
-          </a:xfrm>
-          <a:prstGeom prst="rect">
-            <a:avLst/>
-          </a:prstGeom>
-          <a:ln>
-            <a:noFill/>
-          </a:ln>
-        </p:spPr>
-        <p:style>
-          <a:lnRef idx="2">
-            <a:schemeClr val="accent1">
-              <a:shade val="50000"/>
-            </a:schemeClr>
-          </a:lnRef>
-          <a:fillRef idx="1">
-            <a:schemeClr val="accent1"/>
-          </a:fillRef>
-          <a:effectRef idx="0">
-            <a:schemeClr val="accent1"/>
-          </a:effectRef>
-          <a:fontRef idx="minor">
-            <a:schemeClr val="lt1"/>
-          </a:fontRef>
-        </p:style>
-        <p:txBody>
-          <a:bodyPr rtlCol="0" anchor="ctr"/>
-          <a:lstStyle/>
-          <a:p>
             <a:pPr algn="ctr"/>
             <a:r>
               <a:rPr lang="zh-CN" altLang="en-US" sz="1200" dirty="0" smtClean="0"/>
-              <a:t>负载均衡</a:t>
-            </a:r>
-            <a:endParaRPr lang="en-US" altLang="zh-CN" sz="1200" dirty="0" smtClean="0"/>
-          </a:p>
-          <a:p>
-            <a:pPr algn="ctr"/>
-            <a:r>
-              <a:rPr lang="en-US" altLang="zh-CN" sz="1200" dirty="0" err="1" smtClean="0"/>
-              <a:t>Nginx</a:t>
+              <a:t>客户端</a:t>
             </a:r>
             <a:endParaRPr lang="zh-CN" altLang="en-US" sz="1200" dirty="0"/>
           </a:p>
@@ -6362,23 +7490,20 @@
         <p:nvCxnSpPr>
           <p:cNvPr id="68" name="直接箭头连接符 67"/>
           <p:cNvCxnSpPr>
-            <a:stCxn id="51" idx="4"/>
-            <a:endCxn id="65" idx="0"/>
+            <a:stCxn id="66" idx="1"/>
+            <a:endCxn id="38" idx="3"/>
           </p:cNvCxnSpPr>
           <p:nvPr/>
         </p:nvCxnSpPr>
         <p:spPr>
-          <a:xfrm>
-            <a:off x="5472100" y="495468"/>
-            <a:ext cx="0" cy="197228"/>
+          <a:xfrm flipH="1">
+            <a:off x="4139952" y="5193196"/>
+            <a:ext cx="432048" cy="0"/>
           </a:xfrm>
           <a:prstGeom prst="straightConnector1">
             <a:avLst/>
           </a:prstGeom>
-          <a:ln w="9525">
-            <a:solidFill>
-              <a:srgbClr val="FFC000"/>
-            </a:solidFill>
+          <a:ln>
             <a:tailEnd type="arrow"/>
           </a:ln>
         </p:spPr>
@@ -6399,1160 +7524,35 @@
       </p:cxnSp>
       <p:sp>
         <p:nvSpPr>
-          <p:cNvPr id="77" name="矩形 76"/>
-          <p:cNvSpPr/>
-          <p:nvPr/>
-        </p:nvSpPr>
-        <p:spPr>
-          <a:xfrm>
-            <a:off x="4499992" y="1340768"/>
-            <a:ext cx="1944216" cy="936104"/>
+          <p:cNvPr id="72" name="TextBox 71"/>
+          <p:cNvSpPr txBox="1"/>
+          <p:nvPr/>
+        </p:nvSpPr>
+        <p:spPr>
+          <a:xfrm>
+            <a:off x="2035128" y="4425996"/>
+            <a:ext cx="697627" cy="246221"/>
           </a:xfrm>
           <a:prstGeom prst="rect">
             <a:avLst/>
           </a:prstGeom>
-          <a:solidFill>
-            <a:schemeClr val="accent2">
-              <a:lumMod val="60000"/>
-              <a:lumOff val="40000"/>
-            </a:schemeClr>
-          </a:solidFill>
-          <a:ln>
-            <a:noFill/>
-          </a:ln>
-        </p:spPr>
-        <p:style>
-          <a:lnRef idx="2">
-            <a:schemeClr val="accent1">
-              <a:shade val="50000"/>
-            </a:schemeClr>
-          </a:lnRef>
-          <a:fillRef idx="1">
-            <a:schemeClr val="accent1"/>
-          </a:fillRef>
-          <a:effectRef idx="0">
-            <a:schemeClr val="accent1"/>
-          </a:effectRef>
-          <a:fontRef idx="minor">
-            <a:schemeClr val="lt1"/>
-          </a:fontRef>
-        </p:style>
-        <p:txBody>
-          <a:bodyPr rtlCol="0" anchor="t"/>
-          <a:lstStyle/>
-          <a:p>
-            <a:pPr algn="ctr"/>
-            <a:r>
-              <a:rPr lang="zh-CN" altLang="en-US" sz="1200" dirty="0" smtClean="0"/>
-              <a:t>服务网关集群</a:t>
-            </a:r>
-            <a:endParaRPr lang="zh-CN" altLang="en-US" sz="1200" dirty="0"/>
-          </a:p>
-        </p:txBody>
-      </p:sp>
-      <p:sp>
-        <p:nvSpPr>
-          <p:cNvPr id="78" name="矩形 77"/>
-          <p:cNvSpPr/>
-          <p:nvPr/>
-        </p:nvSpPr>
-        <p:spPr>
-          <a:xfrm>
-            <a:off x="4644008" y="1628800"/>
-            <a:ext cx="504056" cy="504056"/>
-          </a:xfrm>
-          <a:prstGeom prst="rect">
-            <a:avLst/>
-          </a:prstGeom>
-          <a:solidFill>
-            <a:schemeClr val="tx2">
-              <a:lumMod val="20000"/>
-              <a:lumOff val="80000"/>
-            </a:schemeClr>
-          </a:solidFill>
-          <a:ln>
-            <a:noFill/>
-          </a:ln>
-        </p:spPr>
-        <p:style>
-          <a:lnRef idx="2">
-            <a:schemeClr val="accent1">
-              <a:shade val="50000"/>
-            </a:schemeClr>
-          </a:lnRef>
-          <a:fillRef idx="1">
-            <a:schemeClr val="accent1"/>
-          </a:fillRef>
-          <a:effectRef idx="0">
-            <a:schemeClr val="accent1"/>
-          </a:effectRef>
-          <a:fontRef idx="minor">
-            <a:schemeClr val="lt1"/>
-          </a:fontRef>
-        </p:style>
-        <p:txBody>
-          <a:bodyPr rtlCol="0" anchor="ctr"/>
-          <a:lstStyle/>
-          <a:p>
-            <a:pPr algn="ctr"/>
-            <a:r>
-              <a:rPr lang="en-US" altLang="zh-CN" sz="1200" dirty="0" err="1" smtClean="0">
-                <a:solidFill>
-                  <a:schemeClr val="tx1"/>
-                </a:solidFill>
-              </a:rPr>
-              <a:t>GateWay</a:t>
-            </a:r>
-            <a:endParaRPr lang="zh-CN" altLang="en-US" sz="1200" dirty="0">
-              <a:solidFill>
-                <a:schemeClr val="tx1"/>
-              </a:solidFill>
-            </a:endParaRPr>
-          </a:p>
-        </p:txBody>
-      </p:sp>
-      <p:sp>
-        <p:nvSpPr>
-          <p:cNvPr id="83" name="矩形 82"/>
-          <p:cNvSpPr/>
-          <p:nvPr/>
-        </p:nvSpPr>
-        <p:spPr>
-          <a:xfrm>
-            <a:off x="5220072" y="1628800"/>
-            <a:ext cx="504056" cy="504056"/>
-          </a:xfrm>
-          <a:prstGeom prst="rect">
-            <a:avLst/>
-          </a:prstGeom>
-          <a:solidFill>
-            <a:schemeClr val="tx2">
-              <a:lumMod val="20000"/>
-              <a:lumOff val="80000"/>
-            </a:schemeClr>
-          </a:solidFill>
-          <a:ln>
-            <a:noFill/>
-          </a:ln>
-        </p:spPr>
-        <p:style>
-          <a:lnRef idx="2">
-            <a:schemeClr val="accent1">
-              <a:shade val="50000"/>
-            </a:schemeClr>
-          </a:lnRef>
-          <a:fillRef idx="1">
-            <a:schemeClr val="accent1"/>
-          </a:fillRef>
-          <a:effectRef idx="0">
-            <a:schemeClr val="accent1"/>
-          </a:effectRef>
-          <a:fontRef idx="minor">
-            <a:schemeClr val="lt1"/>
-          </a:fontRef>
-        </p:style>
-        <p:txBody>
-          <a:bodyPr rtlCol="0" anchor="ctr"/>
-          <a:lstStyle/>
-          <a:p>
-            <a:pPr algn="ctr"/>
-            <a:r>
-              <a:rPr lang="en-US" altLang="zh-CN" sz="1200" dirty="0" err="1" smtClean="0">
-                <a:solidFill>
-                  <a:schemeClr val="tx1"/>
-                </a:solidFill>
-              </a:rPr>
-              <a:t>GateWay</a:t>
-            </a:r>
-            <a:endParaRPr lang="zh-CN" altLang="en-US" sz="1200" dirty="0">
-              <a:solidFill>
-                <a:schemeClr val="tx1"/>
-              </a:solidFill>
-            </a:endParaRPr>
-          </a:p>
-        </p:txBody>
-      </p:sp>
-      <p:sp>
-        <p:nvSpPr>
-          <p:cNvPr id="85" name="矩形 84"/>
-          <p:cNvSpPr/>
-          <p:nvPr/>
-        </p:nvSpPr>
-        <p:spPr>
-          <a:xfrm>
-            <a:off x="5796136" y="1628800"/>
-            <a:ext cx="504056" cy="504056"/>
-          </a:xfrm>
-          <a:prstGeom prst="rect">
-            <a:avLst/>
-          </a:prstGeom>
-          <a:solidFill>
-            <a:schemeClr val="tx2">
-              <a:lumMod val="20000"/>
-              <a:lumOff val="80000"/>
-            </a:schemeClr>
-          </a:solidFill>
-          <a:ln>
-            <a:noFill/>
-          </a:ln>
-        </p:spPr>
-        <p:style>
-          <a:lnRef idx="2">
-            <a:schemeClr val="accent1">
-              <a:shade val="50000"/>
-            </a:schemeClr>
-          </a:lnRef>
-          <a:fillRef idx="1">
-            <a:schemeClr val="accent1"/>
-          </a:fillRef>
-          <a:effectRef idx="0">
-            <a:schemeClr val="accent1"/>
-          </a:effectRef>
-          <a:fontRef idx="minor">
-            <a:schemeClr val="lt1"/>
-          </a:fontRef>
-        </p:style>
-        <p:txBody>
-          <a:bodyPr rtlCol="0" anchor="ctr"/>
-          <a:lstStyle/>
-          <a:p>
-            <a:pPr algn="ctr"/>
-            <a:r>
-              <a:rPr lang="en-US" altLang="zh-CN" sz="1200" dirty="0" err="1" smtClean="0">
-                <a:solidFill>
-                  <a:schemeClr val="tx1"/>
-                </a:solidFill>
-              </a:rPr>
-              <a:t>GateWay</a:t>
-            </a:r>
-            <a:endParaRPr lang="zh-CN" altLang="en-US" sz="1200" dirty="0">
-              <a:solidFill>
-                <a:schemeClr val="tx1"/>
-              </a:solidFill>
-            </a:endParaRPr>
-          </a:p>
-        </p:txBody>
-      </p:sp>
-      <p:cxnSp>
-        <p:nvCxnSpPr>
-          <p:cNvPr id="89" name="直接箭头连接符 88"/>
-          <p:cNvCxnSpPr>
-            <a:stCxn id="65" idx="2"/>
-            <a:endCxn id="77" idx="0"/>
-          </p:cNvCxnSpPr>
-          <p:nvPr/>
-        </p:nvCxnSpPr>
-        <p:spPr>
-          <a:xfrm>
-            <a:off x="5472100" y="1124744"/>
-            <a:ext cx="0" cy="216024"/>
-          </a:xfrm>
-          <a:prstGeom prst="straightConnector1">
-            <a:avLst/>
-          </a:prstGeom>
-          <a:ln w="9525">
-            <a:solidFill>
-              <a:srgbClr val="FFC000"/>
-            </a:solidFill>
-            <a:tailEnd type="arrow"/>
-          </a:ln>
-        </p:spPr>
-        <p:style>
-          <a:lnRef idx="1">
-            <a:schemeClr val="accent1"/>
-          </a:lnRef>
-          <a:fillRef idx="0">
-            <a:schemeClr val="accent1"/>
-          </a:fillRef>
-          <a:effectRef idx="0">
-            <a:schemeClr val="accent1"/>
-          </a:effectRef>
-          <a:fontRef idx="minor">
-            <a:schemeClr val="tx1"/>
-          </a:fontRef>
-        </p:style>
-      </p:cxnSp>
-      <p:cxnSp>
-        <p:nvCxnSpPr>
-          <p:cNvPr id="92" name="直接箭头连接符 91"/>
-          <p:cNvCxnSpPr>
-            <a:stCxn id="77" idx="2"/>
-            <a:endCxn id="41" idx="0"/>
-          </p:cNvCxnSpPr>
-          <p:nvPr/>
-        </p:nvCxnSpPr>
-        <p:spPr>
-          <a:xfrm>
-            <a:off x="5472100" y="2276872"/>
-            <a:ext cx="0" cy="353690"/>
-          </a:xfrm>
-          <a:prstGeom prst="straightConnector1">
-            <a:avLst/>
-          </a:prstGeom>
-          <a:ln w="9525">
-            <a:solidFill>
-              <a:srgbClr val="FFC000"/>
-            </a:solidFill>
-            <a:tailEnd type="arrow"/>
-          </a:ln>
-        </p:spPr>
-        <p:style>
-          <a:lnRef idx="1">
-            <a:schemeClr val="accent1"/>
-          </a:lnRef>
-          <a:fillRef idx="0">
-            <a:schemeClr val="accent1"/>
-          </a:fillRef>
-          <a:effectRef idx="0">
-            <a:schemeClr val="accent1"/>
-          </a:effectRef>
-          <a:fontRef idx="minor">
-            <a:schemeClr val="tx1"/>
-          </a:fontRef>
-        </p:style>
-      </p:cxnSp>
-      <p:sp>
-        <p:nvSpPr>
-          <p:cNvPr id="50" name="TextBox 49"/>
-          <p:cNvSpPr txBox="1"/>
-          <p:nvPr/>
-        </p:nvSpPr>
-        <p:spPr>
-          <a:xfrm>
-            <a:off x="4499992" y="2318683"/>
-            <a:ext cx="1944216" cy="246221"/>
-          </a:xfrm>
-          <a:prstGeom prst="rect">
-            <a:avLst/>
-          </a:prstGeom>
           <a:noFill/>
         </p:spPr>
         <p:txBody>
-          <a:bodyPr wrap="square" rtlCol="0">
+          <a:bodyPr wrap="none" rtlCol="0">
             <a:spAutoFit/>
           </a:bodyPr>
           <a:lstStyle/>
           <a:p>
-            <a:r>
-              <a:rPr lang="en-US" altLang="zh-CN" sz="1000" dirty="0" err="1" smtClean="0"/>
-              <a:t>Ribbin</a:t>
-            </a:r>
+            <a:pPr algn="ctr"/>
             <a:r>
               <a:rPr lang="zh-CN" altLang="en-US" sz="1000" dirty="0" smtClean="0"/>
-              <a:t>负载均衡、</a:t>
-            </a:r>
-            <a:r>
-              <a:rPr lang="en-US" altLang="zh-CN" sz="1000" dirty="0" err="1" smtClean="0"/>
-              <a:t>Hystrix</a:t>
-            </a:r>
-            <a:r>
-              <a:rPr lang="zh-CN" altLang="en-US" sz="1000" dirty="0" smtClean="0"/>
-              <a:t>断路器</a:t>
-            </a:r>
-            <a:endParaRPr lang="en-US" altLang="zh-CN" sz="1000" dirty="0" smtClean="0"/>
-          </a:p>
-        </p:txBody>
-      </p:sp>
-      <p:sp>
-        <p:nvSpPr>
-          <p:cNvPr id="45" name="矩形 44"/>
-          <p:cNvSpPr/>
-          <p:nvPr/>
-        </p:nvSpPr>
-        <p:spPr>
-          <a:xfrm>
-            <a:off x="1691680" y="5229200"/>
-            <a:ext cx="1224136" cy="504056"/>
-          </a:xfrm>
-          <a:prstGeom prst="rect">
-            <a:avLst/>
-          </a:prstGeom>
-          <a:solidFill>
-            <a:srgbClr val="00B050"/>
-          </a:solidFill>
-          <a:ln>
-            <a:noFill/>
-          </a:ln>
-        </p:spPr>
-        <p:style>
-          <a:lnRef idx="2">
-            <a:schemeClr val="accent1">
-              <a:shade val="50000"/>
-            </a:schemeClr>
-          </a:lnRef>
-          <a:fillRef idx="1">
-            <a:schemeClr val="accent1"/>
-          </a:fillRef>
-          <a:effectRef idx="0">
-            <a:schemeClr val="accent1"/>
-          </a:effectRef>
-          <a:fontRef idx="minor">
-            <a:schemeClr val="lt1"/>
-          </a:fontRef>
-        </p:style>
-        <p:txBody>
-          <a:bodyPr rtlCol="0" anchor="ctr"/>
-          <a:lstStyle/>
-          <a:p>
-            <a:pPr algn="ctr"/>
-            <a:r>
-              <a:rPr lang="en-US" altLang="zh-CN" sz="1200" dirty="0" err="1" smtClean="0"/>
-              <a:t>Zipkin</a:t>
-            </a:r>
-            <a:r>
-              <a:rPr lang="en-US" altLang="zh-CN" sz="1200" dirty="0" smtClean="0"/>
-              <a:t> Server</a:t>
-            </a:r>
-            <a:endParaRPr lang="zh-CN" altLang="en-US" sz="1200" dirty="0"/>
-          </a:p>
-        </p:txBody>
-      </p:sp>
-      <p:sp>
-        <p:nvSpPr>
-          <p:cNvPr id="130" name="流程图: 磁盘 129"/>
-          <p:cNvSpPr/>
-          <p:nvPr/>
-        </p:nvSpPr>
-        <p:spPr>
-          <a:xfrm>
-            <a:off x="1979712" y="5949280"/>
-            <a:ext cx="648072" cy="576064"/>
-          </a:xfrm>
-          <a:prstGeom prst="flowChartMagneticDisk">
-            <a:avLst/>
-          </a:prstGeom>
-          <a:ln w="3175"/>
-        </p:spPr>
-        <p:style>
-          <a:lnRef idx="2">
-            <a:schemeClr val="accent1">
-              <a:shade val="50000"/>
-            </a:schemeClr>
-          </a:lnRef>
-          <a:fillRef idx="1">
-            <a:schemeClr val="accent1"/>
-          </a:fillRef>
-          <a:effectRef idx="0">
-            <a:schemeClr val="accent1"/>
-          </a:effectRef>
-          <a:fontRef idx="minor">
-            <a:schemeClr val="lt1"/>
-          </a:fontRef>
-        </p:style>
-        <p:txBody>
-          <a:bodyPr rtlCol="0" anchor="ctr"/>
-          <a:lstStyle/>
-          <a:p>
-            <a:pPr algn="ctr"/>
-            <a:r>
-              <a:rPr lang="en-US" altLang="zh-CN" sz="1100" dirty="0" err="1" smtClean="0"/>
-              <a:t>Mysql</a:t>
-            </a:r>
-            <a:endParaRPr lang="zh-CN" altLang="en-US" sz="1100" dirty="0"/>
-          </a:p>
-        </p:txBody>
-      </p:sp>
-      <p:cxnSp>
-        <p:nvCxnSpPr>
-          <p:cNvPr id="132" name="直接箭头连接符 131"/>
-          <p:cNvCxnSpPr>
-            <a:stCxn id="45" idx="2"/>
-            <a:endCxn id="130" idx="1"/>
-          </p:cNvCxnSpPr>
-          <p:nvPr/>
-        </p:nvCxnSpPr>
-        <p:spPr>
-          <a:xfrm>
-            <a:off x="2303748" y="5733256"/>
-            <a:ext cx="0" cy="216024"/>
-          </a:xfrm>
-          <a:prstGeom prst="straightConnector1">
-            <a:avLst/>
-          </a:prstGeom>
-          <a:ln>
-            <a:tailEnd type="arrow"/>
-          </a:ln>
-        </p:spPr>
-        <p:style>
-          <a:lnRef idx="1">
-            <a:schemeClr val="accent1"/>
-          </a:lnRef>
-          <a:fillRef idx="0">
-            <a:schemeClr val="accent1"/>
-          </a:fillRef>
-          <a:effectRef idx="0">
-            <a:schemeClr val="accent1"/>
-          </a:effectRef>
-          <a:fontRef idx="minor">
-            <a:schemeClr val="tx1"/>
-          </a:fontRef>
-        </p:style>
-      </p:cxnSp>
-      <p:cxnSp>
-        <p:nvCxnSpPr>
-          <p:cNvPr id="134" name="肘形连接符 133"/>
-          <p:cNvCxnSpPr>
-            <a:stCxn id="36" idx="2"/>
-            <a:endCxn id="45" idx="0"/>
-          </p:cNvCxnSpPr>
-          <p:nvPr/>
-        </p:nvCxnSpPr>
-        <p:spPr>
-          <a:xfrm rot="16200000" flipH="1">
-            <a:off x="1004429" y="3929881"/>
-            <a:ext cx="1014462" cy="1584176"/>
-          </a:xfrm>
-          <a:prstGeom prst="bentConnector3">
-            <a:avLst>
-              <a:gd name="adj1" fmla="val 50000"/>
-            </a:avLst>
-          </a:prstGeom>
-          <a:ln>
-            <a:solidFill>
-              <a:srgbClr val="7030A0"/>
-            </a:solidFill>
-            <a:tailEnd type="arrow"/>
-          </a:ln>
-        </p:spPr>
-        <p:style>
-          <a:lnRef idx="1">
-            <a:schemeClr val="accent1"/>
-          </a:lnRef>
-          <a:fillRef idx="0">
-            <a:schemeClr val="accent1"/>
-          </a:fillRef>
-          <a:effectRef idx="0">
-            <a:schemeClr val="accent1"/>
-          </a:effectRef>
-          <a:fontRef idx="minor">
-            <a:schemeClr val="tx1"/>
-          </a:fontRef>
-        </p:style>
-      </p:cxnSp>
-      <p:cxnSp>
-        <p:nvCxnSpPr>
-          <p:cNvPr id="136" name="肘形连接符 135"/>
-          <p:cNvCxnSpPr>
-            <a:stCxn id="41" idx="2"/>
-            <a:endCxn id="45" idx="0"/>
-          </p:cNvCxnSpPr>
-          <p:nvPr/>
-        </p:nvCxnSpPr>
-        <p:spPr>
-          <a:xfrm rot="5400000">
-            <a:off x="3380693" y="3137793"/>
-            <a:ext cx="1014462" cy="3168352"/>
-          </a:xfrm>
-          <a:prstGeom prst="bentConnector3">
-            <a:avLst>
-              <a:gd name="adj1" fmla="val 50000"/>
-            </a:avLst>
-          </a:prstGeom>
-          <a:ln>
-            <a:solidFill>
-              <a:srgbClr val="7030A0"/>
-            </a:solidFill>
-            <a:tailEnd type="arrow"/>
-          </a:ln>
-        </p:spPr>
-        <p:style>
-          <a:lnRef idx="1">
-            <a:schemeClr val="accent1"/>
-          </a:lnRef>
-          <a:fillRef idx="0">
-            <a:schemeClr val="accent1"/>
-          </a:fillRef>
-          <a:effectRef idx="0">
-            <a:schemeClr val="accent1"/>
-          </a:effectRef>
-          <a:fontRef idx="minor">
-            <a:schemeClr val="tx1"/>
-          </a:fontRef>
-        </p:style>
-      </p:cxnSp>
-      <p:cxnSp>
-        <p:nvCxnSpPr>
-          <p:cNvPr id="140" name="形状 139"/>
-          <p:cNvCxnSpPr>
-            <a:stCxn id="36" idx="0"/>
-            <a:endCxn id="79" idx="1"/>
-          </p:cNvCxnSpPr>
-          <p:nvPr/>
-        </p:nvCxnSpPr>
-        <p:spPr>
-          <a:xfrm rot="5400000" flipH="1" flipV="1">
-            <a:off x="470719" y="2057673"/>
-            <a:ext cx="821742" cy="324036"/>
-          </a:xfrm>
-          <a:prstGeom prst="bentConnector2">
-            <a:avLst/>
-          </a:prstGeom>
-          <a:ln>
-            <a:solidFill>
-              <a:srgbClr val="00B050"/>
-            </a:solidFill>
-            <a:tailEnd type="arrow"/>
-          </a:ln>
-        </p:spPr>
-        <p:style>
-          <a:lnRef idx="1">
-            <a:schemeClr val="accent1"/>
-          </a:lnRef>
-          <a:fillRef idx="0">
-            <a:schemeClr val="accent1"/>
-          </a:fillRef>
-          <a:effectRef idx="0">
-            <a:schemeClr val="accent1"/>
-          </a:effectRef>
-          <a:fontRef idx="minor">
-            <a:schemeClr val="tx1"/>
-          </a:fontRef>
-        </p:style>
-      </p:cxnSp>
-      <p:sp>
-        <p:nvSpPr>
-          <p:cNvPr id="151" name="矩形 150"/>
-          <p:cNvSpPr/>
-          <p:nvPr/>
-        </p:nvSpPr>
-        <p:spPr>
-          <a:xfrm>
-            <a:off x="395536" y="620688"/>
-            <a:ext cx="864096" cy="432048"/>
-          </a:xfrm>
-          <a:prstGeom prst="rect">
-            <a:avLst/>
-          </a:prstGeom>
-          <a:solidFill>
-            <a:schemeClr val="accent6">
-              <a:lumMod val="50000"/>
-            </a:schemeClr>
-          </a:solidFill>
-          <a:ln>
-            <a:noFill/>
-          </a:ln>
-        </p:spPr>
-        <p:style>
-          <a:lnRef idx="2">
-            <a:schemeClr val="accent1">
-              <a:shade val="50000"/>
-            </a:schemeClr>
-          </a:lnRef>
-          <a:fillRef idx="1">
-            <a:schemeClr val="accent1"/>
-          </a:fillRef>
-          <a:effectRef idx="0">
-            <a:schemeClr val="accent1"/>
-          </a:effectRef>
-          <a:fontRef idx="minor">
-            <a:schemeClr val="lt1"/>
-          </a:fontRef>
-        </p:style>
-        <p:txBody>
-          <a:bodyPr rtlCol="0" anchor="ctr"/>
-          <a:lstStyle/>
-          <a:p>
-            <a:pPr algn="ctr"/>
-            <a:r>
-              <a:rPr lang="en-US" altLang="zh-CN" sz="1200" dirty="0" err="1" smtClean="0"/>
-              <a:t>Webhook</a:t>
-            </a:r>
-            <a:endParaRPr lang="zh-CN" altLang="en-US" sz="1200" dirty="0"/>
-          </a:p>
-        </p:txBody>
-      </p:sp>
-      <p:cxnSp>
-        <p:nvCxnSpPr>
-          <p:cNvPr id="153" name="形状 152"/>
-          <p:cNvCxnSpPr>
-            <a:stCxn id="151" idx="2"/>
-            <a:endCxn id="79" idx="1"/>
-          </p:cNvCxnSpPr>
-          <p:nvPr/>
-        </p:nvCxnSpPr>
-        <p:spPr>
-          <a:xfrm rot="16200000" flipH="1">
-            <a:off x="557554" y="1322766"/>
-            <a:ext cx="756084" cy="216024"/>
-          </a:xfrm>
-          <a:prstGeom prst="bentConnector2">
-            <a:avLst/>
-          </a:prstGeom>
-          <a:ln>
-            <a:tailEnd type="arrow"/>
-          </a:ln>
-        </p:spPr>
-        <p:style>
-          <a:lnRef idx="1">
-            <a:schemeClr val="accent1"/>
-          </a:lnRef>
-          <a:fillRef idx="0">
-            <a:schemeClr val="accent1"/>
-          </a:fillRef>
-          <a:effectRef idx="0">
-            <a:schemeClr val="accent1"/>
-          </a:effectRef>
-          <a:fontRef idx="minor">
-            <a:schemeClr val="tx1"/>
-          </a:fontRef>
-        </p:style>
-      </p:cxnSp>
-      <p:cxnSp>
-        <p:nvCxnSpPr>
-          <p:cNvPr id="158" name="肘形连接符 157"/>
-          <p:cNvCxnSpPr>
-            <a:stCxn id="36" idx="2"/>
-            <a:endCxn id="70" idx="1"/>
-          </p:cNvCxnSpPr>
-          <p:nvPr/>
-        </p:nvCxnSpPr>
-        <p:spPr>
-          <a:xfrm rot="16200000" flipH="1">
-            <a:off x="1598495" y="3335815"/>
-            <a:ext cx="1734542" cy="3492388"/>
-          </a:xfrm>
-          <a:prstGeom prst="bentConnector3">
-            <a:avLst>
-              <a:gd name="adj1" fmla="val 50000"/>
-            </a:avLst>
-          </a:prstGeom>
-          <a:ln>
-            <a:solidFill>
-              <a:srgbClr val="92D050"/>
-            </a:solidFill>
-            <a:tailEnd type="arrow"/>
-          </a:ln>
-        </p:spPr>
-        <p:style>
-          <a:lnRef idx="1">
-            <a:schemeClr val="accent1"/>
-          </a:lnRef>
-          <a:fillRef idx="0">
-            <a:schemeClr val="accent1"/>
-          </a:fillRef>
-          <a:effectRef idx="0">
-            <a:schemeClr val="accent1"/>
-          </a:effectRef>
-          <a:fontRef idx="minor">
-            <a:schemeClr val="tx1"/>
-          </a:fontRef>
-        </p:style>
-      </p:cxnSp>
-      <p:cxnSp>
-        <p:nvCxnSpPr>
-          <p:cNvPr id="160" name="肘形连接符 159"/>
-          <p:cNvCxnSpPr>
-            <a:stCxn id="41" idx="2"/>
-            <a:endCxn id="70" idx="1"/>
-          </p:cNvCxnSpPr>
-          <p:nvPr/>
-        </p:nvCxnSpPr>
-        <p:spPr>
-          <a:xfrm rot="5400000">
-            <a:off x="3974759" y="4451939"/>
-            <a:ext cx="1734542" cy="1260140"/>
-          </a:xfrm>
-          <a:prstGeom prst="bentConnector3">
-            <a:avLst>
-              <a:gd name="adj1" fmla="val 50000"/>
-            </a:avLst>
-          </a:prstGeom>
-          <a:ln>
-            <a:solidFill>
-              <a:srgbClr val="92D050"/>
-            </a:solidFill>
-            <a:tailEnd type="arrow"/>
-          </a:ln>
-        </p:spPr>
-        <p:style>
-          <a:lnRef idx="1">
-            <a:schemeClr val="accent1"/>
-          </a:lnRef>
-          <a:fillRef idx="0">
-            <a:schemeClr val="accent1"/>
-          </a:fillRef>
-          <a:effectRef idx="0">
-            <a:schemeClr val="accent1"/>
-          </a:effectRef>
-          <a:fontRef idx="minor">
-            <a:schemeClr val="tx1"/>
-          </a:fontRef>
-        </p:style>
-      </p:cxnSp>
-      <p:sp>
-        <p:nvSpPr>
-          <p:cNvPr id="51" name="笑脸 50"/>
-          <p:cNvSpPr/>
-          <p:nvPr/>
-        </p:nvSpPr>
-        <p:spPr>
-          <a:xfrm>
-            <a:off x="5292080" y="162812"/>
-            <a:ext cx="360040" cy="332656"/>
-          </a:xfrm>
-          <a:prstGeom prst="smileyFace">
-            <a:avLst/>
-          </a:prstGeom>
-        </p:spPr>
-        <p:style>
-          <a:lnRef idx="2">
-            <a:schemeClr val="accent1">
-              <a:shade val="50000"/>
-            </a:schemeClr>
-          </a:lnRef>
-          <a:fillRef idx="1">
-            <a:schemeClr val="accent1"/>
-          </a:fillRef>
-          <a:effectRef idx="0">
-            <a:schemeClr val="accent1"/>
-          </a:effectRef>
-          <a:fontRef idx="minor">
-            <a:schemeClr val="lt1"/>
-          </a:fontRef>
-        </p:style>
-        <p:txBody>
-          <a:bodyPr rtlCol="0" anchor="ctr"/>
-          <a:lstStyle/>
-          <a:p>
-            <a:pPr algn="ctr"/>
-            <a:endParaRPr lang="zh-CN" altLang="en-US"/>
-          </a:p>
-        </p:txBody>
-      </p:sp>
-      <p:sp>
-        <p:nvSpPr>
-          <p:cNvPr id="66" name="流程图: 磁盘 65"/>
-          <p:cNvSpPr/>
-          <p:nvPr/>
-        </p:nvSpPr>
-        <p:spPr>
-          <a:xfrm>
-            <a:off x="611560" y="5949280"/>
-            <a:ext cx="648072" cy="576064"/>
-          </a:xfrm>
-          <a:prstGeom prst="flowChartMagneticDisk">
-            <a:avLst/>
-          </a:prstGeom>
-          <a:ln w="3175"/>
-        </p:spPr>
-        <p:style>
-          <a:lnRef idx="2">
-            <a:schemeClr val="accent1">
-              <a:shade val="50000"/>
-            </a:schemeClr>
-          </a:lnRef>
-          <a:fillRef idx="1">
-            <a:schemeClr val="accent1"/>
-          </a:fillRef>
-          <a:effectRef idx="0">
-            <a:schemeClr val="accent1"/>
-          </a:effectRef>
-          <a:fontRef idx="minor">
-            <a:schemeClr val="lt1"/>
-          </a:fontRef>
-        </p:style>
-        <p:txBody>
-          <a:bodyPr rtlCol="0" anchor="ctr"/>
-          <a:lstStyle/>
-          <a:p>
-            <a:pPr algn="ctr"/>
-            <a:r>
-              <a:rPr lang="en-US" altLang="zh-CN" sz="1100" dirty="0" err="1" smtClean="0"/>
-              <a:t>Redis</a:t>
-            </a:r>
-            <a:endParaRPr lang="zh-CN" altLang="en-US" sz="1100" dirty="0"/>
-          </a:p>
-        </p:txBody>
-      </p:sp>
-      <p:sp>
-        <p:nvSpPr>
-          <p:cNvPr id="70" name="流程图: 磁盘 69"/>
-          <p:cNvSpPr/>
-          <p:nvPr/>
-        </p:nvSpPr>
-        <p:spPr>
-          <a:xfrm>
-            <a:off x="3779912" y="5949280"/>
-            <a:ext cx="864096" cy="576064"/>
-          </a:xfrm>
-          <a:prstGeom prst="flowChartMagneticDisk">
-            <a:avLst/>
-          </a:prstGeom>
-          <a:ln w="3175"/>
-        </p:spPr>
-        <p:style>
-          <a:lnRef idx="2">
-            <a:schemeClr val="accent1">
-              <a:shade val="50000"/>
-            </a:schemeClr>
-          </a:lnRef>
-          <a:fillRef idx="1">
-            <a:schemeClr val="accent1"/>
-          </a:fillRef>
-          <a:effectRef idx="0">
-            <a:schemeClr val="accent1"/>
-          </a:effectRef>
-          <a:fontRef idx="minor">
-            <a:schemeClr val="lt1"/>
-          </a:fontRef>
-        </p:style>
-        <p:txBody>
-          <a:bodyPr rtlCol="0" anchor="ctr"/>
-          <a:lstStyle/>
-          <a:p>
-            <a:pPr algn="ctr"/>
-            <a:r>
-              <a:rPr lang="en-US" altLang="zh-CN" sz="1100" dirty="0" err="1" smtClean="0">
-                <a:solidFill>
-                  <a:schemeClr val="bg1"/>
-                </a:solidFill>
-              </a:rPr>
-              <a:t>RabbitMQ</a:t>
-            </a:r>
-            <a:endParaRPr lang="zh-CN" altLang="en-US" sz="1100" dirty="0"/>
-          </a:p>
-        </p:txBody>
-      </p:sp>
-      <p:cxnSp>
-        <p:nvCxnSpPr>
-          <p:cNvPr id="75" name="直接箭头连接符 74"/>
-          <p:cNvCxnSpPr>
-            <a:stCxn id="41" idx="1"/>
-            <a:endCxn id="79" idx="3"/>
-          </p:cNvCxnSpPr>
-          <p:nvPr/>
-        </p:nvCxnSpPr>
-        <p:spPr>
-          <a:xfrm flipH="1" flipV="1">
-            <a:off x="3419872" y="1808820"/>
-            <a:ext cx="1440160" cy="1613830"/>
-          </a:xfrm>
-          <a:prstGeom prst="straightConnector1">
-            <a:avLst/>
-          </a:prstGeom>
-          <a:ln>
-            <a:solidFill>
-              <a:srgbClr val="00B050"/>
-            </a:solidFill>
-            <a:tailEnd type="arrow"/>
-          </a:ln>
-        </p:spPr>
-        <p:style>
-          <a:lnRef idx="1">
-            <a:schemeClr val="accent1"/>
-          </a:lnRef>
-          <a:fillRef idx="0">
-            <a:schemeClr val="accent1"/>
-          </a:fillRef>
-          <a:effectRef idx="0">
-            <a:schemeClr val="accent1"/>
-          </a:effectRef>
-          <a:fontRef idx="minor">
-            <a:schemeClr val="tx1"/>
-          </a:fontRef>
-        </p:style>
-      </p:cxnSp>
-      <p:sp>
-        <p:nvSpPr>
-          <p:cNvPr id="87" name="矩形 86"/>
-          <p:cNvSpPr/>
-          <p:nvPr/>
-        </p:nvSpPr>
-        <p:spPr>
-          <a:xfrm>
-            <a:off x="3347864" y="3573016"/>
-            <a:ext cx="1008112" cy="504056"/>
-          </a:xfrm>
-          <a:prstGeom prst="rect">
-            <a:avLst/>
-          </a:prstGeom>
-          <a:solidFill>
-            <a:srgbClr val="FFC000"/>
-          </a:solidFill>
-          <a:ln>
-            <a:noFill/>
-          </a:ln>
-        </p:spPr>
-        <p:style>
-          <a:lnRef idx="2">
-            <a:schemeClr val="accent1">
-              <a:shade val="50000"/>
-            </a:schemeClr>
-          </a:lnRef>
-          <a:fillRef idx="1">
-            <a:schemeClr val="accent1"/>
-          </a:fillRef>
-          <a:effectRef idx="0">
-            <a:schemeClr val="accent1"/>
-          </a:effectRef>
-          <a:fontRef idx="minor">
-            <a:schemeClr val="lt1"/>
-          </a:fontRef>
-        </p:style>
-        <p:txBody>
-          <a:bodyPr rtlCol="0" anchor="ctr"/>
-          <a:lstStyle/>
-          <a:p>
-            <a:pPr algn="ctr"/>
-            <a:r>
-              <a:rPr lang="en-US" altLang="zh-CN" sz="1200" dirty="0" smtClean="0">
-                <a:solidFill>
-                  <a:schemeClr val="tx1"/>
-                </a:solidFill>
-              </a:rPr>
-              <a:t>auth-service</a:t>
-            </a:r>
-          </a:p>
-          <a:p>
-            <a:pPr algn="ctr"/>
-            <a:r>
-              <a:rPr lang="en-US" altLang="zh-CN" sz="1200" dirty="0" smtClean="0">
-                <a:solidFill>
-                  <a:schemeClr val="tx1"/>
-                </a:solidFill>
-              </a:rPr>
-              <a:t>JWT</a:t>
-            </a:r>
-            <a:endParaRPr lang="zh-CN" altLang="en-US" sz="1200" dirty="0">
-              <a:solidFill>
-                <a:schemeClr val="tx1"/>
-              </a:solidFill>
-            </a:endParaRPr>
-          </a:p>
-        </p:txBody>
-      </p:sp>
-      <p:sp>
-        <p:nvSpPr>
-          <p:cNvPr id="62" name="矩形 61"/>
-          <p:cNvSpPr/>
-          <p:nvPr/>
-        </p:nvSpPr>
-        <p:spPr>
-          <a:xfrm>
-            <a:off x="107504" y="5229200"/>
-            <a:ext cx="1224136" cy="504056"/>
-          </a:xfrm>
-          <a:prstGeom prst="rect">
-            <a:avLst/>
-          </a:prstGeom>
-          <a:solidFill>
-            <a:schemeClr val="accent3">
-              <a:lumMod val="50000"/>
-            </a:schemeClr>
-          </a:solidFill>
-          <a:ln>
-            <a:noFill/>
-          </a:ln>
-        </p:spPr>
-        <p:style>
-          <a:lnRef idx="2">
-            <a:schemeClr val="accent1">
-              <a:shade val="50000"/>
-            </a:schemeClr>
-          </a:lnRef>
-          <a:fillRef idx="1">
-            <a:schemeClr val="accent1"/>
-          </a:fillRef>
-          <a:effectRef idx="0">
-            <a:schemeClr val="accent1"/>
-          </a:effectRef>
-          <a:fontRef idx="minor">
-            <a:schemeClr val="lt1"/>
-          </a:fontRef>
-        </p:style>
-        <p:txBody>
-          <a:bodyPr rtlCol="0" anchor="ctr"/>
-          <a:lstStyle/>
-          <a:p>
-            <a:pPr algn="ctr"/>
-            <a:r>
-              <a:rPr lang="en-US" altLang="zh-CN" sz="1200" dirty="0" smtClean="0"/>
-              <a:t>Admin Server</a:t>
-            </a:r>
-            <a:endParaRPr lang="zh-CN" altLang="en-US" sz="1200" dirty="0"/>
-          </a:p>
-        </p:txBody>
-      </p:sp>
-      <p:cxnSp>
-        <p:nvCxnSpPr>
-          <p:cNvPr id="59" name="直接箭头连接符 58"/>
-          <p:cNvCxnSpPr>
-            <a:stCxn id="87" idx="1"/>
-            <a:endCxn id="35" idx="3"/>
-          </p:cNvCxnSpPr>
-          <p:nvPr/>
-        </p:nvCxnSpPr>
-        <p:spPr>
-          <a:xfrm flipH="1" flipV="1">
-            <a:off x="2843808" y="3422650"/>
-            <a:ext cx="504056" cy="402394"/>
-          </a:xfrm>
-          <a:prstGeom prst="straightConnector1">
-            <a:avLst/>
-          </a:prstGeom>
-          <a:ln>
-            <a:solidFill>
-              <a:srgbClr val="FF0000"/>
-            </a:solidFill>
-            <a:tailEnd type="arrow"/>
-          </a:ln>
-        </p:spPr>
-        <p:style>
-          <a:lnRef idx="1">
-            <a:schemeClr val="accent1"/>
-          </a:lnRef>
-          <a:fillRef idx="0">
-            <a:schemeClr val="accent1"/>
-          </a:fillRef>
-          <a:effectRef idx="0">
-            <a:schemeClr val="accent1"/>
-          </a:effectRef>
-          <a:fontRef idx="minor">
-            <a:schemeClr val="tx1"/>
-          </a:fontRef>
-        </p:style>
-      </p:cxnSp>
-      <p:cxnSp>
-        <p:nvCxnSpPr>
-          <p:cNvPr id="63" name="肘形连接符 62"/>
-          <p:cNvCxnSpPr>
-            <a:stCxn id="77" idx="2"/>
-            <a:endCxn id="87" idx="0"/>
-          </p:cNvCxnSpPr>
-          <p:nvPr/>
-        </p:nvCxnSpPr>
-        <p:spPr>
-          <a:xfrm rot="5400000">
-            <a:off x="4013938" y="2114854"/>
-            <a:ext cx="1296144" cy="1620180"/>
-          </a:xfrm>
-          <a:prstGeom prst="bentConnector3">
-            <a:avLst>
-              <a:gd name="adj1" fmla="val 17548"/>
-            </a:avLst>
-          </a:prstGeom>
-          <a:ln>
-            <a:solidFill>
-              <a:srgbClr val="FFC000"/>
-            </a:solidFill>
-            <a:tailEnd type="arrow"/>
-          </a:ln>
-        </p:spPr>
-        <p:style>
-          <a:lnRef idx="1">
-            <a:schemeClr val="accent1"/>
-          </a:lnRef>
-          <a:fillRef idx="0">
-            <a:schemeClr val="accent1"/>
-          </a:fillRef>
-          <a:effectRef idx="0">
-            <a:schemeClr val="accent1"/>
-          </a:effectRef>
-          <a:fontRef idx="minor">
-            <a:schemeClr val="tx1"/>
-          </a:fontRef>
-        </p:style>
-      </p:cxnSp>
+              <a:t>服务注册</a:t>
+            </a:r>
+            <a:endParaRPr lang="zh-CN" altLang="en-US" sz="1000" dirty="0"/>
+          </a:p>
+        </p:txBody>
+      </p:sp>
     </p:spTree>
   </p:cSld>
   <p:clrMapOvr>
